--- a/R_Presentation.pptx
+++ b/R_Presentation.pptx
@@ -5,10 +5,10 @@
     <p:sldMasterId id="2147483672" r:id="rId1"/>
   </p:sldMasterIdLst>
   <p:notesMasterIdLst>
-    <p:notesMasterId r:id="rId32"/>
+    <p:notesMasterId r:id="rId34"/>
   </p:notesMasterIdLst>
   <p:handoutMasterIdLst>
-    <p:handoutMasterId r:id="rId33"/>
+    <p:handoutMasterId r:id="rId35"/>
   </p:handoutMasterIdLst>
   <p:sldIdLst>
     <p:sldId id="295" r:id="rId2"/>
@@ -16,31 +16,33 @@
     <p:sldId id="452" r:id="rId4"/>
     <p:sldId id="439" r:id="rId5"/>
     <p:sldId id="440" r:id="rId6"/>
-    <p:sldId id="466" r:id="rId7"/>
-    <p:sldId id="446" r:id="rId8"/>
-    <p:sldId id="447" r:id="rId9"/>
-    <p:sldId id="453" r:id="rId10"/>
-    <p:sldId id="448" r:id="rId11"/>
-    <p:sldId id="449" r:id="rId12"/>
-    <p:sldId id="450" r:id="rId13"/>
-    <p:sldId id="451" r:id="rId14"/>
-    <p:sldId id="441" r:id="rId15"/>
-    <p:sldId id="467" r:id="rId16"/>
-    <p:sldId id="442" r:id="rId17"/>
-    <p:sldId id="443" r:id="rId18"/>
-    <p:sldId id="444" r:id="rId19"/>
-    <p:sldId id="445" r:id="rId20"/>
-    <p:sldId id="468" r:id="rId21"/>
-    <p:sldId id="454" r:id="rId22"/>
-    <p:sldId id="455" r:id="rId23"/>
-    <p:sldId id="456" r:id="rId24"/>
-    <p:sldId id="470" r:id="rId25"/>
-    <p:sldId id="469" r:id="rId26"/>
-    <p:sldId id="458" r:id="rId27"/>
-    <p:sldId id="457" r:id="rId28"/>
-    <p:sldId id="459" r:id="rId29"/>
-    <p:sldId id="460" r:id="rId30"/>
-    <p:sldId id="461" r:id="rId31"/>
+    <p:sldId id="472" r:id="rId7"/>
+    <p:sldId id="466" r:id="rId8"/>
+    <p:sldId id="446" r:id="rId9"/>
+    <p:sldId id="447" r:id="rId10"/>
+    <p:sldId id="453" r:id="rId11"/>
+    <p:sldId id="448" r:id="rId12"/>
+    <p:sldId id="449" r:id="rId13"/>
+    <p:sldId id="450" r:id="rId14"/>
+    <p:sldId id="451" r:id="rId15"/>
+    <p:sldId id="471" r:id="rId16"/>
+    <p:sldId id="441" r:id="rId17"/>
+    <p:sldId id="467" r:id="rId18"/>
+    <p:sldId id="442" r:id="rId19"/>
+    <p:sldId id="443" r:id="rId20"/>
+    <p:sldId id="444" r:id="rId21"/>
+    <p:sldId id="445" r:id="rId22"/>
+    <p:sldId id="468" r:id="rId23"/>
+    <p:sldId id="454" r:id="rId24"/>
+    <p:sldId id="455" r:id="rId25"/>
+    <p:sldId id="456" r:id="rId26"/>
+    <p:sldId id="470" r:id="rId27"/>
+    <p:sldId id="469" r:id="rId28"/>
+    <p:sldId id="458" r:id="rId29"/>
+    <p:sldId id="457" r:id="rId30"/>
+    <p:sldId id="459" r:id="rId31"/>
+    <p:sldId id="460" r:id="rId32"/>
+    <p:sldId id="461" r:id="rId33"/>
   </p:sldIdLst>
   <p:sldSz cx="12192000" cy="6858000"/>
   <p:notesSz cx="6858000" cy="9144000"/>
@@ -1079,6 +1081,20 @@
             </a:rPr>
             <a:t>視覺化</a:t>
           </a:r>
+          <a:r>
+            <a:rPr lang="en-US" altLang="zh-TW" sz="3200" b="1" dirty="0">
+              <a:latin typeface="微軟正黑體" panose="020B0604030504040204" pitchFamily="34" charset="-120"/>
+              <a:ea typeface="微軟正黑體" panose="020B0604030504040204" pitchFamily="34" charset="-120"/>
+            </a:rPr>
+            <a:t>/</a:t>
+          </a:r>
+          <a:r>
+            <a:rPr lang="zh-TW" altLang="en-US" sz="3200" b="1" dirty="0">
+              <a:latin typeface="微軟正黑體" panose="020B0604030504040204" pitchFamily="34" charset="-120"/>
+              <a:ea typeface="微軟正黑體" panose="020B0604030504040204" pitchFamily="34" charset="-120"/>
+            </a:rPr>
+            <a:t>分析</a:t>
+          </a:r>
         </a:p>
       </dgm:t>
     </dgm:pt>
@@ -1228,8 +1244,8 @@
       </dsp:nvSpPr>
       <dsp:spPr>
         <a:xfrm>
-          <a:off x="4621" y="1736725"/>
-          <a:ext cx="2020453" cy="1666874"/>
+          <a:off x="4621" y="1417083"/>
+          <a:ext cx="2020453" cy="2306158"/>
         </a:xfrm>
         <a:prstGeom prst="roundRect">
           <a:avLst>
@@ -1300,8 +1316,8 @@
         </a:p>
       </dsp:txBody>
       <dsp:txXfrm>
-        <a:off x="53442" y="1785546"/>
-        <a:ext cx="1922811" cy="1569232"/>
+        <a:off x="63798" y="1476260"/>
+        <a:ext cx="1902099" cy="2187804"/>
       </dsp:txXfrm>
     </dsp:sp>
     <dsp:sp modelId="{4568996F-AAC8-45CA-A1C8-B87AF51B8276}">
@@ -1384,8 +1400,8 @@
       </dsp:nvSpPr>
       <dsp:spPr>
         <a:xfrm>
-          <a:off x="2833255" y="1736725"/>
-          <a:ext cx="2020453" cy="1666874"/>
+          <a:off x="2833255" y="1417083"/>
+          <a:ext cx="2020453" cy="2306158"/>
         </a:xfrm>
         <a:prstGeom prst="roundRect">
           <a:avLst>
@@ -1456,8 +1472,8 @@
         </a:p>
       </dsp:txBody>
       <dsp:txXfrm>
-        <a:off x="2882076" y="1785546"/>
-        <a:ext cx="1922811" cy="1569232"/>
+        <a:off x="2892432" y="1476260"/>
+        <a:ext cx="1902099" cy="2187804"/>
       </dsp:txXfrm>
     </dsp:sp>
     <dsp:sp modelId="{70FE0086-7CBB-4810-99D8-76AB4E8C3CD6}">
@@ -1540,8 +1556,8 @@
       </dsp:nvSpPr>
       <dsp:spPr>
         <a:xfrm>
-          <a:off x="5661890" y="1736725"/>
-          <a:ext cx="2020453" cy="1666874"/>
+          <a:off x="5661890" y="1417083"/>
+          <a:ext cx="2020453" cy="2306158"/>
         </a:xfrm>
         <a:prstGeom prst="roundRect">
           <a:avLst>
@@ -1625,8 +1641,8 @@
         </a:p>
       </dsp:txBody>
       <dsp:txXfrm>
-        <a:off x="5710711" y="1785546"/>
-        <a:ext cx="1922811" cy="1569232"/>
+        <a:off x="5721067" y="1476260"/>
+        <a:ext cx="1902099" cy="2187804"/>
       </dsp:txXfrm>
     </dsp:sp>
     <dsp:sp modelId="{EA15BB6F-0CE7-49D2-989D-E5BF487975EF}">
@@ -1709,8 +1725,8 @@
       </dsp:nvSpPr>
       <dsp:spPr>
         <a:xfrm>
-          <a:off x="8490525" y="1736725"/>
-          <a:ext cx="2020453" cy="1666874"/>
+          <a:off x="8490525" y="1417083"/>
+          <a:ext cx="2020453" cy="2306158"/>
         </a:xfrm>
         <a:prstGeom prst="roundRect">
           <a:avLst>
@@ -1791,11 +1807,25 @@
             </a:rPr>
             <a:t>視覺化</a:t>
           </a:r>
+          <a:r>
+            <a:rPr lang="en-US" altLang="zh-TW" sz="3200" b="1" kern="1200" dirty="0">
+              <a:latin typeface="微軟正黑體" panose="020B0604030504040204" pitchFamily="34" charset="-120"/>
+              <a:ea typeface="微軟正黑體" panose="020B0604030504040204" pitchFamily="34" charset="-120"/>
+            </a:rPr>
+            <a:t>/</a:t>
+          </a:r>
+          <a:r>
+            <a:rPr lang="zh-TW" altLang="en-US" sz="3200" b="1" kern="1200" dirty="0">
+              <a:latin typeface="微軟正黑體" panose="020B0604030504040204" pitchFamily="34" charset="-120"/>
+              <a:ea typeface="微軟正黑體" panose="020B0604030504040204" pitchFamily="34" charset="-120"/>
+            </a:rPr>
+            <a:t>分析</a:t>
+          </a:r>
         </a:p>
       </dsp:txBody>
       <dsp:txXfrm>
-        <a:off x="8539346" y="1785546"/>
-        <a:ext cx="1922811" cy="1569232"/>
+        <a:off x="8549702" y="1476260"/>
+        <a:ext cx="1902099" cy="2187804"/>
       </dsp:txXfrm>
     </dsp:sp>
   </dsp:spTree>
@@ -3571,6 +3601,258 @@
     <p:extLst>
       <p:ext uri="{BB962C8B-B14F-4D97-AF65-F5344CB8AC3E}">
         <p14:creationId xmlns:p14="http://schemas.microsoft.com/office/powerpoint/2010/main" val="3990410996"/>
+      </p:ext>
+    </p:extLst>
+  </p:cSld>
+  <p:clrMapOvr>
+    <a:masterClrMapping/>
+  </p:clrMapOvr>
+</p:notes>
+</file>
+
+<file path=ppt/notesSlides/notesSlide2.xml><?xml version="1.0" encoding="utf-8"?>
+<p:notes xmlns:a="http://schemas.openxmlformats.org/drawingml/2006/main" xmlns:r="http://schemas.openxmlformats.org/officeDocument/2006/relationships" xmlns:p="http://schemas.openxmlformats.org/presentationml/2006/main">
+  <p:cSld>
+    <p:spTree>
+      <p:nvGrpSpPr>
+        <p:cNvPr id="1" name=""/>
+        <p:cNvGrpSpPr/>
+        <p:nvPr/>
+      </p:nvGrpSpPr>
+      <p:grpSpPr>
+        <a:xfrm>
+          <a:off x="0" y="0"/>
+          <a:ext cx="0" cy="0"/>
+          <a:chOff x="0" y="0"/>
+          <a:chExt cx="0" cy="0"/>
+        </a:xfrm>
+      </p:grpSpPr>
+      <p:sp>
+        <p:nvSpPr>
+          <p:cNvPr id="2" name="投影片影像版面配置區 1"/>
+          <p:cNvSpPr>
+            <a:spLocks noGrp="1" noRot="1" noChangeAspect="1"/>
+          </p:cNvSpPr>
+          <p:nvPr>
+            <p:ph type="sldImg"/>
+          </p:nvPr>
+        </p:nvSpPr>
+        <p:spPr/>
+      </p:sp>
+      <p:sp>
+        <p:nvSpPr>
+          <p:cNvPr id="3" name="備忘稿版面配置區 2"/>
+          <p:cNvSpPr>
+            <a:spLocks noGrp="1"/>
+          </p:cNvSpPr>
+          <p:nvPr>
+            <p:ph type="body" idx="1"/>
+          </p:nvPr>
+        </p:nvSpPr>
+        <p:spPr/>
+        <p:txBody>
+          <a:bodyPr/>
+          <a:lstStyle/>
+          <a:p>
+            <a:endParaRPr lang="zh-TW" altLang="en-US" dirty="0"/>
+          </a:p>
+        </p:txBody>
+      </p:sp>
+      <p:sp>
+        <p:nvSpPr>
+          <p:cNvPr id="4" name="投影片編號版面配置區 3"/>
+          <p:cNvSpPr>
+            <a:spLocks noGrp="1"/>
+          </p:cNvSpPr>
+          <p:nvPr>
+            <p:ph type="sldNum" sz="quarter" idx="5"/>
+          </p:nvPr>
+        </p:nvSpPr>
+        <p:spPr/>
+        <p:txBody>
+          <a:bodyPr/>
+          <a:lstStyle/>
+          <a:p>
+            <a:fld id="{EB84BAFE-DFB0-4DB6-B5BA-50FBF1975C47}" type="slidenum">
+              <a:rPr lang="zh-TW" altLang="en-US" smtClean="0"/>
+              <a:t>6</a:t>
+            </a:fld>
+            <a:endParaRPr lang="zh-TW" altLang="en-US"/>
+          </a:p>
+        </p:txBody>
+      </p:sp>
+    </p:spTree>
+    <p:extLst>
+      <p:ext uri="{BB962C8B-B14F-4D97-AF65-F5344CB8AC3E}">
+        <p14:creationId xmlns:p14="http://schemas.microsoft.com/office/powerpoint/2010/main" val="1780760231"/>
+      </p:ext>
+    </p:extLst>
+  </p:cSld>
+  <p:clrMapOvr>
+    <a:masterClrMapping/>
+  </p:clrMapOvr>
+</p:notes>
+</file>
+
+<file path=ppt/notesSlides/notesSlide3.xml><?xml version="1.0" encoding="utf-8"?>
+<p:notes xmlns:a="http://schemas.openxmlformats.org/drawingml/2006/main" xmlns:r="http://schemas.openxmlformats.org/officeDocument/2006/relationships" xmlns:p="http://schemas.openxmlformats.org/presentationml/2006/main">
+  <p:cSld>
+    <p:spTree>
+      <p:nvGrpSpPr>
+        <p:cNvPr id="1" name=""/>
+        <p:cNvGrpSpPr/>
+        <p:nvPr/>
+      </p:nvGrpSpPr>
+      <p:grpSpPr>
+        <a:xfrm>
+          <a:off x="0" y="0"/>
+          <a:ext cx="0" cy="0"/>
+          <a:chOff x="0" y="0"/>
+          <a:chExt cx="0" cy="0"/>
+        </a:xfrm>
+      </p:grpSpPr>
+      <p:sp>
+        <p:nvSpPr>
+          <p:cNvPr id="2" name="投影片影像版面配置區 1"/>
+          <p:cNvSpPr>
+            <a:spLocks noGrp="1" noRot="1" noChangeAspect="1"/>
+          </p:cNvSpPr>
+          <p:nvPr>
+            <p:ph type="sldImg"/>
+          </p:nvPr>
+        </p:nvSpPr>
+        <p:spPr/>
+      </p:sp>
+      <p:sp>
+        <p:nvSpPr>
+          <p:cNvPr id="3" name="備忘稿版面配置區 2"/>
+          <p:cNvSpPr>
+            <a:spLocks noGrp="1"/>
+          </p:cNvSpPr>
+          <p:nvPr>
+            <p:ph type="body" idx="1"/>
+          </p:nvPr>
+        </p:nvSpPr>
+        <p:spPr/>
+        <p:txBody>
+          <a:bodyPr/>
+          <a:lstStyle/>
+          <a:p>
+            <a:endParaRPr lang="zh-TW" altLang="en-US" dirty="0"/>
+          </a:p>
+        </p:txBody>
+      </p:sp>
+      <p:sp>
+        <p:nvSpPr>
+          <p:cNvPr id="4" name="投影片編號版面配置區 3"/>
+          <p:cNvSpPr>
+            <a:spLocks noGrp="1"/>
+          </p:cNvSpPr>
+          <p:nvPr>
+            <p:ph type="sldNum" sz="quarter" idx="5"/>
+          </p:nvPr>
+        </p:nvSpPr>
+        <p:spPr/>
+        <p:txBody>
+          <a:bodyPr/>
+          <a:lstStyle/>
+          <a:p>
+            <a:fld id="{EB84BAFE-DFB0-4DB6-B5BA-50FBF1975C47}" type="slidenum">
+              <a:rPr lang="zh-TW" altLang="en-US" smtClean="0"/>
+              <a:t>7</a:t>
+            </a:fld>
+            <a:endParaRPr lang="zh-TW" altLang="en-US"/>
+          </a:p>
+        </p:txBody>
+      </p:sp>
+    </p:spTree>
+    <p:extLst>
+      <p:ext uri="{BB962C8B-B14F-4D97-AF65-F5344CB8AC3E}">
+        <p14:creationId xmlns:p14="http://schemas.microsoft.com/office/powerpoint/2010/main" val="2853187273"/>
+      </p:ext>
+    </p:extLst>
+  </p:cSld>
+  <p:clrMapOvr>
+    <a:masterClrMapping/>
+  </p:clrMapOvr>
+</p:notes>
+</file>
+
+<file path=ppt/notesSlides/notesSlide4.xml><?xml version="1.0" encoding="utf-8"?>
+<p:notes xmlns:a="http://schemas.openxmlformats.org/drawingml/2006/main" xmlns:r="http://schemas.openxmlformats.org/officeDocument/2006/relationships" xmlns:p="http://schemas.openxmlformats.org/presentationml/2006/main">
+  <p:cSld>
+    <p:spTree>
+      <p:nvGrpSpPr>
+        <p:cNvPr id="1" name=""/>
+        <p:cNvGrpSpPr/>
+        <p:nvPr/>
+      </p:nvGrpSpPr>
+      <p:grpSpPr>
+        <a:xfrm>
+          <a:off x="0" y="0"/>
+          <a:ext cx="0" cy="0"/>
+          <a:chOff x="0" y="0"/>
+          <a:chExt cx="0" cy="0"/>
+        </a:xfrm>
+      </p:grpSpPr>
+      <p:sp>
+        <p:nvSpPr>
+          <p:cNvPr id="2" name="投影片影像版面配置區 1"/>
+          <p:cNvSpPr>
+            <a:spLocks noGrp="1" noRot="1" noChangeAspect="1"/>
+          </p:cNvSpPr>
+          <p:nvPr>
+            <p:ph type="sldImg"/>
+          </p:nvPr>
+        </p:nvSpPr>
+        <p:spPr/>
+      </p:sp>
+      <p:sp>
+        <p:nvSpPr>
+          <p:cNvPr id="3" name="備忘稿版面配置區 2"/>
+          <p:cNvSpPr>
+            <a:spLocks noGrp="1"/>
+          </p:cNvSpPr>
+          <p:nvPr>
+            <p:ph type="body" idx="1"/>
+          </p:nvPr>
+        </p:nvSpPr>
+        <p:spPr/>
+        <p:txBody>
+          <a:bodyPr/>
+          <a:lstStyle/>
+          <a:p>
+            <a:endParaRPr lang="zh-TW" altLang="en-US" dirty="0"/>
+          </a:p>
+        </p:txBody>
+      </p:sp>
+      <p:sp>
+        <p:nvSpPr>
+          <p:cNvPr id="4" name="投影片編號版面配置區 3"/>
+          <p:cNvSpPr>
+            <a:spLocks noGrp="1"/>
+          </p:cNvSpPr>
+          <p:nvPr>
+            <p:ph type="sldNum" sz="quarter" idx="5"/>
+          </p:nvPr>
+        </p:nvSpPr>
+        <p:spPr/>
+        <p:txBody>
+          <a:bodyPr/>
+          <a:lstStyle/>
+          <a:p>
+            <a:fld id="{EB84BAFE-DFB0-4DB6-B5BA-50FBF1975C47}" type="slidenum">
+              <a:rPr lang="zh-TW" altLang="en-US" smtClean="0"/>
+              <a:t>11</a:t>
+            </a:fld>
+            <a:endParaRPr lang="zh-TW" altLang="en-US"/>
+          </a:p>
+        </p:txBody>
+      </p:sp>
+    </p:spTree>
+    <p:extLst>
+      <p:ext uri="{BB962C8B-B14F-4D97-AF65-F5344CB8AC3E}">
+        <p14:creationId xmlns:p14="http://schemas.microsoft.com/office/powerpoint/2010/main" val="43062643"/>
       </p:ext>
     </p:extLst>
   </p:cSld>
@@ -7705,10 +7987,10 @@
       </p:grpSpPr>
       <p:sp>
         <p:nvSpPr>
-          <p:cNvPr id="4" name="標題 3">
+          <p:cNvPr id="5" name="標題 4">
             <a:extLst>
               <a:ext uri="{FF2B5EF4-FFF2-40B4-BE49-F238E27FC236}">
-                <a16:creationId xmlns:a16="http://schemas.microsoft.com/office/drawing/2014/main" id="{8EBC9425-CFC0-4FC3-9107-5FE202888980}"/>
+                <a16:creationId xmlns:a16="http://schemas.microsoft.com/office/drawing/2014/main" id="{73829ED9-AD3C-43FB-A0DE-DF7A669558F8}"/>
               </a:ext>
             </a:extLst>
           </p:cNvPr>
@@ -7726,17 +8008,17 @@
           <a:p>
             <a:r>
               <a:rPr lang="zh-TW" altLang="en-US" dirty="0"/>
-              <a:t>圓餅圖</a:t>
-            </a:r>
-          </a:p>
-        </p:txBody>
-      </p:sp>
-      <p:sp>
-        <p:nvSpPr>
-          <p:cNvPr id="5" name="內容版面配置區 4">
+              <a:t>統計圖表呈現</a:t>
+            </a:r>
+          </a:p>
+        </p:txBody>
+      </p:sp>
+      <p:sp>
+        <p:nvSpPr>
+          <p:cNvPr id="6" name="文字版面配置區 5">
             <a:extLst>
               <a:ext uri="{FF2B5EF4-FFF2-40B4-BE49-F238E27FC236}">
-                <a16:creationId xmlns:a16="http://schemas.microsoft.com/office/drawing/2014/main" id="{35F0BE09-9033-4369-8CBC-41F8131E11A6}"/>
+                <a16:creationId xmlns:a16="http://schemas.microsoft.com/office/drawing/2014/main" id="{D9EDD6AE-9199-499B-8D7F-6D93FB0AD946}"/>
               </a:ext>
             </a:extLst>
           </p:cNvPr>
@@ -7744,24 +8026,24 @@
             <a:spLocks noGrp="1"/>
           </p:cNvSpPr>
           <p:nvPr>
-            <p:ph idx="1"/>
-          </p:nvPr>
-        </p:nvSpPr>
-        <p:spPr/>
-        <p:txBody>
-          <a:bodyPr/>
-          <a:lstStyle/>
-          <a:p>
-            <a:endParaRPr lang="zh-TW" altLang="en-US" dirty="0"/>
-          </a:p>
-        </p:txBody>
-      </p:sp>
-      <p:sp>
-        <p:nvSpPr>
-          <p:cNvPr id="3" name="投影片編號版面配置區 2">
+            <p:ph type="body" idx="1"/>
+          </p:nvPr>
+        </p:nvSpPr>
+        <p:spPr/>
+        <p:txBody>
+          <a:bodyPr/>
+          <a:lstStyle/>
+          <a:p>
+            <a:endParaRPr lang="zh-TW" altLang="en-US"/>
+          </a:p>
+        </p:txBody>
+      </p:sp>
+      <p:sp>
+        <p:nvSpPr>
+          <p:cNvPr id="4" name="投影片編號版面配置區 3">
             <a:extLst>
               <a:ext uri="{FF2B5EF4-FFF2-40B4-BE49-F238E27FC236}">
-                <a16:creationId xmlns:a16="http://schemas.microsoft.com/office/drawing/2014/main" id="{AB64ABD3-83C3-42CC-9281-E1FDCB978147}"/>
+                <a16:creationId xmlns:a16="http://schemas.microsoft.com/office/drawing/2014/main" id="{E150A48A-C57D-45FD-A8E0-C118B59D1FCD}"/>
               </a:ext>
             </a:extLst>
           </p:cNvPr>
@@ -7789,7 +8071,7 @@
     </p:spTree>
     <p:extLst>
       <p:ext uri="{BB962C8B-B14F-4D97-AF65-F5344CB8AC3E}">
-        <p14:creationId xmlns:p14="http://schemas.microsoft.com/office/powerpoint/2010/main" val="3997818693"/>
+        <p14:creationId xmlns:p14="http://schemas.microsoft.com/office/powerpoint/2010/main" val="165188226"/>
       </p:ext>
     </p:extLst>
   </p:cSld>
@@ -7839,7 +8121,7 @@
           <a:p>
             <a:r>
               <a:rPr lang="zh-TW" altLang="en-US" dirty="0"/>
-              <a:t>長條圖</a:t>
+              <a:t>圓餅圖</a:t>
             </a:r>
           </a:p>
         </p:txBody>
@@ -7865,7 +8147,7 @@
           <a:bodyPr/>
           <a:lstStyle/>
           <a:p>
-            <a:endParaRPr lang="zh-TW" altLang="en-US"/>
+            <a:endParaRPr lang="zh-TW" altLang="en-US" dirty="0"/>
           </a:p>
         </p:txBody>
       </p:sp>
@@ -7899,10 +8181,39 @@
           </a:p>
         </p:txBody>
       </p:sp>
+      <p:pic>
+        <p:nvPicPr>
+          <p:cNvPr id="6" name="圖片 5">
+            <a:extLst>
+              <a:ext uri="{FF2B5EF4-FFF2-40B4-BE49-F238E27FC236}">
+                <a16:creationId xmlns:a16="http://schemas.microsoft.com/office/drawing/2014/main" id="{F3A8B34C-6833-4647-A8AE-D2FBF3B4DB87}"/>
+              </a:ext>
+            </a:extLst>
+          </p:cNvPr>
+          <p:cNvPicPr>
+            <a:picLocks noChangeAspect="1"/>
+          </p:cNvPicPr>
+          <p:nvPr/>
+        </p:nvPicPr>
+        <p:blipFill rotWithShape="1">
+          <a:blip r:embed="rId3"/>
+          <a:srcRect l="27232" r="4340" b="21622"/>
+          <a:stretch/>
+        </p:blipFill>
+        <p:spPr>
+          <a:xfrm>
+            <a:off x="2377571" y="793024"/>
+            <a:ext cx="7436858" cy="5864088"/>
+          </a:xfrm>
+          <a:prstGeom prst="rect">
+            <a:avLst/>
+          </a:prstGeom>
+        </p:spPr>
+      </p:pic>
     </p:spTree>
     <p:extLst>
       <p:ext uri="{BB962C8B-B14F-4D97-AF65-F5344CB8AC3E}">
-        <p14:creationId xmlns:p14="http://schemas.microsoft.com/office/powerpoint/2010/main" val="1362625148"/>
+        <p14:creationId xmlns:p14="http://schemas.microsoft.com/office/powerpoint/2010/main" val="3997818693"/>
       </p:ext>
     </p:extLst>
   </p:cSld>
@@ -7952,7 +8263,7 @@
           <a:p>
             <a:r>
               <a:rPr lang="zh-TW" altLang="en-US" dirty="0"/>
-              <a:t>直方圖</a:t>
+              <a:t>長條圖</a:t>
             </a:r>
           </a:p>
         </p:txBody>
@@ -8012,10 +8323,40 @@
           </a:p>
         </p:txBody>
       </p:sp>
+      <p:pic>
+        <p:nvPicPr>
+          <p:cNvPr id="2" name="圖片 1">
+            <a:extLst>
+              <a:ext uri="{FF2B5EF4-FFF2-40B4-BE49-F238E27FC236}">
+                <a16:creationId xmlns:a16="http://schemas.microsoft.com/office/drawing/2014/main" id="{6FC14DD2-84C4-4FD3-A790-A885EABD3DB2}"/>
+              </a:ext>
+            </a:extLst>
+          </p:cNvPr>
+          <p:cNvPicPr>
+            <a:picLocks noChangeAspect="1"/>
+          </p:cNvPicPr>
+          <p:nvPr/>
+        </p:nvPicPr>
+        <p:blipFill>
+          <a:blip r:embed="rId2"/>
+          <a:stretch>
+            <a:fillRect/>
+          </a:stretch>
+        </p:blipFill>
+        <p:spPr>
+          <a:xfrm>
+            <a:off x="1771122" y="702570"/>
+            <a:ext cx="8649755" cy="5954542"/>
+          </a:xfrm>
+          <a:prstGeom prst="rect">
+            <a:avLst/>
+          </a:prstGeom>
+        </p:spPr>
+      </p:pic>
     </p:spTree>
     <p:extLst>
       <p:ext uri="{BB962C8B-B14F-4D97-AF65-F5344CB8AC3E}">
-        <p14:creationId xmlns:p14="http://schemas.microsoft.com/office/powerpoint/2010/main" val="311280397"/>
+        <p14:creationId xmlns:p14="http://schemas.microsoft.com/office/powerpoint/2010/main" val="1362625148"/>
       </p:ext>
     </p:extLst>
   </p:cSld>
@@ -8065,7 +8406,7 @@
           <a:p>
             <a:r>
               <a:rPr lang="zh-TW" altLang="en-US" dirty="0"/>
-              <a:t>箱型圖</a:t>
+              <a:t>直方圖</a:t>
             </a:r>
           </a:p>
         </p:txBody>
@@ -8125,10 +8466,39 @@
           </a:p>
         </p:txBody>
       </p:sp>
+      <p:pic>
+        <p:nvPicPr>
+          <p:cNvPr id="2" name="圖片 1">
+            <a:extLst>
+              <a:ext uri="{FF2B5EF4-FFF2-40B4-BE49-F238E27FC236}">
+                <a16:creationId xmlns:a16="http://schemas.microsoft.com/office/drawing/2014/main" id="{90813257-473A-4383-B162-D4E31DF905DD}"/>
+              </a:ext>
+            </a:extLst>
+          </p:cNvPr>
+          <p:cNvPicPr>
+            <a:picLocks noChangeAspect="1"/>
+          </p:cNvPicPr>
+          <p:nvPr/>
+        </p:nvPicPr>
+        <p:blipFill rotWithShape="1">
+          <a:blip r:embed="rId2"/>
+          <a:srcRect t="6372" r="6112" b="3551"/>
+          <a:stretch/>
+        </p:blipFill>
+        <p:spPr>
+          <a:xfrm>
+            <a:off x="1733275" y="797442"/>
+            <a:ext cx="8725449" cy="5762846"/>
+          </a:xfrm>
+          <a:prstGeom prst="rect">
+            <a:avLst/>
+          </a:prstGeom>
+        </p:spPr>
+      </p:pic>
     </p:spTree>
     <p:extLst>
       <p:ext uri="{BB962C8B-B14F-4D97-AF65-F5344CB8AC3E}">
-        <p14:creationId xmlns:p14="http://schemas.microsoft.com/office/powerpoint/2010/main" val="3333563612"/>
+        <p14:creationId xmlns:p14="http://schemas.microsoft.com/office/powerpoint/2010/main" val="311280397"/>
       </p:ext>
     </p:extLst>
   </p:cSld>
@@ -8178,7 +8548,7 @@
           <a:p>
             <a:r>
               <a:rPr lang="zh-TW" altLang="en-US" dirty="0"/>
-              <a:t>折線圖</a:t>
+              <a:t>箱型圖</a:t>
             </a:r>
           </a:p>
         </p:txBody>
@@ -8238,10 +8608,39 @@
           </a:p>
         </p:txBody>
       </p:sp>
+      <p:pic>
+        <p:nvPicPr>
+          <p:cNvPr id="2" name="圖片 1">
+            <a:extLst>
+              <a:ext uri="{FF2B5EF4-FFF2-40B4-BE49-F238E27FC236}">
+                <a16:creationId xmlns:a16="http://schemas.microsoft.com/office/drawing/2014/main" id="{25A85331-9E73-44C3-B3AC-6EBFF1FB3A8B}"/>
+              </a:ext>
+            </a:extLst>
+          </p:cNvPr>
+          <p:cNvPicPr>
+            <a:picLocks noChangeAspect="1"/>
+          </p:cNvPicPr>
+          <p:nvPr/>
+        </p:nvPicPr>
+        <p:blipFill rotWithShape="1">
+          <a:blip r:embed="rId2"/>
+          <a:srcRect l="5667" t="6018" r="5384" b="12189"/>
+          <a:stretch/>
+        </p:blipFill>
+        <p:spPr>
+          <a:xfrm>
+            <a:off x="1506121" y="773162"/>
+            <a:ext cx="9179758" cy="5810925"/>
+          </a:xfrm>
+          <a:prstGeom prst="rect">
+            <a:avLst/>
+          </a:prstGeom>
+        </p:spPr>
+      </p:pic>
     </p:spTree>
     <p:extLst>
       <p:ext uri="{BB962C8B-B14F-4D97-AF65-F5344CB8AC3E}">
-        <p14:creationId xmlns:p14="http://schemas.microsoft.com/office/powerpoint/2010/main" val="2317415208"/>
+        <p14:creationId xmlns:p14="http://schemas.microsoft.com/office/powerpoint/2010/main" val="3333563612"/>
       </p:ext>
     </p:extLst>
   </p:cSld>
@@ -8270,10 +8669,10 @@
       </p:grpSpPr>
       <p:sp>
         <p:nvSpPr>
-          <p:cNvPr id="5" name="標題 4">
+          <p:cNvPr id="4" name="標題 3">
             <a:extLst>
               <a:ext uri="{FF2B5EF4-FFF2-40B4-BE49-F238E27FC236}">
-                <a16:creationId xmlns:a16="http://schemas.microsoft.com/office/drawing/2014/main" id="{73829ED9-AD3C-43FB-A0DE-DF7A669558F8}"/>
+                <a16:creationId xmlns:a16="http://schemas.microsoft.com/office/drawing/2014/main" id="{8EBC9425-CFC0-4FC3-9107-5FE202888980}"/>
               </a:ext>
             </a:extLst>
           </p:cNvPr>
@@ -8291,17 +8690,17 @@
           <a:p>
             <a:r>
               <a:rPr lang="zh-TW" altLang="en-US" dirty="0"/>
-              <a:t>相關性及迴歸</a:t>
-            </a:r>
-          </a:p>
-        </p:txBody>
-      </p:sp>
-      <p:sp>
-        <p:nvSpPr>
-          <p:cNvPr id="6" name="文字版面配置區 5">
+              <a:t>時間數列圖</a:t>
+            </a:r>
+          </a:p>
+        </p:txBody>
+      </p:sp>
+      <p:sp>
+        <p:nvSpPr>
+          <p:cNvPr id="5" name="內容版面配置區 4">
             <a:extLst>
               <a:ext uri="{FF2B5EF4-FFF2-40B4-BE49-F238E27FC236}">
-                <a16:creationId xmlns:a16="http://schemas.microsoft.com/office/drawing/2014/main" id="{D9EDD6AE-9199-499B-8D7F-6D93FB0AD946}"/>
+                <a16:creationId xmlns:a16="http://schemas.microsoft.com/office/drawing/2014/main" id="{35F0BE09-9033-4369-8CBC-41F8131E11A6}"/>
               </a:ext>
             </a:extLst>
           </p:cNvPr>
@@ -8309,7 +8708,7 @@
             <a:spLocks noGrp="1"/>
           </p:cNvSpPr>
           <p:nvPr>
-            <p:ph type="body" idx="1"/>
+            <p:ph idx="1"/>
           </p:nvPr>
         </p:nvSpPr>
         <p:spPr/>
@@ -8323,10 +8722,10 @@
       </p:sp>
       <p:sp>
         <p:nvSpPr>
-          <p:cNvPr id="4" name="投影片編號版面配置區 3">
+          <p:cNvPr id="3" name="投影片編號版面配置區 2">
             <a:extLst>
               <a:ext uri="{FF2B5EF4-FFF2-40B4-BE49-F238E27FC236}">
-                <a16:creationId xmlns:a16="http://schemas.microsoft.com/office/drawing/2014/main" id="{E150A48A-C57D-45FD-A8E0-C118B59D1FCD}"/>
+                <a16:creationId xmlns:a16="http://schemas.microsoft.com/office/drawing/2014/main" id="{AB64ABD3-83C3-42CC-9281-E1FDCB978147}"/>
               </a:ext>
             </a:extLst>
           </p:cNvPr>
@@ -8351,10 +8750,39 @@
           </a:p>
         </p:txBody>
       </p:sp>
+      <p:pic>
+        <p:nvPicPr>
+          <p:cNvPr id="6" name="圖片 5">
+            <a:extLst>
+              <a:ext uri="{FF2B5EF4-FFF2-40B4-BE49-F238E27FC236}">
+                <a16:creationId xmlns:a16="http://schemas.microsoft.com/office/drawing/2014/main" id="{642EF351-F473-493D-B940-6A732D1426E5}"/>
+              </a:ext>
+            </a:extLst>
+          </p:cNvPr>
+          <p:cNvPicPr>
+            <a:picLocks noChangeAspect="1"/>
+          </p:cNvPicPr>
+          <p:nvPr/>
+        </p:nvPicPr>
+        <p:blipFill rotWithShape="1">
+          <a:blip r:embed="rId2"/>
+          <a:srcRect t="6547" r="5019" b="3728"/>
+          <a:stretch/>
+        </p:blipFill>
+        <p:spPr>
+          <a:xfrm>
+            <a:off x="1648835" y="882699"/>
+            <a:ext cx="8894330" cy="5784112"/>
+          </a:xfrm>
+          <a:prstGeom prst="rect">
+            <a:avLst/>
+          </a:prstGeom>
+        </p:spPr>
+      </p:pic>
     </p:spTree>
     <p:extLst>
       <p:ext uri="{BB962C8B-B14F-4D97-AF65-F5344CB8AC3E}">
-        <p14:creationId xmlns:p14="http://schemas.microsoft.com/office/powerpoint/2010/main" val="1811418745"/>
+        <p14:creationId xmlns:p14="http://schemas.microsoft.com/office/powerpoint/2010/main" val="1648122392"/>
       </p:ext>
     </p:extLst>
   </p:cSld>
@@ -8404,7 +8832,7 @@
           <a:p>
             <a:r>
               <a:rPr lang="zh-TW" altLang="en-US" dirty="0"/>
-              <a:t>相關分析</a:t>
+              <a:t>散佈圖</a:t>
             </a:r>
           </a:p>
         </p:txBody>
@@ -8464,10 +8892,39 @@
           </a:p>
         </p:txBody>
       </p:sp>
+      <p:pic>
+        <p:nvPicPr>
+          <p:cNvPr id="6" name="圖片 5">
+            <a:extLst>
+              <a:ext uri="{FF2B5EF4-FFF2-40B4-BE49-F238E27FC236}">
+                <a16:creationId xmlns:a16="http://schemas.microsoft.com/office/drawing/2014/main" id="{F57939D5-A9FA-416E-8A11-AACE5D149521}"/>
+              </a:ext>
+            </a:extLst>
+          </p:cNvPr>
+          <p:cNvPicPr>
+            <a:picLocks noChangeAspect="1"/>
+          </p:cNvPicPr>
+          <p:nvPr/>
+        </p:nvPicPr>
+        <p:blipFill rotWithShape="1">
+          <a:blip r:embed="rId2"/>
+          <a:srcRect t="6372" r="5384" b="3727"/>
+          <a:stretch/>
+        </p:blipFill>
+        <p:spPr>
+          <a:xfrm>
+            <a:off x="1658311" y="797441"/>
+            <a:ext cx="8875377" cy="5805377"/>
+          </a:xfrm>
+          <a:prstGeom prst="rect">
+            <a:avLst/>
+          </a:prstGeom>
+        </p:spPr>
+      </p:pic>
     </p:spTree>
     <p:extLst>
       <p:ext uri="{BB962C8B-B14F-4D97-AF65-F5344CB8AC3E}">
-        <p14:creationId xmlns:p14="http://schemas.microsoft.com/office/powerpoint/2010/main" val="1828351586"/>
+        <p14:creationId xmlns:p14="http://schemas.microsoft.com/office/powerpoint/2010/main" val="2317415208"/>
       </p:ext>
     </p:extLst>
   </p:cSld>
@@ -8496,10 +8953,10 @@
       </p:grpSpPr>
       <p:sp>
         <p:nvSpPr>
-          <p:cNvPr id="4" name="標題 3">
+          <p:cNvPr id="5" name="標題 4">
             <a:extLst>
               <a:ext uri="{FF2B5EF4-FFF2-40B4-BE49-F238E27FC236}">
-                <a16:creationId xmlns:a16="http://schemas.microsoft.com/office/drawing/2014/main" id="{8EBC9425-CFC0-4FC3-9107-5FE202888980}"/>
+                <a16:creationId xmlns:a16="http://schemas.microsoft.com/office/drawing/2014/main" id="{73829ED9-AD3C-43FB-A0DE-DF7A669558F8}"/>
               </a:ext>
             </a:extLst>
           </p:cNvPr>
@@ -8517,25 +8974,17 @@
           <a:p>
             <a:r>
               <a:rPr lang="zh-TW" altLang="en-US" dirty="0"/>
-              <a:t>相關性</a:t>
-            </a:r>
-            <a:r>
-              <a:rPr lang="en-US" altLang="zh-TW" dirty="0"/>
-              <a:t>/</a:t>
-            </a:r>
-            <a:r>
-              <a:rPr lang="zh-TW" altLang="en-US" dirty="0"/>
-              <a:t>相關係數</a:t>
-            </a:r>
-          </a:p>
-        </p:txBody>
-      </p:sp>
-      <p:sp>
-        <p:nvSpPr>
-          <p:cNvPr id="5" name="內容版面配置區 4">
+              <a:t>相關性及迴歸</a:t>
+            </a:r>
+          </a:p>
+        </p:txBody>
+      </p:sp>
+      <p:sp>
+        <p:nvSpPr>
+          <p:cNvPr id="6" name="文字版面配置區 5">
             <a:extLst>
               <a:ext uri="{FF2B5EF4-FFF2-40B4-BE49-F238E27FC236}">
-                <a16:creationId xmlns:a16="http://schemas.microsoft.com/office/drawing/2014/main" id="{35F0BE09-9033-4369-8CBC-41F8131E11A6}"/>
+                <a16:creationId xmlns:a16="http://schemas.microsoft.com/office/drawing/2014/main" id="{D9EDD6AE-9199-499B-8D7F-6D93FB0AD946}"/>
               </a:ext>
             </a:extLst>
           </p:cNvPr>
@@ -8543,7 +8992,7 @@
             <a:spLocks noGrp="1"/>
           </p:cNvSpPr>
           <p:nvPr>
-            <p:ph idx="1"/>
+            <p:ph type="body" idx="1"/>
           </p:nvPr>
         </p:nvSpPr>
         <p:spPr/>
@@ -8557,10 +9006,10 @@
       </p:sp>
       <p:sp>
         <p:nvSpPr>
-          <p:cNvPr id="3" name="投影片編號版面配置區 2">
+          <p:cNvPr id="4" name="投影片編號版面配置區 3">
             <a:extLst>
               <a:ext uri="{FF2B5EF4-FFF2-40B4-BE49-F238E27FC236}">
-                <a16:creationId xmlns:a16="http://schemas.microsoft.com/office/drawing/2014/main" id="{AB64ABD3-83C3-42CC-9281-E1FDCB978147}"/>
+                <a16:creationId xmlns:a16="http://schemas.microsoft.com/office/drawing/2014/main" id="{E150A48A-C57D-45FD-A8E0-C118B59D1FCD}"/>
               </a:ext>
             </a:extLst>
           </p:cNvPr>
@@ -8588,7 +9037,7 @@
     </p:spTree>
     <p:extLst>
       <p:ext uri="{BB962C8B-B14F-4D97-AF65-F5344CB8AC3E}">
-        <p14:creationId xmlns:p14="http://schemas.microsoft.com/office/powerpoint/2010/main" val="1110135096"/>
+        <p14:creationId xmlns:p14="http://schemas.microsoft.com/office/powerpoint/2010/main" val="1811418745"/>
       </p:ext>
     </p:extLst>
   </p:cSld>
@@ -8638,7 +9087,7 @@
           <a:p>
             <a:r>
               <a:rPr lang="zh-TW" altLang="en-US" dirty="0"/>
-              <a:t>迴歸分析</a:t>
+              <a:t>相關分析</a:t>
             </a:r>
           </a:p>
         </p:txBody>
@@ -8664,7 +9113,91 @@
           <a:bodyPr/>
           <a:lstStyle/>
           <a:p>
-            <a:endParaRPr lang="zh-TW" altLang="en-US"/>
+            <a:r>
+              <a:rPr lang="zh-TW" altLang="en-US" dirty="0"/>
+              <a:t>描述事物相互之間關係的密切程度，並且使用適當的統計指標表示出來的過程</a:t>
+            </a:r>
+            <a:endParaRPr lang="en-US" altLang="zh-TW" dirty="0"/>
+          </a:p>
+          <a:p>
+            <a:r>
+              <a:rPr lang="zh-TW" altLang="en-US" dirty="0"/>
+              <a:t>正相關</a:t>
+            </a:r>
+            <a:r>
+              <a:rPr lang="en-US" altLang="zh-TW" dirty="0"/>
+              <a:t>or</a:t>
+            </a:r>
+            <a:r>
+              <a:rPr lang="zh-TW" altLang="en-US" dirty="0"/>
+              <a:t>負相關</a:t>
+            </a:r>
+            <a:endParaRPr lang="en-US" altLang="zh-TW" dirty="0"/>
+          </a:p>
+          <a:p>
+            <a:r>
+              <a:rPr lang="zh-TW" altLang="en-US" dirty="0"/>
+              <a:t>強相關</a:t>
+            </a:r>
+            <a:r>
+              <a:rPr lang="en-US" altLang="zh-TW" dirty="0"/>
+              <a:t>or</a:t>
+            </a:r>
+            <a:r>
+              <a:rPr lang="zh-TW" altLang="en-US" dirty="0"/>
+              <a:t>弱相關</a:t>
+            </a:r>
+            <a:endParaRPr lang="en-US" altLang="zh-TW" dirty="0"/>
+          </a:p>
+          <a:p>
+            <a:r>
+              <a:rPr lang="en-US" altLang="zh-TW" dirty="0"/>
+              <a:t>Examples</a:t>
+            </a:r>
+          </a:p>
+          <a:p>
+            <a:pPr lvl="1"/>
+            <a:r>
+              <a:rPr lang="zh-TW" altLang="en-US" dirty="0"/>
+              <a:t>行銷廣告投入與銷售額</a:t>
+            </a:r>
+            <a:endParaRPr lang="en-US" altLang="zh-TW" dirty="0"/>
+          </a:p>
+          <a:p>
+            <a:pPr lvl="1"/>
+            <a:r>
+              <a:rPr lang="zh-TW" altLang="en-US" dirty="0"/>
+              <a:t>時間資源與工作績效品質</a:t>
+            </a:r>
+            <a:endParaRPr lang="en-US" altLang="zh-TW" dirty="0"/>
+          </a:p>
+          <a:p>
+            <a:pPr lvl="1"/>
+            <a:r>
+              <a:rPr lang="zh-TW" altLang="en-US" dirty="0"/>
+              <a:t>員工薪酬福利與員工流動率</a:t>
+            </a:r>
+            <a:endParaRPr lang="en-US" altLang="zh-TW" dirty="0"/>
+          </a:p>
+          <a:p>
+            <a:pPr lvl="1"/>
+            <a:r>
+              <a:rPr lang="zh-TW" altLang="en-US" dirty="0"/>
+              <a:t>身高與體重</a:t>
+            </a:r>
+            <a:endParaRPr lang="en-US" altLang="zh-TW" dirty="0"/>
+          </a:p>
+          <a:p>
+            <a:pPr lvl="1"/>
+            <a:r>
+              <a:rPr lang="zh-TW" altLang="en-US" dirty="0"/>
+              <a:t>房價與房子坪數</a:t>
+            </a:r>
+            <a:endParaRPr lang="en-US" altLang="zh-TW" dirty="0"/>
+          </a:p>
+          <a:p>
+            <a:pPr lvl="1"/>
+            <a:endParaRPr lang="zh-TW" altLang="en-US" dirty="0"/>
           </a:p>
         </p:txBody>
       </p:sp>
@@ -8701,7 +9234,7 @@
     </p:spTree>
     <p:extLst>
       <p:ext uri="{BB962C8B-B14F-4D97-AF65-F5344CB8AC3E}">
-        <p14:creationId xmlns:p14="http://schemas.microsoft.com/office/powerpoint/2010/main" val="4125858372"/>
+        <p14:creationId xmlns:p14="http://schemas.microsoft.com/office/powerpoint/2010/main" val="1828351586"/>
       </p:ext>
     </p:extLst>
   </p:cSld>
@@ -8751,7 +9284,15 @@
           <a:p>
             <a:r>
               <a:rPr lang="zh-TW" altLang="en-US" dirty="0"/>
-              <a:t>複迴歸分析</a:t>
+              <a:t>相關性</a:t>
+            </a:r>
+            <a:r>
+              <a:rPr lang="en-US" altLang="zh-TW" dirty="0"/>
+              <a:t>/</a:t>
+            </a:r>
+            <a:r>
+              <a:rPr lang="zh-TW" altLang="en-US" dirty="0"/>
+              <a:t>相關係數</a:t>
             </a:r>
           </a:p>
         </p:txBody>
@@ -8772,12 +9313,192 @@
             <p:ph idx="1"/>
           </p:nvPr>
         </p:nvSpPr>
-        <p:spPr/>
-        <p:txBody>
-          <a:bodyPr/>
-          <a:lstStyle/>
-          <a:p>
-            <a:endParaRPr lang="zh-TW" altLang="en-US"/>
+        <p:spPr>
+          <a:xfrm>
+            <a:off x="838200" y="1036318"/>
+            <a:ext cx="10515600" cy="5803357"/>
+          </a:xfrm>
+        </p:spPr>
+        <p:txBody>
+          <a:bodyPr/>
+          <a:lstStyle/>
+          <a:p>
+            <a:r>
+              <a:rPr lang="zh-TW" altLang="en-US" dirty="0"/>
+              <a:t>探討兩變數之間相關程度</a:t>
+            </a:r>
+            <a:endParaRPr lang="en-US" altLang="zh-TW" dirty="0"/>
+          </a:p>
+          <a:p>
+            <a:r>
+              <a:rPr lang="en-US" altLang="zh-TW" dirty="0"/>
+              <a:t>X(</a:t>
+            </a:r>
+            <a:r>
+              <a:rPr lang="zh-TW" altLang="en-US" dirty="0"/>
+              <a:t>數值型</a:t>
+            </a:r>
+            <a:r>
+              <a:rPr lang="en-US" altLang="zh-TW" dirty="0"/>
+              <a:t>)</a:t>
+            </a:r>
+            <a:r>
+              <a:rPr lang="en-US" altLang="zh-TW" dirty="0">
+                <a:sym typeface="Wingdings" panose="05000000000000000000" pitchFamily="2" charset="2"/>
+              </a:rPr>
+              <a:t>Y(</a:t>
+            </a:r>
+            <a:r>
+              <a:rPr lang="zh-TW" altLang="en-US" dirty="0"/>
+              <a:t>數值型</a:t>
+            </a:r>
+            <a:r>
+              <a:rPr lang="en-US" altLang="zh-TW" dirty="0">
+                <a:sym typeface="Wingdings" panose="05000000000000000000" pitchFamily="2" charset="2"/>
+              </a:rPr>
+              <a:t>)</a:t>
+            </a:r>
+          </a:p>
+          <a:p>
+            <a:r>
+              <a:rPr lang="zh-TW" altLang="en-US" dirty="0">
+                <a:sym typeface="Wingdings" panose="05000000000000000000" pitchFamily="2" charset="2"/>
+              </a:rPr>
+              <a:t>相關係數</a:t>
+            </a:r>
+            <a:r>
+              <a:rPr lang="en-US" altLang="zh-TW" dirty="0">
+                <a:sym typeface="Wingdings" panose="05000000000000000000" pitchFamily="2" charset="2"/>
+              </a:rPr>
+              <a:t>(r)</a:t>
+            </a:r>
+          </a:p>
+          <a:p>
+            <a:pPr lvl="1"/>
+            <a:r>
+              <a:rPr lang="zh-TW" altLang="en-US" dirty="0">
+                <a:sym typeface="Wingdings" panose="05000000000000000000" pitchFamily="2" charset="2"/>
+              </a:rPr>
+              <a:t>介於</a:t>
+            </a:r>
+            <a:r>
+              <a:rPr lang="en-US" altLang="zh-TW" dirty="0">
+                <a:sym typeface="Wingdings" panose="05000000000000000000" pitchFamily="2" charset="2"/>
+              </a:rPr>
+              <a:t>-1</a:t>
+            </a:r>
+            <a:r>
+              <a:rPr lang="zh-TW" altLang="en-US" dirty="0">
+                <a:sym typeface="Wingdings" panose="05000000000000000000" pitchFamily="2" charset="2"/>
+              </a:rPr>
+              <a:t>到</a:t>
+            </a:r>
+            <a:r>
+              <a:rPr lang="en-US" altLang="zh-TW" dirty="0">
+                <a:sym typeface="Wingdings" panose="05000000000000000000" pitchFamily="2" charset="2"/>
+              </a:rPr>
+              <a:t>1</a:t>
+            </a:r>
+            <a:r>
+              <a:rPr lang="zh-TW" altLang="en-US" dirty="0">
+                <a:sym typeface="Wingdings" panose="05000000000000000000" pitchFamily="2" charset="2"/>
+              </a:rPr>
+              <a:t>之間</a:t>
+            </a:r>
+            <a:endParaRPr lang="en-US" altLang="zh-TW" dirty="0">
+              <a:sym typeface="Wingdings" panose="05000000000000000000" pitchFamily="2" charset="2"/>
+            </a:endParaRPr>
+          </a:p>
+          <a:p>
+            <a:pPr lvl="1"/>
+            <a:r>
+              <a:rPr lang="en-US" altLang="zh-TW" dirty="0">
+                <a:sym typeface="Wingdings" panose="05000000000000000000" pitchFamily="2" charset="2"/>
+              </a:rPr>
+              <a:t>r&gt;0</a:t>
+            </a:r>
+            <a:r>
+              <a:rPr lang="zh-TW" altLang="en-US" dirty="0">
+                <a:sym typeface="Wingdings" panose="05000000000000000000" pitchFamily="2" charset="2"/>
+              </a:rPr>
+              <a:t>：正相關</a:t>
+            </a:r>
+            <a:endParaRPr lang="en-US" altLang="zh-TW" dirty="0">
+              <a:sym typeface="Wingdings" panose="05000000000000000000" pitchFamily="2" charset="2"/>
+            </a:endParaRPr>
+          </a:p>
+          <a:p>
+            <a:pPr lvl="1"/>
+            <a:r>
+              <a:rPr lang="en-US" altLang="zh-TW" dirty="0">
+                <a:sym typeface="Wingdings" panose="05000000000000000000" pitchFamily="2" charset="2"/>
+              </a:rPr>
+              <a:t>r&lt;0</a:t>
+            </a:r>
+            <a:r>
+              <a:rPr lang="zh-TW" altLang="en-US" dirty="0">
+                <a:sym typeface="Wingdings" panose="05000000000000000000" pitchFamily="2" charset="2"/>
+              </a:rPr>
+              <a:t>：負相關</a:t>
+            </a:r>
+            <a:endParaRPr lang="en-US" altLang="zh-TW" dirty="0">
+              <a:sym typeface="Wingdings" panose="05000000000000000000" pitchFamily="2" charset="2"/>
+            </a:endParaRPr>
+          </a:p>
+          <a:p>
+            <a:r>
+              <a:rPr lang="en-US" altLang="zh-TW" dirty="0"/>
+              <a:t>|r|</a:t>
+            </a:r>
+            <a:r>
+              <a:rPr lang="zh-TW" altLang="en-US" dirty="0"/>
+              <a:t>、</a:t>
+            </a:r>
+            <a:r>
+              <a:rPr lang="en-US" altLang="zh-TW" dirty="0"/>
+              <a:t>abs(r)</a:t>
+            </a:r>
+            <a:r>
+              <a:rPr lang="zh-TW" altLang="en-US" dirty="0"/>
+              <a:t>強弱</a:t>
+            </a:r>
+            <a:endParaRPr lang="en-US" altLang="zh-TW" dirty="0"/>
+          </a:p>
+          <a:p>
+            <a:pPr lvl="1"/>
+            <a:r>
+              <a:rPr lang="en-US" altLang="zh-TW" dirty="0"/>
+              <a:t>1.0~0.7</a:t>
+            </a:r>
+            <a:r>
+              <a:rPr lang="zh-TW" altLang="en-US" dirty="0"/>
+              <a:t>：強相關</a:t>
+            </a:r>
+            <a:endParaRPr lang="en-US" altLang="zh-TW" dirty="0"/>
+          </a:p>
+          <a:p>
+            <a:pPr lvl="1"/>
+            <a:r>
+              <a:rPr lang="en-US" altLang="zh-TW" dirty="0"/>
+              <a:t>0.7~0.3</a:t>
+            </a:r>
+            <a:r>
+              <a:rPr lang="zh-TW" altLang="en-US" dirty="0"/>
+              <a:t>：中等相關</a:t>
+            </a:r>
+            <a:endParaRPr lang="en-US" altLang="zh-TW" dirty="0"/>
+          </a:p>
+          <a:p>
+            <a:pPr lvl="1"/>
+            <a:r>
+              <a:rPr lang="en-US" altLang="zh-TW" dirty="0"/>
+              <a:t>0.3~0.0</a:t>
+            </a:r>
+            <a:r>
+              <a:rPr lang="zh-TW" altLang="en-US" dirty="0"/>
+              <a:t>：弱相關</a:t>
+            </a:r>
+            <a:endParaRPr lang="en-US" altLang="zh-TW" dirty="0"/>
           </a:p>
         </p:txBody>
       </p:sp>
@@ -8814,7 +9535,7 @@
     </p:spTree>
     <p:extLst>
       <p:ext uri="{BB962C8B-B14F-4D97-AF65-F5344CB8AC3E}">
-        <p14:creationId xmlns:p14="http://schemas.microsoft.com/office/powerpoint/2010/main" val="485461114"/>
+        <p14:creationId xmlns:p14="http://schemas.microsoft.com/office/powerpoint/2010/main" val="1110135096"/>
       </p:ext>
     </p:extLst>
   </p:cSld>
@@ -8981,12 +9702,2280 @@
           </a:p>
         </p:txBody>
       </p:sp>
-      <p:sp>
-        <p:nvSpPr>
-          <p:cNvPr id="6" name="投影片編號版面配置區 2">
+    </p:spTree>
+    <p:extLst>
+      <p:ext uri="{BB962C8B-B14F-4D97-AF65-F5344CB8AC3E}">
+        <p14:creationId xmlns:p14="http://schemas.microsoft.com/office/powerpoint/2010/main" val="3263371348"/>
+      </p:ext>
+    </p:extLst>
+  </p:cSld>
+  <p:clrMapOvr>
+    <a:masterClrMapping/>
+  </p:clrMapOvr>
+</p:sld>
+</file>
+
+<file path=ppt/slides/slide20.xml><?xml version="1.0" encoding="utf-8"?>
+<p:sld xmlns:a="http://schemas.openxmlformats.org/drawingml/2006/main" xmlns:r="http://schemas.openxmlformats.org/officeDocument/2006/relationships" xmlns:p="http://schemas.openxmlformats.org/presentationml/2006/main">
+  <p:cSld>
+    <p:spTree>
+      <p:nvGrpSpPr>
+        <p:cNvPr id="1" name=""/>
+        <p:cNvGrpSpPr/>
+        <p:nvPr/>
+      </p:nvGrpSpPr>
+      <p:grpSpPr>
+        <a:xfrm>
+          <a:off x="0" y="0"/>
+          <a:ext cx="0" cy="0"/>
+          <a:chOff x="0" y="0"/>
+          <a:chExt cx="0" cy="0"/>
+        </a:xfrm>
+      </p:grpSpPr>
+      <p:pic>
+        <p:nvPicPr>
+          <p:cNvPr id="2" name="圖片 1">
             <a:extLst>
               <a:ext uri="{FF2B5EF4-FFF2-40B4-BE49-F238E27FC236}">
-                <a16:creationId xmlns:a16="http://schemas.microsoft.com/office/drawing/2014/main" id="{5C3964C4-6663-49A4-ABEF-0AA59D80B39D}"/>
+                <a16:creationId xmlns:a16="http://schemas.microsoft.com/office/drawing/2014/main" id="{73648C85-19D7-4B6D-9E13-8A844389EA3A}"/>
+              </a:ext>
+            </a:extLst>
+          </p:cNvPr>
+          <p:cNvPicPr>
+            <a:picLocks noChangeAspect="1"/>
+          </p:cNvPicPr>
+          <p:nvPr/>
+        </p:nvPicPr>
+        <p:blipFill rotWithShape="1">
+          <a:blip r:embed="rId2"/>
+          <a:srcRect t="5843" r="5262" b="4442"/>
+          <a:stretch/>
+        </p:blipFill>
+        <p:spPr>
+          <a:xfrm>
+            <a:off x="4569481" y="1850065"/>
+            <a:ext cx="7530372" cy="4909152"/>
+          </a:xfrm>
+          <a:prstGeom prst="rect">
+            <a:avLst/>
+          </a:prstGeom>
+        </p:spPr>
+      </p:pic>
+      <p:sp>
+        <p:nvSpPr>
+          <p:cNvPr id="4" name="標題 3">
+            <a:extLst>
+              <a:ext uri="{FF2B5EF4-FFF2-40B4-BE49-F238E27FC236}">
+                <a16:creationId xmlns:a16="http://schemas.microsoft.com/office/drawing/2014/main" id="{8EBC9425-CFC0-4FC3-9107-5FE202888980}"/>
+              </a:ext>
+            </a:extLst>
+          </p:cNvPr>
+          <p:cNvSpPr>
+            <a:spLocks noGrp="1"/>
+          </p:cNvSpPr>
+          <p:nvPr>
+            <p:ph type="title"/>
+          </p:nvPr>
+        </p:nvSpPr>
+        <p:spPr/>
+        <p:txBody>
+          <a:bodyPr/>
+          <a:lstStyle/>
+          <a:p>
+            <a:r>
+              <a:rPr lang="zh-TW" altLang="en-US" dirty="0"/>
+              <a:t>迴歸分析</a:t>
+            </a:r>
+          </a:p>
+        </p:txBody>
+      </p:sp>
+      <p:sp>
+        <p:nvSpPr>
+          <p:cNvPr id="5" name="內容版面配置區 4">
+            <a:extLst>
+              <a:ext uri="{FF2B5EF4-FFF2-40B4-BE49-F238E27FC236}">
+                <a16:creationId xmlns:a16="http://schemas.microsoft.com/office/drawing/2014/main" id="{35F0BE09-9033-4369-8CBC-41F8131E11A6}"/>
+              </a:ext>
+            </a:extLst>
+          </p:cNvPr>
+          <p:cNvSpPr>
+            <a:spLocks noGrp="1"/>
+          </p:cNvSpPr>
+          <p:nvPr>
+            <p:ph idx="1"/>
+          </p:nvPr>
+        </p:nvSpPr>
+        <p:spPr/>
+        <p:txBody>
+          <a:bodyPr/>
+          <a:lstStyle/>
+          <a:p>
+            <a:r>
+              <a:rPr lang="zh-TW" altLang="en-US" dirty="0"/>
+              <a:t>建立兩變數之間關係的數學模式</a:t>
+            </a:r>
+            <a:endParaRPr lang="en-US" altLang="zh-TW" dirty="0"/>
+          </a:p>
+          <a:p>
+            <a:r>
+              <a:rPr lang="en-US" altLang="zh-TW" dirty="0"/>
+              <a:t>X(</a:t>
+            </a:r>
+            <a:r>
+              <a:rPr lang="zh-TW" altLang="en-US" dirty="0"/>
+              <a:t>數值型</a:t>
+            </a:r>
+            <a:r>
+              <a:rPr lang="en-US" altLang="zh-TW" dirty="0"/>
+              <a:t>)</a:t>
+            </a:r>
+            <a:r>
+              <a:rPr lang="en-US" altLang="zh-TW" dirty="0">
+                <a:sym typeface="Wingdings" panose="05000000000000000000" pitchFamily="2" charset="2"/>
+              </a:rPr>
+              <a:t>Y(</a:t>
+            </a:r>
+            <a:r>
+              <a:rPr lang="zh-TW" altLang="en-US" dirty="0"/>
+              <a:t>數值型</a:t>
+            </a:r>
+            <a:r>
+              <a:rPr lang="en-US" altLang="zh-TW" dirty="0">
+                <a:sym typeface="Wingdings" panose="05000000000000000000" pitchFamily="2" charset="2"/>
+              </a:rPr>
+              <a:t>)</a:t>
+            </a:r>
+          </a:p>
+          <a:p>
+            <a:r>
+              <a:rPr lang="zh-TW" altLang="en-US" dirty="0"/>
+              <a:t>迴歸式：</a:t>
+            </a:r>
+            <a:r>
+              <a:rPr lang="en-US" altLang="zh-TW" dirty="0"/>
+              <a:t>Y</a:t>
+            </a:r>
+            <a:r>
+              <a:rPr lang="zh-TW" altLang="en-US" dirty="0"/>
+              <a:t> </a:t>
+            </a:r>
+            <a:r>
+              <a:rPr lang="en-US" altLang="zh-TW" dirty="0"/>
+              <a:t>=</a:t>
+            </a:r>
+            <a:r>
+              <a:rPr lang="zh-TW" altLang="en-US" dirty="0"/>
+              <a:t> </a:t>
+            </a:r>
+            <a:r>
+              <a:rPr lang="en-US" altLang="zh-TW" dirty="0"/>
+              <a:t>f(X) = </a:t>
+            </a:r>
+            <a:r>
+              <a:rPr lang="en-US" altLang="zh-TW" dirty="0" err="1"/>
+              <a:t>aX</a:t>
+            </a:r>
+            <a:r>
+              <a:rPr lang="en-US" altLang="zh-TW" dirty="0"/>
+              <a:t> + b</a:t>
+            </a:r>
+            <a:endParaRPr lang="zh-TW" altLang="en-US" dirty="0"/>
+          </a:p>
+        </p:txBody>
+      </p:sp>
+      <p:sp>
+        <p:nvSpPr>
+          <p:cNvPr id="3" name="投影片編號版面配置區 2">
+            <a:extLst>
+              <a:ext uri="{FF2B5EF4-FFF2-40B4-BE49-F238E27FC236}">
+                <a16:creationId xmlns:a16="http://schemas.microsoft.com/office/drawing/2014/main" id="{AB64ABD3-83C3-42CC-9281-E1FDCB978147}"/>
+              </a:ext>
+            </a:extLst>
+          </p:cNvPr>
+          <p:cNvSpPr>
+            <a:spLocks noGrp="1"/>
+          </p:cNvSpPr>
+          <p:nvPr>
+            <p:ph type="sldNum" sz="quarter" idx="12"/>
+          </p:nvPr>
+        </p:nvSpPr>
+        <p:spPr/>
+        <p:txBody>
+          <a:bodyPr/>
+          <a:lstStyle/>
+          <a:p>
+            <a:fld id="{0318AE31-7D37-4562-A6C9-6CAC1CEA6FBB}" type="slidenum">
+              <a:rPr lang="zh-TW" altLang="en-US" smtClean="0"/>
+              <a:pPr/>
+              <a:t>20</a:t>
+            </a:fld>
+            <a:endParaRPr lang="zh-TW" altLang="en-US"/>
+          </a:p>
+        </p:txBody>
+      </p:sp>
+    </p:spTree>
+    <p:extLst>
+      <p:ext uri="{BB962C8B-B14F-4D97-AF65-F5344CB8AC3E}">
+        <p14:creationId xmlns:p14="http://schemas.microsoft.com/office/powerpoint/2010/main" val="4125858372"/>
+      </p:ext>
+    </p:extLst>
+  </p:cSld>
+  <p:clrMapOvr>
+    <a:masterClrMapping/>
+  </p:clrMapOvr>
+</p:sld>
+</file>
+
+<file path=ppt/slides/slide21.xml><?xml version="1.0" encoding="utf-8"?>
+<p:sld xmlns:a="http://schemas.openxmlformats.org/drawingml/2006/main" xmlns:r="http://schemas.openxmlformats.org/officeDocument/2006/relationships" xmlns:p="http://schemas.openxmlformats.org/presentationml/2006/main">
+  <p:cSld>
+    <p:spTree>
+      <p:nvGrpSpPr>
+        <p:cNvPr id="1" name=""/>
+        <p:cNvGrpSpPr/>
+        <p:nvPr/>
+      </p:nvGrpSpPr>
+      <p:grpSpPr>
+        <a:xfrm>
+          <a:off x="0" y="0"/>
+          <a:ext cx="0" cy="0"/>
+          <a:chOff x="0" y="0"/>
+          <a:chExt cx="0" cy="0"/>
+        </a:xfrm>
+      </p:grpSpPr>
+      <p:sp>
+        <p:nvSpPr>
+          <p:cNvPr id="4" name="標題 3">
+            <a:extLst>
+              <a:ext uri="{FF2B5EF4-FFF2-40B4-BE49-F238E27FC236}">
+                <a16:creationId xmlns:a16="http://schemas.microsoft.com/office/drawing/2014/main" id="{8EBC9425-CFC0-4FC3-9107-5FE202888980}"/>
+              </a:ext>
+            </a:extLst>
+          </p:cNvPr>
+          <p:cNvSpPr>
+            <a:spLocks noGrp="1"/>
+          </p:cNvSpPr>
+          <p:nvPr>
+            <p:ph type="title"/>
+          </p:nvPr>
+        </p:nvSpPr>
+        <p:spPr/>
+        <p:txBody>
+          <a:bodyPr/>
+          <a:lstStyle/>
+          <a:p>
+            <a:r>
+              <a:rPr lang="zh-TW" altLang="en-US" dirty="0"/>
+              <a:t>複迴歸分析</a:t>
+            </a:r>
+          </a:p>
+        </p:txBody>
+      </p:sp>
+      <p:sp>
+        <p:nvSpPr>
+          <p:cNvPr id="5" name="內容版面配置區 4">
+            <a:extLst>
+              <a:ext uri="{FF2B5EF4-FFF2-40B4-BE49-F238E27FC236}">
+                <a16:creationId xmlns:a16="http://schemas.microsoft.com/office/drawing/2014/main" id="{35F0BE09-9033-4369-8CBC-41F8131E11A6}"/>
+              </a:ext>
+            </a:extLst>
+          </p:cNvPr>
+          <p:cNvSpPr>
+            <a:spLocks noGrp="1"/>
+          </p:cNvSpPr>
+          <p:nvPr>
+            <p:ph idx="1"/>
+          </p:nvPr>
+        </p:nvSpPr>
+        <p:spPr/>
+        <p:txBody>
+          <a:bodyPr/>
+          <a:lstStyle/>
+          <a:p>
+            <a:endParaRPr lang="zh-TW" altLang="en-US"/>
+          </a:p>
+        </p:txBody>
+      </p:sp>
+      <p:sp>
+        <p:nvSpPr>
+          <p:cNvPr id="3" name="投影片編號版面配置區 2">
+            <a:extLst>
+              <a:ext uri="{FF2B5EF4-FFF2-40B4-BE49-F238E27FC236}">
+                <a16:creationId xmlns:a16="http://schemas.microsoft.com/office/drawing/2014/main" id="{AB64ABD3-83C3-42CC-9281-E1FDCB978147}"/>
+              </a:ext>
+            </a:extLst>
+          </p:cNvPr>
+          <p:cNvSpPr>
+            <a:spLocks noGrp="1"/>
+          </p:cNvSpPr>
+          <p:nvPr>
+            <p:ph type="sldNum" sz="quarter" idx="12"/>
+          </p:nvPr>
+        </p:nvSpPr>
+        <p:spPr/>
+        <p:txBody>
+          <a:bodyPr/>
+          <a:lstStyle/>
+          <a:p>
+            <a:fld id="{0318AE31-7D37-4562-A6C9-6CAC1CEA6FBB}" type="slidenum">
+              <a:rPr lang="zh-TW" altLang="en-US" smtClean="0"/>
+              <a:pPr/>
+              <a:t>21</a:t>
+            </a:fld>
+            <a:endParaRPr lang="zh-TW" altLang="en-US"/>
+          </a:p>
+        </p:txBody>
+      </p:sp>
+    </p:spTree>
+    <p:extLst>
+      <p:ext uri="{BB962C8B-B14F-4D97-AF65-F5344CB8AC3E}">
+        <p14:creationId xmlns:p14="http://schemas.microsoft.com/office/powerpoint/2010/main" val="485461114"/>
+      </p:ext>
+    </p:extLst>
+  </p:cSld>
+  <p:clrMapOvr>
+    <a:masterClrMapping/>
+  </p:clrMapOvr>
+</p:sld>
+</file>
+
+<file path=ppt/slides/slide22.xml><?xml version="1.0" encoding="utf-8"?>
+<p:sld xmlns:a="http://schemas.openxmlformats.org/drawingml/2006/main" xmlns:r="http://schemas.openxmlformats.org/officeDocument/2006/relationships" xmlns:p="http://schemas.openxmlformats.org/presentationml/2006/main">
+  <p:cSld>
+    <p:spTree>
+      <p:nvGrpSpPr>
+        <p:cNvPr id="1" name=""/>
+        <p:cNvGrpSpPr/>
+        <p:nvPr/>
+      </p:nvGrpSpPr>
+      <p:grpSpPr>
+        <a:xfrm>
+          <a:off x="0" y="0"/>
+          <a:ext cx="0" cy="0"/>
+          <a:chOff x="0" y="0"/>
+          <a:chExt cx="0" cy="0"/>
+        </a:xfrm>
+      </p:grpSpPr>
+      <p:sp>
+        <p:nvSpPr>
+          <p:cNvPr id="5" name="標題 4">
+            <a:extLst>
+              <a:ext uri="{FF2B5EF4-FFF2-40B4-BE49-F238E27FC236}">
+                <a16:creationId xmlns:a16="http://schemas.microsoft.com/office/drawing/2014/main" id="{73829ED9-AD3C-43FB-A0DE-DF7A669558F8}"/>
+              </a:ext>
+            </a:extLst>
+          </p:cNvPr>
+          <p:cNvSpPr>
+            <a:spLocks noGrp="1"/>
+          </p:cNvSpPr>
+          <p:nvPr>
+            <p:ph type="title"/>
+          </p:nvPr>
+        </p:nvSpPr>
+        <p:spPr/>
+        <p:txBody>
+          <a:bodyPr/>
+          <a:lstStyle/>
+          <a:p>
+            <a:r>
+              <a:rPr lang="zh-TW" altLang="en-US" dirty="0"/>
+              <a:t>假設與檢定</a:t>
+            </a:r>
+          </a:p>
+        </p:txBody>
+      </p:sp>
+      <p:sp>
+        <p:nvSpPr>
+          <p:cNvPr id="6" name="文字版面配置區 5">
+            <a:extLst>
+              <a:ext uri="{FF2B5EF4-FFF2-40B4-BE49-F238E27FC236}">
+                <a16:creationId xmlns:a16="http://schemas.microsoft.com/office/drawing/2014/main" id="{D9EDD6AE-9199-499B-8D7F-6D93FB0AD946}"/>
+              </a:ext>
+            </a:extLst>
+          </p:cNvPr>
+          <p:cNvSpPr>
+            <a:spLocks noGrp="1"/>
+          </p:cNvSpPr>
+          <p:nvPr>
+            <p:ph type="body" idx="1"/>
+          </p:nvPr>
+        </p:nvSpPr>
+        <p:spPr/>
+        <p:txBody>
+          <a:bodyPr/>
+          <a:lstStyle/>
+          <a:p>
+            <a:endParaRPr lang="zh-TW" altLang="en-US"/>
+          </a:p>
+        </p:txBody>
+      </p:sp>
+      <p:sp>
+        <p:nvSpPr>
+          <p:cNvPr id="4" name="投影片編號版面配置區 3">
+            <a:extLst>
+              <a:ext uri="{FF2B5EF4-FFF2-40B4-BE49-F238E27FC236}">
+                <a16:creationId xmlns:a16="http://schemas.microsoft.com/office/drawing/2014/main" id="{E150A48A-C57D-45FD-A8E0-C118B59D1FCD}"/>
+              </a:ext>
+            </a:extLst>
+          </p:cNvPr>
+          <p:cNvSpPr>
+            <a:spLocks noGrp="1"/>
+          </p:cNvSpPr>
+          <p:nvPr>
+            <p:ph type="sldNum" sz="quarter" idx="12"/>
+          </p:nvPr>
+        </p:nvSpPr>
+        <p:spPr/>
+        <p:txBody>
+          <a:bodyPr/>
+          <a:lstStyle/>
+          <a:p>
+            <a:fld id="{0318AE31-7D37-4562-A6C9-6CAC1CEA6FBB}" type="slidenum">
+              <a:rPr lang="zh-TW" altLang="en-US" smtClean="0"/>
+              <a:pPr/>
+              <a:t>22</a:t>
+            </a:fld>
+            <a:endParaRPr lang="zh-TW" altLang="en-US"/>
+          </a:p>
+        </p:txBody>
+      </p:sp>
+    </p:spTree>
+    <p:extLst>
+      <p:ext uri="{BB962C8B-B14F-4D97-AF65-F5344CB8AC3E}">
+        <p14:creationId xmlns:p14="http://schemas.microsoft.com/office/powerpoint/2010/main" val="579898982"/>
+      </p:ext>
+    </p:extLst>
+  </p:cSld>
+  <p:clrMapOvr>
+    <a:masterClrMapping/>
+  </p:clrMapOvr>
+</p:sld>
+</file>
+
+<file path=ppt/slides/slide23.xml><?xml version="1.0" encoding="utf-8"?>
+<p:sld xmlns:a="http://schemas.openxmlformats.org/drawingml/2006/main" xmlns:r="http://schemas.openxmlformats.org/officeDocument/2006/relationships" xmlns:p="http://schemas.openxmlformats.org/presentationml/2006/main">
+  <p:cSld>
+    <p:spTree>
+      <p:nvGrpSpPr>
+        <p:cNvPr id="1" name=""/>
+        <p:cNvGrpSpPr/>
+        <p:nvPr/>
+      </p:nvGrpSpPr>
+      <p:grpSpPr>
+        <a:xfrm>
+          <a:off x="0" y="0"/>
+          <a:ext cx="0" cy="0"/>
+          <a:chOff x="0" y="0"/>
+          <a:chExt cx="0" cy="0"/>
+        </a:xfrm>
+      </p:grpSpPr>
+      <p:sp>
+        <p:nvSpPr>
+          <p:cNvPr id="4" name="標題 3">
+            <a:extLst>
+              <a:ext uri="{FF2B5EF4-FFF2-40B4-BE49-F238E27FC236}">
+                <a16:creationId xmlns:a16="http://schemas.microsoft.com/office/drawing/2014/main" id="{8EBC9425-CFC0-4FC3-9107-5FE202888980}"/>
+              </a:ext>
+            </a:extLst>
+          </p:cNvPr>
+          <p:cNvSpPr>
+            <a:spLocks noGrp="1"/>
+          </p:cNvSpPr>
+          <p:nvPr>
+            <p:ph type="title"/>
+          </p:nvPr>
+        </p:nvSpPr>
+        <p:spPr/>
+        <p:txBody>
+          <a:bodyPr/>
+          <a:lstStyle/>
+          <a:p>
+            <a:r>
+              <a:rPr lang="zh-TW" altLang="en-US" dirty="0"/>
+              <a:t>假設檢定的定義</a:t>
+            </a:r>
+          </a:p>
+        </p:txBody>
+      </p:sp>
+      <p:sp>
+        <p:nvSpPr>
+          <p:cNvPr id="5" name="內容版面配置區 4">
+            <a:extLst>
+              <a:ext uri="{FF2B5EF4-FFF2-40B4-BE49-F238E27FC236}">
+                <a16:creationId xmlns:a16="http://schemas.microsoft.com/office/drawing/2014/main" id="{35F0BE09-9033-4369-8CBC-41F8131E11A6}"/>
+              </a:ext>
+            </a:extLst>
+          </p:cNvPr>
+          <p:cNvSpPr>
+            <a:spLocks noGrp="1"/>
+          </p:cNvSpPr>
+          <p:nvPr>
+            <p:ph idx="1"/>
+          </p:nvPr>
+        </p:nvSpPr>
+        <p:spPr/>
+        <p:txBody>
+          <a:bodyPr/>
+          <a:lstStyle/>
+          <a:p>
+            <a:endParaRPr lang="zh-TW" altLang="en-US"/>
+          </a:p>
+        </p:txBody>
+      </p:sp>
+      <p:sp>
+        <p:nvSpPr>
+          <p:cNvPr id="3" name="投影片編號版面配置區 2">
+            <a:extLst>
+              <a:ext uri="{FF2B5EF4-FFF2-40B4-BE49-F238E27FC236}">
+                <a16:creationId xmlns:a16="http://schemas.microsoft.com/office/drawing/2014/main" id="{AB64ABD3-83C3-42CC-9281-E1FDCB978147}"/>
+              </a:ext>
+            </a:extLst>
+          </p:cNvPr>
+          <p:cNvSpPr>
+            <a:spLocks noGrp="1"/>
+          </p:cNvSpPr>
+          <p:nvPr>
+            <p:ph type="sldNum" sz="quarter" idx="12"/>
+          </p:nvPr>
+        </p:nvSpPr>
+        <p:spPr/>
+        <p:txBody>
+          <a:bodyPr/>
+          <a:lstStyle/>
+          <a:p>
+            <a:fld id="{0318AE31-7D37-4562-A6C9-6CAC1CEA6FBB}" type="slidenum">
+              <a:rPr lang="zh-TW" altLang="en-US" smtClean="0"/>
+              <a:pPr/>
+              <a:t>23</a:t>
+            </a:fld>
+            <a:endParaRPr lang="zh-TW" altLang="en-US"/>
+          </a:p>
+        </p:txBody>
+      </p:sp>
+    </p:spTree>
+    <p:extLst>
+      <p:ext uri="{BB962C8B-B14F-4D97-AF65-F5344CB8AC3E}">
+        <p14:creationId xmlns:p14="http://schemas.microsoft.com/office/powerpoint/2010/main" val="2573238114"/>
+      </p:ext>
+    </p:extLst>
+  </p:cSld>
+  <p:clrMapOvr>
+    <a:masterClrMapping/>
+  </p:clrMapOvr>
+</p:sld>
+</file>
+
+<file path=ppt/slides/slide24.xml><?xml version="1.0" encoding="utf-8"?>
+<p:sld xmlns:a="http://schemas.openxmlformats.org/drawingml/2006/main" xmlns:r="http://schemas.openxmlformats.org/officeDocument/2006/relationships" xmlns:p="http://schemas.openxmlformats.org/presentationml/2006/main">
+  <p:cSld>
+    <p:spTree>
+      <p:nvGrpSpPr>
+        <p:cNvPr id="1" name=""/>
+        <p:cNvGrpSpPr/>
+        <p:nvPr/>
+      </p:nvGrpSpPr>
+      <p:grpSpPr>
+        <a:xfrm>
+          <a:off x="0" y="0"/>
+          <a:ext cx="0" cy="0"/>
+          <a:chOff x="0" y="0"/>
+          <a:chExt cx="0" cy="0"/>
+        </a:xfrm>
+      </p:grpSpPr>
+      <p:sp>
+        <p:nvSpPr>
+          <p:cNvPr id="4" name="標題 3">
+            <a:extLst>
+              <a:ext uri="{FF2B5EF4-FFF2-40B4-BE49-F238E27FC236}">
+                <a16:creationId xmlns:a16="http://schemas.microsoft.com/office/drawing/2014/main" id="{8EBC9425-CFC0-4FC3-9107-5FE202888980}"/>
+              </a:ext>
+            </a:extLst>
+          </p:cNvPr>
+          <p:cNvSpPr>
+            <a:spLocks noGrp="1"/>
+          </p:cNvSpPr>
+          <p:nvPr>
+            <p:ph type="title"/>
+          </p:nvPr>
+        </p:nvSpPr>
+        <p:spPr/>
+        <p:txBody>
+          <a:bodyPr/>
+          <a:lstStyle/>
+          <a:p>
+            <a:r>
+              <a:rPr lang="zh-TW" altLang="en-US" dirty="0"/>
+              <a:t>假設檢定程序</a:t>
+            </a:r>
+          </a:p>
+        </p:txBody>
+      </p:sp>
+      <p:sp>
+        <p:nvSpPr>
+          <p:cNvPr id="5" name="內容版面配置區 4">
+            <a:extLst>
+              <a:ext uri="{FF2B5EF4-FFF2-40B4-BE49-F238E27FC236}">
+                <a16:creationId xmlns:a16="http://schemas.microsoft.com/office/drawing/2014/main" id="{35F0BE09-9033-4369-8CBC-41F8131E11A6}"/>
+              </a:ext>
+            </a:extLst>
+          </p:cNvPr>
+          <p:cNvSpPr>
+            <a:spLocks noGrp="1"/>
+          </p:cNvSpPr>
+          <p:nvPr>
+            <p:ph idx="1"/>
+          </p:nvPr>
+        </p:nvSpPr>
+        <p:spPr/>
+        <p:txBody>
+          <a:bodyPr/>
+          <a:lstStyle/>
+          <a:p>
+            <a:endParaRPr lang="zh-TW" altLang="en-US"/>
+          </a:p>
+        </p:txBody>
+      </p:sp>
+      <p:sp>
+        <p:nvSpPr>
+          <p:cNvPr id="3" name="投影片編號版面配置區 2">
+            <a:extLst>
+              <a:ext uri="{FF2B5EF4-FFF2-40B4-BE49-F238E27FC236}">
+                <a16:creationId xmlns:a16="http://schemas.microsoft.com/office/drawing/2014/main" id="{AB64ABD3-83C3-42CC-9281-E1FDCB978147}"/>
+              </a:ext>
+            </a:extLst>
+          </p:cNvPr>
+          <p:cNvSpPr>
+            <a:spLocks noGrp="1"/>
+          </p:cNvSpPr>
+          <p:nvPr>
+            <p:ph type="sldNum" sz="quarter" idx="12"/>
+          </p:nvPr>
+        </p:nvSpPr>
+        <p:spPr/>
+        <p:txBody>
+          <a:bodyPr/>
+          <a:lstStyle/>
+          <a:p>
+            <a:fld id="{0318AE31-7D37-4562-A6C9-6CAC1CEA6FBB}" type="slidenum">
+              <a:rPr lang="zh-TW" altLang="en-US" smtClean="0"/>
+              <a:pPr/>
+              <a:t>24</a:t>
+            </a:fld>
+            <a:endParaRPr lang="zh-TW" altLang="en-US"/>
+          </a:p>
+        </p:txBody>
+      </p:sp>
+    </p:spTree>
+    <p:extLst>
+      <p:ext uri="{BB962C8B-B14F-4D97-AF65-F5344CB8AC3E}">
+        <p14:creationId xmlns:p14="http://schemas.microsoft.com/office/powerpoint/2010/main" val="2725382240"/>
+      </p:ext>
+    </p:extLst>
+  </p:cSld>
+  <p:clrMapOvr>
+    <a:masterClrMapping/>
+  </p:clrMapOvr>
+</p:sld>
+</file>
+
+<file path=ppt/slides/slide25.xml><?xml version="1.0" encoding="utf-8"?>
+<p:sld xmlns:a="http://schemas.openxmlformats.org/drawingml/2006/main" xmlns:r="http://schemas.openxmlformats.org/officeDocument/2006/relationships" xmlns:p="http://schemas.openxmlformats.org/presentationml/2006/main">
+  <p:cSld>
+    <p:spTree>
+      <p:nvGrpSpPr>
+        <p:cNvPr id="1" name=""/>
+        <p:cNvGrpSpPr/>
+        <p:nvPr/>
+      </p:nvGrpSpPr>
+      <p:grpSpPr>
+        <a:xfrm>
+          <a:off x="0" y="0"/>
+          <a:ext cx="0" cy="0"/>
+          <a:chOff x="0" y="0"/>
+          <a:chExt cx="0" cy="0"/>
+        </a:xfrm>
+      </p:grpSpPr>
+      <p:sp>
+        <p:nvSpPr>
+          <p:cNvPr id="4" name="標題 3">
+            <a:extLst>
+              <a:ext uri="{FF2B5EF4-FFF2-40B4-BE49-F238E27FC236}">
+                <a16:creationId xmlns:a16="http://schemas.microsoft.com/office/drawing/2014/main" id="{8EBC9425-CFC0-4FC3-9107-5FE202888980}"/>
+              </a:ext>
+            </a:extLst>
+          </p:cNvPr>
+          <p:cNvSpPr>
+            <a:spLocks noGrp="1"/>
+          </p:cNvSpPr>
+          <p:nvPr>
+            <p:ph type="title"/>
+          </p:nvPr>
+        </p:nvSpPr>
+        <p:spPr/>
+        <p:txBody>
+          <a:bodyPr/>
+          <a:lstStyle/>
+          <a:p>
+            <a:r>
+              <a:rPr lang="en-US" altLang="zh-TW" dirty="0"/>
+              <a:t>t</a:t>
+            </a:r>
+            <a:r>
+              <a:rPr lang="zh-TW" altLang="en-US" dirty="0"/>
+              <a:t>檢定</a:t>
+            </a:r>
+          </a:p>
+        </p:txBody>
+      </p:sp>
+      <p:sp>
+        <p:nvSpPr>
+          <p:cNvPr id="5" name="內容版面配置區 4">
+            <a:extLst>
+              <a:ext uri="{FF2B5EF4-FFF2-40B4-BE49-F238E27FC236}">
+                <a16:creationId xmlns:a16="http://schemas.microsoft.com/office/drawing/2014/main" id="{35F0BE09-9033-4369-8CBC-41F8131E11A6}"/>
+              </a:ext>
+            </a:extLst>
+          </p:cNvPr>
+          <p:cNvSpPr>
+            <a:spLocks noGrp="1"/>
+          </p:cNvSpPr>
+          <p:nvPr>
+            <p:ph idx="1"/>
+          </p:nvPr>
+        </p:nvSpPr>
+        <p:spPr/>
+        <p:txBody>
+          <a:bodyPr/>
+          <a:lstStyle/>
+          <a:p>
+            <a:endParaRPr lang="zh-TW" altLang="en-US"/>
+          </a:p>
+        </p:txBody>
+      </p:sp>
+      <p:sp>
+        <p:nvSpPr>
+          <p:cNvPr id="3" name="投影片編號版面配置區 2">
+            <a:extLst>
+              <a:ext uri="{FF2B5EF4-FFF2-40B4-BE49-F238E27FC236}">
+                <a16:creationId xmlns:a16="http://schemas.microsoft.com/office/drawing/2014/main" id="{AB64ABD3-83C3-42CC-9281-E1FDCB978147}"/>
+              </a:ext>
+            </a:extLst>
+          </p:cNvPr>
+          <p:cNvSpPr>
+            <a:spLocks noGrp="1"/>
+          </p:cNvSpPr>
+          <p:nvPr>
+            <p:ph type="sldNum" sz="quarter" idx="12"/>
+          </p:nvPr>
+        </p:nvSpPr>
+        <p:spPr/>
+        <p:txBody>
+          <a:bodyPr/>
+          <a:lstStyle/>
+          <a:p>
+            <a:fld id="{0318AE31-7D37-4562-A6C9-6CAC1CEA6FBB}" type="slidenum">
+              <a:rPr lang="zh-TW" altLang="en-US" smtClean="0"/>
+              <a:pPr/>
+              <a:t>25</a:t>
+            </a:fld>
+            <a:endParaRPr lang="zh-TW" altLang="en-US"/>
+          </a:p>
+        </p:txBody>
+      </p:sp>
+    </p:spTree>
+    <p:extLst>
+      <p:ext uri="{BB962C8B-B14F-4D97-AF65-F5344CB8AC3E}">
+        <p14:creationId xmlns:p14="http://schemas.microsoft.com/office/powerpoint/2010/main" val="3293762289"/>
+      </p:ext>
+    </p:extLst>
+  </p:cSld>
+  <p:clrMapOvr>
+    <a:masterClrMapping/>
+  </p:clrMapOvr>
+</p:sld>
+</file>
+
+<file path=ppt/slides/slide26.xml><?xml version="1.0" encoding="utf-8"?>
+<p:sld xmlns:a="http://schemas.openxmlformats.org/drawingml/2006/main" xmlns:r="http://schemas.openxmlformats.org/officeDocument/2006/relationships" xmlns:p="http://schemas.openxmlformats.org/presentationml/2006/main">
+  <p:cSld>
+    <p:spTree>
+      <p:nvGrpSpPr>
+        <p:cNvPr id="1" name=""/>
+        <p:cNvGrpSpPr/>
+        <p:nvPr/>
+      </p:nvGrpSpPr>
+      <p:grpSpPr>
+        <a:xfrm>
+          <a:off x="0" y="0"/>
+          <a:ext cx="0" cy="0"/>
+          <a:chOff x="0" y="0"/>
+          <a:chExt cx="0" cy="0"/>
+        </a:xfrm>
+      </p:grpSpPr>
+      <p:sp>
+        <p:nvSpPr>
+          <p:cNvPr id="4" name="標題 3">
+            <a:extLst>
+              <a:ext uri="{FF2B5EF4-FFF2-40B4-BE49-F238E27FC236}">
+                <a16:creationId xmlns:a16="http://schemas.microsoft.com/office/drawing/2014/main" id="{8EBC9425-CFC0-4FC3-9107-5FE202888980}"/>
+              </a:ext>
+            </a:extLst>
+          </p:cNvPr>
+          <p:cNvSpPr>
+            <a:spLocks noGrp="1"/>
+          </p:cNvSpPr>
+          <p:nvPr>
+            <p:ph type="title"/>
+          </p:nvPr>
+        </p:nvSpPr>
+        <p:spPr/>
+        <p:txBody>
+          <a:bodyPr/>
+          <a:lstStyle/>
+          <a:p>
+            <a:r>
+              <a:rPr lang="en-US" altLang="zh-TW" dirty="0"/>
+              <a:t>ANOVA</a:t>
+            </a:r>
+            <a:r>
+              <a:rPr lang="zh-TW" altLang="en-US" dirty="0"/>
+              <a:t>檢定</a:t>
+            </a:r>
+          </a:p>
+        </p:txBody>
+      </p:sp>
+      <p:sp>
+        <p:nvSpPr>
+          <p:cNvPr id="5" name="內容版面配置區 4">
+            <a:extLst>
+              <a:ext uri="{FF2B5EF4-FFF2-40B4-BE49-F238E27FC236}">
+                <a16:creationId xmlns:a16="http://schemas.microsoft.com/office/drawing/2014/main" id="{35F0BE09-9033-4369-8CBC-41F8131E11A6}"/>
+              </a:ext>
+            </a:extLst>
+          </p:cNvPr>
+          <p:cNvSpPr>
+            <a:spLocks noGrp="1"/>
+          </p:cNvSpPr>
+          <p:nvPr>
+            <p:ph idx="1"/>
+          </p:nvPr>
+        </p:nvSpPr>
+        <p:spPr/>
+        <p:txBody>
+          <a:bodyPr/>
+          <a:lstStyle/>
+          <a:p>
+            <a:endParaRPr lang="zh-TW" altLang="en-US"/>
+          </a:p>
+        </p:txBody>
+      </p:sp>
+      <p:sp>
+        <p:nvSpPr>
+          <p:cNvPr id="3" name="投影片編號版面配置區 2">
+            <a:extLst>
+              <a:ext uri="{FF2B5EF4-FFF2-40B4-BE49-F238E27FC236}">
+                <a16:creationId xmlns:a16="http://schemas.microsoft.com/office/drawing/2014/main" id="{AB64ABD3-83C3-42CC-9281-E1FDCB978147}"/>
+              </a:ext>
+            </a:extLst>
+          </p:cNvPr>
+          <p:cNvSpPr>
+            <a:spLocks noGrp="1"/>
+          </p:cNvSpPr>
+          <p:nvPr>
+            <p:ph type="sldNum" sz="quarter" idx="12"/>
+          </p:nvPr>
+        </p:nvSpPr>
+        <p:spPr/>
+        <p:txBody>
+          <a:bodyPr/>
+          <a:lstStyle/>
+          <a:p>
+            <a:fld id="{0318AE31-7D37-4562-A6C9-6CAC1CEA6FBB}" type="slidenum">
+              <a:rPr lang="zh-TW" altLang="en-US" smtClean="0"/>
+              <a:pPr/>
+              <a:t>26</a:t>
+            </a:fld>
+            <a:endParaRPr lang="zh-TW" altLang="en-US"/>
+          </a:p>
+        </p:txBody>
+      </p:sp>
+    </p:spTree>
+    <p:extLst>
+      <p:ext uri="{BB962C8B-B14F-4D97-AF65-F5344CB8AC3E}">
+        <p14:creationId xmlns:p14="http://schemas.microsoft.com/office/powerpoint/2010/main" val="1189170711"/>
+      </p:ext>
+    </p:extLst>
+  </p:cSld>
+  <p:clrMapOvr>
+    <a:masterClrMapping/>
+  </p:clrMapOvr>
+</p:sld>
+</file>
+
+<file path=ppt/slides/slide27.xml><?xml version="1.0" encoding="utf-8"?>
+<p:sld xmlns:a="http://schemas.openxmlformats.org/drawingml/2006/main" xmlns:r="http://schemas.openxmlformats.org/officeDocument/2006/relationships" xmlns:p="http://schemas.openxmlformats.org/presentationml/2006/main">
+  <p:cSld>
+    <p:spTree>
+      <p:nvGrpSpPr>
+        <p:cNvPr id="1" name=""/>
+        <p:cNvGrpSpPr/>
+        <p:nvPr/>
+      </p:nvGrpSpPr>
+      <p:grpSpPr>
+        <a:xfrm>
+          <a:off x="0" y="0"/>
+          <a:ext cx="0" cy="0"/>
+          <a:chOff x="0" y="0"/>
+          <a:chExt cx="0" cy="0"/>
+        </a:xfrm>
+      </p:grpSpPr>
+      <p:sp>
+        <p:nvSpPr>
+          <p:cNvPr id="5" name="標題 4">
+            <a:extLst>
+              <a:ext uri="{FF2B5EF4-FFF2-40B4-BE49-F238E27FC236}">
+                <a16:creationId xmlns:a16="http://schemas.microsoft.com/office/drawing/2014/main" id="{73829ED9-AD3C-43FB-A0DE-DF7A669558F8}"/>
+              </a:ext>
+            </a:extLst>
+          </p:cNvPr>
+          <p:cNvSpPr>
+            <a:spLocks noGrp="1"/>
+          </p:cNvSpPr>
+          <p:nvPr>
+            <p:ph type="title"/>
+          </p:nvPr>
+        </p:nvSpPr>
+        <p:spPr/>
+        <p:txBody>
+          <a:bodyPr/>
+          <a:lstStyle/>
+          <a:p>
+            <a:r>
+              <a:rPr lang="zh-TW" altLang="en-US" dirty="0"/>
+              <a:t>分群</a:t>
+            </a:r>
+          </a:p>
+        </p:txBody>
+      </p:sp>
+      <p:sp>
+        <p:nvSpPr>
+          <p:cNvPr id="6" name="文字版面配置區 5">
+            <a:extLst>
+              <a:ext uri="{FF2B5EF4-FFF2-40B4-BE49-F238E27FC236}">
+                <a16:creationId xmlns:a16="http://schemas.microsoft.com/office/drawing/2014/main" id="{D9EDD6AE-9199-499B-8D7F-6D93FB0AD946}"/>
+              </a:ext>
+            </a:extLst>
+          </p:cNvPr>
+          <p:cNvSpPr>
+            <a:spLocks noGrp="1"/>
+          </p:cNvSpPr>
+          <p:nvPr>
+            <p:ph type="body" idx="1"/>
+          </p:nvPr>
+        </p:nvSpPr>
+        <p:spPr/>
+        <p:txBody>
+          <a:bodyPr/>
+          <a:lstStyle/>
+          <a:p>
+            <a:endParaRPr lang="zh-TW" altLang="en-US"/>
+          </a:p>
+        </p:txBody>
+      </p:sp>
+      <p:sp>
+        <p:nvSpPr>
+          <p:cNvPr id="4" name="投影片編號版面配置區 3">
+            <a:extLst>
+              <a:ext uri="{FF2B5EF4-FFF2-40B4-BE49-F238E27FC236}">
+                <a16:creationId xmlns:a16="http://schemas.microsoft.com/office/drawing/2014/main" id="{E150A48A-C57D-45FD-A8E0-C118B59D1FCD}"/>
+              </a:ext>
+            </a:extLst>
+          </p:cNvPr>
+          <p:cNvSpPr>
+            <a:spLocks noGrp="1"/>
+          </p:cNvSpPr>
+          <p:nvPr>
+            <p:ph type="sldNum" sz="quarter" idx="12"/>
+          </p:nvPr>
+        </p:nvSpPr>
+        <p:spPr/>
+        <p:txBody>
+          <a:bodyPr/>
+          <a:lstStyle/>
+          <a:p>
+            <a:fld id="{0318AE31-7D37-4562-A6C9-6CAC1CEA6FBB}" type="slidenum">
+              <a:rPr lang="zh-TW" altLang="en-US" smtClean="0"/>
+              <a:pPr/>
+              <a:t>27</a:t>
+            </a:fld>
+            <a:endParaRPr lang="zh-TW" altLang="en-US"/>
+          </a:p>
+        </p:txBody>
+      </p:sp>
+    </p:spTree>
+    <p:extLst>
+      <p:ext uri="{BB962C8B-B14F-4D97-AF65-F5344CB8AC3E}">
+        <p14:creationId xmlns:p14="http://schemas.microsoft.com/office/powerpoint/2010/main" val="1073629335"/>
+      </p:ext>
+    </p:extLst>
+  </p:cSld>
+  <p:clrMapOvr>
+    <a:masterClrMapping/>
+  </p:clrMapOvr>
+</p:sld>
+</file>
+
+<file path=ppt/slides/slide28.xml><?xml version="1.0" encoding="utf-8"?>
+<p:sld xmlns:a="http://schemas.openxmlformats.org/drawingml/2006/main" xmlns:r="http://schemas.openxmlformats.org/officeDocument/2006/relationships" xmlns:p="http://schemas.openxmlformats.org/presentationml/2006/main">
+  <p:cSld>
+    <p:spTree>
+      <p:nvGrpSpPr>
+        <p:cNvPr id="1" name=""/>
+        <p:cNvGrpSpPr/>
+        <p:nvPr/>
+      </p:nvGrpSpPr>
+      <p:grpSpPr>
+        <a:xfrm>
+          <a:off x="0" y="0"/>
+          <a:ext cx="0" cy="0"/>
+          <a:chOff x="0" y="0"/>
+          <a:chExt cx="0" cy="0"/>
+        </a:xfrm>
+      </p:grpSpPr>
+      <p:sp>
+        <p:nvSpPr>
+          <p:cNvPr id="4" name="標題 3">
+            <a:extLst>
+              <a:ext uri="{FF2B5EF4-FFF2-40B4-BE49-F238E27FC236}">
+                <a16:creationId xmlns:a16="http://schemas.microsoft.com/office/drawing/2014/main" id="{8EBC9425-CFC0-4FC3-9107-5FE202888980}"/>
+              </a:ext>
+            </a:extLst>
+          </p:cNvPr>
+          <p:cNvSpPr>
+            <a:spLocks noGrp="1"/>
+          </p:cNvSpPr>
+          <p:nvPr>
+            <p:ph type="title"/>
+          </p:nvPr>
+        </p:nvSpPr>
+        <p:spPr/>
+        <p:txBody>
+          <a:bodyPr/>
+          <a:lstStyle/>
+          <a:p>
+            <a:r>
+              <a:rPr lang="en-US" altLang="zh-TW" dirty="0"/>
+              <a:t>Hierarchical</a:t>
+            </a:r>
+            <a:r>
+              <a:rPr lang="zh-TW" altLang="en-US" dirty="0"/>
+              <a:t>分群</a:t>
+            </a:r>
+          </a:p>
+        </p:txBody>
+      </p:sp>
+      <p:sp>
+        <p:nvSpPr>
+          <p:cNvPr id="5" name="內容版面配置區 4">
+            <a:extLst>
+              <a:ext uri="{FF2B5EF4-FFF2-40B4-BE49-F238E27FC236}">
+                <a16:creationId xmlns:a16="http://schemas.microsoft.com/office/drawing/2014/main" id="{35F0BE09-9033-4369-8CBC-41F8131E11A6}"/>
+              </a:ext>
+            </a:extLst>
+          </p:cNvPr>
+          <p:cNvSpPr>
+            <a:spLocks noGrp="1"/>
+          </p:cNvSpPr>
+          <p:nvPr>
+            <p:ph idx="1"/>
+          </p:nvPr>
+        </p:nvSpPr>
+        <p:spPr/>
+        <p:txBody>
+          <a:bodyPr/>
+          <a:lstStyle/>
+          <a:p>
+            <a:endParaRPr lang="zh-TW" altLang="en-US"/>
+          </a:p>
+        </p:txBody>
+      </p:sp>
+      <p:sp>
+        <p:nvSpPr>
+          <p:cNvPr id="3" name="投影片編號版面配置區 2">
+            <a:extLst>
+              <a:ext uri="{FF2B5EF4-FFF2-40B4-BE49-F238E27FC236}">
+                <a16:creationId xmlns:a16="http://schemas.microsoft.com/office/drawing/2014/main" id="{AB64ABD3-83C3-42CC-9281-E1FDCB978147}"/>
+              </a:ext>
+            </a:extLst>
+          </p:cNvPr>
+          <p:cNvSpPr>
+            <a:spLocks noGrp="1"/>
+          </p:cNvSpPr>
+          <p:nvPr>
+            <p:ph type="sldNum" sz="quarter" idx="12"/>
+          </p:nvPr>
+        </p:nvSpPr>
+        <p:spPr/>
+        <p:txBody>
+          <a:bodyPr/>
+          <a:lstStyle/>
+          <a:p>
+            <a:fld id="{0318AE31-7D37-4562-A6C9-6CAC1CEA6FBB}" type="slidenum">
+              <a:rPr lang="zh-TW" altLang="en-US" smtClean="0"/>
+              <a:pPr/>
+              <a:t>28</a:t>
+            </a:fld>
+            <a:endParaRPr lang="zh-TW" altLang="en-US"/>
+          </a:p>
+        </p:txBody>
+      </p:sp>
+    </p:spTree>
+    <p:extLst>
+      <p:ext uri="{BB962C8B-B14F-4D97-AF65-F5344CB8AC3E}">
+        <p14:creationId xmlns:p14="http://schemas.microsoft.com/office/powerpoint/2010/main" val="387170957"/>
+      </p:ext>
+    </p:extLst>
+  </p:cSld>
+  <p:clrMapOvr>
+    <a:masterClrMapping/>
+  </p:clrMapOvr>
+</p:sld>
+</file>
+
+<file path=ppt/slides/slide29.xml><?xml version="1.0" encoding="utf-8"?>
+<p:sld xmlns:a="http://schemas.openxmlformats.org/drawingml/2006/main" xmlns:r="http://schemas.openxmlformats.org/officeDocument/2006/relationships" xmlns:p="http://schemas.openxmlformats.org/presentationml/2006/main">
+  <p:cSld>
+    <p:spTree>
+      <p:nvGrpSpPr>
+        <p:cNvPr id="1" name=""/>
+        <p:cNvGrpSpPr/>
+        <p:nvPr/>
+      </p:nvGrpSpPr>
+      <p:grpSpPr>
+        <a:xfrm>
+          <a:off x="0" y="0"/>
+          <a:ext cx="0" cy="0"/>
+          <a:chOff x="0" y="0"/>
+          <a:chExt cx="0" cy="0"/>
+        </a:xfrm>
+      </p:grpSpPr>
+      <p:sp>
+        <p:nvSpPr>
+          <p:cNvPr id="4" name="標題 3">
+            <a:extLst>
+              <a:ext uri="{FF2B5EF4-FFF2-40B4-BE49-F238E27FC236}">
+                <a16:creationId xmlns:a16="http://schemas.microsoft.com/office/drawing/2014/main" id="{8EBC9425-CFC0-4FC3-9107-5FE202888980}"/>
+              </a:ext>
+            </a:extLst>
+          </p:cNvPr>
+          <p:cNvSpPr>
+            <a:spLocks noGrp="1"/>
+          </p:cNvSpPr>
+          <p:nvPr>
+            <p:ph type="title"/>
+          </p:nvPr>
+        </p:nvSpPr>
+        <p:spPr/>
+        <p:txBody>
+          <a:bodyPr/>
+          <a:lstStyle/>
+          <a:p>
+            <a:r>
+              <a:rPr lang="en-US" altLang="zh-TW" dirty="0"/>
+              <a:t>K-Means</a:t>
+            </a:r>
+            <a:r>
+              <a:rPr lang="zh-TW" altLang="en-US" dirty="0"/>
+              <a:t>分群</a:t>
+            </a:r>
+          </a:p>
+        </p:txBody>
+      </p:sp>
+      <p:sp>
+        <p:nvSpPr>
+          <p:cNvPr id="5" name="內容版面配置區 4">
+            <a:extLst>
+              <a:ext uri="{FF2B5EF4-FFF2-40B4-BE49-F238E27FC236}">
+                <a16:creationId xmlns:a16="http://schemas.microsoft.com/office/drawing/2014/main" id="{35F0BE09-9033-4369-8CBC-41F8131E11A6}"/>
+              </a:ext>
+            </a:extLst>
+          </p:cNvPr>
+          <p:cNvSpPr>
+            <a:spLocks noGrp="1"/>
+          </p:cNvSpPr>
+          <p:nvPr>
+            <p:ph idx="1"/>
+          </p:nvPr>
+        </p:nvSpPr>
+        <p:spPr/>
+        <p:txBody>
+          <a:bodyPr/>
+          <a:lstStyle/>
+          <a:p>
+            <a:endParaRPr lang="zh-TW" altLang="en-US"/>
+          </a:p>
+        </p:txBody>
+      </p:sp>
+      <p:sp>
+        <p:nvSpPr>
+          <p:cNvPr id="3" name="投影片編號版面配置區 2">
+            <a:extLst>
+              <a:ext uri="{FF2B5EF4-FFF2-40B4-BE49-F238E27FC236}">
+                <a16:creationId xmlns:a16="http://schemas.microsoft.com/office/drawing/2014/main" id="{AB64ABD3-83C3-42CC-9281-E1FDCB978147}"/>
+              </a:ext>
+            </a:extLst>
+          </p:cNvPr>
+          <p:cNvSpPr>
+            <a:spLocks noGrp="1"/>
+          </p:cNvSpPr>
+          <p:nvPr>
+            <p:ph type="sldNum" sz="quarter" idx="12"/>
+          </p:nvPr>
+        </p:nvSpPr>
+        <p:spPr/>
+        <p:txBody>
+          <a:bodyPr/>
+          <a:lstStyle/>
+          <a:p>
+            <a:fld id="{0318AE31-7D37-4562-A6C9-6CAC1CEA6FBB}" type="slidenum">
+              <a:rPr lang="zh-TW" altLang="en-US" smtClean="0"/>
+              <a:pPr/>
+              <a:t>29</a:t>
+            </a:fld>
+            <a:endParaRPr lang="zh-TW" altLang="en-US"/>
+          </a:p>
+        </p:txBody>
+      </p:sp>
+    </p:spTree>
+    <p:extLst>
+      <p:ext uri="{BB962C8B-B14F-4D97-AF65-F5344CB8AC3E}">
+        <p14:creationId xmlns:p14="http://schemas.microsoft.com/office/powerpoint/2010/main" val="443907232"/>
+      </p:ext>
+    </p:extLst>
+  </p:cSld>
+  <p:clrMapOvr>
+    <a:masterClrMapping/>
+  </p:clrMapOvr>
+</p:sld>
+</file>
+
+<file path=ppt/slides/slide3.xml><?xml version="1.0" encoding="utf-8"?>
+<p:sld xmlns:a="http://schemas.openxmlformats.org/drawingml/2006/main" xmlns:r="http://schemas.openxmlformats.org/officeDocument/2006/relationships" xmlns:p="http://schemas.openxmlformats.org/presentationml/2006/main">
+  <p:cSld>
+    <p:spTree>
+      <p:nvGrpSpPr>
+        <p:cNvPr id="1" name=""/>
+        <p:cNvGrpSpPr/>
+        <p:nvPr/>
+      </p:nvGrpSpPr>
+      <p:grpSpPr>
+        <a:xfrm>
+          <a:off x="0" y="0"/>
+          <a:ext cx="0" cy="0"/>
+          <a:chOff x="0" y="0"/>
+          <a:chExt cx="0" cy="0"/>
+        </a:xfrm>
+      </p:grpSpPr>
+      <p:sp>
+        <p:nvSpPr>
+          <p:cNvPr id="5" name="標題 4">
+            <a:extLst>
+              <a:ext uri="{FF2B5EF4-FFF2-40B4-BE49-F238E27FC236}">
+                <a16:creationId xmlns:a16="http://schemas.microsoft.com/office/drawing/2014/main" id="{73829ED9-AD3C-43FB-A0DE-DF7A669558F8}"/>
+              </a:ext>
+            </a:extLst>
+          </p:cNvPr>
+          <p:cNvSpPr>
+            <a:spLocks noGrp="1"/>
+          </p:cNvSpPr>
+          <p:nvPr>
+            <p:ph type="title"/>
+          </p:nvPr>
+        </p:nvSpPr>
+        <p:spPr/>
+        <p:txBody>
+          <a:bodyPr/>
+          <a:lstStyle/>
+          <a:p>
+            <a:r>
+              <a:rPr lang="zh-TW" altLang="en-US" dirty="0"/>
+              <a:t>基本統計概念</a:t>
+            </a:r>
+          </a:p>
+        </p:txBody>
+      </p:sp>
+      <p:sp>
+        <p:nvSpPr>
+          <p:cNvPr id="6" name="文字版面配置區 5">
+            <a:extLst>
+              <a:ext uri="{FF2B5EF4-FFF2-40B4-BE49-F238E27FC236}">
+                <a16:creationId xmlns:a16="http://schemas.microsoft.com/office/drawing/2014/main" id="{D9EDD6AE-9199-499B-8D7F-6D93FB0AD946}"/>
+              </a:ext>
+            </a:extLst>
+          </p:cNvPr>
+          <p:cNvSpPr>
+            <a:spLocks noGrp="1"/>
+          </p:cNvSpPr>
+          <p:nvPr>
+            <p:ph type="body" idx="1"/>
+          </p:nvPr>
+        </p:nvSpPr>
+        <p:spPr/>
+        <p:txBody>
+          <a:bodyPr/>
+          <a:lstStyle/>
+          <a:p>
+            <a:endParaRPr lang="zh-TW" altLang="en-US"/>
+          </a:p>
+        </p:txBody>
+      </p:sp>
+      <p:sp>
+        <p:nvSpPr>
+          <p:cNvPr id="4" name="投影片編號版面配置區 3">
+            <a:extLst>
+              <a:ext uri="{FF2B5EF4-FFF2-40B4-BE49-F238E27FC236}">
+                <a16:creationId xmlns:a16="http://schemas.microsoft.com/office/drawing/2014/main" id="{E150A48A-C57D-45FD-A8E0-C118B59D1FCD}"/>
+              </a:ext>
+            </a:extLst>
+          </p:cNvPr>
+          <p:cNvSpPr>
+            <a:spLocks noGrp="1"/>
+          </p:cNvSpPr>
+          <p:nvPr>
+            <p:ph type="sldNum" sz="quarter" idx="12"/>
+          </p:nvPr>
+        </p:nvSpPr>
+        <p:spPr/>
+        <p:txBody>
+          <a:bodyPr/>
+          <a:lstStyle/>
+          <a:p>
+            <a:fld id="{0318AE31-7D37-4562-A6C9-6CAC1CEA6FBB}" type="slidenum">
+              <a:rPr lang="zh-TW" altLang="en-US" smtClean="0"/>
+              <a:pPr/>
+              <a:t>3</a:t>
+            </a:fld>
+            <a:endParaRPr lang="zh-TW" altLang="en-US"/>
+          </a:p>
+        </p:txBody>
+      </p:sp>
+    </p:spTree>
+    <p:extLst>
+      <p:ext uri="{BB962C8B-B14F-4D97-AF65-F5344CB8AC3E}">
+        <p14:creationId xmlns:p14="http://schemas.microsoft.com/office/powerpoint/2010/main" val="1665411432"/>
+      </p:ext>
+    </p:extLst>
+  </p:cSld>
+  <p:clrMapOvr>
+    <a:masterClrMapping/>
+  </p:clrMapOvr>
+</p:sld>
+</file>
+
+<file path=ppt/slides/slide30.xml><?xml version="1.0" encoding="utf-8"?>
+<p:sld xmlns:a="http://schemas.openxmlformats.org/drawingml/2006/main" xmlns:r="http://schemas.openxmlformats.org/officeDocument/2006/relationships" xmlns:p="http://schemas.openxmlformats.org/presentationml/2006/main">
+  <p:cSld>
+    <p:spTree>
+      <p:nvGrpSpPr>
+        <p:cNvPr id="1" name=""/>
+        <p:cNvGrpSpPr/>
+        <p:nvPr/>
+      </p:nvGrpSpPr>
+      <p:grpSpPr>
+        <a:xfrm>
+          <a:off x="0" y="0"/>
+          <a:ext cx="0" cy="0"/>
+          <a:chOff x="0" y="0"/>
+          <a:chExt cx="0" cy="0"/>
+        </a:xfrm>
+      </p:grpSpPr>
+      <p:sp>
+        <p:nvSpPr>
+          <p:cNvPr id="4" name="標題 3">
+            <a:extLst>
+              <a:ext uri="{FF2B5EF4-FFF2-40B4-BE49-F238E27FC236}">
+                <a16:creationId xmlns:a16="http://schemas.microsoft.com/office/drawing/2014/main" id="{8EBC9425-CFC0-4FC3-9107-5FE202888980}"/>
+              </a:ext>
+            </a:extLst>
+          </p:cNvPr>
+          <p:cNvSpPr>
+            <a:spLocks noGrp="1"/>
+          </p:cNvSpPr>
+          <p:nvPr>
+            <p:ph type="title"/>
+          </p:nvPr>
+        </p:nvSpPr>
+        <p:spPr/>
+        <p:txBody>
+          <a:bodyPr/>
+          <a:lstStyle/>
+          <a:p>
+            <a:endParaRPr lang="zh-TW" altLang="en-US"/>
+          </a:p>
+        </p:txBody>
+      </p:sp>
+      <p:sp>
+        <p:nvSpPr>
+          <p:cNvPr id="5" name="內容版面配置區 4">
+            <a:extLst>
+              <a:ext uri="{FF2B5EF4-FFF2-40B4-BE49-F238E27FC236}">
+                <a16:creationId xmlns:a16="http://schemas.microsoft.com/office/drawing/2014/main" id="{35F0BE09-9033-4369-8CBC-41F8131E11A6}"/>
+              </a:ext>
+            </a:extLst>
+          </p:cNvPr>
+          <p:cNvSpPr>
+            <a:spLocks noGrp="1"/>
+          </p:cNvSpPr>
+          <p:nvPr>
+            <p:ph idx="1"/>
+          </p:nvPr>
+        </p:nvSpPr>
+        <p:spPr/>
+        <p:txBody>
+          <a:bodyPr/>
+          <a:lstStyle/>
+          <a:p>
+            <a:endParaRPr lang="zh-TW" altLang="en-US"/>
+          </a:p>
+        </p:txBody>
+      </p:sp>
+      <p:sp>
+        <p:nvSpPr>
+          <p:cNvPr id="3" name="投影片編號版面配置區 2">
+            <a:extLst>
+              <a:ext uri="{FF2B5EF4-FFF2-40B4-BE49-F238E27FC236}">
+                <a16:creationId xmlns:a16="http://schemas.microsoft.com/office/drawing/2014/main" id="{AB64ABD3-83C3-42CC-9281-E1FDCB978147}"/>
+              </a:ext>
+            </a:extLst>
+          </p:cNvPr>
+          <p:cNvSpPr>
+            <a:spLocks noGrp="1"/>
+          </p:cNvSpPr>
+          <p:nvPr>
+            <p:ph type="sldNum" sz="quarter" idx="12"/>
+          </p:nvPr>
+        </p:nvSpPr>
+        <p:spPr/>
+        <p:txBody>
+          <a:bodyPr/>
+          <a:lstStyle/>
+          <a:p>
+            <a:fld id="{0318AE31-7D37-4562-A6C9-6CAC1CEA6FBB}" type="slidenum">
+              <a:rPr lang="zh-TW" altLang="en-US" smtClean="0"/>
+              <a:pPr/>
+              <a:t>30</a:t>
+            </a:fld>
+            <a:endParaRPr lang="zh-TW" altLang="en-US"/>
+          </a:p>
+        </p:txBody>
+      </p:sp>
+    </p:spTree>
+    <p:extLst>
+      <p:ext uri="{BB962C8B-B14F-4D97-AF65-F5344CB8AC3E}">
+        <p14:creationId xmlns:p14="http://schemas.microsoft.com/office/powerpoint/2010/main" val="524460523"/>
+      </p:ext>
+    </p:extLst>
+  </p:cSld>
+  <p:clrMapOvr>
+    <a:masterClrMapping/>
+  </p:clrMapOvr>
+</p:sld>
+</file>
+
+<file path=ppt/slides/slide31.xml><?xml version="1.0" encoding="utf-8"?>
+<p:sld xmlns:a="http://schemas.openxmlformats.org/drawingml/2006/main" xmlns:r="http://schemas.openxmlformats.org/officeDocument/2006/relationships" xmlns:p="http://schemas.openxmlformats.org/presentationml/2006/main">
+  <p:cSld>
+    <p:spTree>
+      <p:nvGrpSpPr>
+        <p:cNvPr id="1" name=""/>
+        <p:cNvGrpSpPr/>
+        <p:nvPr/>
+      </p:nvGrpSpPr>
+      <p:grpSpPr>
+        <a:xfrm>
+          <a:off x="0" y="0"/>
+          <a:ext cx="0" cy="0"/>
+          <a:chOff x="0" y="0"/>
+          <a:chExt cx="0" cy="0"/>
+        </a:xfrm>
+      </p:grpSpPr>
+      <p:sp>
+        <p:nvSpPr>
+          <p:cNvPr id="4" name="標題 3">
+            <a:extLst>
+              <a:ext uri="{FF2B5EF4-FFF2-40B4-BE49-F238E27FC236}">
+                <a16:creationId xmlns:a16="http://schemas.microsoft.com/office/drawing/2014/main" id="{8EBC9425-CFC0-4FC3-9107-5FE202888980}"/>
+              </a:ext>
+            </a:extLst>
+          </p:cNvPr>
+          <p:cNvSpPr>
+            <a:spLocks noGrp="1"/>
+          </p:cNvSpPr>
+          <p:nvPr>
+            <p:ph type="title"/>
+          </p:nvPr>
+        </p:nvSpPr>
+        <p:spPr/>
+        <p:txBody>
+          <a:bodyPr/>
+          <a:lstStyle/>
+          <a:p>
+            <a:endParaRPr lang="zh-TW" altLang="en-US"/>
+          </a:p>
+        </p:txBody>
+      </p:sp>
+      <p:sp>
+        <p:nvSpPr>
+          <p:cNvPr id="5" name="內容版面配置區 4">
+            <a:extLst>
+              <a:ext uri="{FF2B5EF4-FFF2-40B4-BE49-F238E27FC236}">
+                <a16:creationId xmlns:a16="http://schemas.microsoft.com/office/drawing/2014/main" id="{35F0BE09-9033-4369-8CBC-41F8131E11A6}"/>
+              </a:ext>
+            </a:extLst>
+          </p:cNvPr>
+          <p:cNvSpPr>
+            <a:spLocks noGrp="1"/>
+          </p:cNvSpPr>
+          <p:nvPr>
+            <p:ph idx="1"/>
+          </p:nvPr>
+        </p:nvSpPr>
+        <p:spPr/>
+        <p:txBody>
+          <a:bodyPr/>
+          <a:lstStyle/>
+          <a:p>
+            <a:endParaRPr lang="zh-TW" altLang="en-US"/>
+          </a:p>
+        </p:txBody>
+      </p:sp>
+      <p:sp>
+        <p:nvSpPr>
+          <p:cNvPr id="3" name="投影片編號版面配置區 2">
+            <a:extLst>
+              <a:ext uri="{FF2B5EF4-FFF2-40B4-BE49-F238E27FC236}">
+                <a16:creationId xmlns:a16="http://schemas.microsoft.com/office/drawing/2014/main" id="{AB64ABD3-83C3-42CC-9281-E1FDCB978147}"/>
+              </a:ext>
+            </a:extLst>
+          </p:cNvPr>
+          <p:cNvSpPr>
+            <a:spLocks noGrp="1"/>
+          </p:cNvSpPr>
+          <p:nvPr>
+            <p:ph type="sldNum" sz="quarter" idx="12"/>
+          </p:nvPr>
+        </p:nvSpPr>
+        <p:spPr/>
+        <p:txBody>
+          <a:bodyPr/>
+          <a:lstStyle/>
+          <a:p>
+            <a:fld id="{0318AE31-7D37-4562-A6C9-6CAC1CEA6FBB}" type="slidenum">
+              <a:rPr lang="zh-TW" altLang="en-US" smtClean="0"/>
+              <a:pPr/>
+              <a:t>31</a:t>
+            </a:fld>
+            <a:endParaRPr lang="zh-TW" altLang="en-US"/>
+          </a:p>
+        </p:txBody>
+      </p:sp>
+    </p:spTree>
+    <p:extLst>
+      <p:ext uri="{BB962C8B-B14F-4D97-AF65-F5344CB8AC3E}">
+        <p14:creationId xmlns:p14="http://schemas.microsoft.com/office/powerpoint/2010/main" val="1069901247"/>
+      </p:ext>
+    </p:extLst>
+  </p:cSld>
+  <p:clrMapOvr>
+    <a:masterClrMapping/>
+  </p:clrMapOvr>
+</p:sld>
+</file>
+
+<file path=ppt/slides/slide32.xml><?xml version="1.0" encoding="utf-8"?>
+<p:sld xmlns:a="http://schemas.openxmlformats.org/drawingml/2006/main" xmlns:r="http://schemas.openxmlformats.org/officeDocument/2006/relationships" xmlns:p="http://schemas.openxmlformats.org/presentationml/2006/main">
+  <p:cSld>
+    <p:spTree>
+      <p:nvGrpSpPr>
+        <p:cNvPr id="1" name=""/>
+        <p:cNvGrpSpPr/>
+        <p:nvPr/>
+      </p:nvGrpSpPr>
+      <p:grpSpPr>
+        <a:xfrm>
+          <a:off x="0" y="0"/>
+          <a:ext cx="0" cy="0"/>
+          <a:chOff x="0" y="0"/>
+          <a:chExt cx="0" cy="0"/>
+        </a:xfrm>
+      </p:grpSpPr>
+      <p:sp>
+        <p:nvSpPr>
+          <p:cNvPr id="4" name="標題 3">
+            <a:extLst>
+              <a:ext uri="{FF2B5EF4-FFF2-40B4-BE49-F238E27FC236}">
+                <a16:creationId xmlns:a16="http://schemas.microsoft.com/office/drawing/2014/main" id="{8EBC9425-CFC0-4FC3-9107-5FE202888980}"/>
+              </a:ext>
+            </a:extLst>
+          </p:cNvPr>
+          <p:cNvSpPr>
+            <a:spLocks noGrp="1"/>
+          </p:cNvSpPr>
+          <p:nvPr>
+            <p:ph type="title"/>
+          </p:nvPr>
+        </p:nvSpPr>
+        <p:spPr/>
+        <p:txBody>
+          <a:bodyPr/>
+          <a:lstStyle/>
+          <a:p>
+            <a:endParaRPr lang="zh-TW" altLang="en-US"/>
+          </a:p>
+        </p:txBody>
+      </p:sp>
+      <p:sp>
+        <p:nvSpPr>
+          <p:cNvPr id="5" name="內容版面配置區 4">
+            <a:extLst>
+              <a:ext uri="{FF2B5EF4-FFF2-40B4-BE49-F238E27FC236}">
+                <a16:creationId xmlns:a16="http://schemas.microsoft.com/office/drawing/2014/main" id="{35F0BE09-9033-4369-8CBC-41F8131E11A6}"/>
+              </a:ext>
+            </a:extLst>
+          </p:cNvPr>
+          <p:cNvSpPr>
+            <a:spLocks noGrp="1"/>
+          </p:cNvSpPr>
+          <p:nvPr>
+            <p:ph idx="1"/>
+          </p:nvPr>
+        </p:nvSpPr>
+        <p:spPr/>
+        <p:txBody>
+          <a:bodyPr/>
+          <a:lstStyle/>
+          <a:p>
+            <a:endParaRPr lang="zh-TW" altLang="en-US"/>
+          </a:p>
+        </p:txBody>
+      </p:sp>
+      <p:sp>
+        <p:nvSpPr>
+          <p:cNvPr id="3" name="投影片編號版面配置區 2">
+            <a:extLst>
+              <a:ext uri="{FF2B5EF4-FFF2-40B4-BE49-F238E27FC236}">
+                <a16:creationId xmlns:a16="http://schemas.microsoft.com/office/drawing/2014/main" id="{AB64ABD3-83C3-42CC-9281-E1FDCB978147}"/>
+              </a:ext>
+            </a:extLst>
+          </p:cNvPr>
+          <p:cNvSpPr>
+            <a:spLocks noGrp="1"/>
+          </p:cNvSpPr>
+          <p:nvPr>
+            <p:ph type="sldNum" sz="quarter" idx="12"/>
+          </p:nvPr>
+        </p:nvSpPr>
+        <p:spPr/>
+        <p:txBody>
+          <a:bodyPr/>
+          <a:lstStyle/>
+          <a:p>
+            <a:fld id="{0318AE31-7D37-4562-A6C9-6CAC1CEA6FBB}" type="slidenum">
+              <a:rPr lang="zh-TW" altLang="en-US" smtClean="0"/>
+              <a:pPr/>
+              <a:t>32</a:t>
+            </a:fld>
+            <a:endParaRPr lang="zh-TW" altLang="en-US"/>
+          </a:p>
+        </p:txBody>
+      </p:sp>
+    </p:spTree>
+    <p:extLst>
+      <p:ext uri="{BB962C8B-B14F-4D97-AF65-F5344CB8AC3E}">
+        <p14:creationId xmlns:p14="http://schemas.microsoft.com/office/powerpoint/2010/main" val="503361357"/>
+      </p:ext>
+    </p:extLst>
+  </p:cSld>
+  <p:clrMapOvr>
+    <a:masterClrMapping/>
+  </p:clrMapOvr>
+</p:sld>
+</file>
+
+<file path=ppt/slides/slide4.xml><?xml version="1.0" encoding="utf-8"?>
+<p:sld xmlns:a="http://schemas.openxmlformats.org/drawingml/2006/main" xmlns:r="http://schemas.openxmlformats.org/officeDocument/2006/relationships" xmlns:p="http://schemas.openxmlformats.org/presentationml/2006/main">
+  <p:cSld>
+    <p:spTree>
+      <p:nvGrpSpPr>
+        <p:cNvPr id="1" name=""/>
+        <p:cNvGrpSpPr/>
+        <p:nvPr/>
+      </p:nvGrpSpPr>
+      <p:grpSpPr>
+        <a:xfrm>
+          <a:off x="0" y="0"/>
+          <a:ext cx="0" cy="0"/>
+          <a:chOff x="0" y="0"/>
+          <a:chExt cx="0" cy="0"/>
+        </a:xfrm>
+      </p:grpSpPr>
+      <p:sp>
+        <p:nvSpPr>
+          <p:cNvPr id="4" name="標題 3">
+            <a:extLst>
+              <a:ext uri="{FF2B5EF4-FFF2-40B4-BE49-F238E27FC236}">
+                <a16:creationId xmlns:a16="http://schemas.microsoft.com/office/drawing/2014/main" id="{8EBC9425-CFC0-4FC3-9107-5FE202888980}"/>
+              </a:ext>
+            </a:extLst>
+          </p:cNvPr>
+          <p:cNvSpPr>
+            <a:spLocks noGrp="1"/>
+          </p:cNvSpPr>
+          <p:nvPr>
+            <p:ph type="title"/>
+          </p:nvPr>
+        </p:nvSpPr>
+        <p:spPr/>
+        <p:txBody>
+          <a:bodyPr/>
+          <a:lstStyle/>
+          <a:p>
+            <a:r>
+              <a:rPr lang="zh-TW" altLang="en-US" dirty="0"/>
+              <a:t>數據階段</a:t>
+            </a:r>
+          </a:p>
+        </p:txBody>
+      </p:sp>
+      <p:graphicFrame>
+        <p:nvGraphicFramePr>
+          <p:cNvPr id="2" name="內容版面配置區 1">
+            <a:extLst>
+              <a:ext uri="{FF2B5EF4-FFF2-40B4-BE49-F238E27FC236}">
+                <a16:creationId xmlns:a16="http://schemas.microsoft.com/office/drawing/2014/main" id="{2D71D764-4F1F-4F98-B558-9224FEE23953}"/>
+              </a:ext>
+            </a:extLst>
+          </p:cNvPr>
+          <p:cNvGraphicFramePr>
+            <a:graphicFrameLocks noGrp="1"/>
+          </p:cNvGraphicFramePr>
+          <p:nvPr>
+            <p:ph idx="1"/>
+            <p:extLst>
+              <p:ext uri="{D42A27DB-BD31-4B8C-83A1-F6EECF244321}">
+                <p14:modId xmlns:p14="http://schemas.microsoft.com/office/powerpoint/2010/main" val="3439289493"/>
+              </p:ext>
+            </p:extLst>
+          </p:nvPr>
+        </p:nvGraphicFramePr>
+        <p:xfrm>
+          <a:off x="838200" y="1036638"/>
+          <a:ext cx="10515600" cy="5140325"/>
+        </p:xfrm>
+        <a:graphic>
+          <a:graphicData uri="http://schemas.openxmlformats.org/drawingml/2006/diagram">
+            <dgm:relIds xmlns:dgm="http://schemas.openxmlformats.org/drawingml/2006/diagram" xmlns:r="http://schemas.openxmlformats.org/officeDocument/2006/relationships" r:dm="rId2" r:lo="rId3" r:qs="rId4" r:cs="rId5"/>
+          </a:graphicData>
+        </a:graphic>
+      </p:graphicFrame>
+      <p:sp>
+        <p:nvSpPr>
+          <p:cNvPr id="3" name="投影片編號版面配置區 2">
+            <a:extLst>
+              <a:ext uri="{FF2B5EF4-FFF2-40B4-BE49-F238E27FC236}">
+                <a16:creationId xmlns:a16="http://schemas.microsoft.com/office/drawing/2014/main" id="{AB64ABD3-83C3-42CC-9281-E1FDCB978147}"/>
+              </a:ext>
+            </a:extLst>
+          </p:cNvPr>
+          <p:cNvSpPr>
+            <a:spLocks noGrp="1"/>
+          </p:cNvSpPr>
+          <p:nvPr>
+            <p:ph type="sldNum" sz="quarter" idx="12"/>
+          </p:nvPr>
+        </p:nvSpPr>
+        <p:spPr/>
+        <p:txBody>
+          <a:bodyPr/>
+          <a:lstStyle/>
+          <a:p>
+            <a:fld id="{0318AE31-7D37-4562-A6C9-6CAC1CEA6FBB}" type="slidenum">
+              <a:rPr lang="zh-TW" altLang="en-US" smtClean="0"/>
+              <a:pPr/>
+              <a:t>4</a:t>
+            </a:fld>
+            <a:endParaRPr lang="zh-TW" altLang="en-US"/>
+          </a:p>
+        </p:txBody>
+      </p:sp>
+    </p:spTree>
+    <p:extLst>
+      <p:ext uri="{BB962C8B-B14F-4D97-AF65-F5344CB8AC3E}">
+        <p14:creationId xmlns:p14="http://schemas.microsoft.com/office/powerpoint/2010/main" val="4005959173"/>
+      </p:ext>
+    </p:extLst>
+  </p:cSld>
+  <p:clrMapOvr>
+    <a:masterClrMapping/>
+  </p:clrMapOvr>
+</p:sld>
+</file>
+
+<file path=ppt/slides/slide5.xml><?xml version="1.0" encoding="utf-8"?>
+<p:sld xmlns:a="http://schemas.openxmlformats.org/drawingml/2006/main" xmlns:r="http://schemas.openxmlformats.org/officeDocument/2006/relationships" xmlns:p="http://schemas.openxmlformats.org/presentationml/2006/main">
+  <p:cSld>
+    <p:spTree>
+      <p:nvGrpSpPr>
+        <p:cNvPr id="1" name=""/>
+        <p:cNvGrpSpPr/>
+        <p:nvPr/>
+      </p:nvGrpSpPr>
+      <p:grpSpPr>
+        <a:xfrm>
+          <a:off x="0" y="0"/>
+          <a:ext cx="0" cy="0"/>
+          <a:chOff x="0" y="0"/>
+          <a:chExt cx="0" cy="0"/>
+        </a:xfrm>
+      </p:grpSpPr>
+      <p:sp>
+        <p:nvSpPr>
+          <p:cNvPr id="4" name="標題 3">
+            <a:extLst>
+              <a:ext uri="{FF2B5EF4-FFF2-40B4-BE49-F238E27FC236}">
+                <a16:creationId xmlns:a16="http://schemas.microsoft.com/office/drawing/2014/main" id="{8EBC9425-CFC0-4FC3-9107-5FE202888980}"/>
+              </a:ext>
+            </a:extLst>
+          </p:cNvPr>
+          <p:cNvSpPr>
+            <a:spLocks noGrp="1"/>
+          </p:cNvSpPr>
+          <p:nvPr>
+            <p:ph type="title"/>
+          </p:nvPr>
+        </p:nvSpPr>
+        <p:spPr/>
+        <p:txBody>
+          <a:bodyPr/>
+          <a:lstStyle/>
+          <a:p>
+            <a:r>
+              <a:rPr lang="zh-TW" altLang="en-US" dirty="0"/>
+              <a:t>統計在大數據中的角色</a:t>
+            </a:r>
+          </a:p>
+        </p:txBody>
+      </p:sp>
+      <p:sp>
+        <p:nvSpPr>
+          <p:cNvPr id="5" name="內容版面配置區 4">
+            <a:extLst>
+              <a:ext uri="{FF2B5EF4-FFF2-40B4-BE49-F238E27FC236}">
+                <a16:creationId xmlns:a16="http://schemas.microsoft.com/office/drawing/2014/main" id="{35F0BE09-9033-4369-8CBC-41F8131E11A6}"/>
+              </a:ext>
+            </a:extLst>
+          </p:cNvPr>
+          <p:cNvSpPr>
+            <a:spLocks noGrp="1"/>
+          </p:cNvSpPr>
+          <p:nvPr>
+            <p:ph idx="1"/>
+          </p:nvPr>
+        </p:nvSpPr>
+        <p:spPr/>
+        <p:txBody>
+          <a:bodyPr/>
+          <a:lstStyle/>
+          <a:p>
+            <a:r>
+              <a:rPr lang="zh-TW" altLang="en-US" dirty="0"/>
+              <a:t>可運用過去流程的數據來推論未來趨勢</a:t>
+            </a:r>
+            <a:endParaRPr lang="en-US" altLang="zh-TW" dirty="0"/>
+          </a:p>
+          <a:p>
+            <a:r>
+              <a:rPr lang="zh-TW" altLang="en-US" dirty="0"/>
+              <a:t>可依據分析的結果推論並證明原因</a:t>
+            </a:r>
+            <a:endParaRPr lang="en-US" altLang="zh-TW" dirty="0"/>
+          </a:p>
+          <a:p>
+            <a:r>
+              <a:rPr lang="zh-TW" altLang="en-US" dirty="0"/>
+              <a:t>可建構以事實為依據的概念，而非直覺</a:t>
+            </a:r>
+            <a:endParaRPr lang="en-US" altLang="zh-TW" dirty="0"/>
+          </a:p>
+          <a:p>
+            <a:r>
+              <a:rPr lang="zh-TW" altLang="en-US" dirty="0"/>
+              <a:t>市面上的機器學習，其實背後都是統計、數學</a:t>
+            </a:r>
+            <a:endParaRPr lang="en-US" altLang="zh-TW" dirty="0"/>
+          </a:p>
+          <a:p>
+            <a:endParaRPr lang="en-US" altLang="zh-TW" dirty="0"/>
+          </a:p>
+          <a:p>
+            <a:r>
+              <a:rPr lang="zh-TW" altLang="en-US" dirty="0"/>
+              <a:t>統計依討論內容可分為：</a:t>
+            </a:r>
+            <a:endParaRPr lang="en-US" altLang="zh-TW" dirty="0"/>
+          </a:p>
+          <a:p>
+            <a:pPr lvl="1"/>
+            <a:r>
+              <a:rPr lang="zh-TW" altLang="en-US" dirty="0"/>
+              <a:t>敘述統計：數據收集、數據處理、數據視覺化、數據解釋</a:t>
+            </a:r>
+            <a:endParaRPr lang="en-US" altLang="zh-TW" dirty="0"/>
+          </a:p>
+          <a:p>
+            <a:pPr lvl="1"/>
+            <a:r>
+              <a:rPr lang="zh-TW" altLang="en-US" dirty="0"/>
+              <a:t>推論統計：透過樣本分析來推估母體</a:t>
+            </a:r>
+          </a:p>
+        </p:txBody>
+      </p:sp>
+      <p:sp>
+        <p:nvSpPr>
+          <p:cNvPr id="3" name="投影片編號版面配置區 2">
+            <a:extLst>
+              <a:ext uri="{FF2B5EF4-FFF2-40B4-BE49-F238E27FC236}">
+                <a16:creationId xmlns:a16="http://schemas.microsoft.com/office/drawing/2014/main" id="{AB64ABD3-83C3-42CC-9281-E1FDCB978147}"/>
+              </a:ext>
+            </a:extLst>
+          </p:cNvPr>
+          <p:cNvSpPr>
+            <a:spLocks noGrp="1"/>
+          </p:cNvSpPr>
+          <p:nvPr>
+            <p:ph type="sldNum" sz="quarter" idx="12"/>
+          </p:nvPr>
+        </p:nvSpPr>
+        <p:spPr/>
+        <p:txBody>
+          <a:bodyPr/>
+          <a:lstStyle/>
+          <a:p>
+            <a:fld id="{0318AE31-7D37-4562-A6C9-6CAC1CEA6FBB}" type="slidenum">
+              <a:rPr lang="zh-TW" altLang="en-US" smtClean="0"/>
+              <a:pPr/>
+              <a:t>5</a:t>
+            </a:fld>
+            <a:endParaRPr lang="zh-TW" altLang="en-US"/>
+          </a:p>
+        </p:txBody>
+      </p:sp>
+    </p:spTree>
+    <p:extLst>
+      <p:ext uri="{BB962C8B-B14F-4D97-AF65-F5344CB8AC3E}">
+        <p14:creationId xmlns:p14="http://schemas.microsoft.com/office/powerpoint/2010/main" val="1349993349"/>
+      </p:ext>
+    </p:extLst>
+  </p:cSld>
+  <p:clrMapOvr>
+    <a:masterClrMapping/>
+  </p:clrMapOvr>
+</p:sld>
+</file>
+
+<file path=ppt/slides/slide6.xml><?xml version="1.0" encoding="utf-8"?>
+<p:sld xmlns:a="http://schemas.openxmlformats.org/drawingml/2006/main" xmlns:r="http://schemas.openxmlformats.org/officeDocument/2006/relationships" xmlns:p="http://schemas.openxmlformats.org/presentationml/2006/main">
+  <p:cSld>
+    <p:spTree>
+      <p:nvGrpSpPr>
+        <p:cNvPr id="1" name=""/>
+        <p:cNvGrpSpPr/>
+        <p:nvPr/>
+      </p:nvGrpSpPr>
+      <p:grpSpPr>
+        <a:xfrm>
+          <a:off x="0" y="0"/>
+          <a:ext cx="0" cy="0"/>
+          <a:chOff x="0" y="0"/>
+          <a:chExt cx="0" cy="0"/>
+        </a:xfrm>
+      </p:grpSpPr>
+      <p:sp>
+        <p:nvSpPr>
+          <p:cNvPr id="2" name="標題 1">
+            <a:extLst>
+              <a:ext uri="{FF2B5EF4-FFF2-40B4-BE49-F238E27FC236}">
+                <a16:creationId xmlns:a16="http://schemas.microsoft.com/office/drawing/2014/main" id="{89C1DA22-52F4-426B-AEE4-4774A2437F8B}"/>
+              </a:ext>
+            </a:extLst>
+          </p:cNvPr>
+          <p:cNvSpPr>
+            <a:spLocks noGrp="1"/>
+          </p:cNvSpPr>
+          <p:nvPr>
+            <p:ph type="title"/>
+          </p:nvPr>
+        </p:nvSpPr>
+        <p:spPr/>
+        <p:txBody>
+          <a:bodyPr/>
+          <a:lstStyle/>
+          <a:p>
+            <a:r>
+              <a:rPr lang="zh-TW" altLang="en-US" dirty="0"/>
+              <a:t>一些統計名詞</a:t>
+            </a:r>
+          </a:p>
+        </p:txBody>
+      </p:sp>
+      <p:sp>
+        <p:nvSpPr>
+          <p:cNvPr id="3" name="內容版面配置區 2">
+            <a:extLst>
+              <a:ext uri="{FF2B5EF4-FFF2-40B4-BE49-F238E27FC236}">
+                <a16:creationId xmlns:a16="http://schemas.microsoft.com/office/drawing/2014/main" id="{9C0E4BB8-B1B0-474B-8B71-983387A56123}"/>
+              </a:ext>
+            </a:extLst>
+          </p:cNvPr>
+          <p:cNvSpPr>
+            <a:spLocks noGrp="1"/>
+          </p:cNvSpPr>
+          <p:nvPr>
+            <p:ph idx="1"/>
+          </p:nvPr>
+        </p:nvSpPr>
+        <p:spPr/>
+        <p:txBody>
+          <a:bodyPr>
+            <a:normAutofit/>
+          </a:bodyPr>
+          <a:lstStyle/>
+          <a:p>
+            <a:r>
+              <a:rPr lang="zh-TW" altLang="en-US" dirty="0"/>
+              <a:t>平均數</a:t>
+            </a:r>
+            <a:endParaRPr lang="en-US" altLang="zh-TW" dirty="0"/>
+          </a:p>
+          <a:p>
+            <a:r>
+              <a:rPr lang="zh-TW" altLang="en-US" dirty="0"/>
+              <a:t>中位數</a:t>
+            </a:r>
+            <a:endParaRPr lang="en-US" altLang="zh-TW" dirty="0"/>
+          </a:p>
+          <a:p>
+            <a:r>
+              <a:rPr lang="zh-TW" altLang="en-US" dirty="0"/>
+              <a:t>眾數</a:t>
+            </a:r>
+            <a:endParaRPr lang="en-US" altLang="zh-TW" dirty="0"/>
+          </a:p>
+          <a:p>
+            <a:r>
+              <a:rPr lang="zh-TW" altLang="en-US" dirty="0"/>
+              <a:t>四分位數</a:t>
+            </a:r>
+            <a:r>
+              <a:rPr lang="en-US" altLang="zh-TW" dirty="0"/>
+              <a:t>(N</a:t>
+            </a:r>
+            <a:r>
+              <a:rPr lang="zh-TW" altLang="en-US" dirty="0"/>
+              <a:t>*</a:t>
+            </a:r>
+            <a:r>
+              <a:rPr lang="en-US" altLang="zh-TW" dirty="0"/>
+              <a:t>__%</a:t>
+            </a:r>
+            <a:r>
+              <a:rPr lang="zh-TW" altLang="en-US" dirty="0"/>
+              <a:t>，</a:t>
+            </a:r>
+            <a:r>
+              <a:rPr lang="en-US" altLang="zh-TW" dirty="0"/>
+              <a:t>__ = 25 or 75)</a:t>
+            </a:r>
+          </a:p>
+          <a:p>
+            <a:pPr lvl="1"/>
+            <a:r>
+              <a:rPr lang="zh-TW" altLang="en-US" dirty="0"/>
+              <a:t>當</a:t>
+            </a:r>
+            <a:r>
+              <a:rPr lang="en-US" altLang="zh-TW" dirty="0"/>
+              <a:t>N</a:t>
+            </a:r>
+            <a:r>
+              <a:rPr lang="zh-TW" altLang="en-US" dirty="0"/>
+              <a:t>*</a:t>
+            </a:r>
+            <a:r>
+              <a:rPr lang="en-US" altLang="zh-TW" dirty="0"/>
+              <a:t>__%</a:t>
+            </a:r>
+            <a:r>
+              <a:rPr lang="zh-TW" altLang="en-US" dirty="0"/>
+              <a:t>為小數，位數則在 第</a:t>
+            </a:r>
+            <a:r>
+              <a:rPr lang="en-US" altLang="zh-TW" dirty="0"/>
+              <a:t>”</a:t>
+            </a:r>
+            <a:r>
+              <a:rPr lang="zh-TW" altLang="en-US" dirty="0"/>
+              <a:t>無條件進位</a:t>
+            </a:r>
+            <a:r>
+              <a:rPr lang="en-US" altLang="zh-TW" dirty="0"/>
+              <a:t>N</a:t>
+            </a:r>
+            <a:r>
+              <a:rPr lang="zh-TW" altLang="en-US" dirty="0"/>
+              <a:t>*</a:t>
+            </a:r>
+            <a:r>
+              <a:rPr lang="en-US" altLang="zh-TW" dirty="0"/>
+              <a:t>__%”</a:t>
+            </a:r>
+            <a:r>
+              <a:rPr lang="zh-TW" altLang="en-US" dirty="0"/>
+              <a:t>個</a:t>
+            </a:r>
+            <a:endParaRPr lang="en-US" altLang="zh-TW" dirty="0"/>
+          </a:p>
+          <a:p>
+            <a:pPr lvl="1"/>
+            <a:r>
+              <a:rPr lang="zh-TW" altLang="en-US" dirty="0"/>
+              <a:t>當</a:t>
+            </a:r>
+            <a:r>
+              <a:rPr lang="en-US" altLang="zh-TW" dirty="0"/>
+              <a:t>N</a:t>
+            </a:r>
+            <a:r>
+              <a:rPr lang="zh-TW" altLang="en-US" dirty="0"/>
+              <a:t>*</a:t>
+            </a:r>
+            <a:r>
+              <a:rPr lang="en-US" altLang="zh-TW" dirty="0"/>
+              <a:t>__%</a:t>
+            </a:r>
+            <a:r>
+              <a:rPr lang="zh-TW" altLang="en-US" dirty="0"/>
+              <a:t>為整數，位數則是 第</a:t>
+            </a:r>
+            <a:r>
+              <a:rPr lang="en-US" altLang="zh-TW" dirty="0"/>
+              <a:t>”N</a:t>
+            </a:r>
+            <a:r>
+              <a:rPr lang="zh-TW" altLang="en-US" dirty="0"/>
+              <a:t>*</a:t>
+            </a:r>
+            <a:r>
+              <a:rPr lang="en-US" altLang="zh-TW" dirty="0"/>
+              <a:t>__%”</a:t>
+            </a:r>
+            <a:r>
+              <a:rPr lang="zh-TW" altLang="en-US" dirty="0"/>
+              <a:t>個數</a:t>
+            </a:r>
+            <a:r>
+              <a:rPr lang="en-US" altLang="zh-TW" dirty="0"/>
+              <a:t>+</a:t>
+            </a:r>
+            <a:r>
+              <a:rPr lang="zh-TW" altLang="en-US" dirty="0"/>
+              <a:t>第</a:t>
+            </a:r>
+            <a:r>
+              <a:rPr lang="en-US" altLang="zh-TW" dirty="0"/>
+              <a:t>”N</a:t>
+            </a:r>
+            <a:r>
+              <a:rPr lang="zh-TW" altLang="en-US" dirty="0"/>
+              <a:t>*</a:t>
+            </a:r>
+            <a:r>
+              <a:rPr lang="en-US" altLang="zh-TW" dirty="0"/>
+              <a:t>__%+1”</a:t>
+            </a:r>
+            <a:r>
+              <a:rPr lang="zh-TW" altLang="en-US" dirty="0"/>
+              <a:t>個數 的平均</a:t>
+            </a:r>
+            <a:endParaRPr lang="en-US" altLang="zh-TW" dirty="0"/>
+          </a:p>
+          <a:p>
+            <a:r>
+              <a:rPr lang="zh-TW" altLang="en-US" dirty="0"/>
+              <a:t>全距</a:t>
+            </a:r>
+            <a:endParaRPr lang="en-US" altLang="zh-TW" dirty="0"/>
+          </a:p>
+          <a:p>
+            <a:r>
+              <a:rPr lang="zh-TW" altLang="en-US" dirty="0"/>
+              <a:t>四分位距</a:t>
+            </a:r>
+            <a:endParaRPr lang="en-US" altLang="zh-TW" dirty="0"/>
+          </a:p>
+          <a:p>
+            <a:r>
+              <a:rPr lang="zh-TW" altLang="en-US" dirty="0"/>
+              <a:t>變異數</a:t>
+            </a:r>
+            <a:endParaRPr lang="en-US" altLang="zh-TW" dirty="0"/>
+          </a:p>
+          <a:p>
+            <a:r>
+              <a:rPr lang="zh-TW" altLang="en-US" dirty="0"/>
+              <a:t>標準差</a:t>
+            </a:r>
+            <a:endParaRPr lang="en-US" altLang="zh-TW" dirty="0"/>
+          </a:p>
+        </p:txBody>
+      </p:sp>
+      <p:sp>
+        <p:nvSpPr>
+          <p:cNvPr id="4" name="投影片編號版面配置區 3">
+            <a:extLst>
+              <a:ext uri="{FF2B5EF4-FFF2-40B4-BE49-F238E27FC236}">
+                <a16:creationId xmlns:a16="http://schemas.microsoft.com/office/drawing/2014/main" id="{F42AEED5-2C47-4281-A8BF-E83D84E1A84E}"/>
+              </a:ext>
+            </a:extLst>
+          </p:cNvPr>
+          <p:cNvSpPr>
+            <a:spLocks noGrp="1"/>
+          </p:cNvSpPr>
+          <p:nvPr>
+            <p:ph type="sldNum" sz="quarter" idx="12"/>
+          </p:nvPr>
+        </p:nvSpPr>
+        <p:spPr/>
+        <p:txBody>
+          <a:bodyPr/>
+          <a:lstStyle/>
+          <a:p>
+            <a:fld id="{0318AE31-7D37-4562-A6C9-6CAC1CEA6FBB}" type="slidenum">
+              <a:rPr lang="zh-TW" altLang="en-US" smtClean="0"/>
+              <a:pPr/>
+              <a:t>6</a:t>
+            </a:fld>
+            <a:endParaRPr lang="zh-TW" altLang="en-US"/>
+          </a:p>
+        </p:txBody>
+      </p:sp>
+      <p:sp>
+        <p:nvSpPr>
+          <p:cNvPr id="5" name="投影片編號版面配置區 2">
+            <a:extLst>
+              <a:ext uri="{FF2B5EF4-FFF2-40B4-BE49-F238E27FC236}">
+                <a16:creationId xmlns:a16="http://schemas.microsoft.com/office/drawing/2014/main" id="{0B94BEE3-E0C9-46AF-A3C2-982F2EA616D8}"/>
               </a:ext>
             </a:extLst>
           </p:cNvPr>
@@ -8997,8 +11986,8 @@
         </p:nvSpPr>
         <p:spPr>
           <a:xfrm>
-            <a:off x="2743200" y="6050803"/>
-            <a:ext cx="7515922" cy="494963"/>
+            <a:off x="4927294" y="436198"/>
+            <a:ext cx="6298914" cy="1164036"/>
           </a:xfrm>
           <a:prstGeom prst="rect">
             <a:avLst/>
@@ -9104,1809 +12093,393 @@
           <a:p>
             <a:pPr algn="ctr"/>
             <a:r>
+              <a:rPr lang="en-US" altLang="zh-TW" sz="2800" b="1" dirty="0"/>
+              <a:t>2</a:t>
+            </a:r>
+            <a:r>
               <a:rPr lang="zh-TW" altLang="en-US" sz="2800" b="1" dirty="0"/>
-              <a:t>內容參考自講師：蘇峰民　清華大學工管博士</a:t>
-            </a:r>
+              <a:t> </a:t>
+            </a:r>
+            <a:r>
+              <a:rPr lang="en-US" altLang="zh-TW" sz="2800" b="1" dirty="0"/>
+              <a:t>3</a:t>
+            </a:r>
+            <a:r>
+              <a:rPr lang="zh-TW" altLang="en-US" sz="2800" b="1" dirty="0"/>
+              <a:t> </a:t>
+            </a:r>
+            <a:r>
+              <a:rPr lang="en-US" altLang="zh-TW" sz="2800" b="1" dirty="0"/>
+              <a:t>3</a:t>
+            </a:r>
+            <a:r>
+              <a:rPr lang="zh-TW" altLang="en-US" sz="2800" b="1" dirty="0"/>
+              <a:t> </a:t>
+            </a:r>
+            <a:r>
+              <a:rPr lang="en-US" altLang="zh-TW" sz="2800" b="1" dirty="0"/>
+              <a:t>3</a:t>
+            </a:r>
+            <a:r>
+              <a:rPr lang="zh-TW" altLang="en-US" sz="2800" b="1" dirty="0"/>
+              <a:t> </a:t>
+            </a:r>
+            <a:r>
+              <a:rPr lang="en-US" altLang="zh-TW" sz="2800" b="1" dirty="0"/>
+              <a:t>3</a:t>
+            </a:r>
+            <a:r>
+              <a:rPr lang="zh-TW" altLang="en-US" sz="2800" b="1" dirty="0"/>
+              <a:t> </a:t>
+            </a:r>
+            <a:r>
+              <a:rPr lang="en-US" altLang="zh-TW" sz="2800" b="1" dirty="0"/>
+              <a:t>4</a:t>
+            </a:r>
+            <a:r>
+              <a:rPr lang="zh-TW" altLang="en-US" sz="2800" b="1" dirty="0"/>
+              <a:t> </a:t>
+            </a:r>
+            <a:r>
+              <a:rPr lang="en-US" altLang="zh-TW" sz="2800" b="1" dirty="0"/>
+              <a:t>4</a:t>
+            </a:r>
+            <a:r>
+              <a:rPr lang="zh-TW" altLang="en-US" sz="2800" b="1" dirty="0"/>
+              <a:t> </a:t>
+            </a:r>
+            <a:r>
+              <a:rPr lang="en-US" altLang="zh-TW" sz="2800" b="1" dirty="0"/>
+              <a:t>6</a:t>
+            </a:r>
+            <a:r>
+              <a:rPr lang="zh-TW" altLang="en-US" sz="2800" b="1" dirty="0"/>
+              <a:t> </a:t>
+            </a:r>
+            <a:r>
+              <a:rPr lang="en-US" altLang="zh-TW" sz="2800" b="1" dirty="0"/>
+              <a:t>6</a:t>
+            </a:r>
+            <a:r>
+              <a:rPr lang="zh-TW" altLang="en-US" sz="2800" b="1" dirty="0"/>
+              <a:t> </a:t>
+            </a:r>
+            <a:r>
+              <a:rPr lang="en-US" altLang="zh-TW" sz="2800" b="1" dirty="0"/>
+              <a:t>7</a:t>
+            </a:r>
+            <a:r>
+              <a:rPr lang="zh-TW" altLang="en-US" sz="2800" b="1" dirty="0"/>
+              <a:t> </a:t>
+            </a:r>
+            <a:r>
+              <a:rPr lang="en-US" altLang="zh-TW" sz="2800" b="1" dirty="0"/>
+              <a:t>8</a:t>
+            </a:r>
+          </a:p>
+          <a:p>
+            <a:pPr algn="just"/>
+            <a:r>
+              <a:rPr lang="zh-TW" altLang="en-US" sz="2800" b="1" dirty="0"/>
+              <a:t>            </a:t>
+            </a:r>
+            <a:r>
+              <a:rPr lang="en-US" altLang="zh-TW" sz="2800" b="1" dirty="0"/>
+              <a:t>|</a:t>
+            </a:r>
+            <a:r>
+              <a:rPr lang="zh-TW" altLang="en-US" sz="2800" b="1" dirty="0"/>
+              <a:t>      </a:t>
+            </a:r>
+            <a:r>
+              <a:rPr lang="en-US" altLang="zh-TW" sz="2800" b="1" dirty="0"/>
+              <a:t>|</a:t>
+            </a:r>
+            <a:r>
+              <a:rPr lang="zh-TW" altLang="en-US" sz="2800" b="1" dirty="0"/>
+              <a:t>        </a:t>
+            </a:r>
+            <a:r>
+              <a:rPr lang="en-US" altLang="zh-TW" sz="2800" b="1" dirty="0"/>
+              <a:t>|</a:t>
+            </a:r>
+            <a:r>
+              <a:rPr lang="zh-TW" altLang="en-US" sz="2800" b="1" dirty="0"/>
+              <a:t>        </a:t>
+            </a:r>
+            <a:r>
+              <a:rPr lang="en-US" altLang="zh-TW" sz="2800" b="1" dirty="0"/>
+              <a:t>|</a:t>
+            </a:r>
+            <a:r>
+              <a:rPr lang="zh-TW" altLang="en-US" sz="2800" b="1" dirty="0"/>
+              <a:t>      </a:t>
+            </a:r>
+            <a:r>
+              <a:rPr lang="en-US" altLang="zh-TW" sz="2800" b="1" dirty="0"/>
+              <a:t>|</a:t>
+            </a:r>
+            <a:endParaRPr lang="zh-TW" altLang="en-US" sz="2800" b="1" dirty="0"/>
+          </a:p>
+        </p:txBody>
+      </p:sp>
+      <p:sp>
+        <p:nvSpPr>
+          <p:cNvPr id="7" name="投影片編號版面配置區 2">
+            <a:extLst>
+              <a:ext uri="{FF2B5EF4-FFF2-40B4-BE49-F238E27FC236}">
+                <a16:creationId xmlns:a16="http://schemas.microsoft.com/office/drawing/2014/main" id="{91A95144-8A56-4E00-B109-C3325C51D903}"/>
+              </a:ext>
+            </a:extLst>
+          </p:cNvPr>
+          <p:cNvSpPr txBox="1">
+            <a:spLocks/>
+          </p:cNvSpPr>
+          <p:nvPr/>
+        </p:nvSpPr>
+        <p:spPr>
+          <a:xfrm>
+            <a:off x="5983462" y="1753853"/>
+            <a:ext cx="6298914" cy="1164036"/>
+          </a:xfrm>
+          <a:prstGeom prst="rect">
+            <a:avLst/>
+          </a:prstGeom>
+        </p:spPr>
+        <p:txBody>
+          <a:bodyPr/>
+          <a:lstStyle>
+            <a:defPPr>
+              <a:defRPr lang="zh-TW"/>
+            </a:defPPr>
+            <a:lvl1pPr marL="0" algn="l" defTabSz="914400" rtl="0" eaLnBrk="1" latinLnBrk="0" hangingPunct="1">
+              <a:defRPr sz="1800" kern="1200">
+                <a:solidFill>
+                  <a:schemeClr val="tx1"/>
+                </a:solidFill>
+                <a:latin typeface="+mn-lt"/>
+                <a:ea typeface="+mn-ea"/>
+                <a:cs typeface="+mn-cs"/>
+              </a:defRPr>
+            </a:lvl1pPr>
+            <a:lvl2pPr marL="457200" algn="l" defTabSz="914400" rtl="0" eaLnBrk="1" latinLnBrk="0" hangingPunct="1">
+              <a:defRPr sz="1800" kern="1200">
+                <a:solidFill>
+                  <a:schemeClr val="tx1"/>
+                </a:solidFill>
+                <a:latin typeface="+mn-lt"/>
+                <a:ea typeface="+mn-ea"/>
+                <a:cs typeface="+mn-cs"/>
+              </a:defRPr>
+            </a:lvl2pPr>
+            <a:lvl3pPr marL="914400" algn="l" defTabSz="914400" rtl="0" eaLnBrk="1" latinLnBrk="0" hangingPunct="1">
+              <a:defRPr sz="1800" kern="1200">
+                <a:solidFill>
+                  <a:schemeClr val="tx1"/>
+                </a:solidFill>
+                <a:latin typeface="+mn-lt"/>
+                <a:ea typeface="+mn-ea"/>
+                <a:cs typeface="+mn-cs"/>
+              </a:defRPr>
+            </a:lvl3pPr>
+            <a:lvl4pPr marL="1371600" algn="l" defTabSz="914400" rtl="0" eaLnBrk="1" latinLnBrk="0" hangingPunct="1">
+              <a:defRPr sz="1800" kern="1200">
+                <a:solidFill>
+                  <a:schemeClr val="tx1"/>
+                </a:solidFill>
+                <a:latin typeface="+mn-lt"/>
+                <a:ea typeface="+mn-ea"/>
+                <a:cs typeface="+mn-cs"/>
+              </a:defRPr>
+            </a:lvl4pPr>
+            <a:lvl5pPr marL="1828800" algn="l" defTabSz="914400" rtl="0" eaLnBrk="1" latinLnBrk="0" hangingPunct="1">
+              <a:defRPr sz="1800" kern="1200">
+                <a:solidFill>
+                  <a:schemeClr val="tx1"/>
+                </a:solidFill>
+                <a:latin typeface="+mn-lt"/>
+                <a:ea typeface="+mn-ea"/>
+                <a:cs typeface="+mn-cs"/>
+              </a:defRPr>
+            </a:lvl5pPr>
+            <a:lvl6pPr marL="2286000" algn="l" defTabSz="914400" rtl="0" eaLnBrk="1" latinLnBrk="0" hangingPunct="1">
+              <a:defRPr sz="1800" kern="1200">
+                <a:solidFill>
+                  <a:schemeClr val="tx1"/>
+                </a:solidFill>
+                <a:latin typeface="+mn-lt"/>
+                <a:ea typeface="+mn-ea"/>
+                <a:cs typeface="+mn-cs"/>
+              </a:defRPr>
+            </a:lvl6pPr>
+            <a:lvl7pPr marL="2743200" algn="l" defTabSz="914400" rtl="0" eaLnBrk="1" latinLnBrk="0" hangingPunct="1">
+              <a:defRPr sz="1800" kern="1200">
+                <a:solidFill>
+                  <a:schemeClr val="tx1"/>
+                </a:solidFill>
+                <a:latin typeface="+mn-lt"/>
+                <a:ea typeface="+mn-ea"/>
+                <a:cs typeface="+mn-cs"/>
+              </a:defRPr>
+            </a:lvl7pPr>
+            <a:lvl8pPr marL="3200400" algn="l" defTabSz="914400" rtl="0" eaLnBrk="1" latinLnBrk="0" hangingPunct="1">
+              <a:defRPr sz="1800" kern="1200">
+                <a:solidFill>
+                  <a:schemeClr val="tx1"/>
+                </a:solidFill>
+                <a:latin typeface="+mn-lt"/>
+                <a:ea typeface="+mn-ea"/>
+                <a:cs typeface="+mn-cs"/>
+              </a:defRPr>
+            </a:lvl8pPr>
+            <a:lvl9pPr marL="3657600" algn="l" defTabSz="914400" rtl="0" eaLnBrk="1" latinLnBrk="0" hangingPunct="1">
+              <a:defRPr sz="1800" kern="1200">
+                <a:solidFill>
+                  <a:schemeClr val="tx1"/>
+                </a:solidFill>
+                <a:latin typeface="+mn-lt"/>
+                <a:ea typeface="+mn-ea"/>
+                <a:cs typeface="+mn-cs"/>
+              </a:defRPr>
+            </a:lvl9pPr>
+          </a:lstStyle>
+          <a:p>
+            <a:pPr algn="ctr"/>
+            <a:r>
+              <a:rPr lang="en-US" altLang="zh-TW" sz="2800" b="1" dirty="0"/>
+              <a:t>2</a:t>
+            </a:r>
+            <a:r>
+              <a:rPr lang="zh-TW" altLang="en-US" sz="2800" b="1" dirty="0"/>
+              <a:t> </a:t>
+            </a:r>
+            <a:r>
+              <a:rPr lang="en-US" altLang="zh-TW" sz="2800" b="1" dirty="0"/>
+              <a:t>3</a:t>
+            </a:r>
+            <a:r>
+              <a:rPr lang="zh-TW" altLang="en-US" sz="2800" b="1" dirty="0"/>
+              <a:t> </a:t>
+            </a:r>
+            <a:r>
+              <a:rPr lang="en-US" altLang="zh-TW" sz="2800" b="1" dirty="0"/>
+              <a:t>3</a:t>
+            </a:r>
+            <a:r>
+              <a:rPr lang="zh-TW" altLang="en-US" sz="2800" b="1" dirty="0"/>
+              <a:t> </a:t>
+            </a:r>
+            <a:r>
+              <a:rPr lang="en-US" altLang="zh-TW" sz="2800" b="1" dirty="0"/>
+              <a:t>3</a:t>
+            </a:r>
+            <a:r>
+              <a:rPr lang="zh-TW" altLang="en-US" sz="2800" b="1" dirty="0"/>
+              <a:t> </a:t>
+            </a:r>
+            <a:r>
+              <a:rPr lang="en-US" altLang="zh-TW" sz="2800" b="1" dirty="0"/>
+              <a:t>3</a:t>
+            </a:r>
+            <a:r>
+              <a:rPr lang="zh-TW" altLang="en-US" sz="2800" b="1" dirty="0"/>
+              <a:t> </a:t>
+            </a:r>
+            <a:r>
+              <a:rPr lang="en-US" altLang="zh-TW" sz="2800" b="1" dirty="0"/>
+              <a:t>4</a:t>
+            </a:r>
+            <a:r>
+              <a:rPr lang="zh-TW" altLang="en-US" sz="2800" b="1" dirty="0"/>
+              <a:t> </a:t>
+            </a:r>
+            <a:r>
+              <a:rPr lang="en-US" altLang="zh-TW" sz="2800" b="1" dirty="0"/>
+              <a:t>4</a:t>
+            </a:r>
+            <a:r>
+              <a:rPr lang="zh-TW" altLang="en-US" sz="2800" b="1" dirty="0"/>
+              <a:t> </a:t>
+            </a:r>
+            <a:r>
+              <a:rPr lang="en-US" altLang="zh-TW" sz="2800" b="1" dirty="0"/>
+              <a:t>6</a:t>
+            </a:r>
+            <a:r>
+              <a:rPr lang="zh-TW" altLang="en-US" sz="2800" b="1" dirty="0"/>
+              <a:t> </a:t>
+            </a:r>
+            <a:r>
+              <a:rPr lang="en-US" altLang="zh-TW" sz="2800" b="1" dirty="0"/>
+              <a:t>6</a:t>
+            </a:r>
+            <a:r>
+              <a:rPr lang="zh-TW" altLang="en-US" sz="2800" b="1" dirty="0"/>
+              <a:t> </a:t>
+            </a:r>
+            <a:r>
+              <a:rPr lang="en-US" altLang="zh-TW" sz="2800" b="1" dirty="0"/>
+              <a:t>7</a:t>
+            </a:r>
+            <a:r>
+              <a:rPr lang="zh-TW" altLang="en-US" sz="2800" b="1" dirty="0"/>
+              <a:t> </a:t>
+            </a:r>
+            <a:r>
+              <a:rPr lang="en-US" altLang="zh-TW" sz="2800" b="1" dirty="0"/>
+              <a:t>8 10</a:t>
+            </a:r>
+          </a:p>
+          <a:p>
+            <a:pPr algn="just"/>
+            <a:r>
+              <a:rPr lang="zh-TW" altLang="en-US" sz="2800" b="1" dirty="0"/>
+              <a:t>          </a:t>
+            </a:r>
+            <a:r>
+              <a:rPr lang="en-US" altLang="zh-TW" sz="2800" b="1" dirty="0"/>
+              <a:t>|</a:t>
+            </a:r>
+            <a:r>
+              <a:rPr lang="zh-TW" altLang="en-US" sz="2800" b="1" dirty="0"/>
+              <a:t>       </a:t>
+            </a:r>
+            <a:r>
+              <a:rPr lang="en-US" altLang="zh-TW" sz="2800" b="1" dirty="0"/>
+              <a:t>|</a:t>
+            </a:r>
+            <a:r>
+              <a:rPr lang="zh-TW" altLang="en-US" sz="2800" b="1" dirty="0"/>
+              <a:t>        </a:t>
+            </a:r>
+            <a:r>
+              <a:rPr lang="en-US" altLang="zh-TW" sz="2800" b="1" dirty="0"/>
+              <a:t>|</a:t>
+            </a:r>
+            <a:r>
+              <a:rPr lang="zh-TW" altLang="en-US" sz="2800" b="1" dirty="0"/>
+              <a:t>        </a:t>
+            </a:r>
+            <a:r>
+              <a:rPr lang="en-US" altLang="zh-TW" sz="2800" b="1" dirty="0"/>
+              <a:t>|</a:t>
+            </a:r>
+            <a:r>
+              <a:rPr lang="zh-TW" altLang="en-US" sz="2800" b="1" dirty="0"/>
+              <a:t>         </a:t>
+            </a:r>
+            <a:r>
+              <a:rPr lang="en-US" altLang="zh-TW" sz="2800" b="1" dirty="0"/>
+              <a:t>|</a:t>
+            </a:r>
+            <a:endParaRPr lang="zh-TW" altLang="en-US" sz="2800" b="1" dirty="0"/>
           </a:p>
         </p:txBody>
       </p:sp>
     </p:spTree>
     <p:extLst>
       <p:ext uri="{BB962C8B-B14F-4D97-AF65-F5344CB8AC3E}">
-        <p14:creationId xmlns:p14="http://schemas.microsoft.com/office/powerpoint/2010/main" val="3263371348"/>
-      </p:ext>
-    </p:extLst>
-  </p:cSld>
-  <p:clrMapOvr>
-    <a:masterClrMapping/>
-  </p:clrMapOvr>
-</p:sld>
-</file>
-
-<file path=ppt/slides/slide20.xml><?xml version="1.0" encoding="utf-8"?>
-<p:sld xmlns:a="http://schemas.openxmlformats.org/drawingml/2006/main" xmlns:r="http://schemas.openxmlformats.org/officeDocument/2006/relationships" xmlns:p="http://schemas.openxmlformats.org/presentationml/2006/main">
-  <p:cSld>
-    <p:spTree>
-      <p:nvGrpSpPr>
-        <p:cNvPr id="1" name=""/>
-        <p:cNvGrpSpPr/>
-        <p:nvPr/>
-      </p:nvGrpSpPr>
-      <p:grpSpPr>
-        <a:xfrm>
-          <a:off x="0" y="0"/>
-          <a:ext cx="0" cy="0"/>
-          <a:chOff x="0" y="0"/>
-          <a:chExt cx="0" cy="0"/>
-        </a:xfrm>
-      </p:grpSpPr>
-      <p:sp>
-        <p:nvSpPr>
-          <p:cNvPr id="5" name="標題 4">
-            <a:extLst>
-              <a:ext uri="{FF2B5EF4-FFF2-40B4-BE49-F238E27FC236}">
-                <a16:creationId xmlns:a16="http://schemas.microsoft.com/office/drawing/2014/main" id="{73829ED9-AD3C-43FB-A0DE-DF7A669558F8}"/>
-              </a:ext>
-            </a:extLst>
-          </p:cNvPr>
-          <p:cNvSpPr>
-            <a:spLocks noGrp="1"/>
-          </p:cNvSpPr>
-          <p:nvPr>
-            <p:ph type="title"/>
-          </p:nvPr>
-        </p:nvSpPr>
-        <p:spPr/>
-        <p:txBody>
-          <a:bodyPr/>
-          <a:lstStyle/>
-          <a:p>
-            <a:r>
-              <a:rPr lang="zh-TW" altLang="en-US" dirty="0"/>
-              <a:t>假設與檢定</a:t>
-            </a:r>
-          </a:p>
-        </p:txBody>
-      </p:sp>
-      <p:sp>
-        <p:nvSpPr>
-          <p:cNvPr id="6" name="文字版面配置區 5">
-            <a:extLst>
-              <a:ext uri="{FF2B5EF4-FFF2-40B4-BE49-F238E27FC236}">
-                <a16:creationId xmlns:a16="http://schemas.microsoft.com/office/drawing/2014/main" id="{D9EDD6AE-9199-499B-8D7F-6D93FB0AD946}"/>
-              </a:ext>
-            </a:extLst>
-          </p:cNvPr>
-          <p:cNvSpPr>
-            <a:spLocks noGrp="1"/>
-          </p:cNvSpPr>
-          <p:nvPr>
-            <p:ph type="body" idx="1"/>
-          </p:nvPr>
-        </p:nvSpPr>
-        <p:spPr/>
-        <p:txBody>
-          <a:bodyPr/>
-          <a:lstStyle/>
-          <a:p>
-            <a:endParaRPr lang="zh-TW" altLang="en-US"/>
-          </a:p>
-        </p:txBody>
-      </p:sp>
-      <p:sp>
-        <p:nvSpPr>
-          <p:cNvPr id="4" name="投影片編號版面配置區 3">
-            <a:extLst>
-              <a:ext uri="{FF2B5EF4-FFF2-40B4-BE49-F238E27FC236}">
-                <a16:creationId xmlns:a16="http://schemas.microsoft.com/office/drawing/2014/main" id="{E150A48A-C57D-45FD-A8E0-C118B59D1FCD}"/>
-              </a:ext>
-            </a:extLst>
-          </p:cNvPr>
-          <p:cNvSpPr>
-            <a:spLocks noGrp="1"/>
-          </p:cNvSpPr>
-          <p:nvPr>
-            <p:ph type="sldNum" sz="quarter" idx="12"/>
-          </p:nvPr>
-        </p:nvSpPr>
-        <p:spPr/>
-        <p:txBody>
-          <a:bodyPr/>
-          <a:lstStyle/>
-          <a:p>
-            <a:fld id="{0318AE31-7D37-4562-A6C9-6CAC1CEA6FBB}" type="slidenum">
-              <a:rPr lang="zh-TW" altLang="en-US" smtClean="0"/>
-              <a:pPr/>
-              <a:t>20</a:t>
-            </a:fld>
-            <a:endParaRPr lang="zh-TW" altLang="en-US"/>
-          </a:p>
-        </p:txBody>
-      </p:sp>
-    </p:spTree>
-    <p:extLst>
-      <p:ext uri="{BB962C8B-B14F-4D97-AF65-F5344CB8AC3E}">
-        <p14:creationId xmlns:p14="http://schemas.microsoft.com/office/powerpoint/2010/main" val="579898982"/>
-      </p:ext>
-    </p:extLst>
-  </p:cSld>
-  <p:clrMapOvr>
-    <a:masterClrMapping/>
-  </p:clrMapOvr>
-</p:sld>
-</file>
-
-<file path=ppt/slides/slide21.xml><?xml version="1.0" encoding="utf-8"?>
-<p:sld xmlns:a="http://schemas.openxmlformats.org/drawingml/2006/main" xmlns:r="http://schemas.openxmlformats.org/officeDocument/2006/relationships" xmlns:p="http://schemas.openxmlformats.org/presentationml/2006/main">
-  <p:cSld>
-    <p:spTree>
-      <p:nvGrpSpPr>
-        <p:cNvPr id="1" name=""/>
-        <p:cNvGrpSpPr/>
-        <p:nvPr/>
-      </p:nvGrpSpPr>
-      <p:grpSpPr>
-        <a:xfrm>
-          <a:off x="0" y="0"/>
-          <a:ext cx="0" cy="0"/>
-          <a:chOff x="0" y="0"/>
-          <a:chExt cx="0" cy="0"/>
-        </a:xfrm>
-      </p:grpSpPr>
-      <p:sp>
-        <p:nvSpPr>
-          <p:cNvPr id="4" name="標題 3">
-            <a:extLst>
-              <a:ext uri="{FF2B5EF4-FFF2-40B4-BE49-F238E27FC236}">
-                <a16:creationId xmlns:a16="http://schemas.microsoft.com/office/drawing/2014/main" id="{8EBC9425-CFC0-4FC3-9107-5FE202888980}"/>
-              </a:ext>
-            </a:extLst>
-          </p:cNvPr>
-          <p:cNvSpPr>
-            <a:spLocks noGrp="1"/>
-          </p:cNvSpPr>
-          <p:nvPr>
-            <p:ph type="title"/>
-          </p:nvPr>
-        </p:nvSpPr>
-        <p:spPr/>
-        <p:txBody>
-          <a:bodyPr/>
-          <a:lstStyle/>
-          <a:p>
-            <a:r>
-              <a:rPr lang="zh-TW" altLang="en-US" dirty="0"/>
-              <a:t>假設檢定的定義</a:t>
-            </a:r>
-          </a:p>
-        </p:txBody>
-      </p:sp>
-      <p:sp>
-        <p:nvSpPr>
-          <p:cNvPr id="5" name="內容版面配置區 4">
-            <a:extLst>
-              <a:ext uri="{FF2B5EF4-FFF2-40B4-BE49-F238E27FC236}">
-                <a16:creationId xmlns:a16="http://schemas.microsoft.com/office/drawing/2014/main" id="{35F0BE09-9033-4369-8CBC-41F8131E11A6}"/>
-              </a:ext>
-            </a:extLst>
-          </p:cNvPr>
-          <p:cNvSpPr>
-            <a:spLocks noGrp="1"/>
-          </p:cNvSpPr>
-          <p:nvPr>
-            <p:ph idx="1"/>
-          </p:nvPr>
-        </p:nvSpPr>
-        <p:spPr/>
-        <p:txBody>
-          <a:bodyPr/>
-          <a:lstStyle/>
-          <a:p>
-            <a:endParaRPr lang="zh-TW" altLang="en-US"/>
-          </a:p>
-        </p:txBody>
-      </p:sp>
-      <p:sp>
-        <p:nvSpPr>
-          <p:cNvPr id="3" name="投影片編號版面配置區 2">
-            <a:extLst>
-              <a:ext uri="{FF2B5EF4-FFF2-40B4-BE49-F238E27FC236}">
-                <a16:creationId xmlns:a16="http://schemas.microsoft.com/office/drawing/2014/main" id="{AB64ABD3-83C3-42CC-9281-E1FDCB978147}"/>
-              </a:ext>
-            </a:extLst>
-          </p:cNvPr>
-          <p:cNvSpPr>
-            <a:spLocks noGrp="1"/>
-          </p:cNvSpPr>
-          <p:nvPr>
-            <p:ph type="sldNum" sz="quarter" idx="12"/>
-          </p:nvPr>
-        </p:nvSpPr>
-        <p:spPr/>
-        <p:txBody>
-          <a:bodyPr/>
-          <a:lstStyle/>
-          <a:p>
-            <a:fld id="{0318AE31-7D37-4562-A6C9-6CAC1CEA6FBB}" type="slidenum">
-              <a:rPr lang="zh-TW" altLang="en-US" smtClean="0"/>
-              <a:pPr/>
-              <a:t>21</a:t>
-            </a:fld>
-            <a:endParaRPr lang="zh-TW" altLang="en-US"/>
-          </a:p>
-        </p:txBody>
-      </p:sp>
-    </p:spTree>
-    <p:extLst>
-      <p:ext uri="{BB962C8B-B14F-4D97-AF65-F5344CB8AC3E}">
-        <p14:creationId xmlns:p14="http://schemas.microsoft.com/office/powerpoint/2010/main" val="2573238114"/>
-      </p:ext>
-    </p:extLst>
-  </p:cSld>
-  <p:clrMapOvr>
-    <a:masterClrMapping/>
-  </p:clrMapOvr>
-</p:sld>
-</file>
-
-<file path=ppt/slides/slide22.xml><?xml version="1.0" encoding="utf-8"?>
-<p:sld xmlns:a="http://schemas.openxmlformats.org/drawingml/2006/main" xmlns:r="http://schemas.openxmlformats.org/officeDocument/2006/relationships" xmlns:p="http://schemas.openxmlformats.org/presentationml/2006/main">
-  <p:cSld>
-    <p:spTree>
-      <p:nvGrpSpPr>
-        <p:cNvPr id="1" name=""/>
-        <p:cNvGrpSpPr/>
-        <p:nvPr/>
-      </p:nvGrpSpPr>
-      <p:grpSpPr>
-        <a:xfrm>
-          <a:off x="0" y="0"/>
-          <a:ext cx="0" cy="0"/>
-          <a:chOff x="0" y="0"/>
-          <a:chExt cx="0" cy="0"/>
-        </a:xfrm>
-      </p:grpSpPr>
-      <p:sp>
-        <p:nvSpPr>
-          <p:cNvPr id="4" name="標題 3">
-            <a:extLst>
-              <a:ext uri="{FF2B5EF4-FFF2-40B4-BE49-F238E27FC236}">
-                <a16:creationId xmlns:a16="http://schemas.microsoft.com/office/drawing/2014/main" id="{8EBC9425-CFC0-4FC3-9107-5FE202888980}"/>
-              </a:ext>
-            </a:extLst>
-          </p:cNvPr>
-          <p:cNvSpPr>
-            <a:spLocks noGrp="1"/>
-          </p:cNvSpPr>
-          <p:nvPr>
-            <p:ph type="title"/>
-          </p:nvPr>
-        </p:nvSpPr>
-        <p:spPr/>
-        <p:txBody>
-          <a:bodyPr/>
-          <a:lstStyle/>
-          <a:p>
-            <a:r>
-              <a:rPr lang="zh-TW" altLang="en-US" dirty="0"/>
-              <a:t>假設檢定程序</a:t>
-            </a:r>
-          </a:p>
-        </p:txBody>
-      </p:sp>
-      <p:sp>
-        <p:nvSpPr>
-          <p:cNvPr id="5" name="內容版面配置區 4">
-            <a:extLst>
-              <a:ext uri="{FF2B5EF4-FFF2-40B4-BE49-F238E27FC236}">
-                <a16:creationId xmlns:a16="http://schemas.microsoft.com/office/drawing/2014/main" id="{35F0BE09-9033-4369-8CBC-41F8131E11A6}"/>
-              </a:ext>
-            </a:extLst>
-          </p:cNvPr>
-          <p:cNvSpPr>
-            <a:spLocks noGrp="1"/>
-          </p:cNvSpPr>
-          <p:nvPr>
-            <p:ph idx="1"/>
-          </p:nvPr>
-        </p:nvSpPr>
-        <p:spPr/>
-        <p:txBody>
-          <a:bodyPr/>
-          <a:lstStyle/>
-          <a:p>
-            <a:endParaRPr lang="zh-TW" altLang="en-US"/>
-          </a:p>
-        </p:txBody>
-      </p:sp>
-      <p:sp>
-        <p:nvSpPr>
-          <p:cNvPr id="3" name="投影片編號版面配置區 2">
-            <a:extLst>
-              <a:ext uri="{FF2B5EF4-FFF2-40B4-BE49-F238E27FC236}">
-                <a16:creationId xmlns:a16="http://schemas.microsoft.com/office/drawing/2014/main" id="{AB64ABD3-83C3-42CC-9281-E1FDCB978147}"/>
-              </a:ext>
-            </a:extLst>
-          </p:cNvPr>
-          <p:cNvSpPr>
-            <a:spLocks noGrp="1"/>
-          </p:cNvSpPr>
-          <p:nvPr>
-            <p:ph type="sldNum" sz="quarter" idx="12"/>
-          </p:nvPr>
-        </p:nvSpPr>
-        <p:spPr/>
-        <p:txBody>
-          <a:bodyPr/>
-          <a:lstStyle/>
-          <a:p>
-            <a:fld id="{0318AE31-7D37-4562-A6C9-6CAC1CEA6FBB}" type="slidenum">
-              <a:rPr lang="zh-TW" altLang="en-US" smtClean="0"/>
-              <a:pPr/>
-              <a:t>22</a:t>
-            </a:fld>
-            <a:endParaRPr lang="zh-TW" altLang="en-US"/>
-          </a:p>
-        </p:txBody>
-      </p:sp>
-    </p:spTree>
-    <p:extLst>
-      <p:ext uri="{BB962C8B-B14F-4D97-AF65-F5344CB8AC3E}">
-        <p14:creationId xmlns:p14="http://schemas.microsoft.com/office/powerpoint/2010/main" val="2725382240"/>
-      </p:ext>
-    </p:extLst>
-  </p:cSld>
-  <p:clrMapOvr>
-    <a:masterClrMapping/>
-  </p:clrMapOvr>
-</p:sld>
-</file>
-
-<file path=ppt/slides/slide23.xml><?xml version="1.0" encoding="utf-8"?>
-<p:sld xmlns:a="http://schemas.openxmlformats.org/drawingml/2006/main" xmlns:r="http://schemas.openxmlformats.org/officeDocument/2006/relationships" xmlns:p="http://schemas.openxmlformats.org/presentationml/2006/main">
-  <p:cSld>
-    <p:spTree>
-      <p:nvGrpSpPr>
-        <p:cNvPr id="1" name=""/>
-        <p:cNvGrpSpPr/>
-        <p:nvPr/>
-      </p:nvGrpSpPr>
-      <p:grpSpPr>
-        <a:xfrm>
-          <a:off x="0" y="0"/>
-          <a:ext cx="0" cy="0"/>
-          <a:chOff x="0" y="0"/>
-          <a:chExt cx="0" cy="0"/>
-        </a:xfrm>
-      </p:grpSpPr>
-      <p:sp>
-        <p:nvSpPr>
-          <p:cNvPr id="4" name="標題 3">
-            <a:extLst>
-              <a:ext uri="{FF2B5EF4-FFF2-40B4-BE49-F238E27FC236}">
-                <a16:creationId xmlns:a16="http://schemas.microsoft.com/office/drawing/2014/main" id="{8EBC9425-CFC0-4FC3-9107-5FE202888980}"/>
-              </a:ext>
-            </a:extLst>
-          </p:cNvPr>
-          <p:cNvSpPr>
-            <a:spLocks noGrp="1"/>
-          </p:cNvSpPr>
-          <p:nvPr>
-            <p:ph type="title"/>
-          </p:nvPr>
-        </p:nvSpPr>
-        <p:spPr/>
-        <p:txBody>
-          <a:bodyPr/>
-          <a:lstStyle/>
-          <a:p>
-            <a:r>
-              <a:rPr lang="en-US" altLang="zh-TW" dirty="0"/>
-              <a:t>t</a:t>
-            </a:r>
-            <a:r>
-              <a:rPr lang="zh-TW" altLang="en-US" dirty="0"/>
-              <a:t>檢定</a:t>
-            </a:r>
-          </a:p>
-        </p:txBody>
-      </p:sp>
-      <p:sp>
-        <p:nvSpPr>
-          <p:cNvPr id="5" name="內容版面配置區 4">
-            <a:extLst>
-              <a:ext uri="{FF2B5EF4-FFF2-40B4-BE49-F238E27FC236}">
-                <a16:creationId xmlns:a16="http://schemas.microsoft.com/office/drawing/2014/main" id="{35F0BE09-9033-4369-8CBC-41F8131E11A6}"/>
-              </a:ext>
-            </a:extLst>
-          </p:cNvPr>
-          <p:cNvSpPr>
-            <a:spLocks noGrp="1"/>
-          </p:cNvSpPr>
-          <p:nvPr>
-            <p:ph idx="1"/>
-          </p:nvPr>
-        </p:nvSpPr>
-        <p:spPr/>
-        <p:txBody>
-          <a:bodyPr/>
-          <a:lstStyle/>
-          <a:p>
-            <a:endParaRPr lang="zh-TW" altLang="en-US"/>
-          </a:p>
-        </p:txBody>
-      </p:sp>
-      <p:sp>
-        <p:nvSpPr>
-          <p:cNvPr id="3" name="投影片編號版面配置區 2">
-            <a:extLst>
-              <a:ext uri="{FF2B5EF4-FFF2-40B4-BE49-F238E27FC236}">
-                <a16:creationId xmlns:a16="http://schemas.microsoft.com/office/drawing/2014/main" id="{AB64ABD3-83C3-42CC-9281-E1FDCB978147}"/>
-              </a:ext>
-            </a:extLst>
-          </p:cNvPr>
-          <p:cNvSpPr>
-            <a:spLocks noGrp="1"/>
-          </p:cNvSpPr>
-          <p:nvPr>
-            <p:ph type="sldNum" sz="quarter" idx="12"/>
-          </p:nvPr>
-        </p:nvSpPr>
-        <p:spPr/>
-        <p:txBody>
-          <a:bodyPr/>
-          <a:lstStyle/>
-          <a:p>
-            <a:fld id="{0318AE31-7D37-4562-A6C9-6CAC1CEA6FBB}" type="slidenum">
-              <a:rPr lang="zh-TW" altLang="en-US" smtClean="0"/>
-              <a:pPr/>
-              <a:t>23</a:t>
-            </a:fld>
-            <a:endParaRPr lang="zh-TW" altLang="en-US"/>
-          </a:p>
-        </p:txBody>
-      </p:sp>
-    </p:spTree>
-    <p:extLst>
-      <p:ext uri="{BB962C8B-B14F-4D97-AF65-F5344CB8AC3E}">
-        <p14:creationId xmlns:p14="http://schemas.microsoft.com/office/powerpoint/2010/main" val="3293762289"/>
-      </p:ext>
-    </p:extLst>
-  </p:cSld>
-  <p:clrMapOvr>
-    <a:masterClrMapping/>
-  </p:clrMapOvr>
-</p:sld>
-</file>
-
-<file path=ppt/slides/slide24.xml><?xml version="1.0" encoding="utf-8"?>
-<p:sld xmlns:a="http://schemas.openxmlformats.org/drawingml/2006/main" xmlns:r="http://schemas.openxmlformats.org/officeDocument/2006/relationships" xmlns:p="http://schemas.openxmlformats.org/presentationml/2006/main">
-  <p:cSld>
-    <p:spTree>
-      <p:nvGrpSpPr>
-        <p:cNvPr id="1" name=""/>
-        <p:cNvGrpSpPr/>
-        <p:nvPr/>
-      </p:nvGrpSpPr>
-      <p:grpSpPr>
-        <a:xfrm>
-          <a:off x="0" y="0"/>
-          <a:ext cx="0" cy="0"/>
-          <a:chOff x="0" y="0"/>
-          <a:chExt cx="0" cy="0"/>
-        </a:xfrm>
-      </p:grpSpPr>
-      <p:sp>
-        <p:nvSpPr>
-          <p:cNvPr id="4" name="標題 3">
-            <a:extLst>
-              <a:ext uri="{FF2B5EF4-FFF2-40B4-BE49-F238E27FC236}">
-                <a16:creationId xmlns:a16="http://schemas.microsoft.com/office/drawing/2014/main" id="{8EBC9425-CFC0-4FC3-9107-5FE202888980}"/>
-              </a:ext>
-            </a:extLst>
-          </p:cNvPr>
-          <p:cNvSpPr>
-            <a:spLocks noGrp="1"/>
-          </p:cNvSpPr>
-          <p:nvPr>
-            <p:ph type="title"/>
-          </p:nvPr>
-        </p:nvSpPr>
-        <p:spPr/>
-        <p:txBody>
-          <a:bodyPr/>
-          <a:lstStyle/>
-          <a:p>
-            <a:r>
-              <a:rPr lang="en-US" altLang="zh-TW" dirty="0"/>
-              <a:t>ANOVA</a:t>
-            </a:r>
-            <a:r>
-              <a:rPr lang="zh-TW" altLang="en-US" dirty="0"/>
-              <a:t>檢定</a:t>
-            </a:r>
-          </a:p>
-        </p:txBody>
-      </p:sp>
-      <p:sp>
-        <p:nvSpPr>
-          <p:cNvPr id="5" name="內容版面配置區 4">
-            <a:extLst>
-              <a:ext uri="{FF2B5EF4-FFF2-40B4-BE49-F238E27FC236}">
-                <a16:creationId xmlns:a16="http://schemas.microsoft.com/office/drawing/2014/main" id="{35F0BE09-9033-4369-8CBC-41F8131E11A6}"/>
-              </a:ext>
-            </a:extLst>
-          </p:cNvPr>
-          <p:cNvSpPr>
-            <a:spLocks noGrp="1"/>
-          </p:cNvSpPr>
-          <p:nvPr>
-            <p:ph idx="1"/>
-          </p:nvPr>
-        </p:nvSpPr>
-        <p:spPr/>
-        <p:txBody>
-          <a:bodyPr/>
-          <a:lstStyle/>
-          <a:p>
-            <a:endParaRPr lang="zh-TW" altLang="en-US"/>
-          </a:p>
-        </p:txBody>
-      </p:sp>
-      <p:sp>
-        <p:nvSpPr>
-          <p:cNvPr id="3" name="投影片編號版面配置區 2">
-            <a:extLst>
-              <a:ext uri="{FF2B5EF4-FFF2-40B4-BE49-F238E27FC236}">
-                <a16:creationId xmlns:a16="http://schemas.microsoft.com/office/drawing/2014/main" id="{AB64ABD3-83C3-42CC-9281-E1FDCB978147}"/>
-              </a:ext>
-            </a:extLst>
-          </p:cNvPr>
-          <p:cNvSpPr>
-            <a:spLocks noGrp="1"/>
-          </p:cNvSpPr>
-          <p:nvPr>
-            <p:ph type="sldNum" sz="quarter" idx="12"/>
-          </p:nvPr>
-        </p:nvSpPr>
-        <p:spPr/>
-        <p:txBody>
-          <a:bodyPr/>
-          <a:lstStyle/>
-          <a:p>
-            <a:fld id="{0318AE31-7D37-4562-A6C9-6CAC1CEA6FBB}" type="slidenum">
-              <a:rPr lang="zh-TW" altLang="en-US" smtClean="0"/>
-              <a:pPr/>
-              <a:t>24</a:t>
-            </a:fld>
-            <a:endParaRPr lang="zh-TW" altLang="en-US"/>
-          </a:p>
-        </p:txBody>
-      </p:sp>
-    </p:spTree>
-    <p:extLst>
-      <p:ext uri="{BB962C8B-B14F-4D97-AF65-F5344CB8AC3E}">
-        <p14:creationId xmlns:p14="http://schemas.microsoft.com/office/powerpoint/2010/main" val="1189170711"/>
-      </p:ext>
-    </p:extLst>
-  </p:cSld>
-  <p:clrMapOvr>
-    <a:masterClrMapping/>
-  </p:clrMapOvr>
-</p:sld>
-</file>
-
-<file path=ppt/slides/slide25.xml><?xml version="1.0" encoding="utf-8"?>
-<p:sld xmlns:a="http://schemas.openxmlformats.org/drawingml/2006/main" xmlns:r="http://schemas.openxmlformats.org/officeDocument/2006/relationships" xmlns:p="http://schemas.openxmlformats.org/presentationml/2006/main">
-  <p:cSld>
-    <p:spTree>
-      <p:nvGrpSpPr>
-        <p:cNvPr id="1" name=""/>
-        <p:cNvGrpSpPr/>
-        <p:nvPr/>
-      </p:nvGrpSpPr>
-      <p:grpSpPr>
-        <a:xfrm>
-          <a:off x="0" y="0"/>
-          <a:ext cx="0" cy="0"/>
-          <a:chOff x="0" y="0"/>
-          <a:chExt cx="0" cy="0"/>
-        </a:xfrm>
-      </p:grpSpPr>
-      <p:sp>
-        <p:nvSpPr>
-          <p:cNvPr id="5" name="標題 4">
-            <a:extLst>
-              <a:ext uri="{FF2B5EF4-FFF2-40B4-BE49-F238E27FC236}">
-                <a16:creationId xmlns:a16="http://schemas.microsoft.com/office/drawing/2014/main" id="{73829ED9-AD3C-43FB-A0DE-DF7A669558F8}"/>
-              </a:ext>
-            </a:extLst>
-          </p:cNvPr>
-          <p:cNvSpPr>
-            <a:spLocks noGrp="1"/>
-          </p:cNvSpPr>
-          <p:nvPr>
-            <p:ph type="title"/>
-          </p:nvPr>
-        </p:nvSpPr>
-        <p:spPr/>
-        <p:txBody>
-          <a:bodyPr/>
-          <a:lstStyle/>
-          <a:p>
-            <a:r>
-              <a:rPr lang="zh-TW" altLang="en-US" dirty="0"/>
-              <a:t>分群</a:t>
-            </a:r>
-          </a:p>
-        </p:txBody>
-      </p:sp>
-      <p:sp>
-        <p:nvSpPr>
-          <p:cNvPr id="6" name="文字版面配置區 5">
-            <a:extLst>
-              <a:ext uri="{FF2B5EF4-FFF2-40B4-BE49-F238E27FC236}">
-                <a16:creationId xmlns:a16="http://schemas.microsoft.com/office/drawing/2014/main" id="{D9EDD6AE-9199-499B-8D7F-6D93FB0AD946}"/>
-              </a:ext>
-            </a:extLst>
-          </p:cNvPr>
-          <p:cNvSpPr>
-            <a:spLocks noGrp="1"/>
-          </p:cNvSpPr>
-          <p:nvPr>
-            <p:ph type="body" idx="1"/>
-          </p:nvPr>
-        </p:nvSpPr>
-        <p:spPr/>
-        <p:txBody>
-          <a:bodyPr/>
-          <a:lstStyle/>
-          <a:p>
-            <a:endParaRPr lang="zh-TW" altLang="en-US"/>
-          </a:p>
-        </p:txBody>
-      </p:sp>
-      <p:sp>
-        <p:nvSpPr>
-          <p:cNvPr id="4" name="投影片編號版面配置區 3">
-            <a:extLst>
-              <a:ext uri="{FF2B5EF4-FFF2-40B4-BE49-F238E27FC236}">
-                <a16:creationId xmlns:a16="http://schemas.microsoft.com/office/drawing/2014/main" id="{E150A48A-C57D-45FD-A8E0-C118B59D1FCD}"/>
-              </a:ext>
-            </a:extLst>
-          </p:cNvPr>
-          <p:cNvSpPr>
-            <a:spLocks noGrp="1"/>
-          </p:cNvSpPr>
-          <p:nvPr>
-            <p:ph type="sldNum" sz="quarter" idx="12"/>
-          </p:nvPr>
-        </p:nvSpPr>
-        <p:spPr/>
-        <p:txBody>
-          <a:bodyPr/>
-          <a:lstStyle/>
-          <a:p>
-            <a:fld id="{0318AE31-7D37-4562-A6C9-6CAC1CEA6FBB}" type="slidenum">
-              <a:rPr lang="zh-TW" altLang="en-US" smtClean="0"/>
-              <a:pPr/>
-              <a:t>25</a:t>
-            </a:fld>
-            <a:endParaRPr lang="zh-TW" altLang="en-US"/>
-          </a:p>
-        </p:txBody>
-      </p:sp>
-    </p:spTree>
-    <p:extLst>
-      <p:ext uri="{BB962C8B-B14F-4D97-AF65-F5344CB8AC3E}">
-        <p14:creationId xmlns:p14="http://schemas.microsoft.com/office/powerpoint/2010/main" val="1073629335"/>
-      </p:ext>
-    </p:extLst>
-  </p:cSld>
-  <p:clrMapOvr>
-    <a:masterClrMapping/>
-  </p:clrMapOvr>
-</p:sld>
-</file>
-
-<file path=ppt/slides/slide26.xml><?xml version="1.0" encoding="utf-8"?>
-<p:sld xmlns:a="http://schemas.openxmlformats.org/drawingml/2006/main" xmlns:r="http://schemas.openxmlformats.org/officeDocument/2006/relationships" xmlns:p="http://schemas.openxmlformats.org/presentationml/2006/main">
-  <p:cSld>
-    <p:spTree>
-      <p:nvGrpSpPr>
-        <p:cNvPr id="1" name=""/>
-        <p:cNvGrpSpPr/>
-        <p:nvPr/>
-      </p:nvGrpSpPr>
-      <p:grpSpPr>
-        <a:xfrm>
-          <a:off x="0" y="0"/>
-          <a:ext cx="0" cy="0"/>
-          <a:chOff x="0" y="0"/>
-          <a:chExt cx="0" cy="0"/>
-        </a:xfrm>
-      </p:grpSpPr>
-      <p:sp>
-        <p:nvSpPr>
-          <p:cNvPr id="4" name="標題 3">
-            <a:extLst>
-              <a:ext uri="{FF2B5EF4-FFF2-40B4-BE49-F238E27FC236}">
-                <a16:creationId xmlns:a16="http://schemas.microsoft.com/office/drawing/2014/main" id="{8EBC9425-CFC0-4FC3-9107-5FE202888980}"/>
-              </a:ext>
-            </a:extLst>
-          </p:cNvPr>
-          <p:cNvSpPr>
-            <a:spLocks noGrp="1"/>
-          </p:cNvSpPr>
-          <p:nvPr>
-            <p:ph type="title"/>
-          </p:nvPr>
-        </p:nvSpPr>
-        <p:spPr/>
-        <p:txBody>
-          <a:bodyPr/>
-          <a:lstStyle/>
-          <a:p>
-            <a:r>
-              <a:rPr lang="en-US" altLang="zh-TW" dirty="0"/>
-              <a:t>Hierarchical</a:t>
-            </a:r>
-            <a:r>
-              <a:rPr lang="zh-TW" altLang="en-US" dirty="0"/>
-              <a:t>分群</a:t>
-            </a:r>
-          </a:p>
-        </p:txBody>
-      </p:sp>
-      <p:sp>
-        <p:nvSpPr>
-          <p:cNvPr id="5" name="內容版面配置區 4">
-            <a:extLst>
-              <a:ext uri="{FF2B5EF4-FFF2-40B4-BE49-F238E27FC236}">
-                <a16:creationId xmlns:a16="http://schemas.microsoft.com/office/drawing/2014/main" id="{35F0BE09-9033-4369-8CBC-41F8131E11A6}"/>
-              </a:ext>
-            </a:extLst>
-          </p:cNvPr>
-          <p:cNvSpPr>
-            <a:spLocks noGrp="1"/>
-          </p:cNvSpPr>
-          <p:nvPr>
-            <p:ph idx="1"/>
-          </p:nvPr>
-        </p:nvSpPr>
-        <p:spPr/>
-        <p:txBody>
-          <a:bodyPr/>
-          <a:lstStyle/>
-          <a:p>
-            <a:endParaRPr lang="zh-TW" altLang="en-US"/>
-          </a:p>
-        </p:txBody>
-      </p:sp>
-      <p:sp>
-        <p:nvSpPr>
-          <p:cNvPr id="3" name="投影片編號版面配置區 2">
-            <a:extLst>
-              <a:ext uri="{FF2B5EF4-FFF2-40B4-BE49-F238E27FC236}">
-                <a16:creationId xmlns:a16="http://schemas.microsoft.com/office/drawing/2014/main" id="{AB64ABD3-83C3-42CC-9281-E1FDCB978147}"/>
-              </a:ext>
-            </a:extLst>
-          </p:cNvPr>
-          <p:cNvSpPr>
-            <a:spLocks noGrp="1"/>
-          </p:cNvSpPr>
-          <p:nvPr>
-            <p:ph type="sldNum" sz="quarter" idx="12"/>
-          </p:nvPr>
-        </p:nvSpPr>
-        <p:spPr/>
-        <p:txBody>
-          <a:bodyPr/>
-          <a:lstStyle/>
-          <a:p>
-            <a:fld id="{0318AE31-7D37-4562-A6C9-6CAC1CEA6FBB}" type="slidenum">
-              <a:rPr lang="zh-TW" altLang="en-US" smtClean="0"/>
-              <a:pPr/>
-              <a:t>26</a:t>
-            </a:fld>
-            <a:endParaRPr lang="zh-TW" altLang="en-US"/>
-          </a:p>
-        </p:txBody>
-      </p:sp>
-    </p:spTree>
-    <p:extLst>
-      <p:ext uri="{BB962C8B-B14F-4D97-AF65-F5344CB8AC3E}">
-        <p14:creationId xmlns:p14="http://schemas.microsoft.com/office/powerpoint/2010/main" val="387170957"/>
-      </p:ext>
-    </p:extLst>
-  </p:cSld>
-  <p:clrMapOvr>
-    <a:masterClrMapping/>
-  </p:clrMapOvr>
-</p:sld>
-</file>
-
-<file path=ppt/slides/slide27.xml><?xml version="1.0" encoding="utf-8"?>
-<p:sld xmlns:a="http://schemas.openxmlformats.org/drawingml/2006/main" xmlns:r="http://schemas.openxmlformats.org/officeDocument/2006/relationships" xmlns:p="http://schemas.openxmlformats.org/presentationml/2006/main">
-  <p:cSld>
-    <p:spTree>
-      <p:nvGrpSpPr>
-        <p:cNvPr id="1" name=""/>
-        <p:cNvGrpSpPr/>
-        <p:nvPr/>
-      </p:nvGrpSpPr>
-      <p:grpSpPr>
-        <a:xfrm>
-          <a:off x="0" y="0"/>
-          <a:ext cx="0" cy="0"/>
-          <a:chOff x="0" y="0"/>
-          <a:chExt cx="0" cy="0"/>
-        </a:xfrm>
-      </p:grpSpPr>
-      <p:sp>
-        <p:nvSpPr>
-          <p:cNvPr id="4" name="標題 3">
-            <a:extLst>
-              <a:ext uri="{FF2B5EF4-FFF2-40B4-BE49-F238E27FC236}">
-                <a16:creationId xmlns:a16="http://schemas.microsoft.com/office/drawing/2014/main" id="{8EBC9425-CFC0-4FC3-9107-5FE202888980}"/>
-              </a:ext>
-            </a:extLst>
-          </p:cNvPr>
-          <p:cNvSpPr>
-            <a:spLocks noGrp="1"/>
-          </p:cNvSpPr>
-          <p:nvPr>
-            <p:ph type="title"/>
-          </p:nvPr>
-        </p:nvSpPr>
-        <p:spPr/>
-        <p:txBody>
-          <a:bodyPr/>
-          <a:lstStyle/>
-          <a:p>
-            <a:r>
-              <a:rPr lang="en-US" altLang="zh-TW" dirty="0"/>
-              <a:t>K-Means</a:t>
-            </a:r>
-            <a:r>
-              <a:rPr lang="zh-TW" altLang="en-US" dirty="0"/>
-              <a:t>分群</a:t>
-            </a:r>
-          </a:p>
-        </p:txBody>
-      </p:sp>
-      <p:sp>
-        <p:nvSpPr>
-          <p:cNvPr id="5" name="內容版面配置區 4">
-            <a:extLst>
-              <a:ext uri="{FF2B5EF4-FFF2-40B4-BE49-F238E27FC236}">
-                <a16:creationId xmlns:a16="http://schemas.microsoft.com/office/drawing/2014/main" id="{35F0BE09-9033-4369-8CBC-41F8131E11A6}"/>
-              </a:ext>
-            </a:extLst>
-          </p:cNvPr>
-          <p:cNvSpPr>
-            <a:spLocks noGrp="1"/>
-          </p:cNvSpPr>
-          <p:nvPr>
-            <p:ph idx="1"/>
-          </p:nvPr>
-        </p:nvSpPr>
-        <p:spPr/>
-        <p:txBody>
-          <a:bodyPr/>
-          <a:lstStyle/>
-          <a:p>
-            <a:endParaRPr lang="zh-TW" altLang="en-US"/>
-          </a:p>
-        </p:txBody>
-      </p:sp>
-      <p:sp>
-        <p:nvSpPr>
-          <p:cNvPr id="3" name="投影片編號版面配置區 2">
-            <a:extLst>
-              <a:ext uri="{FF2B5EF4-FFF2-40B4-BE49-F238E27FC236}">
-                <a16:creationId xmlns:a16="http://schemas.microsoft.com/office/drawing/2014/main" id="{AB64ABD3-83C3-42CC-9281-E1FDCB978147}"/>
-              </a:ext>
-            </a:extLst>
-          </p:cNvPr>
-          <p:cNvSpPr>
-            <a:spLocks noGrp="1"/>
-          </p:cNvSpPr>
-          <p:nvPr>
-            <p:ph type="sldNum" sz="quarter" idx="12"/>
-          </p:nvPr>
-        </p:nvSpPr>
-        <p:spPr/>
-        <p:txBody>
-          <a:bodyPr/>
-          <a:lstStyle/>
-          <a:p>
-            <a:fld id="{0318AE31-7D37-4562-A6C9-6CAC1CEA6FBB}" type="slidenum">
-              <a:rPr lang="zh-TW" altLang="en-US" smtClean="0"/>
-              <a:pPr/>
-              <a:t>27</a:t>
-            </a:fld>
-            <a:endParaRPr lang="zh-TW" altLang="en-US"/>
-          </a:p>
-        </p:txBody>
-      </p:sp>
-    </p:spTree>
-    <p:extLst>
-      <p:ext uri="{BB962C8B-B14F-4D97-AF65-F5344CB8AC3E}">
-        <p14:creationId xmlns:p14="http://schemas.microsoft.com/office/powerpoint/2010/main" val="443907232"/>
-      </p:ext>
-    </p:extLst>
-  </p:cSld>
-  <p:clrMapOvr>
-    <a:masterClrMapping/>
-  </p:clrMapOvr>
-</p:sld>
-</file>
-
-<file path=ppt/slides/slide28.xml><?xml version="1.0" encoding="utf-8"?>
-<p:sld xmlns:a="http://schemas.openxmlformats.org/drawingml/2006/main" xmlns:r="http://schemas.openxmlformats.org/officeDocument/2006/relationships" xmlns:p="http://schemas.openxmlformats.org/presentationml/2006/main">
-  <p:cSld>
-    <p:spTree>
-      <p:nvGrpSpPr>
-        <p:cNvPr id="1" name=""/>
-        <p:cNvGrpSpPr/>
-        <p:nvPr/>
-      </p:nvGrpSpPr>
-      <p:grpSpPr>
-        <a:xfrm>
-          <a:off x="0" y="0"/>
-          <a:ext cx="0" cy="0"/>
-          <a:chOff x="0" y="0"/>
-          <a:chExt cx="0" cy="0"/>
-        </a:xfrm>
-      </p:grpSpPr>
-      <p:sp>
-        <p:nvSpPr>
-          <p:cNvPr id="4" name="標題 3">
-            <a:extLst>
-              <a:ext uri="{FF2B5EF4-FFF2-40B4-BE49-F238E27FC236}">
-                <a16:creationId xmlns:a16="http://schemas.microsoft.com/office/drawing/2014/main" id="{8EBC9425-CFC0-4FC3-9107-5FE202888980}"/>
-              </a:ext>
-            </a:extLst>
-          </p:cNvPr>
-          <p:cNvSpPr>
-            <a:spLocks noGrp="1"/>
-          </p:cNvSpPr>
-          <p:nvPr>
-            <p:ph type="title"/>
-          </p:nvPr>
-        </p:nvSpPr>
-        <p:spPr/>
-        <p:txBody>
-          <a:bodyPr/>
-          <a:lstStyle/>
-          <a:p>
-            <a:endParaRPr lang="zh-TW" altLang="en-US"/>
-          </a:p>
-        </p:txBody>
-      </p:sp>
-      <p:sp>
-        <p:nvSpPr>
-          <p:cNvPr id="5" name="內容版面配置區 4">
-            <a:extLst>
-              <a:ext uri="{FF2B5EF4-FFF2-40B4-BE49-F238E27FC236}">
-                <a16:creationId xmlns:a16="http://schemas.microsoft.com/office/drawing/2014/main" id="{35F0BE09-9033-4369-8CBC-41F8131E11A6}"/>
-              </a:ext>
-            </a:extLst>
-          </p:cNvPr>
-          <p:cNvSpPr>
-            <a:spLocks noGrp="1"/>
-          </p:cNvSpPr>
-          <p:nvPr>
-            <p:ph idx="1"/>
-          </p:nvPr>
-        </p:nvSpPr>
-        <p:spPr/>
-        <p:txBody>
-          <a:bodyPr/>
-          <a:lstStyle/>
-          <a:p>
-            <a:endParaRPr lang="zh-TW" altLang="en-US"/>
-          </a:p>
-        </p:txBody>
-      </p:sp>
-      <p:sp>
-        <p:nvSpPr>
-          <p:cNvPr id="3" name="投影片編號版面配置區 2">
-            <a:extLst>
-              <a:ext uri="{FF2B5EF4-FFF2-40B4-BE49-F238E27FC236}">
-                <a16:creationId xmlns:a16="http://schemas.microsoft.com/office/drawing/2014/main" id="{AB64ABD3-83C3-42CC-9281-E1FDCB978147}"/>
-              </a:ext>
-            </a:extLst>
-          </p:cNvPr>
-          <p:cNvSpPr>
-            <a:spLocks noGrp="1"/>
-          </p:cNvSpPr>
-          <p:nvPr>
-            <p:ph type="sldNum" sz="quarter" idx="12"/>
-          </p:nvPr>
-        </p:nvSpPr>
-        <p:spPr/>
-        <p:txBody>
-          <a:bodyPr/>
-          <a:lstStyle/>
-          <a:p>
-            <a:fld id="{0318AE31-7D37-4562-A6C9-6CAC1CEA6FBB}" type="slidenum">
-              <a:rPr lang="zh-TW" altLang="en-US" smtClean="0"/>
-              <a:pPr/>
-              <a:t>28</a:t>
-            </a:fld>
-            <a:endParaRPr lang="zh-TW" altLang="en-US"/>
-          </a:p>
-        </p:txBody>
-      </p:sp>
-    </p:spTree>
-    <p:extLst>
-      <p:ext uri="{BB962C8B-B14F-4D97-AF65-F5344CB8AC3E}">
-        <p14:creationId xmlns:p14="http://schemas.microsoft.com/office/powerpoint/2010/main" val="524460523"/>
-      </p:ext>
-    </p:extLst>
-  </p:cSld>
-  <p:clrMapOvr>
-    <a:masterClrMapping/>
-  </p:clrMapOvr>
-</p:sld>
-</file>
-
-<file path=ppt/slides/slide29.xml><?xml version="1.0" encoding="utf-8"?>
-<p:sld xmlns:a="http://schemas.openxmlformats.org/drawingml/2006/main" xmlns:r="http://schemas.openxmlformats.org/officeDocument/2006/relationships" xmlns:p="http://schemas.openxmlformats.org/presentationml/2006/main">
-  <p:cSld>
-    <p:spTree>
-      <p:nvGrpSpPr>
-        <p:cNvPr id="1" name=""/>
-        <p:cNvGrpSpPr/>
-        <p:nvPr/>
-      </p:nvGrpSpPr>
-      <p:grpSpPr>
-        <a:xfrm>
-          <a:off x="0" y="0"/>
-          <a:ext cx="0" cy="0"/>
-          <a:chOff x="0" y="0"/>
-          <a:chExt cx="0" cy="0"/>
-        </a:xfrm>
-      </p:grpSpPr>
-      <p:sp>
-        <p:nvSpPr>
-          <p:cNvPr id="4" name="標題 3">
-            <a:extLst>
-              <a:ext uri="{FF2B5EF4-FFF2-40B4-BE49-F238E27FC236}">
-                <a16:creationId xmlns:a16="http://schemas.microsoft.com/office/drawing/2014/main" id="{8EBC9425-CFC0-4FC3-9107-5FE202888980}"/>
-              </a:ext>
-            </a:extLst>
-          </p:cNvPr>
-          <p:cNvSpPr>
-            <a:spLocks noGrp="1"/>
-          </p:cNvSpPr>
-          <p:nvPr>
-            <p:ph type="title"/>
-          </p:nvPr>
-        </p:nvSpPr>
-        <p:spPr/>
-        <p:txBody>
-          <a:bodyPr/>
-          <a:lstStyle/>
-          <a:p>
-            <a:endParaRPr lang="zh-TW" altLang="en-US"/>
-          </a:p>
-        </p:txBody>
-      </p:sp>
-      <p:sp>
-        <p:nvSpPr>
-          <p:cNvPr id="5" name="內容版面配置區 4">
-            <a:extLst>
-              <a:ext uri="{FF2B5EF4-FFF2-40B4-BE49-F238E27FC236}">
-                <a16:creationId xmlns:a16="http://schemas.microsoft.com/office/drawing/2014/main" id="{35F0BE09-9033-4369-8CBC-41F8131E11A6}"/>
-              </a:ext>
-            </a:extLst>
-          </p:cNvPr>
-          <p:cNvSpPr>
-            <a:spLocks noGrp="1"/>
-          </p:cNvSpPr>
-          <p:nvPr>
-            <p:ph idx="1"/>
-          </p:nvPr>
-        </p:nvSpPr>
-        <p:spPr/>
-        <p:txBody>
-          <a:bodyPr/>
-          <a:lstStyle/>
-          <a:p>
-            <a:endParaRPr lang="zh-TW" altLang="en-US"/>
-          </a:p>
-        </p:txBody>
-      </p:sp>
-      <p:sp>
-        <p:nvSpPr>
-          <p:cNvPr id="3" name="投影片編號版面配置區 2">
-            <a:extLst>
-              <a:ext uri="{FF2B5EF4-FFF2-40B4-BE49-F238E27FC236}">
-                <a16:creationId xmlns:a16="http://schemas.microsoft.com/office/drawing/2014/main" id="{AB64ABD3-83C3-42CC-9281-E1FDCB978147}"/>
-              </a:ext>
-            </a:extLst>
-          </p:cNvPr>
-          <p:cNvSpPr>
-            <a:spLocks noGrp="1"/>
-          </p:cNvSpPr>
-          <p:nvPr>
-            <p:ph type="sldNum" sz="quarter" idx="12"/>
-          </p:nvPr>
-        </p:nvSpPr>
-        <p:spPr/>
-        <p:txBody>
-          <a:bodyPr/>
-          <a:lstStyle/>
-          <a:p>
-            <a:fld id="{0318AE31-7D37-4562-A6C9-6CAC1CEA6FBB}" type="slidenum">
-              <a:rPr lang="zh-TW" altLang="en-US" smtClean="0"/>
-              <a:pPr/>
-              <a:t>29</a:t>
-            </a:fld>
-            <a:endParaRPr lang="zh-TW" altLang="en-US"/>
-          </a:p>
-        </p:txBody>
-      </p:sp>
-    </p:spTree>
-    <p:extLst>
-      <p:ext uri="{BB962C8B-B14F-4D97-AF65-F5344CB8AC3E}">
-        <p14:creationId xmlns:p14="http://schemas.microsoft.com/office/powerpoint/2010/main" val="1069901247"/>
-      </p:ext>
-    </p:extLst>
-  </p:cSld>
-  <p:clrMapOvr>
-    <a:masterClrMapping/>
-  </p:clrMapOvr>
-</p:sld>
-</file>
-
-<file path=ppt/slides/slide3.xml><?xml version="1.0" encoding="utf-8"?>
-<p:sld xmlns:a="http://schemas.openxmlformats.org/drawingml/2006/main" xmlns:r="http://schemas.openxmlformats.org/officeDocument/2006/relationships" xmlns:p="http://schemas.openxmlformats.org/presentationml/2006/main">
-  <p:cSld>
-    <p:spTree>
-      <p:nvGrpSpPr>
-        <p:cNvPr id="1" name=""/>
-        <p:cNvGrpSpPr/>
-        <p:nvPr/>
-      </p:nvGrpSpPr>
-      <p:grpSpPr>
-        <a:xfrm>
-          <a:off x="0" y="0"/>
-          <a:ext cx="0" cy="0"/>
-          <a:chOff x="0" y="0"/>
-          <a:chExt cx="0" cy="0"/>
-        </a:xfrm>
-      </p:grpSpPr>
-      <p:sp>
-        <p:nvSpPr>
-          <p:cNvPr id="5" name="標題 4">
-            <a:extLst>
-              <a:ext uri="{FF2B5EF4-FFF2-40B4-BE49-F238E27FC236}">
-                <a16:creationId xmlns:a16="http://schemas.microsoft.com/office/drawing/2014/main" id="{73829ED9-AD3C-43FB-A0DE-DF7A669558F8}"/>
-              </a:ext>
-            </a:extLst>
-          </p:cNvPr>
-          <p:cNvSpPr>
-            <a:spLocks noGrp="1"/>
-          </p:cNvSpPr>
-          <p:nvPr>
-            <p:ph type="title"/>
-          </p:nvPr>
-        </p:nvSpPr>
-        <p:spPr/>
-        <p:txBody>
-          <a:bodyPr/>
-          <a:lstStyle/>
-          <a:p>
-            <a:r>
-              <a:rPr lang="zh-TW" altLang="en-US" dirty="0"/>
-              <a:t>基本統計概念</a:t>
-            </a:r>
-          </a:p>
-        </p:txBody>
-      </p:sp>
-      <p:sp>
-        <p:nvSpPr>
-          <p:cNvPr id="6" name="文字版面配置區 5">
-            <a:extLst>
-              <a:ext uri="{FF2B5EF4-FFF2-40B4-BE49-F238E27FC236}">
-                <a16:creationId xmlns:a16="http://schemas.microsoft.com/office/drawing/2014/main" id="{D9EDD6AE-9199-499B-8D7F-6D93FB0AD946}"/>
-              </a:ext>
-            </a:extLst>
-          </p:cNvPr>
-          <p:cNvSpPr>
-            <a:spLocks noGrp="1"/>
-          </p:cNvSpPr>
-          <p:nvPr>
-            <p:ph type="body" idx="1"/>
-          </p:nvPr>
-        </p:nvSpPr>
-        <p:spPr/>
-        <p:txBody>
-          <a:bodyPr/>
-          <a:lstStyle/>
-          <a:p>
-            <a:endParaRPr lang="zh-TW" altLang="en-US"/>
-          </a:p>
-        </p:txBody>
-      </p:sp>
-      <p:sp>
-        <p:nvSpPr>
-          <p:cNvPr id="4" name="投影片編號版面配置區 3">
-            <a:extLst>
-              <a:ext uri="{FF2B5EF4-FFF2-40B4-BE49-F238E27FC236}">
-                <a16:creationId xmlns:a16="http://schemas.microsoft.com/office/drawing/2014/main" id="{E150A48A-C57D-45FD-A8E0-C118B59D1FCD}"/>
-              </a:ext>
-            </a:extLst>
-          </p:cNvPr>
-          <p:cNvSpPr>
-            <a:spLocks noGrp="1"/>
-          </p:cNvSpPr>
-          <p:nvPr>
-            <p:ph type="sldNum" sz="quarter" idx="12"/>
-          </p:nvPr>
-        </p:nvSpPr>
-        <p:spPr/>
-        <p:txBody>
-          <a:bodyPr/>
-          <a:lstStyle/>
-          <a:p>
-            <a:fld id="{0318AE31-7D37-4562-A6C9-6CAC1CEA6FBB}" type="slidenum">
-              <a:rPr lang="zh-TW" altLang="en-US" smtClean="0"/>
-              <a:pPr/>
-              <a:t>3</a:t>
-            </a:fld>
-            <a:endParaRPr lang="zh-TW" altLang="en-US"/>
-          </a:p>
-        </p:txBody>
-      </p:sp>
-    </p:spTree>
-    <p:extLst>
-      <p:ext uri="{BB962C8B-B14F-4D97-AF65-F5344CB8AC3E}">
-        <p14:creationId xmlns:p14="http://schemas.microsoft.com/office/powerpoint/2010/main" val="1665411432"/>
-      </p:ext>
-    </p:extLst>
-  </p:cSld>
-  <p:clrMapOvr>
-    <a:masterClrMapping/>
-  </p:clrMapOvr>
-</p:sld>
-</file>
-
-<file path=ppt/slides/slide30.xml><?xml version="1.0" encoding="utf-8"?>
-<p:sld xmlns:a="http://schemas.openxmlformats.org/drawingml/2006/main" xmlns:r="http://schemas.openxmlformats.org/officeDocument/2006/relationships" xmlns:p="http://schemas.openxmlformats.org/presentationml/2006/main">
-  <p:cSld>
-    <p:spTree>
-      <p:nvGrpSpPr>
-        <p:cNvPr id="1" name=""/>
-        <p:cNvGrpSpPr/>
-        <p:nvPr/>
-      </p:nvGrpSpPr>
-      <p:grpSpPr>
-        <a:xfrm>
-          <a:off x="0" y="0"/>
-          <a:ext cx="0" cy="0"/>
-          <a:chOff x="0" y="0"/>
-          <a:chExt cx="0" cy="0"/>
-        </a:xfrm>
-      </p:grpSpPr>
-      <p:sp>
-        <p:nvSpPr>
-          <p:cNvPr id="4" name="標題 3">
-            <a:extLst>
-              <a:ext uri="{FF2B5EF4-FFF2-40B4-BE49-F238E27FC236}">
-                <a16:creationId xmlns:a16="http://schemas.microsoft.com/office/drawing/2014/main" id="{8EBC9425-CFC0-4FC3-9107-5FE202888980}"/>
-              </a:ext>
-            </a:extLst>
-          </p:cNvPr>
-          <p:cNvSpPr>
-            <a:spLocks noGrp="1"/>
-          </p:cNvSpPr>
-          <p:nvPr>
-            <p:ph type="title"/>
-          </p:nvPr>
-        </p:nvSpPr>
-        <p:spPr/>
-        <p:txBody>
-          <a:bodyPr/>
-          <a:lstStyle/>
-          <a:p>
-            <a:endParaRPr lang="zh-TW" altLang="en-US"/>
-          </a:p>
-        </p:txBody>
-      </p:sp>
-      <p:sp>
-        <p:nvSpPr>
-          <p:cNvPr id="5" name="內容版面配置區 4">
-            <a:extLst>
-              <a:ext uri="{FF2B5EF4-FFF2-40B4-BE49-F238E27FC236}">
-                <a16:creationId xmlns:a16="http://schemas.microsoft.com/office/drawing/2014/main" id="{35F0BE09-9033-4369-8CBC-41F8131E11A6}"/>
-              </a:ext>
-            </a:extLst>
-          </p:cNvPr>
-          <p:cNvSpPr>
-            <a:spLocks noGrp="1"/>
-          </p:cNvSpPr>
-          <p:nvPr>
-            <p:ph idx="1"/>
-          </p:nvPr>
-        </p:nvSpPr>
-        <p:spPr/>
-        <p:txBody>
-          <a:bodyPr/>
-          <a:lstStyle/>
-          <a:p>
-            <a:endParaRPr lang="zh-TW" altLang="en-US"/>
-          </a:p>
-        </p:txBody>
-      </p:sp>
-      <p:sp>
-        <p:nvSpPr>
-          <p:cNvPr id="3" name="投影片編號版面配置區 2">
-            <a:extLst>
-              <a:ext uri="{FF2B5EF4-FFF2-40B4-BE49-F238E27FC236}">
-                <a16:creationId xmlns:a16="http://schemas.microsoft.com/office/drawing/2014/main" id="{AB64ABD3-83C3-42CC-9281-E1FDCB978147}"/>
-              </a:ext>
-            </a:extLst>
-          </p:cNvPr>
-          <p:cNvSpPr>
-            <a:spLocks noGrp="1"/>
-          </p:cNvSpPr>
-          <p:nvPr>
-            <p:ph type="sldNum" sz="quarter" idx="12"/>
-          </p:nvPr>
-        </p:nvSpPr>
-        <p:spPr/>
-        <p:txBody>
-          <a:bodyPr/>
-          <a:lstStyle/>
-          <a:p>
-            <a:fld id="{0318AE31-7D37-4562-A6C9-6CAC1CEA6FBB}" type="slidenum">
-              <a:rPr lang="zh-TW" altLang="en-US" smtClean="0"/>
-              <a:pPr/>
-              <a:t>30</a:t>
-            </a:fld>
-            <a:endParaRPr lang="zh-TW" altLang="en-US"/>
-          </a:p>
-        </p:txBody>
-      </p:sp>
-    </p:spTree>
-    <p:extLst>
-      <p:ext uri="{BB962C8B-B14F-4D97-AF65-F5344CB8AC3E}">
-        <p14:creationId xmlns:p14="http://schemas.microsoft.com/office/powerpoint/2010/main" val="503361357"/>
-      </p:ext>
-    </p:extLst>
-  </p:cSld>
-  <p:clrMapOvr>
-    <a:masterClrMapping/>
-  </p:clrMapOvr>
-</p:sld>
-</file>
-
-<file path=ppt/slides/slide4.xml><?xml version="1.0" encoding="utf-8"?>
-<p:sld xmlns:a="http://schemas.openxmlformats.org/drawingml/2006/main" xmlns:r="http://schemas.openxmlformats.org/officeDocument/2006/relationships" xmlns:p="http://schemas.openxmlformats.org/presentationml/2006/main">
-  <p:cSld>
-    <p:spTree>
-      <p:nvGrpSpPr>
-        <p:cNvPr id="1" name=""/>
-        <p:cNvGrpSpPr/>
-        <p:nvPr/>
-      </p:nvGrpSpPr>
-      <p:grpSpPr>
-        <a:xfrm>
-          <a:off x="0" y="0"/>
-          <a:ext cx="0" cy="0"/>
-          <a:chOff x="0" y="0"/>
-          <a:chExt cx="0" cy="0"/>
-        </a:xfrm>
-      </p:grpSpPr>
-      <p:sp>
-        <p:nvSpPr>
-          <p:cNvPr id="4" name="標題 3">
-            <a:extLst>
-              <a:ext uri="{FF2B5EF4-FFF2-40B4-BE49-F238E27FC236}">
-                <a16:creationId xmlns:a16="http://schemas.microsoft.com/office/drawing/2014/main" id="{8EBC9425-CFC0-4FC3-9107-5FE202888980}"/>
-              </a:ext>
-            </a:extLst>
-          </p:cNvPr>
-          <p:cNvSpPr>
-            <a:spLocks noGrp="1"/>
-          </p:cNvSpPr>
-          <p:nvPr>
-            <p:ph type="title"/>
-          </p:nvPr>
-        </p:nvSpPr>
-        <p:spPr/>
-        <p:txBody>
-          <a:bodyPr/>
-          <a:lstStyle/>
-          <a:p>
-            <a:r>
-              <a:rPr lang="zh-TW" altLang="en-US" dirty="0"/>
-              <a:t>數據階段</a:t>
-            </a:r>
-          </a:p>
-        </p:txBody>
-      </p:sp>
-      <p:graphicFrame>
-        <p:nvGraphicFramePr>
-          <p:cNvPr id="2" name="內容版面配置區 1">
-            <a:extLst>
-              <a:ext uri="{FF2B5EF4-FFF2-40B4-BE49-F238E27FC236}">
-                <a16:creationId xmlns:a16="http://schemas.microsoft.com/office/drawing/2014/main" id="{2D71D764-4F1F-4F98-B558-9224FEE23953}"/>
-              </a:ext>
-            </a:extLst>
-          </p:cNvPr>
-          <p:cNvGraphicFramePr>
-            <a:graphicFrameLocks noGrp="1"/>
-          </p:cNvGraphicFramePr>
-          <p:nvPr>
-            <p:ph idx="1"/>
-            <p:extLst>
-              <p:ext uri="{D42A27DB-BD31-4B8C-83A1-F6EECF244321}">
-                <p14:modId xmlns:p14="http://schemas.microsoft.com/office/powerpoint/2010/main" val="3527566783"/>
-              </p:ext>
-            </p:extLst>
-          </p:nvPr>
-        </p:nvGraphicFramePr>
-        <p:xfrm>
-          <a:off x="838200" y="1036638"/>
-          <a:ext cx="10515600" cy="5140325"/>
-        </p:xfrm>
-        <a:graphic>
-          <a:graphicData uri="http://schemas.openxmlformats.org/drawingml/2006/diagram">
-            <dgm:relIds xmlns:dgm="http://schemas.openxmlformats.org/drawingml/2006/diagram" xmlns:r="http://schemas.openxmlformats.org/officeDocument/2006/relationships" r:dm="rId2" r:lo="rId3" r:qs="rId4" r:cs="rId5"/>
-          </a:graphicData>
-        </a:graphic>
-      </p:graphicFrame>
-      <p:sp>
-        <p:nvSpPr>
-          <p:cNvPr id="3" name="投影片編號版面配置區 2">
-            <a:extLst>
-              <a:ext uri="{FF2B5EF4-FFF2-40B4-BE49-F238E27FC236}">
-                <a16:creationId xmlns:a16="http://schemas.microsoft.com/office/drawing/2014/main" id="{AB64ABD3-83C3-42CC-9281-E1FDCB978147}"/>
-              </a:ext>
-            </a:extLst>
-          </p:cNvPr>
-          <p:cNvSpPr>
-            <a:spLocks noGrp="1"/>
-          </p:cNvSpPr>
-          <p:nvPr>
-            <p:ph type="sldNum" sz="quarter" idx="12"/>
-          </p:nvPr>
-        </p:nvSpPr>
-        <p:spPr/>
-        <p:txBody>
-          <a:bodyPr/>
-          <a:lstStyle/>
-          <a:p>
-            <a:fld id="{0318AE31-7D37-4562-A6C9-6CAC1CEA6FBB}" type="slidenum">
-              <a:rPr lang="zh-TW" altLang="en-US" smtClean="0"/>
-              <a:pPr/>
-              <a:t>4</a:t>
-            </a:fld>
-            <a:endParaRPr lang="zh-TW" altLang="en-US"/>
-          </a:p>
-        </p:txBody>
-      </p:sp>
-    </p:spTree>
-    <p:extLst>
-      <p:ext uri="{BB962C8B-B14F-4D97-AF65-F5344CB8AC3E}">
-        <p14:creationId xmlns:p14="http://schemas.microsoft.com/office/powerpoint/2010/main" val="4005959173"/>
-      </p:ext>
-    </p:extLst>
-  </p:cSld>
-  <p:clrMapOvr>
-    <a:masterClrMapping/>
-  </p:clrMapOvr>
-</p:sld>
-</file>
-
-<file path=ppt/slides/slide5.xml><?xml version="1.0" encoding="utf-8"?>
-<p:sld xmlns:a="http://schemas.openxmlformats.org/drawingml/2006/main" xmlns:r="http://schemas.openxmlformats.org/officeDocument/2006/relationships" xmlns:p="http://schemas.openxmlformats.org/presentationml/2006/main">
-  <p:cSld>
-    <p:spTree>
-      <p:nvGrpSpPr>
-        <p:cNvPr id="1" name=""/>
-        <p:cNvGrpSpPr/>
-        <p:nvPr/>
-      </p:nvGrpSpPr>
-      <p:grpSpPr>
-        <a:xfrm>
-          <a:off x="0" y="0"/>
-          <a:ext cx="0" cy="0"/>
-          <a:chOff x="0" y="0"/>
-          <a:chExt cx="0" cy="0"/>
-        </a:xfrm>
-      </p:grpSpPr>
-      <p:sp>
-        <p:nvSpPr>
-          <p:cNvPr id="4" name="標題 3">
-            <a:extLst>
-              <a:ext uri="{FF2B5EF4-FFF2-40B4-BE49-F238E27FC236}">
-                <a16:creationId xmlns:a16="http://schemas.microsoft.com/office/drawing/2014/main" id="{8EBC9425-CFC0-4FC3-9107-5FE202888980}"/>
-              </a:ext>
-            </a:extLst>
-          </p:cNvPr>
-          <p:cNvSpPr>
-            <a:spLocks noGrp="1"/>
-          </p:cNvSpPr>
-          <p:nvPr>
-            <p:ph type="title"/>
-          </p:nvPr>
-        </p:nvSpPr>
-        <p:spPr/>
-        <p:txBody>
-          <a:bodyPr/>
-          <a:lstStyle/>
-          <a:p>
-            <a:r>
-              <a:rPr lang="zh-TW" altLang="en-US" dirty="0"/>
-              <a:t>統計在大數據中的角色</a:t>
-            </a:r>
-          </a:p>
-        </p:txBody>
-      </p:sp>
-      <p:sp>
-        <p:nvSpPr>
-          <p:cNvPr id="5" name="內容版面配置區 4">
-            <a:extLst>
-              <a:ext uri="{FF2B5EF4-FFF2-40B4-BE49-F238E27FC236}">
-                <a16:creationId xmlns:a16="http://schemas.microsoft.com/office/drawing/2014/main" id="{35F0BE09-9033-4369-8CBC-41F8131E11A6}"/>
-              </a:ext>
-            </a:extLst>
-          </p:cNvPr>
-          <p:cNvSpPr>
-            <a:spLocks noGrp="1"/>
-          </p:cNvSpPr>
-          <p:nvPr>
-            <p:ph idx="1"/>
-          </p:nvPr>
-        </p:nvSpPr>
-        <p:spPr/>
-        <p:txBody>
-          <a:bodyPr/>
-          <a:lstStyle/>
-          <a:p>
-            <a:r>
-              <a:rPr lang="zh-TW" altLang="en-US" dirty="0"/>
-              <a:t>可運用過去流程的數據來推論未來趨勢</a:t>
-            </a:r>
-            <a:endParaRPr lang="en-US" altLang="zh-TW" dirty="0"/>
-          </a:p>
-          <a:p>
-            <a:r>
-              <a:rPr lang="zh-TW" altLang="en-US" dirty="0"/>
-              <a:t>可依據分析的結果推論並證明原因</a:t>
-            </a:r>
-            <a:endParaRPr lang="en-US" altLang="zh-TW" dirty="0"/>
-          </a:p>
-          <a:p>
-            <a:r>
-              <a:rPr lang="zh-TW" altLang="en-US" dirty="0"/>
-              <a:t>可建構以事實為依據的概念，而非直覺</a:t>
-            </a:r>
-            <a:endParaRPr lang="en-US" altLang="zh-TW" dirty="0"/>
-          </a:p>
-          <a:p>
-            <a:r>
-              <a:rPr lang="zh-TW" altLang="en-US" dirty="0"/>
-              <a:t>市面上的機器學習，其實背後都是統計、數學</a:t>
-            </a:r>
-            <a:endParaRPr lang="en-US" altLang="zh-TW" dirty="0"/>
-          </a:p>
-          <a:p>
-            <a:endParaRPr lang="en-US" altLang="zh-TW" dirty="0"/>
-          </a:p>
-          <a:p>
-            <a:r>
-              <a:rPr lang="zh-TW" altLang="en-US" dirty="0"/>
-              <a:t>統計依討論內容可分為：</a:t>
-            </a:r>
-            <a:endParaRPr lang="en-US" altLang="zh-TW" dirty="0"/>
-          </a:p>
-          <a:p>
-            <a:pPr lvl="1"/>
-            <a:r>
-              <a:rPr lang="zh-TW" altLang="en-US" dirty="0"/>
-              <a:t>敘述統計：數據收集、數據處理、數據視覺化以解釋</a:t>
-            </a:r>
-            <a:endParaRPr lang="en-US" altLang="zh-TW" dirty="0"/>
-          </a:p>
-          <a:p>
-            <a:pPr lvl="1"/>
-            <a:r>
-              <a:rPr lang="zh-TW" altLang="en-US" dirty="0"/>
-              <a:t>推論統計：數據分析（樣本推估母體）</a:t>
-            </a:r>
-          </a:p>
-        </p:txBody>
-      </p:sp>
-      <p:sp>
-        <p:nvSpPr>
-          <p:cNvPr id="3" name="投影片編號版面配置區 2">
-            <a:extLst>
-              <a:ext uri="{FF2B5EF4-FFF2-40B4-BE49-F238E27FC236}">
-                <a16:creationId xmlns:a16="http://schemas.microsoft.com/office/drawing/2014/main" id="{AB64ABD3-83C3-42CC-9281-E1FDCB978147}"/>
-              </a:ext>
-            </a:extLst>
-          </p:cNvPr>
-          <p:cNvSpPr>
-            <a:spLocks noGrp="1"/>
-          </p:cNvSpPr>
-          <p:nvPr>
-            <p:ph type="sldNum" sz="quarter" idx="12"/>
-          </p:nvPr>
-        </p:nvSpPr>
-        <p:spPr/>
-        <p:txBody>
-          <a:bodyPr/>
-          <a:lstStyle/>
-          <a:p>
-            <a:fld id="{0318AE31-7D37-4562-A6C9-6CAC1CEA6FBB}" type="slidenum">
-              <a:rPr lang="zh-TW" altLang="en-US" smtClean="0"/>
-              <a:pPr/>
-              <a:t>5</a:t>
-            </a:fld>
-            <a:endParaRPr lang="zh-TW" altLang="en-US"/>
-          </a:p>
-        </p:txBody>
-      </p:sp>
-    </p:spTree>
-    <p:extLst>
-      <p:ext uri="{BB962C8B-B14F-4D97-AF65-F5344CB8AC3E}">
-        <p14:creationId xmlns:p14="http://schemas.microsoft.com/office/powerpoint/2010/main" val="1349993349"/>
-      </p:ext>
-    </p:extLst>
-  </p:cSld>
-  <p:clrMapOvr>
-    <a:masterClrMapping/>
-  </p:clrMapOvr>
-</p:sld>
-</file>
-
-<file path=ppt/slides/slide6.xml><?xml version="1.0" encoding="utf-8"?>
-<p:sld xmlns:a="http://schemas.openxmlformats.org/drawingml/2006/main" xmlns:r="http://schemas.openxmlformats.org/officeDocument/2006/relationships" xmlns:p="http://schemas.openxmlformats.org/presentationml/2006/main">
-  <p:cSld>
-    <p:spTree>
-      <p:nvGrpSpPr>
-        <p:cNvPr id="1" name=""/>
-        <p:cNvGrpSpPr/>
-        <p:nvPr/>
-      </p:nvGrpSpPr>
-      <p:grpSpPr>
-        <a:xfrm>
-          <a:off x="0" y="0"/>
-          <a:ext cx="0" cy="0"/>
-          <a:chOff x="0" y="0"/>
-          <a:chExt cx="0" cy="0"/>
-        </a:xfrm>
-      </p:grpSpPr>
-      <p:sp>
-        <p:nvSpPr>
-          <p:cNvPr id="2" name="標題 1">
-            <a:extLst>
-              <a:ext uri="{FF2B5EF4-FFF2-40B4-BE49-F238E27FC236}">
-                <a16:creationId xmlns:a16="http://schemas.microsoft.com/office/drawing/2014/main" id="{89C1DA22-52F4-426B-AEE4-4774A2437F8B}"/>
-              </a:ext>
-            </a:extLst>
-          </p:cNvPr>
-          <p:cNvSpPr>
-            <a:spLocks noGrp="1"/>
-          </p:cNvSpPr>
-          <p:nvPr>
-            <p:ph type="title"/>
-          </p:nvPr>
-        </p:nvSpPr>
-        <p:spPr/>
-        <p:txBody>
-          <a:bodyPr/>
-          <a:lstStyle/>
-          <a:p>
-            <a:r>
-              <a:rPr lang="zh-TW" altLang="en-US" dirty="0"/>
-              <a:t>一些統計名詞</a:t>
-            </a:r>
-          </a:p>
-        </p:txBody>
-      </p:sp>
-      <p:sp>
-        <p:nvSpPr>
-          <p:cNvPr id="3" name="內容版面配置區 2">
-            <a:extLst>
-              <a:ext uri="{FF2B5EF4-FFF2-40B4-BE49-F238E27FC236}">
-                <a16:creationId xmlns:a16="http://schemas.microsoft.com/office/drawing/2014/main" id="{9C0E4BB8-B1B0-474B-8B71-983387A56123}"/>
-              </a:ext>
-            </a:extLst>
-          </p:cNvPr>
-          <p:cNvSpPr>
-            <a:spLocks noGrp="1"/>
-          </p:cNvSpPr>
-          <p:nvPr>
-            <p:ph idx="1"/>
-          </p:nvPr>
-        </p:nvSpPr>
-        <p:spPr/>
-        <p:txBody>
-          <a:bodyPr/>
-          <a:lstStyle/>
-          <a:p>
-            <a:r>
-              <a:rPr lang="zh-TW" altLang="en-US" dirty="0"/>
-              <a:t>平均數</a:t>
-            </a:r>
-            <a:endParaRPr lang="en-US" altLang="zh-TW" dirty="0"/>
-          </a:p>
-          <a:p>
-            <a:r>
-              <a:rPr lang="zh-TW" altLang="en-US" dirty="0"/>
-              <a:t>中位數</a:t>
-            </a:r>
-            <a:endParaRPr lang="en-US" altLang="zh-TW" dirty="0"/>
-          </a:p>
-          <a:p>
-            <a:r>
-              <a:rPr lang="zh-TW" altLang="en-US" dirty="0"/>
-              <a:t>眾數</a:t>
-            </a:r>
-            <a:endParaRPr lang="en-US" altLang="zh-TW" dirty="0"/>
-          </a:p>
-          <a:p>
-            <a:r>
-              <a:rPr lang="zh-TW" altLang="en-US" dirty="0"/>
-              <a:t>四分位數</a:t>
-            </a:r>
-            <a:endParaRPr lang="en-US" altLang="zh-TW" dirty="0"/>
-          </a:p>
-          <a:p>
-            <a:r>
-              <a:rPr lang="en-US" altLang="zh-TW" dirty="0"/>
-              <a:t>p</a:t>
-            </a:r>
-            <a:r>
-              <a:rPr lang="zh-TW" altLang="en-US" dirty="0"/>
-              <a:t>值</a:t>
-            </a:r>
-          </a:p>
-        </p:txBody>
-      </p:sp>
-      <p:sp>
-        <p:nvSpPr>
-          <p:cNvPr id="4" name="投影片編號版面配置區 3">
-            <a:extLst>
-              <a:ext uri="{FF2B5EF4-FFF2-40B4-BE49-F238E27FC236}">
-                <a16:creationId xmlns:a16="http://schemas.microsoft.com/office/drawing/2014/main" id="{F42AEED5-2C47-4281-A8BF-E83D84E1A84E}"/>
-              </a:ext>
-            </a:extLst>
-          </p:cNvPr>
-          <p:cNvSpPr>
-            <a:spLocks noGrp="1"/>
-          </p:cNvSpPr>
-          <p:nvPr>
-            <p:ph type="sldNum" sz="quarter" idx="12"/>
-          </p:nvPr>
-        </p:nvSpPr>
-        <p:spPr/>
-        <p:txBody>
-          <a:bodyPr/>
-          <a:lstStyle/>
-          <a:p>
-            <a:fld id="{0318AE31-7D37-4562-A6C9-6CAC1CEA6FBB}" type="slidenum">
-              <a:rPr lang="zh-TW" altLang="en-US" smtClean="0"/>
-              <a:pPr/>
-              <a:t>6</a:t>
-            </a:fld>
-            <a:endParaRPr lang="zh-TW" altLang="en-US"/>
-          </a:p>
-        </p:txBody>
-      </p:sp>
-    </p:spTree>
-    <p:extLst>
-      <p:ext uri="{BB962C8B-B14F-4D97-AF65-F5344CB8AC3E}">
-        <p14:creationId xmlns:p14="http://schemas.microsoft.com/office/powerpoint/2010/main" val="2116596401"/>
+        <p14:creationId xmlns:p14="http://schemas.microsoft.com/office/powerpoint/2010/main" val="1103109710"/>
       </p:ext>
     </p:extLst>
   </p:cSld>
@@ -10935,10 +12508,10 @@
       </p:grpSpPr>
       <p:sp>
         <p:nvSpPr>
-          <p:cNvPr id="4" name="標題 3">
+          <p:cNvPr id="2" name="標題 1">
             <a:extLst>
               <a:ext uri="{FF2B5EF4-FFF2-40B4-BE49-F238E27FC236}">
-                <a16:creationId xmlns:a16="http://schemas.microsoft.com/office/drawing/2014/main" id="{8EBC9425-CFC0-4FC3-9107-5FE202888980}"/>
+                <a16:creationId xmlns:a16="http://schemas.microsoft.com/office/drawing/2014/main" id="{89C1DA22-52F4-426B-AEE4-4774A2437F8B}"/>
               </a:ext>
             </a:extLst>
           </p:cNvPr>
@@ -10956,25 +12529,17 @@
           <a:p>
             <a:r>
               <a:rPr lang="zh-TW" altLang="en-US" dirty="0"/>
-              <a:t>機器學習的區別：監督</a:t>
-            </a:r>
-            <a:r>
-              <a:rPr lang="en-US" altLang="zh-TW" dirty="0"/>
-              <a:t>&amp;</a:t>
-            </a:r>
-            <a:r>
-              <a:rPr lang="zh-TW" altLang="en-US" dirty="0"/>
-              <a:t>非監督</a:t>
-            </a:r>
-          </a:p>
-        </p:txBody>
-      </p:sp>
-      <p:sp>
-        <p:nvSpPr>
-          <p:cNvPr id="5" name="內容版面配置區 4">
+              <a:t>一些統計名詞</a:t>
+            </a:r>
+          </a:p>
+        </p:txBody>
+      </p:sp>
+      <p:sp>
+        <p:nvSpPr>
+          <p:cNvPr id="3" name="內容版面配置區 2">
             <a:extLst>
               <a:ext uri="{FF2B5EF4-FFF2-40B4-BE49-F238E27FC236}">
-                <a16:creationId xmlns:a16="http://schemas.microsoft.com/office/drawing/2014/main" id="{35F0BE09-9033-4369-8CBC-41F8131E11A6}"/>
+                <a16:creationId xmlns:a16="http://schemas.microsoft.com/office/drawing/2014/main" id="{9C0E4BB8-B1B0-474B-8B71-983387A56123}"/>
               </a:ext>
             </a:extLst>
           </p:cNvPr>
@@ -10987,76 +12552,33 @@
         </p:nvSpPr>
         <p:spPr/>
         <p:txBody>
-          <a:bodyPr/>
-          <a:lstStyle/>
-          <a:p>
-            <a:r>
-              <a:rPr lang="zh-TW" altLang="en-US" dirty="0"/>
-              <a:t>監督式學習：</a:t>
+          <a:bodyPr>
+            <a:normAutofit/>
+          </a:bodyPr>
+          <a:lstStyle/>
+          <a:p>
+            <a:r>
+              <a:rPr lang="en-US" altLang="zh-TW" dirty="0"/>
+              <a:t>p</a:t>
+            </a:r>
+            <a:r>
+              <a:rPr lang="zh-TW" altLang="en-US" dirty="0"/>
+              <a:t>值：用來確定結果的統計顯著性</a:t>
             </a:r>
             <a:endParaRPr lang="en-US" altLang="zh-TW" dirty="0"/>
           </a:p>
           <a:p>
-            <a:pPr lvl="1"/>
-            <a:r>
-              <a:rPr lang="zh-TW" altLang="en-US" dirty="0"/>
-              <a:t>有</a:t>
+            <a:r>
+              <a:rPr lang="zh-TW" altLang="en-US" dirty="0"/>
+              <a:t>顯著水準</a:t>
             </a:r>
             <a:r>
               <a:rPr lang="en-US" altLang="zh-TW" dirty="0"/>
-              <a:t>Label</a:t>
-            </a:r>
-            <a:r>
-              <a:rPr lang="zh-TW" altLang="en-US" dirty="0"/>
-              <a:t>標籤資料欄位</a:t>
-            </a:r>
-            <a:endParaRPr lang="en-US" altLang="zh-TW" dirty="0"/>
-          </a:p>
-          <a:p>
-            <a:pPr lvl="1"/>
-            <a:r>
-              <a:rPr lang="zh-TW" altLang="en-US" dirty="0"/>
-              <a:t>預測結果</a:t>
-            </a:r>
-            <a:r>
-              <a:rPr lang="en-US" altLang="zh-TW" dirty="0"/>
-              <a:t>/</a:t>
-            </a:r>
-            <a:r>
-              <a:rPr lang="zh-TW" altLang="en-US" dirty="0"/>
-              <a:t>未來趨勢</a:t>
-            </a:r>
-            <a:endParaRPr lang="en-US" altLang="zh-TW" dirty="0"/>
-          </a:p>
-          <a:p>
-            <a:pPr lvl="1"/>
-            <a:r>
-              <a:rPr lang="zh-TW" altLang="en-US" dirty="0"/>
-              <a:t>企業廣泛常用，有</a:t>
-            </a:r>
-            <a:r>
-              <a:rPr lang="en-US" altLang="zh-TW" dirty="0"/>
-              <a:t>Y</a:t>
-            </a:r>
-            <a:r>
-              <a:rPr lang="zh-TW" altLang="en-US" dirty="0"/>
-              <a:t>，有答案去做</a:t>
-            </a:r>
-            <a:endParaRPr lang="en-US" altLang="zh-TW" dirty="0"/>
-          </a:p>
-          <a:p>
-            <a:pPr lvl="1"/>
-            <a:r>
-              <a:rPr lang="zh-TW" altLang="en-US" dirty="0"/>
-              <a:t>迴歸</a:t>
-            </a:r>
-            <a:r>
-              <a:rPr lang="en-US" altLang="zh-TW" dirty="0"/>
-              <a:t>(</a:t>
-            </a:r>
-            <a:r>
-              <a:rPr lang="zh-TW" altLang="en-US" dirty="0"/>
-              <a:t>數值型</a:t>
+              <a:t>(alpha</a:t>
+            </a:r>
+            <a:r>
+              <a:rPr lang="zh-TW" altLang="en-US" dirty="0"/>
+              <a:t>值</a:t>
             </a:r>
             <a:r>
               <a:rPr lang="en-US" altLang="zh-TW" dirty="0"/>
@@ -11064,104 +12586,139 @@
             </a:r>
             <a:r>
               <a:rPr lang="zh-TW" altLang="en-US" dirty="0"/>
-              <a:t>、分類</a:t>
+              <a:t>：檢定接受或拒絕的判斷標準</a:t>
+            </a:r>
+            <a:endParaRPr lang="en-US" altLang="zh-TW" dirty="0"/>
+          </a:p>
+          <a:p>
+            <a:pPr lvl="1"/>
+            <a:r>
+              <a:rPr lang="zh-TW" altLang="en-US" dirty="0"/>
+              <a:t>常用設定</a:t>
             </a:r>
             <a:r>
               <a:rPr lang="en-US" altLang="zh-TW" dirty="0"/>
-              <a:t>(</a:t>
-            </a:r>
-            <a:r>
-              <a:rPr lang="zh-TW" altLang="en-US" dirty="0"/>
-              <a:t>類別型</a:t>
+              <a:t>alpha=0.05</a:t>
+            </a:r>
+            <a:r>
+              <a:rPr lang="zh-TW" altLang="en-US" dirty="0"/>
+              <a:t>，</a:t>
             </a:r>
             <a:r>
               <a:rPr lang="en-US" altLang="zh-TW" dirty="0"/>
-              <a:t>)</a:t>
-            </a:r>
-          </a:p>
-          <a:p>
+              <a:t>0.1</a:t>
+            </a:r>
+            <a:r>
+              <a:rPr lang="zh-TW" altLang="en-US" dirty="0"/>
+              <a:t>表示寬鬆、</a:t>
+            </a:r>
+            <a:r>
+              <a:rPr lang="en-US" altLang="zh-TW" dirty="0"/>
+              <a:t>0.01</a:t>
+            </a:r>
+            <a:r>
+              <a:rPr lang="zh-TW" altLang="en-US" dirty="0"/>
+              <a:t>表示嚴苛</a:t>
+            </a:r>
             <a:endParaRPr lang="en-US" altLang="zh-TW" dirty="0"/>
           </a:p>
           <a:p>
             <a:r>
               <a:rPr lang="zh-TW" altLang="en-US" dirty="0"/>
-              <a:t>非監督式學習：</a:t>
+              <a:t>假設檢定：用來通過一組數據檢定針對母體的聲明有效性的</a:t>
             </a:r>
             <a:endParaRPr lang="en-US" altLang="zh-TW" dirty="0"/>
           </a:p>
           <a:p>
             <a:pPr lvl="1"/>
             <a:r>
-              <a:rPr lang="zh-TW" altLang="en-US" dirty="0"/>
-              <a:t>沒有</a:t>
-            </a:r>
-            <a:r>
               <a:rPr lang="en-US" altLang="zh-TW" dirty="0"/>
-              <a:t>Label</a:t>
-            </a:r>
-            <a:r>
-              <a:rPr lang="zh-TW" altLang="en-US" dirty="0"/>
-              <a:t>標籤資料欄位</a:t>
+              <a:t>H0</a:t>
+            </a:r>
+            <a:r>
+              <a:rPr lang="zh-TW" altLang="en-US" dirty="0"/>
+              <a:t>：虛無假設</a:t>
             </a:r>
             <a:endParaRPr lang="en-US" altLang="zh-TW" dirty="0"/>
           </a:p>
           <a:p>
+            <a:pPr lvl="2"/>
+            <a:r>
+              <a:rPr lang="zh-TW" altLang="en-US" dirty="0"/>
+              <a:t>無顯著影響、無差異、無罪</a:t>
+            </a:r>
+            <a:endParaRPr lang="en-US" altLang="zh-TW" dirty="0"/>
+          </a:p>
+          <a:p>
             <a:pPr lvl="1"/>
             <a:r>
-              <a:rPr lang="zh-TW" altLang="en-US" dirty="0"/>
-              <a:t>在資料中摸索並尋找潛在規則</a:t>
+              <a:rPr lang="en-US" altLang="zh-TW" dirty="0"/>
+              <a:t>Ha</a:t>
+            </a:r>
+            <a:r>
+              <a:rPr lang="zh-TW" altLang="en-US" dirty="0"/>
+              <a:t>：對立假設</a:t>
             </a:r>
             <a:endParaRPr lang="en-US" altLang="zh-TW" dirty="0"/>
           </a:p>
           <a:p>
-            <a:pPr lvl="1"/>
-            <a:r>
-              <a:rPr lang="zh-TW" altLang="en-US" dirty="0"/>
-              <a:t>企業不常用，沒有</a:t>
+            <a:pPr lvl="2"/>
+            <a:r>
+              <a:rPr lang="zh-TW" altLang="en-US" dirty="0"/>
+              <a:t>有顯著影響、有差異、有罪</a:t>
+            </a:r>
+            <a:endParaRPr lang="en-US" altLang="zh-TW" dirty="0"/>
+          </a:p>
+          <a:p>
+            <a:r>
+              <a:rPr lang="zh-TW" altLang="en-US" dirty="0"/>
+              <a:t>倘若</a:t>
             </a:r>
             <a:r>
               <a:rPr lang="en-US" altLang="zh-TW" dirty="0"/>
-              <a:t>Y</a:t>
-            </a:r>
-            <a:r>
-              <a:rPr lang="zh-TW" altLang="en-US" dirty="0"/>
-              <a:t>，需花時間摸索答案</a:t>
-            </a:r>
-            <a:endParaRPr lang="en-US" altLang="zh-TW" dirty="0"/>
-          </a:p>
-          <a:p>
-            <a:pPr lvl="1"/>
-            <a:r>
-              <a:rPr lang="zh-TW" altLang="en-US" dirty="0"/>
-              <a:t>分群</a:t>
+              <a:t>p&gt;alpha(0.05)</a:t>
+            </a:r>
+            <a:r>
+              <a:rPr lang="zh-TW" altLang="en-US" dirty="0"/>
+              <a:t>，則接受</a:t>
             </a:r>
             <a:r>
               <a:rPr lang="en-US" altLang="zh-TW" dirty="0"/>
-              <a:t>(</a:t>
-            </a:r>
-            <a:r>
-              <a:rPr lang="zh-TW" altLang="en-US" dirty="0"/>
-              <a:t>數值型</a:t>
+              <a:t>H0</a:t>
+            </a:r>
+            <a:r>
+              <a:rPr lang="zh-TW" altLang="en-US" dirty="0"/>
+              <a:t>、拒絕</a:t>
             </a:r>
             <a:r>
               <a:rPr lang="en-US" altLang="zh-TW" dirty="0"/>
-              <a:t>)</a:t>
-            </a:r>
-            <a:r>
-              <a:rPr lang="zh-TW" altLang="en-US" dirty="0"/>
-              <a:t>、關聯分析</a:t>
+              <a:t>Ha</a:t>
+            </a:r>
+          </a:p>
+          <a:p>
+            <a:r>
+              <a:rPr lang="zh-TW" altLang="en-US" dirty="0"/>
+              <a:t>倘若</a:t>
             </a:r>
             <a:r>
               <a:rPr lang="en-US" altLang="zh-TW" dirty="0"/>
-              <a:t>(</a:t>
-            </a:r>
-            <a:r>
-              <a:rPr lang="zh-TW" altLang="en-US" dirty="0"/>
-              <a:t>類別型</a:t>
+              <a:t>p&lt;=alpha(0.05)</a:t>
+            </a:r>
+            <a:r>
+              <a:rPr lang="zh-TW" altLang="en-US" dirty="0"/>
+              <a:t>，則接受</a:t>
             </a:r>
             <a:r>
               <a:rPr lang="en-US" altLang="zh-TW" dirty="0"/>
-              <a:t>)</a:t>
+              <a:t>Ha</a:t>
+            </a:r>
+            <a:r>
+              <a:rPr lang="zh-TW" altLang="en-US" dirty="0"/>
+              <a:t>、拒絕</a:t>
+            </a:r>
+            <a:r>
+              <a:rPr lang="en-US" altLang="zh-TW" dirty="0"/>
+              <a:t>H0</a:t>
             </a:r>
             <a:endParaRPr lang="zh-TW" altLang="en-US" dirty="0"/>
           </a:p>
@@ -11169,10 +12726,10 @@
       </p:sp>
       <p:sp>
         <p:nvSpPr>
-          <p:cNvPr id="3" name="投影片編號版面配置區 2">
+          <p:cNvPr id="4" name="投影片編號版面配置區 3">
             <a:extLst>
               <a:ext uri="{FF2B5EF4-FFF2-40B4-BE49-F238E27FC236}">
-                <a16:creationId xmlns:a16="http://schemas.microsoft.com/office/drawing/2014/main" id="{AB64ABD3-83C3-42CC-9281-E1FDCB978147}"/>
+                <a16:creationId xmlns:a16="http://schemas.microsoft.com/office/drawing/2014/main" id="{F42AEED5-2C47-4281-A8BF-E83D84E1A84E}"/>
               </a:ext>
             </a:extLst>
           </p:cNvPr>
@@ -11200,7 +12757,7 @@
     </p:spTree>
     <p:extLst>
       <p:ext uri="{BB962C8B-B14F-4D97-AF65-F5344CB8AC3E}">
-        <p14:creationId xmlns:p14="http://schemas.microsoft.com/office/powerpoint/2010/main" val="3227574506"/>
+        <p14:creationId xmlns:p14="http://schemas.microsoft.com/office/powerpoint/2010/main" val="2116596401"/>
       </p:ext>
     </p:extLst>
   </p:cSld>
@@ -11250,46 +12807,231 @@
           <a:p>
             <a:r>
               <a:rPr lang="zh-TW" altLang="en-US" dirty="0"/>
-              <a:t>機器學習的演算法選擇</a:t>
-            </a:r>
-          </a:p>
-        </p:txBody>
-      </p:sp>
-      <p:pic>
-        <p:nvPicPr>
-          <p:cNvPr id="6" name="內容版面配置區 5">
+              <a:t>機器學習的區別：監督</a:t>
+            </a:r>
+            <a:r>
+              <a:rPr lang="en-US" altLang="zh-TW" dirty="0"/>
+              <a:t>&amp;</a:t>
+            </a:r>
+            <a:r>
+              <a:rPr lang="zh-TW" altLang="en-US" dirty="0"/>
+              <a:t>非監督</a:t>
+            </a:r>
+          </a:p>
+        </p:txBody>
+      </p:sp>
+      <p:sp>
+        <p:nvSpPr>
+          <p:cNvPr id="5" name="內容版面配置區 4">
             <a:extLst>
               <a:ext uri="{FF2B5EF4-FFF2-40B4-BE49-F238E27FC236}">
-                <a16:creationId xmlns:a16="http://schemas.microsoft.com/office/drawing/2014/main" id="{586314BA-D61D-4EAC-9C73-9FEFDA8B561C}"/>
+                <a16:creationId xmlns:a16="http://schemas.microsoft.com/office/drawing/2014/main" id="{35F0BE09-9033-4369-8CBC-41F8131E11A6}"/>
               </a:ext>
             </a:extLst>
           </p:cNvPr>
-          <p:cNvPicPr>
-            <a:picLocks noGrp="1" noChangeAspect="1"/>
-          </p:cNvPicPr>
+          <p:cNvSpPr>
+            <a:spLocks noGrp="1"/>
+          </p:cNvSpPr>
           <p:nvPr>
             <p:ph idx="1"/>
           </p:nvPr>
-        </p:nvPicPr>
-        <p:blipFill>
-          <a:blip r:embed="rId2">
-            <a:extLst>
-              <a:ext uri="{28A0092B-C50C-407E-A947-70E740481C1C}">
-                <a14:useLocalDpi xmlns:a14="http://schemas.microsoft.com/office/drawing/2010/main" val="0"/>
-              </a:ext>
-            </a:extLst>
-          </a:blip>
-          <a:stretch>
-            <a:fillRect/>
-          </a:stretch>
-        </p:blipFill>
+        </p:nvSpPr>
         <p:spPr>
           <a:xfrm>
-            <a:off x="838201" y="882700"/>
-            <a:ext cx="10515600" cy="5852638"/>
+            <a:off x="838200" y="1036318"/>
+            <a:ext cx="10515600" cy="5438232"/>
           </a:xfrm>
         </p:spPr>
-      </p:pic>
+        <p:txBody>
+          <a:bodyPr>
+            <a:normAutofit/>
+          </a:bodyPr>
+          <a:lstStyle/>
+          <a:p>
+            <a:r>
+              <a:rPr lang="zh-TW" altLang="en-US" dirty="0"/>
+              <a:t>前提：資料已經被完美處理過</a:t>
+            </a:r>
+            <a:endParaRPr lang="en-US" altLang="zh-TW" dirty="0"/>
+          </a:p>
+          <a:p>
+            <a:r>
+              <a:rPr lang="zh-TW" altLang="en-US" dirty="0"/>
+              <a:t>監督式學習：</a:t>
+            </a:r>
+            <a:endParaRPr lang="en-US" altLang="zh-TW" dirty="0"/>
+          </a:p>
+          <a:p>
+            <a:pPr lvl="1"/>
+            <a:r>
+              <a:rPr lang="zh-TW" altLang="en-US" dirty="0"/>
+              <a:t>有</a:t>
+            </a:r>
+            <a:r>
+              <a:rPr lang="en-US" altLang="zh-TW" dirty="0"/>
+              <a:t>Label</a:t>
+            </a:r>
+            <a:r>
+              <a:rPr lang="zh-TW" altLang="en-US" dirty="0"/>
+              <a:t>標籤資料欄位</a:t>
+            </a:r>
+            <a:endParaRPr lang="en-US" altLang="zh-TW" dirty="0"/>
+          </a:p>
+          <a:p>
+            <a:pPr lvl="1"/>
+            <a:r>
+              <a:rPr lang="zh-TW" altLang="en-US" dirty="0"/>
+              <a:t>預測結果</a:t>
+            </a:r>
+            <a:r>
+              <a:rPr lang="en-US" altLang="zh-TW" dirty="0"/>
+              <a:t>/</a:t>
+            </a:r>
+            <a:r>
+              <a:rPr lang="zh-TW" altLang="en-US" dirty="0"/>
+              <a:t>未來趨勢</a:t>
+            </a:r>
+            <a:endParaRPr lang="en-US" altLang="zh-TW" dirty="0"/>
+          </a:p>
+          <a:p>
+            <a:pPr lvl="1"/>
+            <a:r>
+              <a:rPr lang="zh-TW" altLang="en-US" dirty="0"/>
+              <a:t>企業廣泛常用，有</a:t>
+            </a:r>
+            <a:r>
+              <a:rPr lang="en-US" altLang="zh-TW" dirty="0"/>
+              <a:t>Y</a:t>
+            </a:r>
+            <a:r>
+              <a:rPr lang="zh-TW" altLang="en-US" dirty="0"/>
+              <a:t>，有答案去做</a:t>
+            </a:r>
+            <a:endParaRPr lang="en-US" altLang="zh-TW" dirty="0"/>
+          </a:p>
+          <a:p>
+            <a:pPr lvl="1"/>
+            <a:r>
+              <a:rPr lang="zh-TW" altLang="en-US" dirty="0"/>
+              <a:t>迴歸</a:t>
+            </a:r>
+            <a:r>
+              <a:rPr lang="en-US" altLang="zh-TW" dirty="0"/>
+              <a:t>(</a:t>
+            </a:r>
+            <a:r>
+              <a:rPr lang="zh-TW" altLang="en-US" dirty="0"/>
+              <a:t>數值型</a:t>
+            </a:r>
+            <a:r>
+              <a:rPr lang="en-US" altLang="zh-TW" dirty="0"/>
+              <a:t>)</a:t>
+            </a:r>
+            <a:r>
+              <a:rPr lang="zh-TW" altLang="en-US" dirty="0"/>
+              <a:t>、分類</a:t>
+            </a:r>
+            <a:r>
+              <a:rPr lang="en-US" altLang="zh-TW" dirty="0"/>
+              <a:t>(</a:t>
+            </a:r>
+            <a:r>
+              <a:rPr lang="zh-TW" altLang="en-US" dirty="0"/>
+              <a:t>類別型</a:t>
+            </a:r>
+            <a:r>
+              <a:rPr lang="en-US" altLang="zh-TW" dirty="0"/>
+              <a:t>)</a:t>
+            </a:r>
+          </a:p>
+          <a:p>
+            <a:endParaRPr lang="en-US" altLang="zh-TW" dirty="0"/>
+          </a:p>
+          <a:p>
+            <a:r>
+              <a:rPr lang="zh-TW" altLang="en-US" dirty="0"/>
+              <a:t>非監督式學習：</a:t>
+            </a:r>
+            <a:endParaRPr lang="en-US" altLang="zh-TW" dirty="0"/>
+          </a:p>
+          <a:p>
+            <a:pPr lvl="1"/>
+            <a:r>
+              <a:rPr lang="zh-TW" altLang="en-US" dirty="0"/>
+              <a:t>沒有</a:t>
+            </a:r>
+            <a:r>
+              <a:rPr lang="en-US" altLang="zh-TW" dirty="0"/>
+              <a:t>Label</a:t>
+            </a:r>
+            <a:r>
+              <a:rPr lang="zh-TW" altLang="en-US" dirty="0"/>
+              <a:t>標籤資料欄位</a:t>
+            </a:r>
+            <a:endParaRPr lang="en-US" altLang="zh-TW" dirty="0"/>
+          </a:p>
+          <a:p>
+            <a:pPr lvl="1"/>
+            <a:r>
+              <a:rPr lang="zh-TW" altLang="en-US" dirty="0"/>
+              <a:t>在資料中摸索並尋找潛在規則</a:t>
+            </a:r>
+            <a:endParaRPr lang="en-US" altLang="zh-TW" dirty="0"/>
+          </a:p>
+          <a:p>
+            <a:pPr lvl="1"/>
+            <a:r>
+              <a:rPr lang="zh-TW" altLang="en-US" dirty="0"/>
+              <a:t>企業不常用，沒有</a:t>
+            </a:r>
+            <a:r>
+              <a:rPr lang="en-US" altLang="zh-TW" dirty="0"/>
+              <a:t>Y</a:t>
+            </a:r>
+            <a:r>
+              <a:rPr lang="zh-TW" altLang="en-US" dirty="0"/>
+              <a:t>，需花時間摸索答案</a:t>
+            </a:r>
+            <a:endParaRPr lang="en-US" altLang="zh-TW" dirty="0"/>
+          </a:p>
+          <a:p>
+            <a:pPr lvl="1"/>
+            <a:r>
+              <a:rPr lang="zh-TW" altLang="en-US" dirty="0"/>
+              <a:t>分群</a:t>
+            </a:r>
+            <a:r>
+              <a:rPr lang="en-US" altLang="zh-TW" dirty="0"/>
+              <a:t>(</a:t>
+            </a:r>
+            <a:r>
+              <a:rPr lang="zh-TW" altLang="en-US" dirty="0"/>
+              <a:t>數值型</a:t>
+            </a:r>
+            <a:r>
+              <a:rPr lang="en-US" altLang="zh-TW" dirty="0"/>
+              <a:t>)</a:t>
+            </a:r>
+            <a:r>
+              <a:rPr lang="zh-TW" altLang="en-US" dirty="0"/>
+              <a:t>、關聯分析</a:t>
+            </a:r>
+            <a:r>
+              <a:rPr lang="en-US" altLang="zh-TW" dirty="0"/>
+              <a:t>(</a:t>
+            </a:r>
+            <a:r>
+              <a:rPr lang="zh-TW" altLang="en-US" dirty="0"/>
+              <a:t>類別型</a:t>
+            </a:r>
+            <a:r>
+              <a:rPr lang="en-US" altLang="zh-TW" dirty="0"/>
+              <a:t>)</a:t>
+            </a:r>
+            <a:endParaRPr lang="zh-TW" altLang="en-US" dirty="0"/>
+          </a:p>
+        </p:txBody>
+      </p:sp>
       <p:sp>
         <p:nvSpPr>
           <p:cNvPr id="3" name="投影片編號版面配置區 2">
@@ -11323,7 +13065,7 @@
     </p:spTree>
     <p:extLst>
       <p:ext uri="{BB962C8B-B14F-4D97-AF65-F5344CB8AC3E}">
-        <p14:creationId xmlns:p14="http://schemas.microsoft.com/office/powerpoint/2010/main" val="952362647"/>
+        <p14:creationId xmlns:p14="http://schemas.microsoft.com/office/powerpoint/2010/main" val="3227574506"/>
       </p:ext>
     </p:extLst>
   </p:cSld>
@@ -11352,10 +13094,10 @@
       </p:grpSpPr>
       <p:sp>
         <p:nvSpPr>
-          <p:cNvPr id="5" name="標題 4">
+          <p:cNvPr id="4" name="標題 3">
             <a:extLst>
               <a:ext uri="{FF2B5EF4-FFF2-40B4-BE49-F238E27FC236}">
-                <a16:creationId xmlns:a16="http://schemas.microsoft.com/office/drawing/2014/main" id="{73829ED9-AD3C-43FB-A0DE-DF7A669558F8}"/>
+                <a16:creationId xmlns:a16="http://schemas.microsoft.com/office/drawing/2014/main" id="{8EBC9425-CFC0-4FC3-9107-5FE202888980}"/>
               </a:ext>
             </a:extLst>
           </p:cNvPr>
@@ -11373,42 +13115,52 @@
           <a:p>
             <a:r>
               <a:rPr lang="zh-TW" altLang="en-US" dirty="0"/>
-              <a:t>統計圖表呈現</a:t>
-            </a:r>
-          </a:p>
-        </p:txBody>
-      </p:sp>
-      <p:sp>
-        <p:nvSpPr>
-          <p:cNvPr id="6" name="文字版面配置區 5">
+              <a:t>機器學習的演算法選擇</a:t>
+            </a:r>
+          </a:p>
+        </p:txBody>
+      </p:sp>
+      <p:pic>
+        <p:nvPicPr>
+          <p:cNvPr id="6" name="內容版面配置區 5">
             <a:extLst>
               <a:ext uri="{FF2B5EF4-FFF2-40B4-BE49-F238E27FC236}">
-                <a16:creationId xmlns:a16="http://schemas.microsoft.com/office/drawing/2014/main" id="{D9EDD6AE-9199-499B-8D7F-6D93FB0AD946}"/>
+                <a16:creationId xmlns:a16="http://schemas.microsoft.com/office/drawing/2014/main" id="{586314BA-D61D-4EAC-9C73-9FEFDA8B561C}"/>
               </a:ext>
             </a:extLst>
           </p:cNvPr>
-          <p:cNvSpPr>
-            <a:spLocks noGrp="1"/>
-          </p:cNvSpPr>
-          <p:nvPr>
-            <p:ph type="body" idx="1"/>
-          </p:nvPr>
-        </p:nvSpPr>
-        <p:spPr/>
-        <p:txBody>
-          <a:bodyPr/>
-          <a:lstStyle/>
-          <a:p>
-            <a:endParaRPr lang="zh-TW" altLang="en-US"/>
-          </a:p>
-        </p:txBody>
-      </p:sp>
-      <p:sp>
-        <p:nvSpPr>
-          <p:cNvPr id="4" name="投影片編號版面配置區 3">
+          <p:cNvPicPr>
+            <a:picLocks noGrp="1" noChangeAspect="1"/>
+          </p:cNvPicPr>
+          <p:nvPr>
+            <p:ph idx="1"/>
+          </p:nvPr>
+        </p:nvPicPr>
+        <p:blipFill>
+          <a:blip r:embed="rId2">
+            <a:extLst>
+              <a:ext uri="{28A0092B-C50C-407E-A947-70E740481C1C}">
+                <a14:useLocalDpi xmlns:a14="http://schemas.microsoft.com/office/drawing/2010/main" val="0"/>
+              </a:ext>
+            </a:extLst>
+          </a:blip>
+          <a:stretch>
+            <a:fillRect/>
+          </a:stretch>
+        </p:blipFill>
+        <p:spPr>
+          <a:xfrm>
+            <a:off x="838201" y="882700"/>
+            <a:ext cx="10515600" cy="5852638"/>
+          </a:xfrm>
+        </p:spPr>
+      </p:pic>
+      <p:sp>
+        <p:nvSpPr>
+          <p:cNvPr id="3" name="投影片編號版面配置區 2">
             <a:extLst>
               <a:ext uri="{FF2B5EF4-FFF2-40B4-BE49-F238E27FC236}">
-                <a16:creationId xmlns:a16="http://schemas.microsoft.com/office/drawing/2014/main" id="{E150A48A-C57D-45FD-A8E0-C118B59D1FCD}"/>
+                <a16:creationId xmlns:a16="http://schemas.microsoft.com/office/drawing/2014/main" id="{AB64ABD3-83C3-42CC-9281-E1FDCB978147}"/>
               </a:ext>
             </a:extLst>
           </p:cNvPr>
@@ -11436,7 +13188,7 @@
     </p:spTree>
     <p:extLst>
       <p:ext uri="{BB962C8B-B14F-4D97-AF65-F5344CB8AC3E}">
-        <p14:creationId xmlns:p14="http://schemas.microsoft.com/office/powerpoint/2010/main" val="165188226"/>
+        <p14:creationId xmlns:p14="http://schemas.microsoft.com/office/powerpoint/2010/main" val="952362647"/>
       </p:ext>
     </p:extLst>
   </p:cSld>

--- a/R_Presentation.pptx
+++ b/R_Presentation.pptx
@@ -5,10 +5,10 @@
     <p:sldMasterId id="2147483672" r:id="rId1"/>
   </p:sldMasterIdLst>
   <p:notesMasterIdLst>
-    <p:notesMasterId r:id="rId34"/>
+    <p:notesMasterId r:id="rId33"/>
   </p:notesMasterIdLst>
   <p:handoutMasterIdLst>
-    <p:handoutMasterId r:id="rId35"/>
+    <p:handoutMasterId r:id="rId34"/>
   </p:handoutMasterIdLst>
   <p:sldIdLst>
     <p:sldId id="295" r:id="rId2"/>
@@ -27,22 +27,21 @@
     <p:sldId id="451" r:id="rId15"/>
     <p:sldId id="471" r:id="rId16"/>
     <p:sldId id="441" r:id="rId17"/>
-    <p:sldId id="467" r:id="rId18"/>
-    <p:sldId id="442" r:id="rId19"/>
-    <p:sldId id="443" r:id="rId20"/>
-    <p:sldId id="444" r:id="rId21"/>
-    <p:sldId id="445" r:id="rId22"/>
-    <p:sldId id="468" r:id="rId23"/>
-    <p:sldId id="454" r:id="rId24"/>
-    <p:sldId id="455" r:id="rId25"/>
-    <p:sldId id="456" r:id="rId26"/>
-    <p:sldId id="470" r:id="rId27"/>
-    <p:sldId id="469" r:id="rId28"/>
-    <p:sldId id="458" r:id="rId29"/>
-    <p:sldId id="457" r:id="rId30"/>
-    <p:sldId id="459" r:id="rId31"/>
-    <p:sldId id="460" r:id="rId32"/>
-    <p:sldId id="461" r:id="rId33"/>
+    <p:sldId id="468" r:id="rId18"/>
+    <p:sldId id="454" r:id="rId19"/>
+    <p:sldId id="455" r:id="rId20"/>
+    <p:sldId id="467" r:id="rId21"/>
+    <p:sldId id="442" r:id="rId22"/>
+    <p:sldId id="443" r:id="rId23"/>
+    <p:sldId id="444" r:id="rId24"/>
+    <p:sldId id="470" r:id="rId25"/>
+    <p:sldId id="445" r:id="rId26"/>
+    <p:sldId id="469" r:id="rId27"/>
+    <p:sldId id="458" r:id="rId28"/>
+    <p:sldId id="457" r:id="rId29"/>
+    <p:sldId id="459" r:id="rId30"/>
+    <p:sldId id="460" r:id="rId31"/>
+    <p:sldId id="461" r:id="rId32"/>
   </p:sldIdLst>
   <p:sldSz cx="12192000" cy="6858000"/>
   <p:notesSz cx="6858000" cy="9144000"/>
@@ -3738,6 +3737,74 @@
           <a:bodyPr/>
           <a:lstStyle/>
           <a:p>
+            <a:r>
+              <a:rPr lang="en-US" altLang="zh-TW" dirty="0"/>
+              <a:t>#</a:t>
+            </a:r>
+            <a:r>
+              <a:rPr lang="zh-TW" altLang="en-US" dirty="0"/>
+              <a:t>錯誤：</a:t>
+            </a:r>
+          </a:p>
+          <a:p>
+            <a:r>
+              <a:rPr lang="en-US" altLang="zh-TW" dirty="0"/>
+              <a:t>#(1) Type 1 Error(</a:t>
+            </a:r>
+            <a:r>
+              <a:rPr lang="zh-TW" altLang="en-US" dirty="0"/>
+              <a:t>誤殺</a:t>
+            </a:r>
+            <a:r>
+              <a:rPr lang="en-US" altLang="zh-TW" dirty="0"/>
+              <a:t>)</a:t>
+            </a:r>
+            <a:r>
+              <a:rPr lang="zh-TW" altLang="en-US" dirty="0"/>
+              <a:t>：把好品檢驗成壞品的風險</a:t>
+            </a:r>
+            <a:r>
+              <a:rPr lang="en-US" altLang="zh-TW" dirty="0"/>
+              <a:t>(alpha=0.05)(</a:t>
+            </a:r>
+            <a:r>
+              <a:rPr lang="zh-TW" altLang="en-US" dirty="0"/>
+              <a:t>加班再生產</a:t>
+            </a:r>
+            <a:r>
+              <a:rPr lang="en-US" altLang="zh-TW" dirty="0"/>
+              <a:t>)</a:t>
+            </a:r>
+          </a:p>
+          <a:p>
+            <a:r>
+              <a:rPr lang="en-US" altLang="zh-TW" dirty="0"/>
+              <a:t>#(2) Type 2 Error(</a:t>
+            </a:r>
+            <a:r>
+              <a:rPr lang="zh-TW" altLang="en-US" dirty="0"/>
+              <a:t>露放</a:t>
+            </a:r>
+            <a:r>
+              <a:rPr lang="en-US" altLang="zh-TW" dirty="0"/>
+              <a:t>)</a:t>
+            </a:r>
+            <a:r>
+              <a:rPr lang="zh-TW" altLang="en-US" dirty="0"/>
+              <a:t>：把壞品檢驗成好品的風險</a:t>
+            </a:r>
+            <a:r>
+              <a:rPr lang="en-US" altLang="zh-TW" dirty="0"/>
+              <a:t>(beta=0.20)(</a:t>
+            </a:r>
+            <a:r>
+              <a:rPr lang="zh-TW" altLang="en-US" dirty="0"/>
+              <a:t>客訴的來源</a:t>
+            </a:r>
+            <a:r>
+              <a:rPr lang="en-US" altLang="zh-TW" dirty="0"/>
+              <a:t>)</a:t>
+            </a:r>
             <a:endParaRPr lang="zh-TW" altLang="en-US" dirty="0"/>
           </a:p>
         </p:txBody>
@@ -8690,7 +8757,7 @@
           <a:p>
             <a:r>
               <a:rPr lang="zh-TW" altLang="en-US" dirty="0"/>
-              <a:t>時間數列圖</a:t>
+              <a:t>折線圖</a:t>
             </a:r>
           </a:p>
         </p:txBody>
@@ -8974,7 +9041,7 @@
           <a:p>
             <a:r>
               <a:rPr lang="zh-TW" altLang="en-US" dirty="0"/>
-              <a:t>相關性及迴歸</a:t>
+              <a:t>假設與檢定</a:t>
             </a:r>
           </a:p>
         </p:txBody>
@@ -9037,7 +9104,7 @@
     </p:spTree>
     <p:extLst>
       <p:ext uri="{BB962C8B-B14F-4D97-AF65-F5344CB8AC3E}">
-        <p14:creationId xmlns:p14="http://schemas.microsoft.com/office/powerpoint/2010/main" val="1811418745"/>
+        <p14:creationId xmlns:p14="http://schemas.microsoft.com/office/powerpoint/2010/main" val="579898982"/>
       </p:ext>
     </p:extLst>
   </p:cSld>
@@ -9087,7 +9154,7 @@
           <a:p>
             <a:r>
               <a:rPr lang="zh-TW" altLang="en-US" dirty="0"/>
-              <a:t>相關分析</a:t>
+              <a:t>假設檢定的定義</a:t>
             </a:r>
           </a:p>
         </p:txBody>
@@ -9115,59 +9182,63 @@
           <a:p>
             <a:r>
               <a:rPr lang="zh-TW" altLang="en-US" dirty="0"/>
-              <a:t>描述事物相互之間關係的密切程度，並且使用適當的統計指標表示出來的過程</a:t>
+              <a:t>由樣本的資訊推論母體特徵</a:t>
             </a:r>
             <a:endParaRPr lang="en-US" altLang="zh-TW" dirty="0"/>
           </a:p>
           <a:p>
-            <a:r>
-              <a:rPr lang="zh-TW" altLang="en-US" dirty="0"/>
-              <a:t>正相關</a:t>
+            <a:pPr lvl="1"/>
+            <a:r>
+              <a:rPr lang="zh-TW" altLang="en-US" dirty="0"/>
+              <a:t>從公司隨機抽樣</a:t>
             </a:r>
             <a:r>
               <a:rPr lang="en-US" altLang="zh-TW" dirty="0"/>
-              <a:t>or</a:t>
-            </a:r>
-            <a:r>
-              <a:rPr lang="zh-TW" altLang="en-US" dirty="0"/>
-              <a:t>負相關</a:t>
+              <a:t>40</a:t>
+            </a:r>
+            <a:r>
+              <a:rPr lang="zh-TW" altLang="en-US" dirty="0"/>
+              <a:t>人身高，求算平均數</a:t>
             </a:r>
             <a:endParaRPr lang="en-US" altLang="zh-TW" dirty="0"/>
           </a:p>
           <a:p>
-            <a:r>
-              <a:rPr lang="zh-TW" altLang="en-US" dirty="0"/>
-              <a:t>強相關</a:t>
-            </a:r>
-            <a:r>
-              <a:rPr lang="en-US" altLang="zh-TW" dirty="0"/>
-              <a:t>or</a:t>
-            </a:r>
-            <a:r>
-              <a:rPr lang="zh-TW" altLang="en-US" dirty="0"/>
-              <a:t>弱相關</a:t>
+            <a:pPr marL="457200" lvl="1" indent="0">
+              <a:buNone/>
+            </a:pPr>
+            <a:r>
+              <a:rPr lang="zh-TW" altLang="en-US" dirty="0"/>
+              <a:t>推論</a:t>
             </a:r>
             <a:endParaRPr lang="en-US" altLang="zh-TW" dirty="0"/>
           </a:p>
           <a:p>
-            <a:r>
-              <a:rPr lang="en-US" altLang="zh-TW" dirty="0"/>
-              <a:t>Examples</a:t>
-            </a:r>
-          </a:p>
-          <a:p>
             <a:pPr lvl="1"/>
             <a:r>
               <a:rPr lang="zh-TW" altLang="en-US" dirty="0"/>
-              <a:t>行銷廣告投入與銷售額</a:t>
+              <a:t>全公司的平均身高為多少</a:t>
             </a:r>
             <a:endParaRPr lang="en-US" altLang="zh-TW" dirty="0"/>
           </a:p>
           <a:p>
+            <a:r>
+              <a:rPr lang="zh-TW" altLang="en-US" dirty="0"/>
+              <a:t>假設：在不清楚母體實際狀況下，依據合理的統計推理來推論母體參數數值</a:t>
+            </a:r>
+            <a:endParaRPr lang="en-US" altLang="zh-TW" dirty="0"/>
+          </a:p>
+          <a:p>
+            <a:r>
+              <a:rPr lang="zh-TW" altLang="en-US" dirty="0"/>
+              <a:t>檢定：利用抽樣出來的少數樣本資料，來檢驗對母體參數的假設是否正確</a:t>
+            </a:r>
+            <a:endParaRPr lang="en-US" altLang="zh-TW" dirty="0"/>
+          </a:p>
+          <a:p>
             <a:pPr lvl="1"/>
             <a:r>
               <a:rPr lang="zh-TW" altLang="en-US" dirty="0"/>
-              <a:t>時間資源與工作績效品質</a:t>
+              <a:t>可以檢證真因</a:t>
             </a:r>
             <a:endParaRPr lang="en-US" altLang="zh-TW" dirty="0"/>
           </a:p>
@@ -9175,29 +9246,8 @@
             <a:pPr lvl="1"/>
             <a:r>
               <a:rPr lang="zh-TW" altLang="en-US" dirty="0"/>
-              <a:t>員工薪酬福利與員工流動率</a:t>
-            </a:r>
-            <a:endParaRPr lang="en-US" altLang="zh-TW" dirty="0"/>
-          </a:p>
-          <a:p>
-            <a:pPr lvl="1"/>
-            <a:r>
-              <a:rPr lang="zh-TW" altLang="en-US" dirty="0"/>
-              <a:t>身高與體重</a:t>
-            </a:r>
-            <a:endParaRPr lang="en-US" altLang="zh-TW" dirty="0"/>
-          </a:p>
-          <a:p>
-            <a:pPr lvl="1"/>
-            <a:r>
-              <a:rPr lang="zh-TW" altLang="en-US" dirty="0"/>
-              <a:t>房價與房子坪數</a:t>
-            </a:r>
-            <a:endParaRPr lang="en-US" altLang="zh-TW" dirty="0"/>
-          </a:p>
-          <a:p>
-            <a:pPr lvl="1"/>
-            <a:endParaRPr lang="zh-TW" altLang="en-US" dirty="0"/>
+              <a:t>可以了解對策是否有效</a:t>
+            </a:r>
           </a:p>
         </p:txBody>
       </p:sp>
@@ -9234,7 +9284,7 @@
     </p:spTree>
     <p:extLst>
       <p:ext uri="{BB962C8B-B14F-4D97-AF65-F5344CB8AC3E}">
-        <p14:creationId xmlns:p14="http://schemas.microsoft.com/office/powerpoint/2010/main" val="1828351586"/>
+        <p14:creationId xmlns:p14="http://schemas.microsoft.com/office/powerpoint/2010/main" val="2573238114"/>
       </p:ext>
     </p:extLst>
   </p:cSld>
@@ -9284,15 +9334,7 @@
           <a:p>
             <a:r>
               <a:rPr lang="zh-TW" altLang="en-US" dirty="0"/>
-              <a:t>相關性</a:t>
-            </a:r>
-            <a:r>
-              <a:rPr lang="en-US" altLang="zh-TW" dirty="0"/>
-              <a:t>/</a:t>
-            </a:r>
-            <a:r>
-              <a:rPr lang="zh-TW" altLang="en-US" dirty="0"/>
-              <a:t>相關係數</a:t>
+              <a:t>假設檢定程序</a:t>
             </a:r>
           </a:p>
         </p:txBody>
@@ -9313,192 +9355,133 @@
             <p:ph idx="1"/>
           </p:nvPr>
         </p:nvSpPr>
-        <p:spPr>
-          <a:xfrm>
-            <a:off x="838200" y="1036318"/>
-            <a:ext cx="10515600" cy="5803357"/>
-          </a:xfrm>
-        </p:spPr>
-        <p:txBody>
-          <a:bodyPr/>
-          <a:lstStyle/>
-          <a:p>
-            <a:r>
-              <a:rPr lang="zh-TW" altLang="en-US" dirty="0"/>
-              <a:t>探討兩變數之間相關程度</a:t>
+        <p:spPr/>
+        <p:txBody>
+          <a:bodyPr/>
+          <a:lstStyle/>
+          <a:p>
+            <a:r>
+              <a:rPr lang="zh-TW" altLang="en-US" dirty="0"/>
+              <a:t>決定假設項目</a:t>
             </a:r>
             <a:endParaRPr lang="en-US" altLang="zh-TW" dirty="0"/>
           </a:p>
           <a:p>
+            <a:pPr lvl="1"/>
             <a:r>
               <a:rPr lang="en-US" altLang="zh-TW" dirty="0"/>
-              <a:t>X(</a:t>
-            </a:r>
-            <a:r>
-              <a:rPr lang="zh-TW" altLang="en-US" dirty="0"/>
-              <a:t>數值型</a:t>
+              <a:t>Ho</a:t>
+            </a:r>
+            <a:r>
+              <a:rPr lang="zh-TW" altLang="en-US" dirty="0"/>
+              <a:t>：天氣溫度對檸檬水銷售額的影響無顯著影響</a:t>
+            </a:r>
+            <a:endParaRPr lang="en-US" altLang="zh-TW" dirty="0"/>
+          </a:p>
+          <a:p>
+            <a:pPr lvl="1"/>
+            <a:r>
+              <a:rPr lang="en-US" altLang="zh-TW" dirty="0"/>
+              <a:t>Ha</a:t>
+            </a:r>
+            <a:r>
+              <a:rPr lang="zh-TW" altLang="en-US" dirty="0"/>
+              <a:t>：天氣溫度對檸檬水銷售額的影響有顯著影響</a:t>
+            </a:r>
+            <a:endParaRPr lang="en-US" altLang="zh-TW" dirty="0"/>
+          </a:p>
+          <a:p>
+            <a:r>
+              <a:rPr lang="zh-TW" altLang="en-US" dirty="0"/>
+              <a:t>決定顯著水準</a:t>
+            </a:r>
+            <a:r>
+              <a:rPr lang="en-US" altLang="zh-TW" dirty="0"/>
+              <a:t>(alpha</a:t>
+            </a:r>
+            <a:r>
+              <a:rPr lang="zh-TW" altLang="en-US" dirty="0"/>
+              <a:t>值</a:t>
             </a:r>
             <a:r>
               <a:rPr lang="en-US" altLang="zh-TW" dirty="0"/>
               <a:t>)</a:t>
             </a:r>
-            <a:r>
-              <a:rPr lang="en-US" altLang="zh-TW" dirty="0">
-                <a:sym typeface="Wingdings" panose="05000000000000000000" pitchFamily="2" charset="2"/>
-              </a:rPr>
-              <a:t>Y(</a:t>
-            </a:r>
-            <a:r>
-              <a:rPr lang="zh-TW" altLang="en-US" dirty="0"/>
-              <a:t>數值型</a:t>
-            </a:r>
-            <a:r>
-              <a:rPr lang="en-US" altLang="zh-TW" dirty="0">
-                <a:sym typeface="Wingdings" panose="05000000000000000000" pitchFamily="2" charset="2"/>
-              </a:rPr>
-              <a:t>)</a:t>
-            </a:r>
-          </a:p>
-          <a:p>
-            <a:r>
-              <a:rPr lang="zh-TW" altLang="en-US" dirty="0">
-                <a:sym typeface="Wingdings" panose="05000000000000000000" pitchFamily="2" charset="2"/>
-              </a:rPr>
-              <a:t>相關係數</a:t>
-            </a:r>
-            <a:r>
-              <a:rPr lang="en-US" altLang="zh-TW" dirty="0">
-                <a:sym typeface="Wingdings" panose="05000000000000000000" pitchFamily="2" charset="2"/>
-              </a:rPr>
-              <a:t>(r)</a:t>
-            </a:r>
           </a:p>
           <a:p>
             <a:pPr lvl="1"/>
             <a:r>
-              <a:rPr lang="zh-TW" altLang="en-US" dirty="0">
-                <a:sym typeface="Wingdings" panose="05000000000000000000" pitchFamily="2" charset="2"/>
-              </a:rPr>
-              <a:t>介於</a:t>
-            </a:r>
-            <a:r>
-              <a:rPr lang="en-US" altLang="zh-TW" dirty="0">
-                <a:sym typeface="Wingdings" panose="05000000000000000000" pitchFamily="2" charset="2"/>
-              </a:rPr>
-              <a:t>-1</a:t>
-            </a:r>
-            <a:r>
-              <a:rPr lang="zh-TW" altLang="en-US" dirty="0">
-                <a:sym typeface="Wingdings" panose="05000000000000000000" pitchFamily="2" charset="2"/>
-              </a:rPr>
-              <a:t>到</a:t>
-            </a:r>
-            <a:r>
-              <a:rPr lang="en-US" altLang="zh-TW" dirty="0">
-                <a:sym typeface="Wingdings" panose="05000000000000000000" pitchFamily="2" charset="2"/>
-              </a:rPr>
-              <a:t>1</a:t>
-            </a:r>
-            <a:r>
-              <a:rPr lang="zh-TW" altLang="en-US" dirty="0">
-                <a:sym typeface="Wingdings" panose="05000000000000000000" pitchFamily="2" charset="2"/>
-              </a:rPr>
-              <a:t>之間</a:t>
-            </a:r>
-            <a:endParaRPr lang="en-US" altLang="zh-TW" dirty="0">
-              <a:sym typeface="Wingdings" panose="05000000000000000000" pitchFamily="2" charset="2"/>
-            </a:endParaRPr>
+              <a:rPr lang="zh-TW" altLang="en-US" dirty="0"/>
+              <a:t>廣泛常用是</a:t>
+            </a:r>
+            <a:r>
+              <a:rPr lang="en-US" altLang="zh-TW" dirty="0"/>
+              <a:t>0.05</a:t>
+            </a:r>
+          </a:p>
+          <a:p>
+            <a:r>
+              <a:rPr lang="zh-TW" altLang="en-US" dirty="0"/>
+              <a:t>進行樣本抽樣</a:t>
+            </a:r>
+            <a:endParaRPr lang="en-US" altLang="zh-TW" dirty="0"/>
           </a:p>
           <a:p>
             <a:pPr lvl="1"/>
             <a:r>
-              <a:rPr lang="en-US" altLang="zh-TW" dirty="0">
-                <a:sym typeface="Wingdings" panose="05000000000000000000" pitchFamily="2" charset="2"/>
-              </a:rPr>
-              <a:t>r&gt;0</a:t>
-            </a:r>
-            <a:r>
-              <a:rPr lang="zh-TW" altLang="en-US" dirty="0">
-                <a:sym typeface="Wingdings" panose="05000000000000000000" pitchFamily="2" charset="2"/>
-              </a:rPr>
-              <a:t>：正相關</a:t>
-            </a:r>
-            <a:endParaRPr lang="en-US" altLang="zh-TW" dirty="0">
-              <a:sym typeface="Wingdings" panose="05000000000000000000" pitchFamily="2" charset="2"/>
-            </a:endParaRPr>
+              <a:rPr lang="zh-TW" altLang="en-US" dirty="0"/>
+              <a:t>必須隨機抽樣</a:t>
+            </a:r>
+            <a:endParaRPr lang="en-US" altLang="zh-TW" dirty="0"/>
           </a:p>
           <a:p>
             <a:pPr lvl="1"/>
             <a:r>
-              <a:rPr lang="en-US" altLang="zh-TW" dirty="0">
-                <a:sym typeface="Wingdings" panose="05000000000000000000" pitchFamily="2" charset="2"/>
-              </a:rPr>
-              <a:t>r&lt;0</a:t>
-            </a:r>
-            <a:r>
-              <a:rPr lang="zh-TW" altLang="en-US" dirty="0">
-                <a:sym typeface="Wingdings" panose="05000000000000000000" pitchFamily="2" charset="2"/>
-              </a:rPr>
-              <a:t>：負相關</a:t>
-            </a:r>
-            <a:endParaRPr lang="en-US" altLang="zh-TW" dirty="0">
-              <a:sym typeface="Wingdings" panose="05000000000000000000" pitchFamily="2" charset="2"/>
-            </a:endParaRPr>
-          </a:p>
-          <a:p>
+              <a:rPr lang="zh-TW" altLang="en-US" dirty="0"/>
+              <a:t>抽樣數</a:t>
+            </a:r>
             <a:r>
               <a:rPr lang="en-US" altLang="zh-TW" dirty="0"/>
-              <a:t>|r|</a:t>
-            </a:r>
-            <a:r>
-              <a:rPr lang="zh-TW" altLang="en-US" dirty="0"/>
-              <a:t>、</a:t>
+              <a:t>&gt;=30</a:t>
+            </a:r>
+          </a:p>
+          <a:p>
+            <a:r>
+              <a:rPr lang="zh-TW" altLang="en-US" dirty="0"/>
+              <a:t>統計分析與結論</a:t>
+            </a:r>
+            <a:endParaRPr lang="en-US" altLang="zh-TW" dirty="0"/>
+          </a:p>
+          <a:p>
+            <a:pPr lvl="1"/>
+            <a:r>
+              <a:rPr lang="zh-TW" altLang="en-US" dirty="0"/>
+              <a:t>透過</a:t>
             </a:r>
             <a:r>
               <a:rPr lang="en-US" altLang="zh-TW" dirty="0"/>
-              <a:t>abs(r)</a:t>
-            </a:r>
-            <a:r>
-              <a:rPr lang="zh-TW" altLang="en-US" dirty="0"/>
-              <a:t>強弱</a:t>
-            </a:r>
-            <a:endParaRPr lang="en-US" altLang="zh-TW" dirty="0"/>
+              <a:t>p</a:t>
+            </a:r>
+            <a:r>
+              <a:rPr lang="zh-TW" altLang="en-US" dirty="0"/>
+              <a:t>值來判斷是否接受或拒絕</a:t>
+            </a:r>
+            <a:r>
+              <a:rPr lang="en-US" altLang="zh-TW" dirty="0"/>
+              <a:t>Ho</a:t>
+            </a:r>
+            <a:r>
+              <a:rPr lang="zh-TW" altLang="en-US" dirty="0"/>
+              <a:t>和</a:t>
+            </a:r>
+            <a:r>
+              <a:rPr lang="en-US" altLang="zh-TW" dirty="0"/>
+              <a:t>Ha</a:t>
+            </a:r>
           </a:p>
           <a:p>
             <a:pPr lvl="1"/>
-            <a:r>
-              <a:rPr lang="en-US" altLang="zh-TW" dirty="0"/>
-              <a:t>1.0~0.7</a:t>
-            </a:r>
-            <a:r>
-              <a:rPr lang="zh-TW" altLang="en-US" dirty="0"/>
-              <a:t>：強相關</a:t>
-            </a:r>
-            <a:endParaRPr lang="en-US" altLang="zh-TW" dirty="0"/>
-          </a:p>
-          <a:p>
-            <a:pPr lvl="1"/>
-            <a:r>
-              <a:rPr lang="en-US" altLang="zh-TW" dirty="0"/>
-              <a:t>0.7~0.3</a:t>
-            </a:r>
-            <a:r>
-              <a:rPr lang="zh-TW" altLang="en-US" dirty="0"/>
-              <a:t>：中等相關</a:t>
-            </a:r>
-            <a:endParaRPr lang="en-US" altLang="zh-TW" dirty="0"/>
-          </a:p>
-          <a:p>
-            <a:pPr lvl="1"/>
-            <a:r>
-              <a:rPr lang="en-US" altLang="zh-TW" dirty="0"/>
-              <a:t>0.3~0.0</a:t>
-            </a:r>
-            <a:r>
-              <a:rPr lang="zh-TW" altLang="en-US" dirty="0"/>
-              <a:t>：弱相關</a:t>
-            </a:r>
-            <a:endParaRPr lang="en-US" altLang="zh-TW" dirty="0"/>
+            <a:endParaRPr lang="zh-TW" altLang="en-US" dirty="0"/>
           </a:p>
         </p:txBody>
       </p:sp>
@@ -9535,7 +9518,7 @@
     </p:spTree>
     <p:extLst>
       <p:ext uri="{BB962C8B-B14F-4D97-AF65-F5344CB8AC3E}">
-        <p14:creationId xmlns:p14="http://schemas.microsoft.com/office/powerpoint/2010/main" val="1110135096"/>
+        <p14:creationId xmlns:p14="http://schemas.microsoft.com/office/powerpoint/2010/main" val="2725382240"/>
       </p:ext>
     </p:extLst>
   </p:cSld>
@@ -9716,6 +9699,617 @@
 </file>
 
 <file path=ppt/slides/slide20.xml><?xml version="1.0" encoding="utf-8"?>
+<p:sld xmlns:a="http://schemas.openxmlformats.org/drawingml/2006/main" xmlns:r="http://schemas.openxmlformats.org/officeDocument/2006/relationships" xmlns:p="http://schemas.openxmlformats.org/presentationml/2006/main">
+  <p:cSld>
+    <p:spTree>
+      <p:nvGrpSpPr>
+        <p:cNvPr id="1" name=""/>
+        <p:cNvGrpSpPr/>
+        <p:nvPr/>
+      </p:nvGrpSpPr>
+      <p:grpSpPr>
+        <a:xfrm>
+          <a:off x="0" y="0"/>
+          <a:ext cx="0" cy="0"/>
+          <a:chOff x="0" y="0"/>
+          <a:chExt cx="0" cy="0"/>
+        </a:xfrm>
+      </p:grpSpPr>
+      <p:sp>
+        <p:nvSpPr>
+          <p:cNvPr id="5" name="標題 4">
+            <a:extLst>
+              <a:ext uri="{FF2B5EF4-FFF2-40B4-BE49-F238E27FC236}">
+                <a16:creationId xmlns:a16="http://schemas.microsoft.com/office/drawing/2014/main" id="{73829ED9-AD3C-43FB-A0DE-DF7A669558F8}"/>
+              </a:ext>
+            </a:extLst>
+          </p:cNvPr>
+          <p:cNvSpPr>
+            <a:spLocks noGrp="1"/>
+          </p:cNvSpPr>
+          <p:nvPr>
+            <p:ph type="title"/>
+          </p:nvPr>
+        </p:nvSpPr>
+        <p:spPr/>
+        <p:txBody>
+          <a:bodyPr/>
+          <a:lstStyle/>
+          <a:p>
+            <a:r>
+              <a:rPr lang="zh-TW" altLang="en-US" dirty="0"/>
+              <a:t>相關性及迴歸</a:t>
+            </a:r>
+          </a:p>
+        </p:txBody>
+      </p:sp>
+      <p:sp>
+        <p:nvSpPr>
+          <p:cNvPr id="6" name="文字版面配置區 5">
+            <a:extLst>
+              <a:ext uri="{FF2B5EF4-FFF2-40B4-BE49-F238E27FC236}">
+                <a16:creationId xmlns:a16="http://schemas.microsoft.com/office/drawing/2014/main" id="{D9EDD6AE-9199-499B-8D7F-6D93FB0AD946}"/>
+              </a:ext>
+            </a:extLst>
+          </p:cNvPr>
+          <p:cNvSpPr>
+            <a:spLocks noGrp="1"/>
+          </p:cNvSpPr>
+          <p:nvPr>
+            <p:ph type="body" idx="1"/>
+          </p:nvPr>
+        </p:nvSpPr>
+        <p:spPr/>
+        <p:txBody>
+          <a:bodyPr/>
+          <a:lstStyle/>
+          <a:p>
+            <a:endParaRPr lang="zh-TW" altLang="en-US"/>
+          </a:p>
+        </p:txBody>
+      </p:sp>
+      <p:sp>
+        <p:nvSpPr>
+          <p:cNvPr id="4" name="投影片編號版面配置區 3">
+            <a:extLst>
+              <a:ext uri="{FF2B5EF4-FFF2-40B4-BE49-F238E27FC236}">
+                <a16:creationId xmlns:a16="http://schemas.microsoft.com/office/drawing/2014/main" id="{E150A48A-C57D-45FD-A8E0-C118B59D1FCD}"/>
+              </a:ext>
+            </a:extLst>
+          </p:cNvPr>
+          <p:cNvSpPr>
+            <a:spLocks noGrp="1"/>
+          </p:cNvSpPr>
+          <p:nvPr>
+            <p:ph type="sldNum" sz="quarter" idx="12"/>
+          </p:nvPr>
+        </p:nvSpPr>
+        <p:spPr/>
+        <p:txBody>
+          <a:bodyPr/>
+          <a:lstStyle/>
+          <a:p>
+            <a:fld id="{0318AE31-7D37-4562-A6C9-6CAC1CEA6FBB}" type="slidenum">
+              <a:rPr lang="zh-TW" altLang="en-US" smtClean="0"/>
+              <a:pPr/>
+              <a:t>20</a:t>
+            </a:fld>
+            <a:endParaRPr lang="zh-TW" altLang="en-US"/>
+          </a:p>
+        </p:txBody>
+      </p:sp>
+    </p:spTree>
+    <p:extLst>
+      <p:ext uri="{BB962C8B-B14F-4D97-AF65-F5344CB8AC3E}">
+        <p14:creationId xmlns:p14="http://schemas.microsoft.com/office/powerpoint/2010/main" val="1811418745"/>
+      </p:ext>
+    </p:extLst>
+  </p:cSld>
+  <p:clrMapOvr>
+    <a:masterClrMapping/>
+  </p:clrMapOvr>
+</p:sld>
+</file>
+
+<file path=ppt/slides/slide21.xml><?xml version="1.0" encoding="utf-8"?>
+<p:sld xmlns:a="http://schemas.openxmlformats.org/drawingml/2006/main" xmlns:r="http://schemas.openxmlformats.org/officeDocument/2006/relationships" xmlns:p="http://schemas.openxmlformats.org/presentationml/2006/main">
+  <p:cSld>
+    <p:spTree>
+      <p:nvGrpSpPr>
+        <p:cNvPr id="1" name=""/>
+        <p:cNvGrpSpPr/>
+        <p:nvPr/>
+      </p:nvGrpSpPr>
+      <p:grpSpPr>
+        <a:xfrm>
+          <a:off x="0" y="0"/>
+          <a:ext cx="0" cy="0"/>
+          <a:chOff x="0" y="0"/>
+          <a:chExt cx="0" cy="0"/>
+        </a:xfrm>
+      </p:grpSpPr>
+      <p:sp>
+        <p:nvSpPr>
+          <p:cNvPr id="4" name="標題 3">
+            <a:extLst>
+              <a:ext uri="{FF2B5EF4-FFF2-40B4-BE49-F238E27FC236}">
+                <a16:creationId xmlns:a16="http://schemas.microsoft.com/office/drawing/2014/main" id="{8EBC9425-CFC0-4FC3-9107-5FE202888980}"/>
+              </a:ext>
+            </a:extLst>
+          </p:cNvPr>
+          <p:cNvSpPr>
+            <a:spLocks noGrp="1"/>
+          </p:cNvSpPr>
+          <p:nvPr>
+            <p:ph type="title"/>
+          </p:nvPr>
+        </p:nvSpPr>
+        <p:spPr/>
+        <p:txBody>
+          <a:bodyPr/>
+          <a:lstStyle/>
+          <a:p>
+            <a:r>
+              <a:rPr lang="zh-TW" altLang="en-US" dirty="0"/>
+              <a:t>相關分析</a:t>
+            </a:r>
+          </a:p>
+        </p:txBody>
+      </p:sp>
+      <p:sp>
+        <p:nvSpPr>
+          <p:cNvPr id="5" name="內容版面配置區 4">
+            <a:extLst>
+              <a:ext uri="{FF2B5EF4-FFF2-40B4-BE49-F238E27FC236}">
+                <a16:creationId xmlns:a16="http://schemas.microsoft.com/office/drawing/2014/main" id="{35F0BE09-9033-4369-8CBC-41F8131E11A6}"/>
+              </a:ext>
+            </a:extLst>
+          </p:cNvPr>
+          <p:cNvSpPr>
+            <a:spLocks noGrp="1"/>
+          </p:cNvSpPr>
+          <p:nvPr>
+            <p:ph idx="1"/>
+          </p:nvPr>
+        </p:nvSpPr>
+        <p:spPr/>
+        <p:txBody>
+          <a:bodyPr/>
+          <a:lstStyle/>
+          <a:p>
+            <a:r>
+              <a:rPr lang="zh-TW" altLang="en-US" dirty="0"/>
+              <a:t>描述事物相互之間關係的密切程度，並且使用適當的統計指標表示出來的過程</a:t>
+            </a:r>
+            <a:endParaRPr lang="en-US" altLang="zh-TW" dirty="0"/>
+          </a:p>
+          <a:p>
+            <a:r>
+              <a:rPr lang="zh-TW" altLang="en-US" dirty="0"/>
+              <a:t>正相關</a:t>
+            </a:r>
+            <a:r>
+              <a:rPr lang="en-US" altLang="zh-TW" dirty="0"/>
+              <a:t>or</a:t>
+            </a:r>
+            <a:r>
+              <a:rPr lang="zh-TW" altLang="en-US" dirty="0"/>
+              <a:t>負相關</a:t>
+            </a:r>
+            <a:endParaRPr lang="en-US" altLang="zh-TW" dirty="0"/>
+          </a:p>
+          <a:p>
+            <a:r>
+              <a:rPr lang="zh-TW" altLang="en-US" dirty="0"/>
+              <a:t>強相關</a:t>
+            </a:r>
+            <a:r>
+              <a:rPr lang="en-US" altLang="zh-TW" dirty="0"/>
+              <a:t>or</a:t>
+            </a:r>
+            <a:r>
+              <a:rPr lang="zh-TW" altLang="en-US" dirty="0"/>
+              <a:t>弱相關</a:t>
+            </a:r>
+            <a:endParaRPr lang="en-US" altLang="zh-TW" dirty="0"/>
+          </a:p>
+          <a:p>
+            <a:r>
+              <a:rPr lang="en-US" altLang="zh-TW" dirty="0"/>
+              <a:t>Examples</a:t>
+            </a:r>
+          </a:p>
+          <a:p>
+            <a:pPr lvl="1"/>
+            <a:r>
+              <a:rPr lang="zh-TW" altLang="en-US" dirty="0"/>
+              <a:t>行銷廣告投入與銷售額</a:t>
+            </a:r>
+            <a:endParaRPr lang="en-US" altLang="zh-TW" dirty="0"/>
+          </a:p>
+          <a:p>
+            <a:pPr lvl="1"/>
+            <a:r>
+              <a:rPr lang="zh-TW" altLang="en-US" dirty="0"/>
+              <a:t>時間資源與工作績效品質</a:t>
+            </a:r>
+            <a:endParaRPr lang="en-US" altLang="zh-TW" dirty="0"/>
+          </a:p>
+          <a:p>
+            <a:pPr lvl="1"/>
+            <a:r>
+              <a:rPr lang="zh-TW" altLang="en-US" dirty="0"/>
+              <a:t>員工薪酬福利與員工流動率</a:t>
+            </a:r>
+            <a:endParaRPr lang="en-US" altLang="zh-TW" dirty="0"/>
+          </a:p>
+          <a:p>
+            <a:pPr lvl="1"/>
+            <a:r>
+              <a:rPr lang="zh-TW" altLang="en-US" dirty="0"/>
+              <a:t>身高與體重</a:t>
+            </a:r>
+            <a:endParaRPr lang="en-US" altLang="zh-TW" dirty="0"/>
+          </a:p>
+          <a:p>
+            <a:pPr lvl="1"/>
+            <a:r>
+              <a:rPr lang="zh-TW" altLang="en-US" dirty="0"/>
+              <a:t>房價與房子坪數</a:t>
+            </a:r>
+            <a:endParaRPr lang="en-US" altLang="zh-TW" dirty="0"/>
+          </a:p>
+          <a:p>
+            <a:pPr lvl="1"/>
+            <a:endParaRPr lang="zh-TW" altLang="en-US" dirty="0"/>
+          </a:p>
+        </p:txBody>
+      </p:sp>
+      <p:sp>
+        <p:nvSpPr>
+          <p:cNvPr id="3" name="投影片編號版面配置區 2">
+            <a:extLst>
+              <a:ext uri="{FF2B5EF4-FFF2-40B4-BE49-F238E27FC236}">
+                <a16:creationId xmlns:a16="http://schemas.microsoft.com/office/drawing/2014/main" id="{AB64ABD3-83C3-42CC-9281-E1FDCB978147}"/>
+              </a:ext>
+            </a:extLst>
+          </p:cNvPr>
+          <p:cNvSpPr>
+            <a:spLocks noGrp="1"/>
+          </p:cNvSpPr>
+          <p:nvPr>
+            <p:ph type="sldNum" sz="quarter" idx="12"/>
+          </p:nvPr>
+        </p:nvSpPr>
+        <p:spPr/>
+        <p:txBody>
+          <a:bodyPr/>
+          <a:lstStyle/>
+          <a:p>
+            <a:fld id="{0318AE31-7D37-4562-A6C9-6CAC1CEA6FBB}" type="slidenum">
+              <a:rPr lang="zh-TW" altLang="en-US" smtClean="0"/>
+              <a:pPr/>
+              <a:t>21</a:t>
+            </a:fld>
+            <a:endParaRPr lang="zh-TW" altLang="en-US"/>
+          </a:p>
+        </p:txBody>
+      </p:sp>
+    </p:spTree>
+    <p:extLst>
+      <p:ext uri="{BB962C8B-B14F-4D97-AF65-F5344CB8AC3E}">
+        <p14:creationId xmlns:p14="http://schemas.microsoft.com/office/powerpoint/2010/main" val="1828351586"/>
+      </p:ext>
+    </p:extLst>
+  </p:cSld>
+  <p:clrMapOvr>
+    <a:masterClrMapping/>
+  </p:clrMapOvr>
+</p:sld>
+</file>
+
+<file path=ppt/slides/slide22.xml><?xml version="1.0" encoding="utf-8"?>
+<p:sld xmlns:a="http://schemas.openxmlformats.org/drawingml/2006/main" xmlns:r="http://schemas.openxmlformats.org/officeDocument/2006/relationships" xmlns:p="http://schemas.openxmlformats.org/presentationml/2006/main">
+  <p:cSld>
+    <p:spTree>
+      <p:nvGrpSpPr>
+        <p:cNvPr id="1" name=""/>
+        <p:cNvGrpSpPr/>
+        <p:nvPr/>
+      </p:nvGrpSpPr>
+      <p:grpSpPr>
+        <a:xfrm>
+          <a:off x="0" y="0"/>
+          <a:ext cx="0" cy="0"/>
+          <a:chOff x="0" y="0"/>
+          <a:chExt cx="0" cy="0"/>
+        </a:xfrm>
+      </p:grpSpPr>
+      <p:sp>
+        <p:nvSpPr>
+          <p:cNvPr id="4" name="標題 3">
+            <a:extLst>
+              <a:ext uri="{FF2B5EF4-FFF2-40B4-BE49-F238E27FC236}">
+                <a16:creationId xmlns:a16="http://schemas.microsoft.com/office/drawing/2014/main" id="{8EBC9425-CFC0-4FC3-9107-5FE202888980}"/>
+              </a:ext>
+            </a:extLst>
+          </p:cNvPr>
+          <p:cNvSpPr>
+            <a:spLocks noGrp="1"/>
+          </p:cNvSpPr>
+          <p:nvPr>
+            <p:ph type="title"/>
+          </p:nvPr>
+        </p:nvSpPr>
+        <p:spPr/>
+        <p:txBody>
+          <a:bodyPr/>
+          <a:lstStyle/>
+          <a:p>
+            <a:r>
+              <a:rPr lang="zh-TW" altLang="en-US" dirty="0"/>
+              <a:t>相關性</a:t>
+            </a:r>
+            <a:r>
+              <a:rPr lang="en-US" altLang="zh-TW" dirty="0"/>
+              <a:t>/</a:t>
+            </a:r>
+            <a:r>
+              <a:rPr lang="zh-TW" altLang="en-US" dirty="0"/>
+              <a:t>相關係數</a:t>
+            </a:r>
+          </a:p>
+        </p:txBody>
+      </p:sp>
+      <p:sp>
+        <p:nvSpPr>
+          <p:cNvPr id="5" name="內容版面配置區 4">
+            <a:extLst>
+              <a:ext uri="{FF2B5EF4-FFF2-40B4-BE49-F238E27FC236}">
+                <a16:creationId xmlns:a16="http://schemas.microsoft.com/office/drawing/2014/main" id="{35F0BE09-9033-4369-8CBC-41F8131E11A6}"/>
+              </a:ext>
+            </a:extLst>
+          </p:cNvPr>
+          <p:cNvSpPr>
+            <a:spLocks noGrp="1"/>
+          </p:cNvSpPr>
+          <p:nvPr>
+            <p:ph idx="1"/>
+          </p:nvPr>
+        </p:nvSpPr>
+        <p:spPr>
+          <a:xfrm>
+            <a:off x="838200" y="1036318"/>
+            <a:ext cx="10515600" cy="5803357"/>
+          </a:xfrm>
+        </p:spPr>
+        <p:txBody>
+          <a:bodyPr/>
+          <a:lstStyle/>
+          <a:p>
+            <a:r>
+              <a:rPr lang="zh-TW" altLang="en-US" dirty="0"/>
+              <a:t>探討兩變數之間相關程度</a:t>
+            </a:r>
+            <a:endParaRPr lang="en-US" altLang="zh-TW" dirty="0"/>
+          </a:p>
+          <a:p>
+            <a:r>
+              <a:rPr lang="en-US" altLang="zh-TW" dirty="0"/>
+              <a:t>X(</a:t>
+            </a:r>
+            <a:r>
+              <a:rPr lang="zh-TW" altLang="en-US" dirty="0"/>
+              <a:t>數值型</a:t>
+            </a:r>
+            <a:r>
+              <a:rPr lang="en-US" altLang="zh-TW" dirty="0"/>
+              <a:t>)</a:t>
+            </a:r>
+            <a:r>
+              <a:rPr lang="en-US" altLang="zh-TW" dirty="0">
+                <a:sym typeface="Wingdings" panose="05000000000000000000" pitchFamily="2" charset="2"/>
+              </a:rPr>
+              <a:t>Y(</a:t>
+            </a:r>
+            <a:r>
+              <a:rPr lang="zh-TW" altLang="en-US" dirty="0"/>
+              <a:t>數值型</a:t>
+            </a:r>
+            <a:r>
+              <a:rPr lang="en-US" altLang="zh-TW" dirty="0">
+                <a:sym typeface="Wingdings" panose="05000000000000000000" pitchFamily="2" charset="2"/>
+              </a:rPr>
+              <a:t>)</a:t>
+            </a:r>
+          </a:p>
+          <a:p>
+            <a:r>
+              <a:rPr lang="zh-TW" altLang="en-US" dirty="0">
+                <a:sym typeface="Wingdings" panose="05000000000000000000" pitchFamily="2" charset="2"/>
+              </a:rPr>
+              <a:t>相關係數</a:t>
+            </a:r>
+            <a:r>
+              <a:rPr lang="en-US" altLang="zh-TW" dirty="0">
+                <a:sym typeface="Wingdings" panose="05000000000000000000" pitchFamily="2" charset="2"/>
+              </a:rPr>
+              <a:t>(r)</a:t>
+            </a:r>
+          </a:p>
+          <a:p>
+            <a:pPr lvl="1"/>
+            <a:r>
+              <a:rPr lang="zh-TW" altLang="en-US" dirty="0">
+                <a:sym typeface="Wingdings" panose="05000000000000000000" pitchFamily="2" charset="2"/>
+              </a:rPr>
+              <a:t>介於</a:t>
+            </a:r>
+            <a:r>
+              <a:rPr lang="en-US" altLang="zh-TW" dirty="0">
+                <a:sym typeface="Wingdings" panose="05000000000000000000" pitchFamily="2" charset="2"/>
+              </a:rPr>
+              <a:t>-1</a:t>
+            </a:r>
+            <a:r>
+              <a:rPr lang="zh-TW" altLang="en-US" dirty="0">
+                <a:sym typeface="Wingdings" panose="05000000000000000000" pitchFamily="2" charset="2"/>
+              </a:rPr>
+              <a:t>到</a:t>
+            </a:r>
+            <a:r>
+              <a:rPr lang="en-US" altLang="zh-TW" dirty="0">
+                <a:sym typeface="Wingdings" panose="05000000000000000000" pitchFamily="2" charset="2"/>
+              </a:rPr>
+              <a:t>1</a:t>
+            </a:r>
+            <a:r>
+              <a:rPr lang="zh-TW" altLang="en-US" dirty="0">
+                <a:sym typeface="Wingdings" panose="05000000000000000000" pitchFamily="2" charset="2"/>
+              </a:rPr>
+              <a:t>之間</a:t>
+            </a:r>
+            <a:endParaRPr lang="en-US" altLang="zh-TW" dirty="0">
+              <a:sym typeface="Wingdings" panose="05000000000000000000" pitchFamily="2" charset="2"/>
+            </a:endParaRPr>
+          </a:p>
+          <a:p>
+            <a:pPr lvl="1"/>
+            <a:r>
+              <a:rPr lang="en-US" altLang="zh-TW" dirty="0">
+                <a:sym typeface="Wingdings" panose="05000000000000000000" pitchFamily="2" charset="2"/>
+              </a:rPr>
+              <a:t>r&gt;0</a:t>
+            </a:r>
+            <a:r>
+              <a:rPr lang="zh-TW" altLang="en-US" dirty="0">
+                <a:sym typeface="Wingdings" panose="05000000000000000000" pitchFamily="2" charset="2"/>
+              </a:rPr>
+              <a:t>：正相關</a:t>
+            </a:r>
+            <a:endParaRPr lang="en-US" altLang="zh-TW" dirty="0">
+              <a:sym typeface="Wingdings" panose="05000000000000000000" pitchFamily="2" charset="2"/>
+            </a:endParaRPr>
+          </a:p>
+          <a:p>
+            <a:pPr lvl="1"/>
+            <a:r>
+              <a:rPr lang="en-US" altLang="zh-TW" dirty="0">
+                <a:sym typeface="Wingdings" panose="05000000000000000000" pitchFamily="2" charset="2"/>
+              </a:rPr>
+              <a:t>r&lt;0</a:t>
+            </a:r>
+            <a:r>
+              <a:rPr lang="zh-TW" altLang="en-US" dirty="0">
+                <a:sym typeface="Wingdings" panose="05000000000000000000" pitchFamily="2" charset="2"/>
+              </a:rPr>
+              <a:t>：負相關</a:t>
+            </a:r>
+            <a:endParaRPr lang="en-US" altLang="zh-TW" dirty="0">
+              <a:sym typeface="Wingdings" panose="05000000000000000000" pitchFamily="2" charset="2"/>
+            </a:endParaRPr>
+          </a:p>
+          <a:p>
+            <a:r>
+              <a:rPr lang="en-US" altLang="zh-TW" dirty="0"/>
+              <a:t>|r|</a:t>
+            </a:r>
+            <a:r>
+              <a:rPr lang="zh-TW" altLang="en-US" dirty="0"/>
+              <a:t>、</a:t>
+            </a:r>
+            <a:r>
+              <a:rPr lang="en-US" altLang="zh-TW" dirty="0"/>
+              <a:t>abs(r)</a:t>
+            </a:r>
+            <a:r>
+              <a:rPr lang="zh-TW" altLang="en-US" dirty="0"/>
+              <a:t>強弱</a:t>
+            </a:r>
+            <a:endParaRPr lang="en-US" altLang="zh-TW" dirty="0"/>
+          </a:p>
+          <a:p>
+            <a:pPr lvl="1"/>
+            <a:r>
+              <a:rPr lang="en-US" altLang="zh-TW" dirty="0"/>
+              <a:t>1.0~0.7</a:t>
+            </a:r>
+            <a:r>
+              <a:rPr lang="zh-TW" altLang="en-US" dirty="0"/>
+              <a:t>：強相關</a:t>
+            </a:r>
+            <a:endParaRPr lang="en-US" altLang="zh-TW" dirty="0"/>
+          </a:p>
+          <a:p>
+            <a:pPr lvl="1"/>
+            <a:r>
+              <a:rPr lang="en-US" altLang="zh-TW" dirty="0"/>
+              <a:t>0.7~0.3</a:t>
+            </a:r>
+            <a:r>
+              <a:rPr lang="zh-TW" altLang="en-US" dirty="0"/>
+              <a:t>：中等相關</a:t>
+            </a:r>
+            <a:endParaRPr lang="en-US" altLang="zh-TW" dirty="0"/>
+          </a:p>
+          <a:p>
+            <a:pPr lvl="1"/>
+            <a:r>
+              <a:rPr lang="en-US" altLang="zh-TW" dirty="0"/>
+              <a:t>0.3~0.0</a:t>
+            </a:r>
+            <a:r>
+              <a:rPr lang="zh-TW" altLang="en-US" dirty="0"/>
+              <a:t>：弱相關</a:t>
+            </a:r>
+            <a:endParaRPr lang="en-US" altLang="zh-TW" dirty="0"/>
+          </a:p>
+        </p:txBody>
+      </p:sp>
+      <p:sp>
+        <p:nvSpPr>
+          <p:cNvPr id="3" name="投影片編號版面配置區 2">
+            <a:extLst>
+              <a:ext uri="{FF2B5EF4-FFF2-40B4-BE49-F238E27FC236}">
+                <a16:creationId xmlns:a16="http://schemas.microsoft.com/office/drawing/2014/main" id="{AB64ABD3-83C3-42CC-9281-E1FDCB978147}"/>
+              </a:ext>
+            </a:extLst>
+          </p:cNvPr>
+          <p:cNvSpPr>
+            <a:spLocks noGrp="1"/>
+          </p:cNvSpPr>
+          <p:nvPr>
+            <p:ph type="sldNum" sz="quarter" idx="12"/>
+          </p:nvPr>
+        </p:nvSpPr>
+        <p:spPr/>
+        <p:txBody>
+          <a:bodyPr/>
+          <a:lstStyle/>
+          <a:p>
+            <a:fld id="{0318AE31-7D37-4562-A6C9-6CAC1CEA6FBB}" type="slidenum">
+              <a:rPr lang="zh-TW" altLang="en-US" smtClean="0"/>
+              <a:pPr/>
+              <a:t>22</a:t>
+            </a:fld>
+            <a:endParaRPr lang="zh-TW" altLang="en-US"/>
+          </a:p>
+        </p:txBody>
+      </p:sp>
+    </p:spTree>
+    <p:extLst>
+      <p:ext uri="{BB962C8B-B14F-4D97-AF65-F5344CB8AC3E}">
+        <p14:creationId xmlns:p14="http://schemas.microsoft.com/office/powerpoint/2010/main" val="1110135096"/>
+      </p:ext>
+    </p:extLst>
+  </p:cSld>
+  <p:clrMapOvr>
+    <a:masterClrMapping/>
+  </p:clrMapOvr>
+</p:sld>
+</file>
+
+<file path=ppt/slides/slide23.xml><?xml version="1.0" encoding="utf-8"?>
 <p:sld xmlns:a="http://schemas.openxmlformats.org/drawingml/2006/main" xmlns:r="http://schemas.openxmlformats.org/officeDocument/2006/relationships" xmlns:p="http://schemas.openxmlformats.org/presentationml/2006/main">
   <p:cSld>
     <p:spTree>
@@ -9753,8 +10347,8 @@
         </p:blipFill>
         <p:spPr>
           <a:xfrm>
-            <a:off x="4569481" y="1850065"/>
-            <a:ext cx="7530372" cy="4909152"/>
+            <a:off x="5075083" y="2179673"/>
+            <a:ext cx="7024770" cy="4579543"/>
           </a:xfrm>
           <a:prstGeom prst="rect">
             <a:avLst/>
@@ -9812,7 +10406,30 @@
           <a:p>
             <a:r>
               <a:rPr lang="zh-TW" altLang="en-US" dirty="0"/>
-              <a:t>建立兩變數之間關係的數學模式</a:t>
+              <a:t>監督式學習</a:t>
+            </a:r>
+            <a:endParaRPr lang="en-US" altLang="zh-TW" dirty="0"/>
+          </a:p>
+          <a:p>
+            <a:r>
+              <a:rPr lang="zh-TW" altLang="en-US" dirty="0"/>
+              <a:t>建立</a:t>
+            </a:r>
+            <a:r>
+              <a:rPr lang="en-US" altLang="zh-TW" dirty="0"/>
+              <a:t>X</a:t>
+            </a:r>
+            <a:r>
+              <a:rPr lang="zh-TW" altLang="en-US" dirty="0"/>
+              <a:t>、</a:t>
+            </a:r>
+            <a:r>
+              <a:rPr lang="en-US" altLang="zh-TW" dirty="0"/>
+              <a:t>Y</a:t>
+            </a:r>
+            <a:r>
+              <a:rPr lang="zh-TW" altLang="en-US" dirty="0"/>
+              <a:t>兩變數之間關係的數學模式</a:t>
             </a:r>
             <a:endParaRPr lang="en-US" altLang="zh-TW" dirty="0"/>
           </a:p>
@@ -9869,15 +10486,7 @@
             </a:r>
             <a:r>
               <a:rPr lang="en-US" altLang="zh-TW" dirty="0"/>
-              <a:t>f(X) = </a:t>
-            </a:r>
-            <a:r>
-              <a:rPr lang="en-US" altLang="zh-TW" dirty="0" err="1"/>
-              <a:t>aX</a:t>
-            </a:r>
-            <a:r>
-              <a:rPr lang="en-US" altLang="zh-TW" dirty="0"/>
-              <a:t> + b</a:t>
+              <a:t>f(X) = a*X + b</a:t>
             </a:r>
             <a:endParaRPr lang="zh-TW" altLang="en-US" dirty="0"/>
           </a:p>
@@ -9907,7 +10516,7 @@
             <a:fld id="{0318AE31-7D37-4562-A6C9-6CAC1CEA6FBB}" type="slidenum">
               <a:rPr lang="zh-TW" altLang="en-US" smtClean="0"/>
               <a:pPr/>
-              <a:t>20</a:t>
+              <a:t>23</a:t>
             </a:fld>
             <a:endParaRPr lang="zh-TW" altLang="en-US"/>
           </a:p>
@@ -9917,345 +10526,6 @@
     <p:extLst>
       <p:ext uri="{BB962C8B-B14F-4D97-AF65-F5344CB8AC3E}">
         <p14:creationId xmlns:p14="http://schemas.microsoft.com/office/powerpoint/2010/main" val="4125858372"/>
-      </p:ext>
-    </p:extLst>
-  </p:cSld>
-  <p:clrMapOvr>
-    <a:masterClrMapping/>
-  </p:clrMapOvr>
-</p:sld>
-</file>
-
-<file path=ppt/slides/slide21.xml><?xml version="1.0" encoding="utf-8"?>
-<p:sld xmlns:a="http://schemas.openxmlformats.org/drawingml/2006/main" xmlns:r="http://schemas.openxmlformats.org/officeDocument/2006/relationships" xmlns:p="http://schemas.openxmlformats.org/presentationml/2006/main">
-  <p:cSld>
-    <p:spTree>
-      <p:nvGrpSpPr>
-        <p:cNvPr id="1" name=""/>
-        <p:cNvGrpSpPr/>
-        <p:nvPr/>
-      </p:nvGrpSpPr>
-      <p:grpSpPr>
-        <a:xfrm>
-          <a:off x="0" y="0"/>
-          <a:ext cx="0" cy="0"/>
-          <a:chOff x="0" y="0"/>
-          <a:chExt cx="0" cy="0"/>
-        </a:xfrm>
-      </p:grpSpPr>
-      <p:sp>
-        <p:nvSpPr>
-          <p:cNvPr id="4" name="標題 3">
-            <a:extLst>
-              <a:ext uri="{FF2B5EF4-FFF2-40B4-BE49-F238E27FC236}">
-                <a16:creationId xmlns:a16="http://schemas.microsoft.com/office/drawing/2014/main" id="{8EBC9425-CFC0-4FC3-9107-5FE202888980}"/>
-              </a:ext>
-            </a:extLst>
-          </p:cNvPr>
-          <p:cNvSpPr>
-            <a:spLocks noGrp="1"/>
-          </p:cNvSpPr>
-          <p:nvPr>
-            <p:ph type="title"/>
-          </p:nvPr>
-        </p:nvSpPr>
-        <p:spPr/>
-        <p:txBody>
-          <a:bodyPr/>
-          <a:lstStyle/>
-          <a:p>
-            <a:r>
-              <a:rPr lang="zh-TW" altLang="en-US" dirty="0"/>
-              <a:t>複迴歸分析</a:t>
-            </a:r>
-          </a:p>
-        </p:txBody>
-      </p:sp>
-      <p:sp>
-        <p:nvSpPr>
-          <p:cNvPr id="5" name="內容版面配置區 4">
-            <a:extLst>
-              <a:ext uri="{FF2B5EF4-FFF2-40B4-BE49-F238E27FC236}">
-                <a16:creationId xmlns:a16="http://schemas.microsoft.com/office/drawing/2014/main" id="{35F0BE09-9033-4369-8CBC-41F8131E11A6}"/>
-              </a:ext>
-            </a:extLst>
-          </p:cNvPr>
-          <p:cNvSpPr>
-            <a:spLocks noGrp="1"/>
-          </p:cNvSpPr>
-          <p:nvPr>
-            <p:ph idx="1"/>
-          </p:nvPr>
-        </p:nvSpPr>
-        <p:spPr/>
-        <p:txBody>
-          <a:bodyPr/>
-          <a:lstStyle/>
-          <a:p>
-            <a:endParaRPr lang="zh-TW" altLang="en-US"/>
-          </a:p>
-        </p:txBody>
-      </p:sp>
-      <p:sp>
-        <p:nvSpPr>
-          <p:cNvPr id="3" name="投影片編號版面配置區 2">
-            <a:extLst>
-              <a:ext uri="{FF2B5EF4-FFF2-40B4-BE49-F238E27FC236}">
-                <a16:creationId xmlns:a16="http://schemas.microsoft.com/office/drawing/2014/main" id="{AB64ABD3-83C3-42CC-9281-E1FDCB978147}"/>
-              </a:ext>
-            </a:extLst>
-          </p:cNvPr>
-          <p:cNvSpPr>
-            <a:spLocks noGrp="1"/>
-          </p:cNvSpPr>
-          <p:nvPr>
-            <p:ph type="sldNum" sz="quarter" idx="12"/>
-          </p:nvPr>
-        </p:nvSpPr>
-        <p:spPr/>
-        <p:txBody>
-          <a:bodyPr/>
-          <a:lstStyle/>
-          <a:p>
-            <a:fld id="{0318AE31-7D37-4562-A6C9-6CAC1CEA6FBB}" type="slidenum">
-              <a:rPr lang="zh-TW" altLang="en-US" smtClean="0"/>
-              <a:pPr/>
-              <a:t>21</a:t>
-            </a:fld>
-            <a:endParaRPr lang="zh-TW" altLang="en-US"/>
-          </a:p>
-        </p:txBody>
-      </p:sp>
-    </p:spTree>
-    <p:extLst>
-      <p:ext uri="{BB962C8B-B14F-4D97-AF65-F5344CB8AC3E}">
-        <p14:creationId xmlns:p14="http://schemas.microsoft.com/office/powerpoint/2010/main" val="485461114"/>
-      </p:ext>
-    </p:extLst>
-  </p:cSld>
-  <p:clrMapOvr>
-    <a:masterClrMapping/>
-  </p:clrMapOvr>
-</p:sld>
-</file>
-
-<file path=ppt/slides/slide22.xml><?xml version="1.0" encoding="utf-8"?>
-<p:sld xmlns:a="http://schemas.openxmlformats.org/drawingml/2006/main" xmlns:r="http://schemas.openxmlformats.org/officeDocument/2006/relationships" xmlns:p="http://schemas.openxmlformats.org/presentationml/2006/main">
-  <p:cSld>
-    <p:spTree>
-      <p:nvGrpSpPr>
-        <p:cNvPr id="1" name=""/>
-        <p:cNvGrpSpPr/>
-        <p:nvPr/>
-      </p:nvGrpSpPr>
-      <p:grpSpPr>
-        <a:xfrm>
-          <a:off x="0" y="0"/>
-          <a:ext cx="0" cy="0"/>
-          <a:chOff x="0" y="0"/>
-          <a:chExt cx="0" cy="0"/>
-        </a:xfrm>
-      </p:grpSpPr>
-      <p:sp>
-        <p:nvSpPr>
-          <p:cNvPr id="5" name="標題 4">
-            <a:extLst>
-              <a:ext uri="{FF2B5EF4-FFF2-40B4-BE49-F238E27FC236}">
-                <a16:creationId xmlns:a16="http://schemas.microsoft.com/office/drawing/2014/main" id="{73829ED9-AD3C-43FB-A0DE-DF7A669558F8}"/>
-              </a:ext>
-            </a:extLst>
-          </p:cNvPr>
-          <p:cNvSpPr>
-            <a:spLocks noGrp="1"/>
-          </p:cNvSpPr>
-          <p:nvPr>
-            <p:ph type="title"/>
-          </p:nvPr>
-        </p:nvSpPr>
-        <p:spPr/>
-        <p:txBody>
-          <a:bodyPr/>
-          <a:lstStyle/>
-          <a:p>
-            <a:r>
-              <a:rPr lang="zh-TW" altLang="en-US" dirty="0"/>
-              <a:t>假設與檢定</a:t>
-            </a:r>
-          </a:p>
-        </p:txBody>
-      </p:sp>
-      <p:sp>
-        <p:nvSpPr>
-          <p:cNvPr id="6" name="文字版面配置區 5">
-            <a:extLst>
-              <a:ext uri="{FF2B5EF4-FFF2-40B4-BE49-F238E27FC236}">
-                <a16:creationId xmlns:a16="http://schemas.microsoft.com/office/drawing/2014/main" id="{D9EDD6AE-9199-499B-8D7F-6D93FB0AD946}"/>
-              </a:ext>
-            </a:extLst>
-          </p:cNvPr>
-          <p:cNvSpPr>
-            <a:spLocks noGrp="1"/>
-          </p:cNvSpPr>
-          <p:nvPr>
-            <p:ph type="body" idx="1"/>
-          </p:nvPr>
-        </p:nvSpPr>
-        <p:spPr/>
-        <p:txBody>
-          <a:bodyPr/>
-          <a:lstStyle/>
-          <a:p>
-            <a:endParaRPr lang="zh-TW" altLang="en-US"/>
-          </a:p>
-        </p:txBody>
-      </p:sp>
-      <p:sp>
-        <p:nvSpPr>
-          <p:cNvPr id="4" name="投影片編號版面配置區 3">
-            <a:extLst>
-              <a:ext uri="{FF2B5EF4-FFF2-40B4-BE49-F238E27FC236}">
-                <a16:creationId xmlns:a16="http://schemas.microsoft.com/office/drawing/2014/main" id="{E150A48A-C57D-45FD-A8E0-C118B59D1FCD}"/>
-              </a:ext>
-            </a:extLst>
-          </p:cNvPr>
-          <p:cNvSpPr>
-            <a:spLocks noGrp="1"/>
-          </p:cNvSpPr>
-          <p:nvPr>
-            <p:ph type="sldNum" sz="quarter" idx="12"/>
-          </p:nvPr>
-        </p:nvSpPr>
-        <p:spPr/>
-        <p:txBody>
-          <a:bodyPr/>
-          <a:lstStyle/>
-          <a:p>
-            <a:fld id="{0318AE31-7D37-4562-A6C9-6CAC1CEA6FBB}" type="slidenum">
-              <a:rPr lang="zh-TW" altLang="en-US" smtClean="0"/>
-              <a:pPr/>
-              <a:t>22</a:t>
-            </a:fld>
-            <a:endParaRPr lang="zh-TW" altLang="en-US"/>
-          </a:p>
-        </p:txBody>
-      </p:sp>
-    </p:spTree>
-    <p:extLst>
-      <p:ext uri="{BB962C8B-B14F-4D97-AF65-F5344CB8AC3E}">
-        <p14:creationId xmlns:p14="http://schemas.microsoft.com/office/powerpoint/2010/main" val="579898982"/>
-      </p:ext>
-    </p:extLst>
-  </p:cSld>
-  <p:clrMapOvr>
-    <a:masterClrMapping/>
-  </p:clrMapOvr>
-</p:sld>
-</file>
-
-<file path=ppt/slides/slide23.xml><?xml version="1.0" encoding="utf-8"?>
-<p:sld xmlns:a="http://schemas.openxmlformats.org/drawingml/2006/main" xmlns:r="http://schemas.openxmlformats.org/officeDocument/2006/relationships" xmlns:p="http://schemas.openxmlformats.org/presentationml/2006/main">
-  <p:cSld>
-    <p:spTree>
-      <p:nvGrpSpPr>
-        <p:cNvPr id="1" name=""/>
-        <p:cNvGrpSpPr/>
-        <p:nvPr/>
-      </p:nvGrpSpPr>
-      <p:grpSpPr>
-        <a:xfrm>
-          <a:off x="0" y="0"/>
-          <a:ext cx="0" cy="0"/>
-          <a:chOff x="0" y="0"/>
-          <a:chExt cx="0" cy="0"/>
-        </a:xfrm>
-      </p:grpSpPr>
-      <p:sp>
-        <p:nvSpPr>
-          <p:cNvPr id="4" name="標題 3">
-            <a:extLst>
-              <a:ext uri="{FF2B5EF4-FFF2-40B4-BE49-F238E27FC236}">
-                <a16:creationId xmlns:a16="http://schemas.microsoft.com/office/drawing/2014/main" id="{8EBC9425-CFC0-4FC3-9107-5FE202888980}"/>
-              </a:ext>
-            </a:extLst>
-          </p:cNvPr>
-          <p:cNvSpPr>
-            <a:spLocks noGrp="1"/>
-          </p:cNvSpPr>
-          <p:nvPr>
-            <p:ph type="title"/>
-          </p:nvPr>
-        </p:nvSpPr>
-        <p:spPr/>
-        <p:txBody>
-          <a:bodyPr/>
-          <a:lstStyle/>
-          <a:p>
-            <a:r>
-              <a:rPr lang="zh-TW" altLang="en-US" dirty="0"/>
-              <a:t>假設檢定的定義</a:t>
-            </a:r>
-          </a:p>
-        </p:txBody>
-      </p:sp>
-      <p:sp>
-        <p:nvSpPr>
-          <p:cNvPr id="5" name="內容版面配置區 4">
-            <a:extLst>
-              <a:ext uri="{FF2B5EF4-FFF2-40B4-BE49-F238E27FC236}">
-                <a16:creationId xmlns:a16="http://schemas.microsoft.com/office/drawing/2014/main" id="{35F0BE09-9033-4369-8CBC-41F8131E11A6}"/>
-              </a:ext>
-            </a:extLst>
-          </p:cNvPr>
-          <p:cNvSpPr>
-            <a:spLocks noGrp="1"/>
-          </p:cNvSpPr>
-          <p:nvPr>
-            <p:ph idx="1"/>
-          </p:nvPr>
-        </p:nvSpPr>
-        <p:spPr/>
-        <p:txBody>
-          <a:bodyPr/>
-          <a:lstStyle/>
-          <a:p>
-            <a:endParaRPr lang="zh-TW" altLang="en-US"/>
-          </a:p>
-        </p:txBody>
-      </p:sp>
-      <p:sp>
-        <p:nvSpPr>
-          <p:cNvPr id="3" name="投影片編號版面配置區 2">
-            <a:extLst>
-              <a:ext uri="{FF2B5EF4-FFF2-40B4-BE49-F238E27FC236}">
-                <a16:creationId xmlns:a16="http://schemas.microsoft.com/office/drawing/2014/main" id="{AB64ABD3-83C3-42CC-9281-E1FDCB978147}"/>
-              </a:ext>
-            </a:extLst>
-          </p:cNvPr>
-          <p:cNvSpPr>
-            <a:spLocks noGrp="1"/>
-          </p:cNvSpPr>
-          <p:nvPr>
-            <p:ph type="sldNum" sz="quarter" idx="12"/>
-          </p:nvPr>
-        </p:nvSpPr>
-        <p:spPr/>
-        <p:txBody>
-          <a:bodyPr/>
-          <a:lstStyle/>
-          <a:p>
-            <a:fld id="{0318AE31-7D37-4562-A6C9-6CAC1CEA6FBB}" type="slidenum">
-              <a:rPr lang="zh-TW" altLang="en-US" smtClean="0"/>
-              <a:pPr/>
-              <a:t>23</a:t>
-            </a:fld>
-            <a:endParaRPr lang="zh-TW" altLang="en-US"/>
-          </a:p>
-        </p:txBody>
-      </p:sp>
-    </p:spTree>
-    <p:extLst>
-      <p:ext uri="{BB962C8B-B14F-4D97-AF65-F5344CB8AC3E}">
-        <p14:creationId xmlns:p14="http://schemas.microsoft.com/office/powerpoint/2010/main" val="2573238114"/>
       </p:ext>
     </p:extLst>
   </p:cSld>
@@ -10305,7 +10575,15 @@
           <a:p>
             <a:r>
               <a:rPr lang="zh-TW" altLang="en-US" dirty="0"/>
-              <a:t>假設檢定程序</a:t>
+              <a:t>迴歸</a:t>
+            </a:r>
+            <a:r>
+              <a:rPr lang="en-US" altLang="zh-TW" dirty="0"/>
+              <a:t>ANOVA</a:t>
+            </a:r>
+            <a:r>
+              <a:rPr lang="zh-TW" altLang="en-US" dirty="0"/>
+              <a:t>檢定</a:t>
             </a:r>
           </a:p>
         </p:txBody>
@@ -10368,7 +10646,7 @@
     </p:spTree>
     <p:extLst>
       <p:ext uri="{BB962C8B-B14F-4D97-AF65-F5344CB8AC3E}">
-        <p14:creationId xmlns:p14="http://schemas.microsoft.com/office/powerpoint/2010/main" val="2725382240"/>
+        <p14:creationId xmlns:p14="http://schemas.microsoft.com/office/powerpoint/2010/main" val="1189170711"/>
       </p:ext>
     </p:extLst>
   </p:cSld>
@@ -10417,12 +10695,8 @@
           <a:lstStyle/>
           <a:p>
             <a:r>
-              <a:rPr lang="en-US" altLang="zh-TW" dirty="0"/>
-              <a:t>t</a:t>
-            </a:r>
-            <a:r>
-              <a:rPr lang="zh-TW" altLang="en-US" dirty="0"/>
-              <a:t>檢定</a:t>
+              <a:rPr lang="zh-TW" altLang="en-US" dirty="0"/>
+              <a:t>複迴歸分析</a:t>
             </a:r>
           </a:p>
         </p:txBody>
@@ -10448,7 +10722,99 @@
           <a:bodyPr/>
           <a:lstStyle/>
           <a:p>
-            <a:endParaRPr lang="zh-TW" altLang="en-US"/>
+            <a:r>
+              <a:rPr lang="zh-TW" altLang="en-US" dirty="0"/>
+              <a:t>監督式學習</a:t>
+            </a:r>
+            <a:endParaRPr lang="en-US" altLang="zh-TW" dirty="0"/>
+          </a:p>
+          <a:p>
+            <a:r>
+              <a:rPr lang="zh-TW" altLang="en-US" dirty="0"/>
+              <a:t>建立多個</a:t>
+            </a:r>
+            <a:r>
+              <a:rPr lang="en-US" altLang="zh-TW" dirty="0"/>
+              <a:t>X</a:t>
+            </a:r>
+            <a:r>
+              <a:rPr lang="zh-TW" altLang="en-US" dirty="0"/>
+              <a:t>與單個</a:t>
+            </a:r>
+            <a:r>
+              <a:rPr lang="en-US" altLang="zh-TW" dirty="0"/>
+              <a:t>Y</a:t>
+            </a:r>
+            <a:r>
+              <a:rPr lang="zh-TW" altLang="en-US" dirty="0"/>
+              <a:t>之間關係的數學模式</a:t>
+            </a:r>
+            <a:endParaRPr lang="en-US" altLang="zh-TW" dirty="0"/>
+          </a:p>
+          <a:p>
+            <a:r>
+              <a:rPr lang="en-US" altLang="zh-TW" dirty="0"/>
+              <a:t>X1</a:t>
+            </a:r>
+            <a:r>
+              <a:rPr lang="zh-TW" altLang="en-US" dirty="0"/>
+              <a:t>、</a:t>
+            </a:r>
+            <a:r>
+              <a:rPr lang="en-US" altLang="zh-TW" dirty="0"/>
+              <a:t>X2……(</a:t>
+            </a:r>
+            <a:r>
+              <a:rPr lang="zh-TW" altLang="en-US" dirty="0"/>
+              <a:t>數值型</a:t>
+            </a:r>
+            <a:r>
+              <a:rPr lang="en-US" altLang="zh-TW" dirty="0"/>
+              <a:t>)</a:t>
+            </a:r>
+            <a:r>
+              <a:rPr lang="en-US" altLang="zh-TW" dirty="0">
+                <a:sym typeface="Wingdings" panose="05000000000000000000" pitchFamily="2" charset="2"/>
+              </a:rPr>
+              <a:t>Y(</a:t>
+            </a:r>
+            <a:r>
+              <a:rPr lang="zh-TW" altLang="en-US" dirty="0"/>
+              <a:t>數值型</a:t>
+            </a:r>
+            <a:r>
+              <a:rPr lang="en-US" altLang="zh-TW" dirty="0">
+                <a:sym typeface="Wingdings" panose="05000000000000000000" pitchFamily="2" charset="2"/>
+              </a:rPr>
+              <a:t>)</a:t>
+            </a:r>
+          </a:p>
+          <a:p>
+            <a:r>
+              <a:rPr lang="zh-TW" altLang="en-US" dirty="0"/>
+              <a:t>迴歸式：</a:t>
+            </a:r>
+            <a:r>
+              <a:rPr lang="en-US" altLang="zh-TW" dirty="0"/>
+              <a:t>Y</a:t>
+            </a:r>
+            <a:r>
+              <a:rPr lang="zh-TW" altLang="en-US" dirty="0"/>
+              <a:t> </a:t>
+            </a:r>
+            <a:r>
+              <a:rPr lang="en-US" altLang="zh-TW" dirty="0"/>
+              <a:t>=</a:t>
+            </a:r>
+            <a:r>
+              <a:rPr lang="zh-TW" altLang="en-US" dirty="0"/>
+              <a:t> </a:t>
+            </a:r>
+            <a:r>
+              <a:rPr lang="en-US" altLang="zh-TW" dirty="0"/>
+              <a:t>f(X1,X2,……) = a1*X1 + a2*X2 +……+ b</a:t>
+            </a:r>
+            <a:endParaRPr lang="zh-TW" altLang="en-US" dirty="0"/>
           </a:p>
         </p:txBody>
       </p:sp>
@@ -10485,7 +10851,7 @@
     </p:spTree>
     <p:extLst>
       <p:ext uri="{BB962C8B-B14F-4D97-AF65-F5344CB8AC3E}">
-        <p14:creationId xmlns:p14="http://schemas.microsoft.com/office/powerpoint/2010/main" val="3293762289"/>
+        <p14:creationId xmlns:p14="http://schemas.microsoft.com/office/powerpoint/2010/main" val="485461114"/>
       </p:ext>
     </p:extLst>
   </p:cSld>
@@ -10514,10 +10880,10 @@
       </p:grpSpPr>
       <p:sp>
         <p:nvSpPr>
-          <p:cNvPr id="4" name="標題 3">
+          <p:cNvPr id="5" name="標題 4">
             <a:extLst>
               <a:ext uri="{FF2B5EF4-FFF2-40B4-BE49-F238E27FC236}">
-                <a16:creationId xmlns:a16="http://schemas.microsoft.com/office/drawing/2014/main" id="{8EBC9425-CFC0-4FC3-9107-5FE202888980}"/>
+                <a16:creationId xmlns:a16="http://schemas.microsoft.com/office/drawing/2014/main" id="{73829ED9-AD3C-43FB-A0DE-DF7A669558F8}"/>
               </a:ext>
             </a:extLst>
           </p:cNvPr>
@@ -10534,22 +10900,18 @@
           <a:lstStyle/>
           <a:p>
             <a:r>
-              <a:rPr lang="en-US" altLang="zh-TW" dirty="0"/>
-              <a:t>ANOVA</a:t>
-            </a:r>
-            <a:r>
-              <a:rPr lang="zh-TW" altLang="en-US" dirty="0"/>
-              <a:t>檢定</a:t>
-            </a:r>
-          </a:p>
-        </p:txBody>
-      </p:sp>
-      <p:sp>
-        <p:nvSpPr>
-          <p:cNvPr id="5" name="內容版面配置區 4">
+              <a:rPr lang="zh-TW" altLang="en-US" dirty="0"/>
+              <a:t>分群</a:t>
+            </a:r>
+          </a:p>
+        </p:txBody>
+      </p:sp>
+      <p:sp>
+        <p:nvSpPr>
+          <p:cNvPr id="6" name="文字版面配置區 5">
             <a:extLst>
               <a:ext uri="{FF2B5EF4-FFF2-40B4-BE49-F238E27FC236}">
-                <a16:creationId xmlns:a16="http://schemas.microsoft.com/office/drawing/2014/main" id="{35F0BE09-9033-4369-8CBC-41F8131E11A6}"/>
+                <a16:creationId xmlns:a16="http://schemas.microsoft.com/office/drawing/2014/main" id="{D9EDD6AE-9199-499B-8D7F-6D93FB0AD946}"/>
               </a:ext>
             </a:extLst>
           </p:cNvPr>
@@ -10557,7 +10919,7 @@
             <a:spLocks noGrp="1"/>
           </p:cNvSpPr>
           <p:nvPr>
-            <p:ph idx="1"/>
+            <p:ph type="body" idx="1"/>
           </p:nvPr>
         </p:nvSpPr>
         <p:spPr/>
@@ -10571,10 +10933,10 @@
       </p:sp>
       <p:sp>
         <p:nvSpPr>
-          <p:cNvPr id="3" name="投影片編號版面配置區 2">
+          <p:cNvPr id="4" name="投影片編號版面配置區 3">
             <a:extLst>
               <a:ext uri="{FF2B5EF4-FFF2-40B4-BE49-F238E27FC236}">
-                <a16:creationId xmlns:a16="http://schemas.microsoft.com/office/drawing/2014/main" id="{AB64ABD3-83C3-42CC-9281-E1FDCB978147}"/>
+                <a16:creationId xmlns:a16="http://schemas.microsoft.com/office/drawing/2014/main" id="{E150A48A-C57D-45FD-A8E0-C118B59D1FCD}"/>
               </a:ext>
             </a:extLst>
           </p:cNvPr>
@@ -10602,7 +10964,7 @@
     </p:spTree>
     <p:extLst>
       <p:ext uri="{BB962C8B-B14F-4D97-AF65-F5344CB8AC3E}">
-        <p14:creationId xmlns:p14="http://schemas.microsoft.com/office/powerpoint/2010/main" val="1189170711"/>
+        <p14:creationId xmlns:p14="http://schemas.microsoft.com/office/powerpoint/2010/main" val="1073629335"/>
       </p:ext>
     </p:extLst>
   </p:cSld>
@@ -10629,40 +10991,42 @@
           <a:chExt cx="0" cy="0"/>
         </a:xfrm>
       </p:grpSpPr>
-      <p:sp>
-        <p:nvSpPr>
-          <p:cNvPr id="5" name="標題 4">
+      <p:pic>
+        <p:nvPicPr>
+          <p:cNvPr id="8" name="圖片 7">
             <a:extLst>
               <a:ext uri="{FF2B5EF4-FFF2-40B4-BE49-F238E27FC236}">
-                <a16:creationId xmlns:a16="http://schemas.microsoft.com/office/drawing/2014/main" id="{73829ED9-AD3C-43FB-A0DE-DF7A669558F8}"/>
+                <a16:creationId xmlns:a16="http://schemas.microsoft.com/office/drawing/2014/main" id="{59860971-EA88-4788-88C4-DD9F2787CE53}"/>
               </a:ext>
             </a:extLst>
           </p:cNvPr>
-          <p:cNvSpPr>
-            <a:spLocks noGrp="1"/>
-          </p:cNvSpPr>
-          <p:nvPr>
-            <p:ph type="title"/>
-          </p:nvPr>
-        </p:nvSpPr>
-        <p:spPr/>
-        <p:txBody>
-          <a:bodyPr/>
-          <a:lstStyle/>
-          <a:p>
-            <a:r>
-              <a:rPr lang="zh-TW" altLang="en-US" dirty="0"/>
-              <a:t>分群</a:t>
-            </a:r>
-          </a:p>
-        </p:txBody>
-      </p:sp>
-      <p:sp>
-        <p:nvSpPr>
-          <p:cNvPr id="6" name="文字版面配置區 5">
+          <p:cNvPicPr>
+            <a:picLocks noChangeAspect="1"/>
+          </p:cNvPicPr>
+          <p:nvPr/>
+        </p:nvPicPr>
+        <p:blipFill>
+          <a:blip r:embed="rId2"/>
+          <a:stretch>
+            <a:fillRect/>
+          </a:stretch>
+        </p:blipFill>
+        <p:spPr>
+          <a:xfrm>
+            <a:off x="5832098" y="2465218"/>
+            <a:ext cx="6230909" cy="4289394"/>
+          </a:xfrm>
+          <a:prstGeom prst="rect">
+            <a:avLst/>
+          </a:prstGeom>
+        </p:spPr>
+      </p:pic>
+      <p:sp>
+        <p:nvSpPr>
+          <p:cNvPr id="4" name="標題 3">
             <a:extLst>
               <a:ext uri="{FF2B5EF4-FFF2-40B4-BE49-F238E27FC236}">
-                <a16:creationId xmlns:a16="http://schemas.microsoft.com/office/drawing/2014/main" id="{D9EDD6AE-9199-499B-8D7F-6D93FB0AD946}"/>
+                <a16:creationId xmlns:a16="http://schemas.microsoft.com/office/drawing/2014/main" id="{8EBC9425-CFC0-4FC3-9107-5FE202888980}"/>
               </a:ext>
             </a:extLst>
           </p:cNvPr>
@@ -10670,7 +11034,7 @@
             <a:spLocks noGrp="1"/>
           </p:cNvSpPr>
           <p:nvPr>
-            <p:ph type="body" idx="1"/>
+            <p:ph type="title"/>
           </p:nvPr>
         </p:nvSpPr>
         <p:spPr/>
@@ -10678,16 +11042,96 @@
           <a:bodyPr/>
           <a:lstStyle/>
           <a:p>
-            <a:endParaRPr lang="zh-TW" altLang="en-US"/>
-          </a:p>
-        </p:txBody>
-      </p:sp>
-      <p:sp>
-        <p:nvSpPr>
-          <p:cNvPr id="4" name="投影片編號版面配置區 3">
+            <a:r>
+              <a:rPr lang="en-US" altLang="zh-TW" dirty="0"/>
+              <a:t>Hierarchical</a:t>
+            </a:r>
+            <a:r>
+              <a:rPr lang="zh-TW" altLang="en-US" dirty="0"/>
+              <a:t>分群</a:t>
+            </a:r>
+          </a:p>
+        </p:txBody>
+      </p:sp>
+      <p:sp>
+        <p:nvSpPr>
+          <p:cNvPr id="5" name="內容版面配置區 4">
             <a:extLst>
               <a:ext uri="{FF2B5EF4-FFF2-40B4-BE49-F238E27FC236}">
-                <a16:creationId xmlns:a16="http://schemas.microsoft.com/office/drawing/2014/main" id="{E150A48A-C57D-45FD-A8E0-C118B59D1FCD}"/>
+                <a16:creationId xmlns:a16="http://schemas.microsoft.com/office/drawing/2014/main" id="{35F0BE09-9033-4369-8CBC-41F8131E11A6}"/>
+              </a:ext>
+            </a:extLst>
+          </p:cNvPr>
+          <p:cNvSpPr>
+            <a:spLocks noGrp="1"/>
+          </p:cNvSpPr>
+          <p:nvPr>
+            <p:ph idx="1"/>
+          </p:nvPr>
+        </p:nvSpPr>
+        <p:spPr/>
+        <p:txBody>
+          <a:bodyPr/>
+          <a:lstStyle/>
+          <a:p>
+            <a:r>
+              <a:rPr lang="zh-TW" altLang="en-US" dirty="0"/>
+              <a:t>非監督式學習</a:t>
+            </a:r>
+            <a:endParaRPr lang="en-US" altLang="zh-TW" dirty="0"/>
+          </a:p>
+          <a:p>
+            <a:r>
+              <a:rPr lang="zh-TW" altLang="en-US" dirty="0"/>
+              <a:t>主要是以資料之間的「距離」遠近去做階層式的劃分</a:t>
+            </a:r>
+            <a:endParaRPr lang="en-US" altLang="zh-TW" dirty="0"/>
+          </a:p>
+          <a:p>
+            <a:r>
+              <a:rPr lang="zh-TW" altLang="en-US" dirty="0"/>
+              <a:t>沒有訓練的過程，直接把整個資料丟進去執行</a:t>
+            </a:r>
+            <a:endParaRPr lang="en-US" altLang="zh-TW" dirty="0"/>
+          </a:p>
+          <a:p>
+            <a:r>
+              <a:rPr lang="zh-TW" altLang="en-US" dirty="0"/>
+              <a:t>距離方法</a:t>
+            </a:r>
+            <a:endParaRPr lang="en-US" altLang="zh-TW" dirty="0"/>
+          </a:p>
+          <a:p>
+            <a:pPr lvl="1"/>
+            <a:r>
+              <a:rPr lang="zh-TW" altLang="en-US" dirty="0"/>
+              <a:t>歐式距離</a:t>
+            </a:r>
+            <a:endParaRPr lang="en-US" altLang="zh-TW" dirty="0"/>
+          </a:p>
+          <a:p>
+            <a:pPr lvl="1"/>
+            <a:endParaRPr lang="en-US" altLang="zh-TW" dirty="0"/>
+          </a:p>
+          <a:p>
+            <a:pPr lvl="1"/>
+            <a:endParaRPr lang="en-US" altLang="zh-TW" dirty="0"/>
+          </a:p>
+          <a:p>
+            <a:pPr lvl="1"/>
+            <a:r>
+              <a:rPr lang="zh-TW" altLang="en-US" dirty="0"/>
+              <a:t>曼哈頓距離</a:t>
+            </a:r>
+          </a:p>
+        </p:txBody>
+      </p:sp>
+      <p:sp>
+        <p:nvSpPr>
+          <p:cNvPr id="3" name="投影片編號版面配置區 2">
+            <a:extLst>
+              <a:ext uri="{FF2B5EF4-FFF2-40B4-BE49-F238E27FC236}">
+                <a16:creationId xmlns:a16="http://schemas.microsoft.com/office/drawing/2014/main" id="{AB64ABD3-83C3-42CC-9281-E1FDCB978147}"/>
               </a:ext>
             </a:extLst>
           </p:cNvPr>
@@ -10712,10 +11156,75 @@
           </a:p>
         </p:txBody>
       </p:sp>
+      <p:pic>
+        <p:nvPicPr>
+          <p:cNvPr id="9" name="圖片 8">
+            <a:extLst>
+              <a:ext uri="{FF2B5EF4-FFF2-40B4-BE49-F238E27FC236}">
+                <a16:creationId xmlns:a16="http://schemas.microsoft.com/office/drawing/2014/main" id="{0348B368-AFA2-417B-A37B-3ACC5304D373}"/>
+              </a:ext>
+            </a:extLst>
+          </p:cNvPr>
+          <p:cNvPicPr>
+            <a:picLocks noChangeAspect="1"/>
+          </p:cNvPicPr>
+          <p:nvPr/>
+        </p:nvPicPr>
+        <p:blipFill>
+          <a:blip r:embed="rId3"/>
+          <a:stretch>
+            <a:fillRect/>
+          </a:stretch>
+        </p:blipFill>
+        <p:spPr>
+          <a:xfrm>
+            <a:off x="1661386" y="4786029"/>
+            <a:ext cx="3461505" cy="397222"/>
+          </a:xfrm>
+          <a:prstGeom prst="rect">
+            <a:avLst/>
+          </a:prstGeom>
+        </p:spPr>
+      </p:pic>
+      <p:pic>
+        <p:nvPicPr>
+          <p:cNvPr id="12" name="圖片 11">
+            <a:extLst>
+              <a:ext uri="{FF2B5EF4-FFF2-40B4-BE49-F238E27FC236}">
+                <a16:creationId xmlns:a16="http://schemas.microsoft.com/office/drawing/2014/main" id="{63965E30-D63E-4F21-99D5-78778685AF3A}"/>
+              </a:ext>
+            </a:extLst>
+          </p:cNvPr>
+          <p:cNvPicPr>
+            <a:picLocks noChangeAspect="1"/>
+          </p:cNvPicPr>
+          <p:nvPr/>
+        </p:nvPicPr>
+        <p:blipFill rotWithShape="1">
+          <a:blip r:embed="rId4">
+            <a:extLst>
+              <a:ext uri="{28A0092B-C50C-407E-A947-70E740481C1C}">
+                <a14:useLocalDpi xmlns:a14="http://schemas.microsoft.com/office/drawing/2010/main" val="0"/>
+              </a:ext>
+            </a:extLst>
+          </a:blip>
+          <a:srcRect t="-1" r="50000" b="2558"/>
+          <a:stretch/>
+        </p:blipFill>
+        <p:spPr>
+          <a:xfrm>
+            <a:off x="1661386" y="3408606"/>
+            <a:ext cx="3347526" cy="651293"/>
+          </a:xfrm>
+          <a:prstGeom prst="rect">
+            <a:avLst/>
+          </a:prstGeom>
+        </p:spPr>
+      </p:pic>
     </p:spTree>
     <p:extLst>
       <p:ext uri="{BB962C8B-B14F-4D97-AF65-F5344CB8AC3E}">
-        <p14:creationId xmlns:p14="http://schemas.microsoft.com/office/powerpoint/2010/main" val="1073629335"/>
+        <p14:creationId xmlns:p14="http://schemas.microsoft.com/office/powerpoint/2010/main" val="387170957"/>
       </p:ext>
     </p:extLst>
   </p:cSld>
@@ -10765,7 +11274,7 @@
           <a:p>
             <a:r>
               <a:rPr lang="en-US" altLang="zh-TW" dirty="0"/>
-              <a:t>Hierarchical</a:t>
+              <a:t>K-Means</a:t>
             </a:r>
             <a:r>
               <a:rPr lang="zh-TW" altLang="en-US" dirty="0"/>
@@ -10795,7 +11304,52 @@
           <a:bodyPr/>
           <a:lstStyle/>
           <a:p>
-            <a:endParaRPr lang="zh-TW" altLang="en-US"/>
+            <a:r>
+              <a:rPr lang="zh-TW" altLang="en-US" dirty="0"/>
+              <a:t>非監督式學習</a:t>
+            </a:r>
+            <a:endParaRPr lang="en-US" altLang="zh-TW" dirty="0"/>
+          </a:p>
+          <a:p>
+            <a:r>
+              <a:rPr lang="zh-TW" altLang="en-US" dirty="0"/>
+              <a:t>機器使用演算法自動將資料分成</a:t>
+            </a:r>
+            <a:r>
+              <a:rPr lang="en-US" altLang="zh-TW" dirty="0"/>
+              <a:t>K</a:t>
+            </a:r>
+            <a:r>
+              <a:rPr lang="zh-TW" altLang="en-US" dirty="0"/>
+              <a:t>個群聚</a:t>
+            </a:r>
+            <a:r>
+              <a:rPr lang="en-US" altLang="zh-TW" dirty="0"/>
+              <a:t>(cluster)</a:t>
+            </a:r>
+          </a:p>
+          <a:p>
+            <a:r>
+              <a:rPr lang="zh-TW" altLang="en-US" dirty="0"/>
+              <a:t>沒有訓練的過程，直接把整個資料丟進去執行</a:t>
+            </a:r>
+            <a:endParaRPr lang="en-US" altLang="zh-TW" dirty="0"/>
+          </a:p>
+          <a:p>
+            <a:r>
+              <a:rPr lang="zh-TW" altLang="en-US" dirty="0"/>
+              <a:t>自己選定</a:t>
+            </a:r>
+            <a:r>
+              <a:rPr lang="en-US" altLang="zh-TW" dirty="0"/>
+              <a:t>K</a:t>
+            </a:r>
+          </a:p>
+          <a:p>
+            <a:endParaRPr lang="en-US" altLang="zh-TW" dirty="0"/>
+          </a:p>
+          <a:p>
+            <a:endParaRPr lang="zh-TW" altLang="en-US" dirty="0"/>
           </a:p>
         </p:txBody>
       </p:sp>
@@ -10829,10 +11383,40 @@
           </a:p>
         </p:txBody>
       </p:sp>
+      <p:pic>
+        <p:nvPicPr>
+          <p:cNvPr id="6" name="圖片 5">
+            <a:extLst>
+              <a:ext uri="{FF2B5EF4-FFF2-40B4-BE49-F238E27FC236}">
+                <a16:creationId xmlns:a16="http://schemas.microsoft.com/office/drawing/2014/main" id="{94069187-1D4F-4CB5-871E-6A7C89088912}"/>
+              </a:ext>
+            </a:extLst>
+          </p:cNvPr>
+          <p:cNvPicPr>
+            <a:picLocks noChangeAspect="1"/>
+          </p:cNvPicPr>
+          <p:nvPr/>
+        </p:nvPicPr>
+        <p:blipFill>
+          <a:blip r:embed="rId2"/>
+          <a:stretch>
+            <a:fillRect/>
+          </a:stretch>
+        </p:blipFill>
+        <p:spPr>
+          <a:xfrm>
+            <a:off x="5826642" y="2457725"/>
+            <a:ext cx="6365358" cy="4381949"/>
+          </a:xfrm>
+          <a:prstGeom prst="rect">
+            <a:avLst/>
+          </a:prstGeom>
+        </p:spPr>
+      </p:pic>
     </p:spTree>
     <p:extLst>
       <p:ext uri="{BB962C8B-B14F-4D97-AF65-F5344CB8AC3E}">
-        <p14:creationId xmlns:p14="http://schemas.microsoft.com/office/powerpoint/2010/main" val="387170957"/>
+        <p14:creationId xmlns:p14="http://schemas.microsoft.com/office/powerpoint/2010/main" val="443907232"/>
       </p:ext>
     </p:extLst>
   </p:cSld>
@@ -10880,14 +11464,7 @@
           <a:bodyPr/>
           <a:lstStyle/>
           <a:p>
-            <a:r>
-              <a:rPr lang="en-US" altLang="zh-TW" dirty="0"/>
-              <a:t>K-Means</a:t>
-            </a:r>
-            <a:r>
-              <a:rPr lang="zh-TW" altLang="en-US" dirty="0"/>
-              <a:t>分群</a:t>
-            </a:r>
+            <a:endParaRPr lang="zh-TW" altLang="en-US"/>
           </a:p>
         </p:txBody>
       </p:sp>
@@ -10949,7 +11526,7 @@
     </p:spTree>
     <p:extLst>
       <p:ext uri="{BB962C8B-B14F-4D97-AF65-F5344CB8AC3E}">
-        <p14:creationId xmlns:p14="http://schemas.microsoft.com/office/powerpoint/2010/main" val="443907232"/>
+        <p14:creationId xmlns:p14="http://schemas.microsoft.com/office/powerpoint/2010/main" val="524460523"/>
       </p:ext>
     </p:extLst>
   </p:cSld>
@@ -11172,7 +11749,7 @@
     </p:spTree>
     <p:extLst>
       <p:ext uri="{BB962C8B-B14F-4D97-AF65-F5344CB8AC3E}">
-        <p14:creationId xmlns:p14="http://schemas.microsoft.com/office/powerpoint/2010/main" val="524460523"/>
+        <p14:creationId xmlns:p14="http://schemas.microsoft.com/office/powerpoint/2010/main" val="1069901247"/>
       </p:ext>
     </p:extLst>
   </p:cSld>
@@ -11274,116 +11851,6 @@
               <a:rPr lang="zh-TW" altLang="en-US" smtClean="0"/>
               <a:pPr/>
               <a:t>31</a:t>
-            </a:fld>
-            <a:endParaRPr lang="zh-TW" altLang="en-US"/>
-          </a:p>
-        </p:txBody>
-      </p:sp>
-    </p:spTree>
-    <p:extLst>
-      <p:ext uri="{BB962C8B-B14F-4D97-AF65-F5344CB8AC3E}">
-        <p14:creationId xmlns:p14="http://schemas.microsoft.com/office/powerpoint/2010/main" val="1069901247"/>
-      </p:ext>
-    </p:extLst>
-  </p:cSld>
-  <p:clrMapOvr>
-    <a:masterClrMapping/>
-  </p:clrMapOvr>
-</p:sld>
-</file>
-
-<file path=ppt/slides/slide32.xml><?xml version="1.0" encoding="utf-8"?>
-<p:sld xmlns:a="http://schemas.openxmlformats.org/drawingml/2006/main" xmlns:r="http://schemas.openxmlformats.org/officeDocument/2006/relationships" xmlns:p="http://schemas.openxmlformats.org/presentationml/2006/main">
-  <p:cSld>
-    <p:spTree>
-      <p:nvGrpSpPr>
-        <p:cNvPr id="1" name=""/>
-        <p:cNvGrpSpPr/>
-        <p:nvPr/>
-      </p:nvGrpSpPr>
-      <p:grpSpPr>
-        <a:xfrm>
-          <a:off x="0" y="0"/>
-          <a:ext cx="0" cy="0"/>
-          <a:chOff x="0" y="0"/>
-          <a:chExt cx="0" cy="0"/>
-        </a:xfrm>
-      </p:grpSpPr>
-      <p:sp>
-        <p:nvSpPr>
-          <p:cNvPr id="4" name="標題 3">
-            <a:extLst>
-              <a:ext uri="{FF2B5EF4-FFF2-40B4-BE49-F238E27FC236}">
-                <a16:creationId xmlns:a16="http://schemas.microsoft.com/office/drawing/2014/main" id="{8EBC9425-CFC0-4FC3-9107-5FE202888980}"/>
-              </a:ext>
-            </a:extLst>
-          </p:cNvPr>
-          <p:cNvSpPr>
-            <a:spLocks noGrp="1"/>
-          </p:cNvSpPr>
-          <p:nvPr>
-            <p:ph type="title"/>
-          </p:nvPr>
-        </p:nvSpPr>
-        <p:spPr/>
-        <p:txBody>
-          <a:bodyPr/>
-          <a:lstStyle/>
-          <a:p>
-            <a:endParaRPr lang="zh-TW" altLang="en-US"/>
-          </a:p>
-        </p:txBody>
-      </p:sp>
-      <p:sp>
-        <p:nvSpPr>
-          <p:cNvPr id="5" name="內容版面配置區 4">
-            <a:extLst>
-              <a:ext uri="{FF2B5EF4-FFF2-40B4-BE49-F238E27FC236}">
-                <a16:creationId xmlns:a16="http://schemas.microsoft.com/office/drawing/2014/main" id="{35F0BE09-9033-4369-8CBC-41F8131E11A6}"/>
-              </a:ext>
-            </a:extLst>
-          </p:cNvPr>
-          <p:cNvSpPr>
-            <a:spLocks noGrp="1"/>
-          </p:cNvSpPr>
-          <p:nvPr>
-            <p:ph idx="1"/>
-          </p:nvPr>
-        </p:nvSpPr>
-        <p:spPr/>
-        <p:txBody>
-          <a:bodyPr/>
-          <a:lstStyle/>
-          <a:p>
-            <a:endParaRPr lang="zh-TW" altLang="en-US"/>
-          </a:p>
-        </p:txBody>
-      </p:sp>
-      <p:sp>
-        <p:nvSpPr>
-          <p:cNvPr id="3" name="投影片編號版面配置區 2">
-            <a:extLst>
-              <a:ext uri="{FF2B5EF4-FFF2-40B4-BE49-F238E27FC236}">
-                <a16:creationId xmlns:a16="http://schemas.microsoft.com/office/drawing/2014/main" id="{AB64ABD3-83C3-42CC-9281-E1FDCB978147}"/>
-              </a:ext>
-            </a:extLst>
-          </p:cNvPr>
-          <p:cNvSpPr>
-            <a:spLocks noGrp="1"/>
-          </p:cNvSpPr>
-          <p:nvPr>
-            <p:ph type="sldNum" sz="quarter" idx="12"/>
-          </p:nvPr>
-        </p:nvSpPr>
-        <p:spPr/>
-        <p:txBody>
-          <a:bodyPr/>
-          <a:lstStyle/>
-          <a:p>
-            <a:fld id="{0318AE31-7D37-4562-A6C9-6CAC1CEA6FBB}" type="slidenum">
-              <a:rPr lang="zh-TW" altLang="en-US" smtClean="0"/>
-              <a:pPr/>
-              <a:t>32</a:t>
             </a:fld>
             <a:endParaRPr lang="zh-TW" altLang="en-US"/>
           </a:p>
@@ -11745,7 +12212,12 @@
             <p:ph idx="1"/>
           </p:nvPr>
         </p:nvSpPr>
-        <p:spPr/>
+        <p:spPr>
+          <a:xfrm>
+            <a:off x="838200" y="1036318"/>
+            <a:ext cx="10515600" cy="5534603"/>
+          </a:xfrm>
+        </p:spPr>
         <p:txBody>
           <a:bodyPr>
             <a:normAutofit/>
@@ -11756,21 +12228,38 @@
               <a:rPr lang="zh-TW" altLang="en-US" dirty="0"/>
               <a:t>平均數</a:t>
             </a:r>
-            <a:endParaRPr lang="en-US" altLang="zh-TW" dirty="0"/>
+            <a:r>
+              <a:rPr lang="en-US" altLang="zh-TW" dirty="0"/>
+              <a:t>(Mean)</a:t>
+            </a:r>
           </a:p>
           <a:p>
             <a:r>
               <a:rPr lang="zh-TW" altLang="en-US" dirty="0"/>
               <a:t>中位數</a:t>
             </a:r>
-            <a:endParaRPr lang="en-US" altLang="zh-TW" dirty="0"/>
+            <a:r>
+              <a:rPr lang="en-US" altLang="zh-TW" dirty="0"/>
+              <a:t>(Median</a:t>
+            </a:r>
+            <a:r>
+              <a:rPr lang="zh-TW" altLang="en-US" dirty="0"/>
+              <a:t>、</a:t>
+            </a:r>
+            <a:r>
+              <a:rPr lang="en-US" altLang="zh-TW" dirty="0"/>
+              <a:t>Q2)</a:t>
+            </a:r>
           </a:p>
           <a:p>
             <a:r>
               <a:rPr lang="zh-TW" altLang="en-US" dirty="0"/>
               <a:t>眾數</a:t>
             </a:r>
-            <a:endParaRPr lang="en-US" altLang="zh-TW" dirty="0"/>
+            <a:r>
+              <a:rPr lang="en-US" altLang="zh-TW" dirty="0"/>
+              <a:t>(Mode)</a:t>
+            </a:r>
           </a:p>
           <a:p>
             <a:r>
@@ -11915,28 +12404,87 @@
               <a:rPr lang="zh-TW" altLang="en-US" dirty="0"/>
               <a:t>全距</a:t>
             </a:r>
-            <a:endParaRPr lang="en-US" altLang="zh-TW" dirty="0"/>
+            <a:r>
+              <a:rPr lang="en-US" altLang="zh-TW" dirty="0"/>
+              <a:t>(Range)</a:t>
+            </a:r>
           </a:p>
           <a:p>
             <a:r>
               <a:rPr lang="zh-TW" altLang="en-US" dirty="0"/>
               <a:t>四分位距</a:t>
             </a:r>
-            <a:endParaRPr lang="en-US" altLang="zh-TW" dirty="0"/>
+            <a:r>
+              <a:rPr lang="en-US" altLang="zh-TW" dirty="0"/>
+              <a:t>(IQR)</a:t>
+            </a:r>
+            <a:r>
+              <a:rPr lang="zh-TW" altLang="en-US" dirty="0"/>
+              <a:t>：</a:t>
+            </a:r>
+            <a:r>
+              <a:rPr lang="en-US" altLang="zh-TW" dirty="0"/>
+              <a:t>Q3-Q1</a:t>
+            </a:r>
+          </a:p>
+          <a:p>
+            <a:pPr lvl="1"/>
+            <a:r>
+              <a:rPr lang="en-US" altLang="zh-TW" dirty="0"/>
+              <a:t>Outliner</a:t>
+            </a:r>
+            <a:r>
+              <a:rPr lang="zh-TW" altLang="en-US" dirty="0"/>
+              <a:t>：數值</a:t>
+            </a:r>
+            <a:r>
+              <a:rPr lang="en-US" altLang="zh-TW" dirty="0"/>
+              <a:t>&gt;Q3+1.5</a:t>
+            </a:r>
+            <a:r>
+              <a:rPr lang="zh-TW" altLang="en-US" dirty="0"/>
+              <a:t>*</a:t>
+            </a:r>
+            <a:r>
+              <a:rPr lang="en-US" altLang="zh-TW" dirty="0"/>
+              <a:t>IQR</a:t>
+            </a:r>
+            <a:r>
+              <a:rPr lang="zh-TW" altLang="en-US" dirty="0"/>
+              <a:t>  及  數值</a:t>
+            </a:r>
+            <a:r>
+              <a:rPr lang="en-US" altLang="zh-TW" dirty="0"/>
+              <a:t>&lt;Q1-1.5</a:t>
+            </a:r>
+            <a:r>
+              <a:rPr lang="zh-TW" altLang="en-US" dirty="0"/>
+              <a:t>*</a:t>
+            </a:r>
+            <a:r>
+              <a:rPr lang="en-US" altLang="zh-TW" dirty="0"/>
+              <a:t>IQR</a:t>
+            </a:r>
           </a:p>
           <a:p>
             <a:r>
               <a:rPr lang="zh-TW" altLang="en-US" dirty="0"/>
               <a:t>變異數</a:t>
             </a:r>
-            <a:endParaRPr lang="en-US" altLang="zh-TW" dirty="0"/>
+            <a:r>
+              <a:rPr lang="en-US" altLang="zh-TW" dirty="0"/>
+              <a:t>(VAR)</a:t>
+            </a:r>
           </a:p>
           <a:p>
             <a:r>
               <a:rPr lang="zh-TW" altLang="en-US" dirty="0"/>
               <a:t>標準差</a:t>
             </a:r>
-            <a:endParaRPr lang="en-US" altLang="zh-TW" dirty="0"/>
+            <a:r>
+              <a:rPr lang="en-US" altLang="zh-TW" dirty="0"/>
+              <a:t>(SD)</a:t>
+            </a:r>
           </a:p>
         </p:txBody>
       </p:sp>
@@ -12550,7 +13098,12 @@
             <p:ph idx="1"/>
           </p:nvPr>
         </p:nvSpPr>
-        <p:spPr/>
+        <p:spPr>
+          <a:xfrm>
+            <a:off x="838200" y="1036318"/>
+            <a:ext cx="10515600" cy="5704724"/>
+          </a:xfrm>
+        </p:spPr>
         <p:txBody>
           <a:bodyPr>
             <a:normAutofit/>
@@ -12563,7 +13116,31 @@
             </a:r>
             <a:r>
               <a:rPr lang="zh-TW" altLang="en-US" dirty="0"/>
-              <a:t>值：用來確定結果的統計顯著性</a:t>
+              <a:t>值</a:t>
+            </a:r>
+            <a:endParaRPr lang="en-US" altLang="zh-TW" dirty="0"/>
+          </a:p>
+          <a:p>
+            <a:pPr lvl="1"/>
+            <a:r>
+              <a:rPr lang="zh-TW" altLang="en-US" dirty="0"/>
+              <a:t>用來確定結果的統計顯著性</a:t>
+            </a:r>
+            <a:endParaRPr lang="en-US" altLang="zh-TW" dirty="0"/>
+          </a:p>
+          <a:p>
+            <a:pPr lvl="1"/>
+            <a:r>
+              <a:rPr lang="zh-TW" altLang="en-US" dirty="0"/>
+              <a:t>用來判斷允許錯誤的最大機率值</a:t>
+            </a:r>
+            <a:endParaRPr lang="en-US" altLang="zh-TW" dirty="0"/>
+          </a:p>
+          <a:p>
+            <a:pPr lvl="1"/>
+            <a:r>
+              <a:rPr lang="zh-TW" altLang="en-US" dirty="0"/>
+              <a:t>樣本能代表母體的可能性機率</a:t>
             </a:r>
             <a:endParaRPr lang="en-US" altLang="zh-TW" dirty="0"/>
           </a:p>
@@ -12625,7 +13202,7 @@
           <a:p>
             <a:r>
               <a:rPr lang="zh-TW" altLang="en-US" dirty="0"/>
-              <a:t>假設檢定：用來通過一組數據檢定針對母體的聲明有效性的</a:t>
+              <a:t>假設檢定：用來通過一組樣本的資訊推論母體特徵</a:t>
             </a:r>
             <a:endParaRPr lang="en-US" altLang="zh-TW" dirty="0"/>
           </a:p>
@@ -12633,7 +13210,7 @@
             <a:pPr lvl="1"/>
             <a:r>
               <a:rPr lang="en-US" altLang="zh-TW" dirty="0"/>
-              <a:t>H0</a:t>
+              <a:t>Ho</a:t>
             </a:r>
             <a:r>
               <a:rPr lang="zh-TW" altLang="en-US" dirty="0"/>
@@ -12670,6 +13247,7 @@
             <a:endParaRPr lang="en-US" altLang="zh-TW" dirty="0"/>
           </a:p>
           <a:p>
+            <a:pPr lvl="1"/>
             <a:r>
               <a:rPr lang="zh-TW" altLang="en-US" dirty="0"/>
               <a:t>倘若</a:t>
@@ -12680,11 +13258,11 @@
             </a:r>
             <a:r>
               <a:rPr lang="zh-TW" altLang="en-US" dirty="0"/>
-              <a:t>，則接受</a:t>
+              <a:t>，則有顯著影響（接受</a:t>
             </a:r>
             <a:r>
               <a:rPr lang="en-US" altLang="zh-TW" dirty="0"/>
-              <a:t>H0</a:t>
+              <a:t>Ho</a:t>
             </a:r>
             <a:r>
               <a:rPr lang="zh-TW" altLang="en-US" dirty="0"/>
@@ -12694,19 +13272,25 @@
               <a:rPr lang="en-US" altLang="zh-TW" dirty="0"/>
               <a:t>Ha</a:t>
             </a:r>
-          </a:p>
-          <a:p>
+            <a:r>
+              <a:rPr lang="zh-TW" altLang="en-US" dirty="0"/>
+              <a:t>）</a:t>
+            </a:r>
+            <a:endParaRPr lang="en-US" altLang="zh-TW" dirty="0"/>
+          </a:p>
+          <a:p>
+            <a:pPr lvl="1"/>
             <a:r>
               <a:rPr lang="zh-TW" altLang="en-US" dirty="0"/>
               <a:t>倘若</a:t>
             </a:r>
             <a:r>
               <a:rPr lang="en-US" altLang="zh-TW" dirty="0"/>
-              <a:t>p&lt;=alpha(0.05)</a:t>
-            </a:r>
-            <a:r>
-              <a:rPr lang="zh-TW" altLang="en-US" dirty="0"/>
-              <a:t>，則接受</a:t>
+              <a:t>p&lt;alpha(0.05)</a:t>
+            </a:r>
+            <a:r>
+              <a:rPr lang="zh-TW" altLang="en-US" dirty="0"/>
+              <a:t>，則有顯著影響（接受</a:t>
             </a:r>
             <a:r>
               <a:rPr lang="en-US" altLang="zh-TW" dirty="0"/>
@@ -12718,9 +13302,12 @@
             </a:r>
             <a:r>
               <a:rPr lang="en-US" altLang="zh-TW" dirty="0"/>
-              <a:t>H0</a:t>
-            </a:r>
-            <a:endParaRPr lang="zh-TW" altLang="en-US" dirty="0"/>
+              <a:t>Ho</a:t>
+            </a:r>
+            <a:r>
+              <a:rPr lang="zh-TW" altLang="en-US" dirty="0"/>
+              <a:t>）</a:t>
+            </a:r>
           </a:p>
         </p:txBody>
       </p:sp>

--- a/R_Presentation.pptx
+++ b/R_Presentation.pptx
@@ -17,18 +17,18 @@
     <p:sldId id="439" r:id="rId5"/>
     <p:sldId id="440" r:id="rId6"/>
     <p:sldId id="472" r:id="rId7"/>
-    <p:sldId id="466" r:id="rId8"/>
-    <p:sldId id="446" r:id="rId9"/>
-    <p:sldId id="447" r:id="rId10"/>
-    <p:sldId id="453" r:id="rId11"/>
-    <p:sldId id="448" r:id="rId12"/>
-    <p:sldId id="449" r:id="rId13"/>
-    <p:sldId id="450" r:id="rId14"/>
-    <p:sldId id="451" r:id="rId15"/>
-    <p:sldId id="471" r:id="rId16"/>
-    <p:sldId id="441" r:id="rId17"/>
-    <p:sldId id="468" r:id="rId18"/>
-    <p:sldId id="454" r:id="rId19"/>
+    <p:sldId id="446" r:id="rId8"/>
+    <p:sldId id="447" r:id="rId9"/>
+    <p:sldId id="453" r:id="rId10"/>
+    <p:sldId id="448" r:id="rId11"/>
+    <p:sldId id="449" r:id="rId12"/>
+    <p:sldId id="450" r:id="rId13"/>
+    <p:sldId id="451" r:id="rId14"/>
+    <p:sldId id="471" r:id="rId15"/>
+    <p:sldId id="441" r:id="rId16"/>
+    <p:sldId id="468" r:id="rId17"/>
+    <p:sldId id="454" r:id="rId18"/>
+    <p:sldId id="466" r:id="rId19"/>
     <p:sldId id="455" r:id="rId20"/>
     <p:sldId id="467" r:id="rId21"/>
     <p:sldId id="442" r:id="rId22"/>
@@ -1004,6 +1004,9 @@
         <a:p>
           <a:r>
             <a:rPr lang="zh-TW" altLang="en-US" sz="3200" b="1" dirty="0">
+              <a:solidFill>
+                <a:srgbClr val="C00000"/>
+              </a:solidFill>
               <a:latin typeface="微軟正黑體" panose="020B0604030504040204" pitchFamily="34" charset="-120"/>
               <a:ea typeface="微軟正黑體" panose="020B0604030504040204" pitchFamily="34" charset="-120"/>
             </a:rPr>
@@ -1011,12 +1014,18 @@
           </a:r>
           <a:br>
             <a:rPr lang="en-US" altLang="zh-TW" sz="3200" b="1" dirty="0">
+              <a:solidFill>
+                <a:srgbClr val="C00000"/>
+              </a:solidFill>
               <a:latin typeface="微軟正黑體" panose="020B0604030504040204" pitchFamily="34" charset="-120"/>
               <a:ea typeface="微軟正黑體" panose="020B0604030504040204" pitchFamily="34" charset="-120"/>
             </a:rPr>
           </a:br>
           <a:r>
             <a:rPr lang="zh-TW" altLang="en-US" sz="3200" b="1" dirty="0">
+              <a:solidFill>
+                <a:srgbClr val="C00000"/>
+              </a:solidFill>
               <a:latin typeface="微軟正黑體" panose="020B0604030504040204" pitchFamily="34" charset="-120"/>
               <a:ea typeface="微軟正黑體" panose="020B0604030504040204" pitchFamily="34" charset="-120"/>
             </a:rPr>
@@ -1619,6 +1628,9 @@
           </a:pPr>
           <a:r>
             <a:rPr lang="zh-TW" altLang="en-US" sz="3200" b="1" kern="1200" dirty="0">
+              <a:solidFill>
+                <a:srgbClr val="C00000"/>
+              </a:solidFill>
               <a:latin typeface="微軟正黑體" panose="020B0604030504040204" pitchFamily="34" charset="-120"/>
               <a:ea typeface="微軟正黑體" panose="020B0604030504040204" pitchFamily="34" charset="-120"/>
             </a:rPr>
@@ -1626,12 +1638,18 @@
           </a:r>
           <a:br>
             <a:rPr lang="en-US" altLang="zh-TW" sz="3200" b="1" kern="1200" dirty="0">
+              <a:solidFill>
+                <a:srgbClr val="C00000"/>
+              </a:solidFill>
               <a:latin typeface="微軟正黑體" panose="020B0604030504040204" pitchFamily="34" charset="-120"/>
               <a:ea typeface="微軟正黑體" panose="020B0604030504040204" pitchFamily="34" charset="-120"/>
             </a:rPr>
           </a:br>
           <a:r>
             <a:rPr lang="zh-TW" altLang="en-US" sz="3200" b="1" kern="1200" dirty="0">
+              <a:solidFill>
+                <a:srgbClr val="C00000"/>
+              </a:solidFill>
               <a:latin typeface="微軟正黑體" panose="020B0604030504040204" pitchFamily="34" charset="-120"/>
               <a:ea typeface="微軟正黑體" panose="020B0604030504040204" pitchFamily="34" charset="-120"/>
             </a:rPr>
@@ -3093,7 +3111,7 @@
           <a:p>
             <a:fld id="{6D1BE348-D926-4D03-B2E0-BDEC3D2EB9BC}" type="datetimeFigureOut">
               <a:rPr lang="zh-TW" altLang="en-US" smtClean="0"/>
-              <a:t>2021/08/13</a:t>
+              <a:t>2021/08/15</a:t>
             </a:fld>
             <a:endParaRPr lang="zh-TW" altLang="en-US"/>
           </a:p>
@@ -3258,7 +3276,7 @@
           <a:p>
             <a:fld id="{87265A3D-4D2E-4D39-BF1D-27D1F666250F}" type="datetimeFigureOut">
               <a:rPr lang="zh-TW" altLang="en-US" smtClean="0"/>
-              <a:t>2021/08/13</a:t>
+              <a:t>2021/08/15</a:t>
             </a:fld>
             <a:endParaRPr lang="zh-TW" altLang="en-US"/>
           </a:p>
@@ -3653,7 +3671,17 @@
           <a:bodyPr/>
           <a:lstStyle/>
           <a:p>
-            <a:endParaRPr lang="zh-TW" altLang="en-US" dirty="0"/>
+            <a:r>
+              <a:rPr lang="zh-TW" altLang="en-US" dirty="0"/>
+              <a:t>集中趨勢</a:t>
+            </a:r>
+            <a:endParaRPr lang="en-US" altLang="zh-TW" dirty="0"/>
+          </a:p>
+          <a:p>
+            <a:r>
+              <a:rPr lang="zh-TW" altLang="en-US" dirty="0"/>
+              <a:t>離散趨勢</a:t>
+            </a:r>
           </a:p>
         </p:txBody>
       </p:sp>
@@ -3737,74 +3765,6 @@
           <a:bodyPr/>
           <a:lstStyle/>
           <a:p>
-            <a:r>
-              <a:rPr lang="en-US" altLang="zh-TW" dirty="0"/>
-              <a:t>#</a:t>
-            </a:r>
-            <a:r>
-              <a:rPr lang="zh-TW" altLang="en-US" dirty="0"/>
-              <a:t>錯誤：</a:t>
-            </a:r>
-          </a:p>
-          <a:p>
-            <a:r>
-              <a:rPr lang="en-US" altLang="zh-TW" dirty="0"/>
-              <a:t>#(1) Type 1 Error(</a:t>
-            </a:r>
-            <a:r>
-              <a:rPr lang="zh-TW" altLang="en-US" dirty="0"/>
-              <a:t>誤殺</a:t>
-            </a:r>
-            <a:r>
-              <a:rPr lang="en-US" altLang="zh-TW" dirty="0"/>
-              <a:t>)</a:t>
-            </a:r>
-            <a:r>
-              <a:rPr lang="zh-TW" altLang="en-US" dirty="0"/>
-              <a:t>：把好品檢驗成壞品的風險</a:t>
-            </a:r>
-            <a:r>
-              <a:rPr lang="en-US" altLang="zh-TW" dirty="0"/>
-              <a:t>(alpha=0.05)(</a:t>
-            </a:r>
-            <a:r>
-              <a:rPr lang="zh-TW" altLang="en-US" dirty="0"/>
-              <a:t>加班再生產</a:t>
-            </a:r>
-            <a:r>
-              <a:rPr lang="en-US" altLang="zh-TW" dirty="0"/>
-              <a:t>)</a:t>
-            </a:r>
-          </a:p>
-          <a:p>
-            <a:r>
-              <a:rPr lang="en-US" altLang="zh-TW" dirty="0"/>
-              <a:t>#(2) Type 2 Error(</a:t>
-            </a:r>
-            <a:r>
-              <a:rPr lang="zh-TW" altLang="en-US" dirty="0"/>
-              <a:t>露放</a:t>
-            </a:r>
-            <a:r>
-              <a:rPr lang="en-US" altLang="zh-TW" dirty="0"/>
-              <a:t>)</a:t>
-            </a:r>
-            <a:r>
-              <a:rPr lang="zh-TW" altLang="en-US" dirty="0"/>
-              <a:t>：把壞品檢驗成好品的風險</a:t>
-            </a:r>
-            <a:r>
-              <a:rPr lang="en-US" altLang="zh-TW" dirty="0"/>
-              <a:t>(beta=0.20)(</a:t>
-            </a:r>
-            <a:r>
-              <a:rPr lang="zh-TW" altLang="en-US" dirty="0"/>
-              <a:t>客訴的來源</a:t>
-            </a:r>
-            <a:r>
-              <a:rPr lang="en-US" altLang="zh-TW" dirty="0"/>
-              <a:t>)</a:t>
-            </a:r>
             <a:endParaRPr lang="zh-TW" altLang="en-US" dirty="0"/>
           </a:p>
         </p:txBody>
@@ -3826,7 +3786,7 @@
           <a:p>
             <a:fld id="{EB84BAFE-DFB0-4DB6-B5BA-50FBF1975C47}" type="slidenum">
               <a:rPr lang="zh-TW" altLang="en-US" smtClean="0"/>
-              <a:t>7</a:t>
+              <a:t>10</a:t>
             </a:fld>
             <a:endParaRPr lang="zh-TW" altLang="en-US"/>
           </a:p>
@@ -3835,7 +3795,7 @@
     </p:spTree>
     <p:extLst>
       <p:ext uri="{BB962C8B-B14F-4D97-AF65-F5344CB8AC3E}">
-        <p14:creationId xmlns:p14="http://schemas.microsoft.com/office/powerpoint/2010/main" val="2853187273"/>
+        <p14:creationId xmlns:p14="http://schemas.microsoft.com/office/powerpoint/2010/main" val="43062643"/>
       </p:ext>
     </p:extLst>
   </p:cSld>
@@ -3889,6 +3849,90 @@
           <a:bodyPr/>
           <a:lstStyle/>
           <a:p>
+            <a:r>
+              <a:rPr lang="en-US" altLang="zh-TW" dirty="0"/>
+              <a:t>#</a:t>
+            </a:r>
+            <a:r>
+              <a:rPr lang="zh-TW" altLang="en-US" dirty="0"/>
+              <a:t>錯誤：</a:t>
+            </a:r>
+          </a:p>
+          <a:p>
+            <a:r>
+              <a:rPr lang="en-US" altLang="zh-TW" dirty="0"/>
+              <a:t>#(1) Type 1 Error(</a:t>
+            </a:r>
+            <a:r>
+              <a:rPr lang="zh-TW" altLang="en-US" dirty="0"/>
+              <a:t>誤殺</a:t>
+            </a:r>
+            <a:r>
+              <a:rPr lang="en-US" altLang="zh-TW" dirty="0"/>
+              <a:t>)</a:t>
+            </a:r>
+            <a:r>
+              <a:rPr lang="zh-TW" altLang="en-US" dirty="0"/>
+              <a:t>：把好品檢驗成壞品的風險</a:t>
+            </a:r>
+            <a:r>
+              <a:rPr lang="en-US" altLang="zh-TW" dirty="0"/>
+              <a:t>(</a:t>
+            </a:r>
+            <a:r>
+              <a:rPr lang="el-GR" altLang="zh-TW" dirty="0"/>
+              <a:t>α</a:t>
+            </a:r>
+            <a:r>
+              <a:rPr lang="en-US" altLang="zh-TW" dirty="0"/>
+              <a:t>=0.05)(</a:t>
+            </a:r>
+            <a:r>
+              <a:rPr lang="zh-TW" altLang="en-US" dirty="0"/>
+              <a:t>加班再生產</a:t>
+            </a:r>
+            <a:r>
+              <a:rPr lang="en-US" altLang="zh-TW" dirty="0"/>
+              <a:t>)</a:t>
+            </a:r>
+          </a:p>
+          <a:p>
+            <a:r>
+              <a:rPr lang="en-US" altLang="zh-TW" dirty="0"/>
+              <a:t>#(2) Type 2 Error(</a:t>
+            </a:r>
+            <a:r>
+              <a:rPr lang="zh-TW" altLang="en-US" dirty="0"/>
+              <a:t>露放</a:t>
+            </a:r>
+            <a:r>
+              <a:rPr lang="en-US" altLang="zh-TW" dirty="0"/>
+              <a:t>)</a:t>
+            </a:r>
+            <a:r>
+              <a:rPr lang="zh-TW" altLang="en-US" dirty="0"/>
+              <a:t>：把壞品檢驗成好品的風險</a:t>
+            </a:r>
+            <a:r>
+              <a:rPr lang="en-US" altLang="zh-TW" dirty="0"/>
+              <a:t>(</a:t>
+            </a:r>
+            <a:r>
+              <a:rPr lang="el-GR" altLang="zh-TW" dirty="0"/>
+              <a:t>β</a:t>
+            </a:r>
+            <a:r>
+              <a:rPr lang="en-US" altLang="zh-TW" dirty="0"/>
+              <a:t>=0.20)(</a:t>
+            </a:r>
+            <a:r>
+              <a:rPr lang="zh-TW" altLang="en-US" dirty="0"/>
+              <a:t>客訴的來源</a:t>
+            </a:r>
+            <a:r>
+              <a:rPr lang="en-US" altLang="zh-TW" dirty="0"/>
+              <a:t>)</a:t>
+            </a:r>
             <a:endParaRPr lang="zh-TW" altLang="en-US" dirty="0"/>
           </a:p>
         </p:txBody>
@@ -3910,7 +3954,7 @@
           <a:p>
             <a:fld id="{EB84BAFE-DFB0-4DB6-B5BA-50FBF1975C47}" type="slidenum">
               <a:rPr lang="zh-TW" altLang="en-US" smtClean="0"/>
-              <a:t>11</a:t>
+              <a:t>18</a:t>
             </a:fld>
             <a:endParaRPr lang="zh-TW" altLang="en-US"/>
           </a:p>
@@ -3919,7 +3963,657 @@
     </p:spTree>
     <p:extLst>
       <p:ext uri="{BB962C8B-B14F-4D97-AF65-F5344CB8AC3E}">
-        <p14:creationId xmlns:p14="http://schemas.microsoft.com/office/powerpoint/2010/main" val="43062643"/>
+        <p14:creationId xmlns:p14="http://schemas.microsoft.com/office/powerpoint/2010/main" val="2853187273"/>
+      </p:ext>
+    </p:extLst>
+  </p:cSld>
+  <p:clrMapOvr>
+    <a:masterClrMapping/>
+  </p:clrMapOvr>
+</p:notes>
+</file>
+
+<file path=ppt/notesSlides/notesSlide5.xml><?xml version="1.0" encoding="utf-8"?>
+<p:notes xmlns:a="http://schemas.openxmlformats.org/drawingml/2006/main" xmlns:r="http://schemas.openxmlformats.org/officeDocument/2006/relationships" xmlns:p="http://schemas.openxmlformats.org/presentationml/2006/main">
+  <p:cSld>
+    <p:spTree>
+      <p:nvGrpSpPr>
+        <p:cNvPr id="1" name=""/>
+        <p:cNvGrpSpPr/>
+        <p:nvPr/>
+      </p:nvGrpSpPr>
+      <p:grpSpPr>
+        <a:xfrm>
+          <a:off x="0" y="0"/>
+          <a:ext cx="0" cy="0"/>
+          <a:chOff x="0" y="0"/>
+          <a:chExt cx="0" cy="0"/>
+        </a:xfrm>
+      </p:grpSpPr>
+      <p:sp>
+        <p:nvSpPr>
+          <p:cNvPr id="2" name="投影片影像版面配置區 1"/>
+          <p:cNvSpPr>
+            <a:spLocks noGrp="1" noRot="1" noChangeAspect="1"/>
+          </p:cNvSpPr>
+          <p:nvPr>
+            <p:ph type="sldImg"/>
+          </p:nvPr>
+        </p:nvSpPr>
+        <p:spPr/>
+      </p:sp>
+      <p:sp>
+        <p:nvSpPr>
+          <p:cNvPr id="3" name="備忘稿版面配置區 2"/>
+          <p:cNvSpPr>
+            <a:spLocks noGrp="1"/>
+          </p:cNvSpPr>
+          <p:nvPr>
+            <p:ph type="body" idx="1"/>
+          </p:nvPr>
+        </p:nvSpPr>
+        <p:spPr/>
+        <p:txBody>
+          <a:bodyPr/>
+          <a:lstStyle/>
+          <a:p>
+            <a:pPr marL="228600" indent="-228600">
+              <a:buAutoNum type="arabicParenR"/>
+            </a:pPr>
+            <a:r>
+              <a:rPr lang="zh-TW" altLang="en-US" sz="1200" kern="1200" dirty="0">
+                <a:solidFill>
+                  <a:schemeClr val="tx1"/>
+                </a:solidFill>
+                <a:effectLst/>
+                <a:latin typeface="+mn-lt"/>
+                <a:ea typeface="+mn-ea"/>
+                <a:cs typeface="+mn-cs"/>
+              </a:rPr>
+              <a:t>𝐇𝟎</a:t>
+            </a:r>
+            <a:r>
+              <a:rPr lang="en-US" altLang="zh-TW" sz="1200" kern="1200" dirty="0">
+                <a:solidFill>
+                  <a:schemeClr val="tx1"/>
+                </a:solidFill>
+                <a:effectLst/>
+                <a:latin typeface="+mn-lt"/>
+                <a:ea typeface="+mn-ea"/>
+                <a:cs typeface="+mn-cs"/>
+              </a:rPr>
+              <a:t>: </a:t>
+            </a:r>
+            <a:r>
+              <a:rPr lang="zh-TW" altLang="en-US" sz="1200" kern="1200" dirty="0">
+                <a:solidFill>
+                  <a:schemeClr val="tx1"/>
+                </a:solidFill>
+                <a:effectLst/>
+                <a:latin typeface="+mn-lt"/>
+                <a:ea typeface="+mn-ea"/>
+                <a:cs typeface="+mn-cs"/>
+              </a:rPr>
+              <a:t>𝜷𝟏</a:t>
+            </a:r>
+            <a:r>
+              <a:rPr lang="en-US" altLang="zh-TW" sz="1200" kern="1200" dirty="0">
+                <a:solidFill>
+                  <a:schemeClr val="tx1"/>
+                </a:solidFill>
+                <a:effectLst/>
+                <a:latin typeface="+mn-lt"/>
+                <a:ea typeface="+mn-ea"/>
+                <a:cs typeface="+mn-cs"/>
+              </a:rPr>
+              <a:t>=0 (X</a:t>
+            </a:r>
+            <a:r>
+              <a:rPr lang="zh-TW" altLang="en-US" sz="1200" kern="1200" dirty="0">
+                <a:solidFill>
+                  <a:schemeClr val="tx1"/>
+                </a:solidFill>
+                <a:effectLst/>
+                <a:latin typeface="+mn-lt"/>
+                <a:ea typeface="+mn-ea"/>
+                <a:cs typeface="+mn-cs"/>
+              </a:rPr>
+              <a:t>與</a:t>
+            </a:r>
+            <a:r>
+              <a:rPr lang="en-US" altLang="zh-TW" sz="1200" kern="1200" dirty="0">
+                <a:solidFill>
+                  <a:schemeClr val="tx1"/>
+                </a:solidFill>
+                <a:effectLst/>
+                <a:latin typeface="+mn-lt"/>
+                <a:ea typeface="+mn-ea"/>
+                <a:cs typeface="+mn-cs"/>
+              </a:rPr>
+              <a:t>Y</a:t>
+            </a:r>
+            <a:r>
+              <a:rPr lang="zh-TW" altLang="en-US" sz="1200" kern="1200" dirty="0">
+                <a:solidFill>
+                  <a:schemeClr val="tx1"/>
+                </a:solidFill>
+                <a:effectLst/>
+                <a:latin typeface="+mn-lt"/>
+                <a:ea typeface="+mn-ea"/>
+                <a:cs typeface="+mn-cs"/>
+              </a:rPr>
+              <a:t>之間沒有線性關係；或對預測</a:t>
+            </a:r>
+            <a:r>
+              <a:rPr lang="en-US" altLang="zh-TW" sz="1200" kern="1200" dirty="0">
+                <a:solidFill>
+                  <a:schemeClr val="tx1"/>
+                </a:solidFill>
+                <a:effectLst/>
+                <a:latin typeface="+mn-lt"/>
+                <a:ea typeface="+mn-ea"/>
+                <a:cs typeface="+mn-cs"/>
+              </a:rPr>
+              <a:t>Y</a:t>
+            </a:r>
+            <a:r>
+              <a:rPr lang="zh-TW" altLang="en-US" sz="1200" kern="1200" dirty="0">
+                <a:solidFill>
+                  <a:schemeClr val="tx1"/>
+                </a:solidFill>
+                <a:effectLst/>
+                <a:latin typeface="+mn-lt"/>
+                <a:ea typeface="+mn-ea"/>
+                <a:cs typeface="+mn-cs"/>
+              </a:rPr>
+              <a:t>而言，迴歸模式 無法提供有用之資訊</a:t>
+            </a:r>
+            <a:r>
+              <a:rPr lang="en-US" altLang="zh-TW" sz="1200" kern="1200" dirty="0">
+                <a:solidFill>
+                  <a:schemeClr val="tx1"/>
+                </a:solidFill>
+                <a:effectLst/>
+                <a:latin typeface="+mn-lt"/>
+                <a:ea typeface="+mn-ea"/>
+                <a:cs typeface="+mn-cs"/>
+              </a:rPr>
+              <a:t>) </a:t>
+            </a:r>
+          </a:p>
+          <a:p>
+            <a:pPr marL="228600" indent="-228600">
+              <a:buAutoNum type="arabicParenR"/>
+            </a:pPr>
+            <a:r>
+              <a:rPr lang="zh-TW" altLang="en-US" sz="1200" kern="1200" dirty="0">
+                <a:solidFill>
+                  <a:schemeClr val="tx1"/>
+                </a:solidFill>
+                <a:effectLst/>
+                <a:latin typeface="+mn-lt"/>
+                <a:ea typeface="+mn-ea"/>
+                <a:cs typeface="+mn-cs"/>
+              </a:rPr>
+              <a:t>𝐇𝟏</a:t>
+            </a:r>
+            <a:r>
+              <a:rPr lang="en-US" altLang="zh-TW" sz="1200" kern="1200" dirty="0">
+                <a:solidFill>
+                  <a:schemeClr val="tx1"/>
+                </a:solidFill>
+                <a:effectLst/>
+                <a:latin typeface="+mn-lt"/>
+                <a:ea typeface="+mn-ea"/>
+                <a:cs typeface="+mn-cs"/>
+              </a:rPr>
+              <a:t>: </a:t>
+            </a:r>
+            <a:r>
+              <a:rPr lang="zh-TW" altLang="en-US" sz="1200" kern="1200" dirty="0">
+                <a:solidFill>
+                  <a:schemeClr val="tx1"/>
+                </a:solidFill>
+                <a:effectLst/>
+                <a:latin typeface="+mn-lt"/>
+                <a:ea typeface="+mn-ea"/>
+                <a:cs typeface="+mn-cs"/>
+              </a:rPr>
+              <a:t>𝜷𝟏≠</a:t>
+            </a:r>
+            <a:r>
+              <a:rPr lang="en-US" altLang="zh-TW" sz="1200" kern="1200" dirty="0">
+                <a:solidFill>
+                  <a:schemeClr val="tx1"/>
+                </a:solidFill>
+                <a:effectLst/>
+                <a:latin typeface="+mn-lt"/>
+                <a:ea typeface="+mn-ea"/>
+                <a:cs typeface="+mn-cs"/>
+              </a:rPr>
+              <a:t>0 (X</a:t>
+            </a:r>
+            <a:r>
+              <a:rPr lang="zh-TW" altLang="en-US" sz="1200" kern="1200" dirty="0">
+                <a:solidFill>
+                  <a:schemeClr val="tx1"/>
+                </a:solidFill>
+                <a:effectLst/>
+                <a:latin typeface="+mn-lt"/>
+                <a:ea typeface="+mn-ea"/>
+                <a:cs typeface="+mn-cs"/>
+              </a:rPr>
+              <a:t>與</a:t>
+            </a:r>
+            <a:r>
+              <a:rPr lang="en-US" altLang="zh-TW" sz="1200" kern="1200" dirty="0">
+                <a:solidFill>
+                  <a:schemeClr val="tx1"/>
+                </a:solidFill>
+                <a:effectLst/>
+                <a:latin typeface="+mn-lt"/>
+                <a:ea typeface="+mn-ea"/>
+                <a:cs typeface="+mn-cs"/>
+              </a:rPr>
+              <a:t>Y</a:t>
+            </a:r>
+            <a:r>
+              <a:rPr lang="zh-TW" altLang="en-US" sz="1200" kern="1200" dirty="0">
+                <a:solidFill>
+                  <a:schemeClr val="tx1"/>
+                </a:solidFill>
+                <a:effectLst/>
+                <a:latin typeface="+mn-lt"/>
+                <a:ea typeface="+mn-ea"/>
+                <a:cs typeface="+mn-cs"/>
+              </a:rPr>
+              <a:t>之間有線性關係，即斜率不為</a:t>
+            </a:r>
+            <a:r>
+              <a:rPr lang="en-US" altLang="zh-TW" sz="1200" kern="1200" dirty="0">
+                <a:solidFill>
+                  <a:schemeClr val="tx1"/>
+                </a:solidFill>
+                <a:effectLst/>
+                <a:latin typeface="+mn-lt"/>
+                <a:ea typeface="+mn-ea"/>
+                <a:cs typeface="+mn-cs"/>
+              </a:rPr>
+              <a:t>0</a:t>
+            </a:r>
+            <a:r>
+              <a:rPr lang="zh-TW" altLang="en-US" sz="1200" kern="1200" dirty="0">
+                <a:solidFill>
+                  <a:schemeClr val="tx1"/>
+                </a:solidFill>
+                <a:effectLst/>
+                <a:latin typeface="+mn-lt"/>
+                <a:ea typeface="+mn-ea"/>
+                <a:cs typeface="+mn-cs"/>
+              </a:rPr>
+              <a:t>；或在預測</a:t>
+            </a:r>
+            <a:r>
+              <a:rPr lang="en-US" altLang="zh-TW" sz="1200" kern="1200" dirty="0">
+                <a:solidFill>
+                  <a:schemeClr val="tx1"/>
+                </a:solidFill>
+                <a:effectLst/>
+                <a:latin typeface="+mn-lt"/>
+                <a:ea typeface="+mn-ea"/>
+                <a:cs typeface="+mn-cs"/>
+              </a:rPr>
+              <a:t>Y</a:t>
+            </a:r>
+            <a:r>
+              <a:rPr lang="zh-TW" altLang="en-US" sz="1200" kern="1200" dirty="0">
+                <a:solidFill>
+                  <a:schemeClr val="tx1"/>
+                </a:solidFill>
+                <a:effectLst/>
+                <a:latin typeface="+mn-lt"/>
+                <a:ea typeface="+mn-ea"/>
+                <a:cs typeface="+mn-cs"/>
+              </a:rPr>
+              <a:t>上， 迴歸模式有用</a:t>
+            </a:r>
+            <a:r>
+              <a:rPr lang="en-US" altLang="zh-TW" sz="1200" kern="1200" dirty="0">
+                <a:solidFill>
+                  <a:schemeClr val="tx1"/>
+                </a:solidFill>
+                <a:effectLst/>
+                <a:latin typeface="+mn-lt"/>
+                <a:ea typeface="+mn-ea"/>
+                <a:cs typeface="+mn-cs"/>
+              </a:rPr>
+              <a:t>) </a:t>
+            </a:r>
+            <a:endParaRPr lang="zh-TW" altLang="en-US" dirty="0"/>
+          </a:p>
+        </p:txBody>
+      </p:sp>
+      <p:sp>
+        <p:nvSpPr>
+          <p:cNvPr id="4" name="投影片編號版面配置區 3"/>
+          <p:cNvSpPr>
+            <a:spLocks noGrp="1"/>
+          </p:cNvSpPr>
+          <p:nvPr>
+            <p:ph type="sldNum" sz="quarter" idx="5"/>
+          </p:nvPr>
+        </p:nvSpPr>
+        <p:spPr/>
+        <p:txBody>
+          <a:bodyPr/>
+          <a:lstStyle/>
+          <a:p>
+            <a:fld id="{EB84BAFE-DFB0-4DB6-B5BA-50FBF1975C47}" type="slidenum">
+              <a:rPr lang="zh-TW" altLang="en-US" smtClean="0"/>
+              <a:t>24</a:t>
+            </a:fld>
+            <a:endParaRPr lang="zh-TW" altLang="en-US"/>
+          </a:p>
+        </p:txBody>
+      </p:sp>
+    </p:spTree>
+    <p:extLst>
+      <p:ext uri="{BB962C8B-B14F-4D97-AF65-F5344CB8AC3E}">
+        <p14:creationId xmlns:p14="http://schemas.microsoft.com/office/powerpoint/2010/main" val="246753032"/>
+      </p:ext>
+    </p:extLst>
+  </p:cSld>
+  <p:clrMapOvr>
+    <a:masterClrMapping/>
+  </p:clrMapOvr>
+</p:notes>
+</file>
+
+<file path=ppt/notesSlides/notesSlide6.xml><?xml version="1.0" encoding="utf-8"?>
+<p:notes xmlns:a="http://schemas.openxmlformats.org/drawingml/2006/main" xmlns:r="http://schemas.openxmlformats.org/officeDocument/2006/relationships" xmlns:p="http://schemas.openxmlformats.org/presentationml/2006/main">
+  <p:cSld>
+    <p:spTree>
+      <p:nvGrpSpPr>
+        <p:cNvPr id="1" name=""/>
+        <p:cNvGrpSpPr/>
+        <p:nvPr/>
+      </p:nvGrpSpPr>
+      <p:grpSpPr>
+        <a:xfrm>
+          <a:off x="0" y="0"/>
+          <a:ext cx="0" cy="0"/>
+          <a:chOff x="0" y="0"/>
+          <a:chExt cx="0" cy="0"/>
+        </a:xfrm>
+      </p:grpSpPr>
+      <p:sp>
+        <p:nvSpPr>
+          <p:cNvPr id="2" name="投影片影像版面配置區 1"/>
+          <p:cNvSpPr>
+            <a:spLocks noGrp="1" noRot="1" noChangeAspect="1"/>
+          </p:cNvSpPr>
+          <p:nvPr>
+            <p:ph type="sldImg"/>
+          </p:nvPr>
+        </p:nvSpPr>
+        <p:spPr/>
+      </p:sp>
+      <p:sp>
+        <p:nvSpPr>
+          <p:cNvPr id="3" name="備忘稿版面配置區 2"/>
+          <p:cNvSpPr>
+            <a:spLocks noGrp="1"/>
+          </p:cNvSpPr>
+          <p:nvPr>
+            <p:ph type="body" idx="1"/>
+          </p:nvPr>
+        </p:nvSpPr>
+        <p:spPr/>
+        <p:txBody>
+          <a:bodyPr/>
+          <a:lstStyle/>
+          <a:p>
+            <a:r>
+              <a:rPr lang="en-US" altLang="zh-TW" dirty="0"/>
+              <a:t>You need to take a look at </a:t>
+            </a:r>
+            <a:r>
+              <a:rPr lang="en-US" altLang="zh-TW" dirty="0">
+                <a:hlinkClick r:id="rId3"/>
+              </a:rPr>
+              <a:t>clustering metrics</a:t>
+            </a:r>
+            <a:r>
+              <a:rPr lang="en-US" altLang="zh-TW" dirty="0"/>
+              <a:t> to evaluate your </a:t>
+            </a:r>
+            <a:r>
+              <a:rPr lang="en-US" altLang="zh-TW" dirty="0" err="1"/>
+              <a:t>predicitons</a:t>
+            </a:r>
+            <a:r>
+              <a:rPr lang="en-US" altLang="zh-TW" dirty="0"/>
+              <a:t>, these include </a:t>
+            </a:r>
+          </a:p>
+          <a:p>
+            <a:r>
+              <a:rPr lang="en-US" altLang="zh-TW" dirty="0" err="1">
+                <a:hlinkClick r:id="rId4"/>
+              </a:rPr>
+              <a:t>Homegenity</a:t>
+            </a:r>
+            <a:r>
+              <a:rPr lang="en-US" altLang="zh-TW" dirty="0">
+                <a:hlinkClick r:id="rId4"/>
+              </a:rPr>
+              <a:t> Score</a:t>
+            </a:r>
+            <a:endParaRPr lang="en-US" altLang="zh-TW" dirty="0"/>
+          </a:p>
+          <a:p>
+            <a:r>
+              <a:rPr lang="en-US" altLang="zh-TW" dirty="0">
+                <a:hlinkClick r:id="rId5"/>
+              </a:rPr>
+              <a:t>V measure</a:t>
+            </a:r>
+            <a:endParaRPr lang="en-US" altLang="zh-TW" dirty="0"/>
+          </a:p>
+          <a:p>
+            <a:r>
+              <a:rPr lang="en-US" altLang="zh-TW" dirty="0" err="1">
+                <a:hlinkClick r:id="rId6"/>
+              </a:rPr>
+              <a:t>Completenss</a:t>
+            </a:r>
+            <a:r>
+              <a:rPr lang="en-US" altLang="zh-TW" dirty="0">
+                <a:hlinkClick r:id="rId6"/>
+              </a:rPr>
+              <a:t> Score</a:t>
+            </a:r>
+            <a:r>
+              <a:rPr lang="en-US" altLang="zh-TW" dirty="0"/>
+              <a:t> and so on</a:t>
+            </a:r>
+          </a:p>
+        </p:txBody>
+      </p:sp>
+      <p:sp>
+        <p:nvSpPr>
+          <p:cNvPr id="4" name="投影片編號版面配置區 3"/>
+          <p:cNvSpPr>
+            <a:spLocks noGrp="1"/>
+          </p:cNvSpPr>
+          <p:nvPr>
+            <p:ph type="sldNum" sz="quarter" idx="5"/>
+          </p:nvPr>
+        </p:nvSpPr>
+        <p:spPr/>
+        <p:txBody>
+          <a:bodyPr/>
+          <a:lstStyle/>
+          <a:p>
+            <a:fld id="{EB84BAFE-DFB0-4DB6-B5BA-50FBF1975C47}" type="slidenum">
+              <a:rPr lang="zh-TW" altLang="en-US" smtClean="0"/>
+              <a:t>27</a:t>
+            </a:fld>
+            <a:endParaRPr lang="zh-TW" altLang="en-US"/>
+          </a:p>
+        </p:txBody>
+      </p:sp>
+    </p:spTree>
+    <p:extLst>
+      <p:ext uri="{BB962C8B-B14F-4D97-AF65-F5344CB8AC3E}">
+        <p14:creationId xmlns:p14="http://schemas.microsoft.com/office/powerpoint/2010/main" val="3527824673"/>
+      </p:ext>
+    </p:extLst>
+  </p:cSld>
+  <p:clrMapOvr>
+    <a:masterClrMapping/>
+  </p:clrMapOvr>
+</p:notes>
+</file>
+
+<file path=ppt/notesSlides/notesSlide7.xml><?xml version="1.0" encoding="utf-8"?>
+<p:notes xmlns:a="http://schemas.openxmlformats.org/drawingml/2006/main" xmlns:r="http://schemas.openxmlformats.org/officeDocument/2006/relationships" xmlns:p="http://schemas.openxmlformats.org/presentationml/2006/main">
+  <p:cSld>
+    <p:spTree>
+      <p:nvGrpSpPr>
+        <p:cNvPr id="1" name=""/>
+        <p:cNvGrpSpPr/>
+        <p:nvPr/>
+      </p:nvGrpSpPr>
+      <p:grpSpPr>
+        <a:xfrm>
+          <a:off x="0" y="0"/>
+          <a:ext cx="0" cy="0"/>
+          <a:chOff x="0" y="0"/>
+          <a:chExt cx="0" cy="0"/>
+        </a:xfrm>
+      </p:grpSpPr>
+      <p:sp>
+        <p:nvSpPr>
+          <p:cNvPr id="2" name="投影片影像版面配置區 1"/>
+          <p:cNvSpPr>
+            <a:spLocks noGrp="1" noRot="1" noChangeAspect="1"/>
+          </p:cNvSpPr>
+          <p:nvPr>
+            <p:ph type="sldImg"/>
+          </p:nvPr>
+        </p:nvSpPr>
+        <p:spPr/>
+      </p:sp>
+      <p:sp>
+        <p:nvSpPr>
+          <p:cNvPr id="3" name="備忘稿版面配置區 2"/>
+          <p:cNvSpPr>
+            <a:spLocks noGrp="1"/>
+          </p:cNvSpPr>
+          <p:nvPr>
+            <p:ph type="body" idx="1"/>
+          </p:nvPr>
+        </p:nvSpPr>
+        <p:spPr/>
+        <p:txBody>
+          <a:bodyPr/>
+          <a:lstStyle/>
+          <a:p>
+            <a:r>
+              <a:rPr lang="en-US" altLang="zh-TW" dirty="0"/>
+              <a:t>You need to take a look at </a:t>
+            </a:r>
+            <a:r>
+              <a:rPr lang="en-US" altLang="zh-TW" dirty="0">
+                <a:hlinkClick r:id="rId3"/>
+              </a:rPr>
+              <a:t>clustering metrics</a:t>
+            </a:r>
+            <a:r>
+              <a:rPr lang="en-US" altLang="zh-TW" dirty="0"/>
+              <a:t> to evaluate your </a:t>
+            </a:r>
+            <a:r>
+              <a:rPr lang="en-US" altLang="zh-TW" dirty="0" err="1"/>
+              <a:t>predicitons</a:t>
+            </a:r>
+            <a:r>
+              <a:rPr lang="en-US" altLang="zh-TW" dirty="0"/>
+              <a:t>, these include </a:t>
+            </a:r>
+          </a:p>
+          <a:p>
+            <a:r>
+              <a:rPr lang="en-US" altLang="zh-TW" dirty="0" err="1">
+                <a:hlinkClick r:id="rId4"/>
+              </a:rPr>
+              <a:t>Homegenity</a:t>
+            </a:r>
+            <a:r>
+              <a:rPr lang="en-US" altLang="zh-TW" dirty="0">
+                <a:hlinkClick r:id="rId4"/>
+              </a:rPr>
+              <a:t> Score</a:t>
+            </a:r>
+            <a:endParaRPr lang="en-US" altLang="zh-TW" dirty="0"/>
+          </a:p>
+          <a:p>
+            <a:r>
+              <a:rPr lang="en-US" altLang="zh-TW" dirty="0">
+                <a:hlinkClick r:id="rId5"/>
+              </a:rPr>
+              <a:t>V measure</a:t>
+            </a:r>
+            <a:endParaRPr lang="en-US" altLang="zh-TW" dirty="0"/>
+          </a:p>
+          <a:p>
+            <a:r>
+              <a:rPr lang="en-US" altLang="zh-TW" dirty="0" err="1">
+                <a:hlinkClick r:id="rId6"/>
+              </a:rPr>
+              <a:t>Completenss</a:t>
+            </a:r>
+            <a:r>
+              <a:rPr lang="en-US" altLang="zh-TW" dirty="0">
+                <a:hlinkClick r:id="rId6"/>
+              </a:rPr>
+              <a:t> Score</a:t>
+            </a:r>
+            <a:r>
+              <a:rPr lang="en-US" altLang="zh-TW" dirty="0"/>
+              <a:t> and so on</a:t>
+            </a:r>
+          </a:p>
+        </p:txBody>
+      </p:sp>
+      <p:sp>
+        <p:nvSpPr>
+          <p:cNvPr id="4" name="投影片編號版面配置區 3"/>
+          <p:cNvSpPr>
+            <a:spLocks noGrp="1"/>
+          </p:cNvSpPr>
+          <p:nvPr>
+            <p:ph type="sldNum" sz="quarter" idx="5"/>
+          </p:nvPr>
+        </p:nvSpPr>
+        <p:spPr/>
+        <p:txBody>
+          <a:bodyPr/>
+          <a:lstStyle/>
+          <a:p>
+            <a:fld id="{EB84BAFE-DFB0-4DB6-B5BA-50FBF1975C47}" type="slidenum">
+              <a:rPr lang="zh-TW" altLang="en-US" smtClean="0"/>
+              <a:t>28</a:t>
+            </a:fld>
+            <a:endParaRPr lang="zh-TW" altLang="en-US"/>
+          </a:p>
+        </p:txBody>
+      </p:sp>
+    </p:spTree>
+    <p:extLst>
+      <p:ext uri="{BB962C8B-B14F-4D97-AF65-F5344CB8AC3E}">
+        <p14:creationId xmlns:p14="http://schemas.microsoft.com/office/powerpoint/2010/main" val="2328158094"/>
       </p:ext>
     </p:extLst>
   </p:cSld>
@@ -4465,7 +5159,7 @@
           <a:p>
             <a:fld id="{C68C6DF0-5608-47A0-8CD4-A03454B05FE0}" type="datetime1">
               <a:rPr lang="zh-TW" altLang="en-US" smtClean="0"/>
-              <a:t>2021/08/13</a:t>
+              <a:t>2021/08/15</a:t>
             </a:fld>
             <a:endParaRPr lang="zh-TW" altLang="en-US"/>
           </a:p>
@@ -4635,7 +5329,7 @@
           <a:p>
             <a:fld id="{C64BF527-FB5D-413B-A717-B81CBF910C9C}" type="datetime1">
               <a:rPr lang="zh-TW" altLang="en-US" smtClean="0"/>
-              <a:t>2021/08/13</a:t>
+              <a:t>2021/08/15</a:t>
             </a:fld>
             <a:endParaRPr lang="zh-TW" altLang="en-US"/>
           </a:p>
@@ -4815,7 +5509,7 @@
           <a:p>
             <a:fld id="{2335ECC2-8EC0-47DB-987A-12E1FC9FF206}" type="datetime1">
               <a:rPr lang="zh-TW" altLang="en-US" smtClean="0"/>
-              <a:t>2021/08/13</a:t>
+              <a:t>2021/08/15</a:t>
             </a:fld>
             <a:endParaRPr lang="zh-TW" altLang="en-US"/>
           </a:p>
@@ -4998,7 +5692,7 @@
           <a:p>
             <a:fld id="{365A256B-9CA8-4446-BC99-6EC076175E43}" type="datetime1">
               <a:rPr lang="zh-TW" altLang="en-US" smtClean="0"/>
-              <a:t>2021/08/13</a:t>
+              <a:t>2021/08/15</a:t>
             </a:fld>
             <a:endParaRPr lang="zh-TW" altLang="en-US"/>
           </a:p>
@@ -5225,7 +5919,7 @@
           <a:p>
             <a:fld id="{087DD6A9-916A-4C18-A9A9-CC0EDF50809B}" type="datetime1">
               <a:rPr lang="zh-TW" altLang="en-US" smtClean="0"/>
-              <a:t>2021/08/13</a:t>
+              <a:t>2021/08/15</a:t>
             </a:fld>
             <a:endParaRPr lang="en-US" dirty="0"/>
           </a:p>
@@ -5623,7 +6317,7 @@
           <a:p>
             <a:fld id="{3B76A68D-F016-4FB6-B574-55E1018139A5}" type="datetime1">
               <a:rPr lang="zh-TW" altLang="en-US" smtClean="0"/>
-              <a:t>2021/08/13</a:t>
+              <a:t>2021/08/15</a:t>
             </a:fld>
             <a:endParaRPr lang="zh-TW" altLang="en-US"/>
           </a:p>
@@ -5814,7 +6508,7 @@
           <a:p>
             <a:fld id="{3A436D77-FCD7-47B0-A83B-8C0D33C7A660}" type="datetime1">
               <a:rPr lang="zh-TW" altLang="en-US" smtClean="0"/>
-              <a:t>2021/08/13</a:t>
+              <a:t>2021/08/15</a:t>
             </a:fld>
             <a:endParaRPr lang="zh-TW" altLang="en-US"/>
           </a:p>
@@ -6104,7 +6798,7 @@
           <a:p>
             <a:fld id="{784F50B4-1061-4951-A583-3590F36C07C8}" type="datetime1">
               <a:rPr lang="zh-TW" altLang="en-US" smtClean="0"/>
-              <a:t>2021/08/13</a:t>
+              <a:t>2021/08/15</a:t>
             </a:fld>
             <a:endParaRPr lang="zh-TW" altLang="en-US"/>
           </a:p>
@@ -6388,7 +7082,7 @@
           <a:p>
             <a:fld id="{28CA5130-F681-4645-B41A-BFA88C1559D7}" type="datetime1">
               <a:rPr lang="zh-TW" altLang="en-US" smtClean="0"/>
-              <a:t>2021/08/13</a:t>
+              <a:t>2021/08/15</a:t>
             </a:fld>
             <a:endParaRPr lang="zh-TW" altLang="en-US"/>
           </a:p>
@@ -6755,7 +7449,7 @@
           <a:p>
             <a:fld id="{628D3234-BEEA-4166-85B8-55A0CBDC80F5}" type="datetime1">
               <a:rPr lang="zh-TW" altLang="en-US" smtClean="0"/>
-              <a:t>2021/08/13</a:t>
+              <a:t>2021/08/15</a:t>
             </a:fld>
             <a:endParaRPr lang="zh-TW" altLang="en-US"/>
           </a:p>
@@ -6873,7 +7567,7 @@
           <a:p>
             <a:fld id="{1F75A323-362D-4881-8991-2374589DDBEA}" type="datetime1">
               <a:rPr lang="zh-TW" altLang="en-US" smtClean="0"/>
-              <a:t>2021/08/13</a:t>
+              <a:t>2021/08/15</a:t>
             </a:fld>
             <a:endParaRPr lang="zh-TW" altLang="en-US"/>
           </a:p>
@@ -6968,7 +7662,7 @@
           <a:p>
             <a:fld id="{82869F45-A14F-4B18-A47D-62968F2A6B94}" type="datetime1">
               <a:rPr lang="zh-TW" altLang="en-US" smtClean="0"/>
-              <a:t>2021/08/13</a:t>
+              <a:t>2021/08/15</a:t>
             </a:fld>
             <a:endParaRPr lang="zh-TW" altLang="en-US"/>
           </a:p>
@@ -7245,7 +7939,7 @@
           <a:p>
             <a:fld id="{D04F75C9-CBE3-4BA0-A4EF-E03B49DDE8F6}" type="datetime1">
               <a:rPr lang="zh-TW" altLang="en-US" smtClean="0"/>
-              <a:t>2021/08/13</a:t>
+              <a:t>2021/08/15</a:t>
             </a:fld>
             <a:endParaRPr lang="zh-TW" altLang="en-US"/>
           </a:p>
@@ -7458,7 +8152,7 @@
           <a:p>
             <a:fld id="{253A3E6B-5602-4460-BA40-5DAE1CB83E1F}" type="datetime1">
               <a:rPr lang="zh-TW" altLang="en-US" smtClean="0"/>
-              <a:t>2021/08/13</a:t>
+              <a:t>2021/08/15</a:t>
             </a:fld>
             <a:endParaRPr lang="zh-TW" altLang="en-US"/>
           </a:p>
@@ -8052,40 +8746,42 @@
           <a:chExt cx="0" cy="0"/>
         </a:xfrm>
       </p:grpSpPr>
-      <p:sp>
-        <p:nvSpPr>
-          <p:cNvPr id="5" name="標題 4">
+      <p:pic>
+        <p:nvPicPr>
+          <p:cNvPr id="10" name="圖片 9">
             <a:extLst>
               <a:ext uri="{FF2B5EF4-FFF2-40B4-BE49-F238E27FC236}">
-                <a16:creationId xmlns:a16="http://schemas.microsoft.com/office/drawing/2014/main" id="{73829ED9-AD3C-43FB-A0DE-DF7A669558F8}"/>
+                <a16:creationId xmlns:a16="http://schemas.microsoft.com/office/drawing/2014/main" id="{FAB37255-7875-4C9F-BC29-4D9AF56AB33C}"/>
               </a:ext>
             </a:extLst>
           </p:cNvPr>
-          <p:cNvSpPr>
-            <a:spLocks noGrp="1"/>
-          </p:cNvSpPr>
-          <p:nvPr>
-            <p:ph type="title"/>
-          </p:nvPr>
-        </p:nvSpPr>
-        <p:spPr/>
-        <p:txBody>
-          <a:bodyPr/>
-          <a:lstStyle/>
-          <a:p>
-            <a:r>
-              <a:rPr lang="zh-TW" altLang="en-US" dirty="0"/>
-              <a:t>統計圖表呈現</a:t>
-            </a:r>
-          </a:p>
-        </p:txBody>
-      </p:sp>
-      <p:sp>
-        <p:nvSpPr>
-          <p:cNvPr id="6" name="文字版面配置區 5">
+          <p:cNvPicPr>
+            <a:picLocks noChangeAspect="1"/>
+          </p:cNvPicPr>
+          <p:nvPr/>
+        </p:nvPicPr>
+        <p:blipFill>
+          <a:blip r:embed="rId3"/>
+          <a:stretch>
+            <a:fillRect/>
+          </a:stretch>
+        </p:blipFill>
+        <p:spPr>
+          <a:xfrm>
+            <a:off x="2060306" y="301337"/>
+            <a:ext cx="8436565" cy="6538338"/>
+          </a:xfrm>
+          <a:prstGeom prst="rect">
+            <a:avLst/>
+          </a:prstGeom>
+        </p:spPr>
+      </p:pic>
+      <p:sp>
+        <p:nvSpPr>
+          <p:cNvPr id="4" name="標題 3">
             <a:extLst>
               <a:ext uri="{FF2B5EF4-FFF2-40B4-BE49-F238E27FC236}">
-                <a16:creationId xmlns:a16="http://schemas.microsoft.com/office/drawing/2014/main" id="{D9EDD6AE-9199-499B-8D7F-6D93FB0AD946}"/>
+                <a16:creationId xmlns:a16="http://schemas.microsoft.com/office/drawing/2014/main" id="{8EBC9425-CFC0-4FC3-9107-5FE202888980}"/>
               </a:ext>
             </a:extLst>
           </p:cNvPr>
@@ -8093,7 +8789,7 @@
             <a:spLocks noGrp="1"/>
           </p:cNvSpPr>
           <p:nvPr>
-            <p:ph type="body" idx="1"/>
+            <p:ph type="title"/>
           </p:nvPr>
         </p:nvSpPr>
         <p:spPr/>
@@ -8101,16 +8797,19 @@
           <a:bodyPr/>
           <a:lstStyle/>
           <a:p>
-            <a:endParaRPr lang="zh-TW" altLang="en-US"/>
-          </a:p>
-        </p:txBody>
-      </p:sp>
-      <p:sp>
-        <p:nvSpPr>
-          <p:cNvPr id="4" name="投影片編號版面配置區 3">
+            <a:r>
+              <a:rPr lang="zh-TW" altLang="en-US" dirty="0"/>
+              <a:t>圓餅圖</a:t>
+            </a:r>
+          </a:p>
+        </p:txBody>
+      </p:sp>
+      <p:sp>
+        <p:nvSpPr>
+          <p:cNvPr id="3" name="投影片編號版面配置區 2">
             <a:extLst>
               <a:ext uri="{FF2B5EF4-FFF2-40B4-BE49-F238E27FC236}">
-                <a16:creationId xmlns:a16="http://schemas.microsoft.com/office/drawing/2014/main" id="{E150A48A-C57D-45FD-A8E0-C118B59D1FCD}"/>
+                <a16:creationId xmlns:a16="http://schemas.microsoft.com/office/drawing/2014/main" id="{AB64ABD3-83C3-42CC-9281-E1FDCB978147}"/>
               </a:ext>
             </a:extLst>
           </p:cNvPr>
@@ -8138,7 +8837,7 @@
     </p:spTree>
     <p:extLst>
       <p:ext uri="{BB962C8B-B14F-4D97-AF65-F5344CB8AC3E}">
-        <p14:creationId xmlns:p14="http://schemas.microsoft.com/office/powerpoint/2010/main" val="165188226"/>
+        <p14:creationId xmlns:p14="http://schemas.microsoft.com/office/powerpoint/2010/main" val="3997818693"/>
       </p:ext>
     </p:extLst>
   </p:cSld>
@@ -8165,95 +8864,12 @@
           <a:chExt cx="0" cy="0"/>
         </a:xfrm>
       </p:grpSpPr>
-      <p:sp>
-        <p:nvSpPr>
-          <p:cNvPr id="4" name="標題 3">
+      <p:pic>
+        <p:nvPicPr>
+          <p:cNvPr id="11" name="圖片 10">
             <a:extLst>
               <a:ext uri="{FF2B5EF4-FFF2-40B4-BE49-F238E27FC236}">
-                <a16:creationId xmlns:a16="http://schemas.microsoft.com/office/drawing/2014/main" id="{8EBC9425-CFC0-4FC3-9107-5FE202888980}"/>
-              </a:ext>
-            </a:extLst>
-          </p:cNvPr>
-          <p:cNvSpPr>
-            <a:spLocks noGrp="1"/>
-          </p:cNvSpPr>
-          <p:nvPr>
-            <p:ph type="title"/>
-          </p:nvPr>
-        </p:nvSpPr>
-        <p:spPr/>
-        <p:txBody>
-          <a:bodyPr/>
-          <a:lstStyle/>
-          <a:p>
-            <a:r>
-              <a:rPr lang="zh-TW" altLang="en-US" dirty="0"/>
-              <a:t>圓餅圖</a:t>
-            </a:r>
-          </a:p>
-        </p:txBody>
-      </p:sp>
-      <p:sp>
-        <p:nvSpPr>
-          <p:cNvPr id="5" name="內容版面配置區 4">
-            <a:extLst>
-              <a:ext uri="{FF2B5EF4-FFF2-40B4-BE49-F238E27FC236}">
-                <a16:creationId xmlns:a16="http://schemas.microsoft.com/office/drawing/2014/main" id="{35F0BE09-9033-4369-8CBC-41F8131E11A6}"/>
-              </a:ext>
-            </a:extLst>
-          </p:cNvPr>
-          <p:cNvSpPr>
-            <a:spLocks noGrp="1"/>
-          </p:cNvSpPr>
-          <p:nvPr>
-            <p:ph idx="1"/>
-          </p:nvPr>
-        </p:nvSpPr>
-        <p:spPr/>
-        <p:txBody>
-          <a:bodyPr/>
-          <a:lstStyle/>
-          <a:p>
-            <a:endParaRPr lang="zh-TW" altLang="en-US" dirty="0"/>
-          </a:p>
-        </p:txBody>
-      </p:sp>
-      <p:sp>
-        <p:nvSpPr>
-          <p:cNvPr id="3" name="投影片編號版面配置區 2">
-            <a:extLst>
-              <a:ext uri="{FF2B5EF4-FFF2-40B4-BE49-F238E27FC236}">
-                <a16:creationId xmlns:a16="http://schemas.microsoft.com/office/drawing/2014/main" id="{AB64ABD3-83C3-42CC-9281-E1FDCB978147}"/>
-              </a:ext>
-            </a:extLst>
-          </p:cNvPr>
-          <p:cNvSpPr>
-            <a:spLocks noGrp="1"/>
-          </p:cNvSpPr>
-          <p:nvPr>
-            <p:ph type="sldNum" sz="quarter" idx="12"/>
-          </p:nvPr>
-        </p:nvSpPr>
-        <p:spPr/>
-        <p:txBody>
-          <a:bodyPr/>
-          <a:lstStyle/>
-          <a:p>
-            <a:fld id="{0318AE31-7D37-4562-A6C9-6CAC1CEA6FBB}" type="slidenum">
-              <a:rPr lang="zh-TW" altLang="en-US" smtClean="0"/>
-              <a:pPr/>
-              <a:t>11</a:t>
-            </a:fld>
-            <a:endParaRPr lang="zh-TW" altLang="en-US"/>
-          </a:p>
-        </p:txBody>
-      </p:sp>
-      <p:pic>
-        <p:nvPicPr>
-          <p:cNvPr id="6" name="圖片 5">
-            <a:extLst>
-              <a:ext uri="{FF2B5EF4-FFF2-40B4-BE49-F238E27FC236}">
-                <a16:creationId xmlns:a16="http://schemas.microsoft.com/office/drawing/2014/main" id="{F3A8B34C-6833-4647-A8AE-D2FBF3B4DB87}"/>
+                <a16:creationId xmlns:a16="http://schemas.microsoft.com/office/drawing/2014/main" id="{FD1D0E9F-A362-4EA8-8810-B86207694BD9}"/>
               </a:ext>
             </a:extLst>
           </p:cNvPr>
@@ -8262,25 +8878,84 @@
           </p:cNvPicPr>
           <p:nvPr/>
         </p:nvPicPr>
-        <p:blipFill rotWithShape="1">
-          <a:blip r:embed="rId3"/>
-          <a:srcRect l="27232" r="4340" b="21622"/>
-          <a:stretch/>
+        <p:blipFill>
+          <a:blip r:embed="rId2"/>
+          <a:stretch>
+            <a:fillRect/>
+          </a:stretch>
         </p:blipFill>
         <p:spPr>
           <a:xfrm>
-            <a:off x="2377571" y="793024"/>
-            <a:ext cx="7436858" cy="5864088"/>
+            <a:off x="1007917" y="1106565"/>
+            <a:ext cx="10235047" cy="5424043"/>
           </a:xfrm>
           <a:prstGeom prst="rect">
             <a:avLst/>
           </a:prstGeom>
         </p:spPr>
       </p:pic>
+      <p:sp>
+        <p:nvSpPr>
+          <p:cNvPr id="4" name="標題 3">
+            <a:extLst>
+              <a:ext uri="{FF2B5EF4-FFF2-40B4-BE49-F238E27FC236}">
+                <a16:creationId xmlns:a16="http://schemas.microsoft.com/office/drawing/2014/main" id="{8EBC9425-CFC0-4FC3-9107-5FE202888980}"/>
+              </a:ext>
+            </a:extLst>
+          </p:cNvPr>
+          <p:cNvSpPr>
+            <a:spLocks noGrp="1"/>
+          </p:cNvSpPr>
+          <p:nvPr>
+            <p:ph type="title"/>
+          </p:nvPr>
+        </p:nvSpPr>
+        <p:spPr/>
+        <p:txBody>
+          <a:bodyPr/>
+          <a:lstStyle/>
+          <a:p>
+            <a:r>
+              <a:rPr lang="zh-TW" altLang="en-US" dirty="0"/>
+              <a:t>長條圖</a:t>
+            </a:r>
+          </a:p>
+        </p:txBody>
+      </p:sp>
+      <p:sp>
+        <p:nvSpPr>
+          <p:cNvPr id="3" name="投影片編號版面配置區 2">
+            <a:extLst>
+              <a:ext uri="{FF2B5EF4-FFF2-40B4-BE49-F238E27FC236}">
+                <a16:creationId xmlns:a16="http://schemas.microsoft.com/office/drawing/2014/main" id="{AB64ABD3-83C3-42CC-9281-E1FDCB978147}"/>
+              </a:ext>
+            </a:extLst>
+          </p:cNvPr>
+          <p:cNvSpPr>
+            <a:spLocks noGrp="1"/>
+          </p:cNvSpPr>
+          <p:nvPr>
+            <p:ph type="sldNum" sz="quarter" idx="12"/>
+          </p:nvPr>
+        </p:nvSpPr>
+        <p:spPr/>
+        <p:txBody>
+          <a:bodyPr/>
+          <a:lstStyle/>
+          <a:p>
+            <a:fld id="{0318AE31-7D37-4562-A6C9-6CAC1CEA6FBB}" type="slidenum">
+              <a:rPr lang="zh-TW" altLang="en-US" smtClean="0"/>
+              <a:pPr/>
+              <a:t>11</a:t>
+            </a:fld>
+            <a:endParaRPr lang="zh-TW" altLang="en-US"/>
+          </a:p>
+        </p:txBody>
+      </p:sp>
     </p:spTree>
     <p:extLst>
       <p:ext uri="{BB962C8B-B14F-4D97-AF65-F5344CB8AC3E}">
-        <p14:creationId xmlns:p14="http://schemas.microsoft.com/office/powerpoint/2010/main" val="3997818693"/>
+        <p14:creationId xmlns:p14="http://schemas.microsoft.com/office/powerpoint/2010/main" val="1362625148"/>
       </p:ext>
     </p:extLst>
   </p:cSld>
@@ -8330,33 +9005,8 @@
           <a:p>
             <a:r>
               <a:rPr lang="zh-TW" altLang="en-US" dirty="0"/>
-              <a:t>長條圖</a:t>
-            </a:r>
-          </a:p>
-        </p:txBody>
-      </p:sp>
-      <p:sp>
-        <p:nvSpPr>
-          <p:cNvPr id="5" name="內容版面配置區 4">
-            <a:extLst>
-              <a:ext uri="{FF2B5EF4-FFF2-40B4-BE49-F238E27FC236}">
-                <a16:creationId xmlns:a16="http://schemas.microsoft.com/office/drawing/2014/main" id="{35F0BE09-9033-4369-8CBC-41F8131E11A6}"/>
-              </a:ext>
-            </a:extLst>
-          </p:cNvPr>
-          <p:cNvSpPr>
-            <a:spLocks noGrp="1"/>
-          </p:cNvSpPr>
-          <p:nvPr>
-            <p:ph idx="1"/>
-          </p:nvPr>
-        </p:nvSpPr>
-        <p:spPr/>
-        <p:txBody>
-          <a:bodyPr/>
-          <a:lstStyle/>
-          <a:p>
-            <a:endParaRPr lang="zh-TW" altLang="en-US"/>
+              <a:t>直方圖</a:t>
+            </a:r>
           </a:p>
         </p:txBody>
       </p:sp>
@@ -8392,10 +9042,10 @@
       </p:sp>
       <p:pic>
         <p:nvPicPr>
-          <p:cNvPr id="2" name="圖片 1">
+          <p:cNvPr id="7" name="圖片 6">
             <a:extLst>
               <a:ext uri="{FF2B5EF4-FFF2-40B4-BE49-F238E27FC236}">
-                <a16:creationId xmlns:a16="http://schemas.microsoft.com/office/drawing/2014/main" id="{6FC14DD2-84C4-4FD3-A790-A885EABD3DB2}"/>
+                <a16:creationId xmlns:a16="http://schemas.microsoft.com/office/drawing/2014/main" id="{149CCA77-383E-4297-8438-4262291AE43E}"/>
               </a:ext>
             </a:extLst>
           </p:cNvPr>
@@ -8412,8 +9062,8 @@
         </p:blipFill>
         <p:spPr>
           <a:xfrm>
-            <a:off x="1771122" y="702570"/>
-            <a:ext cx="8649755" cy="5954542"/>
+            <a:off x="1288473" y="1298863"/>
+            <a:ext cx="9872186" cy="5231745"/>
           </a:xfrm>
           <a:prstGeom prst="rect">
             <a:avLst/>
@@ -8423,7 +9073,7 @@
     </p:spTree>
     <p:extLst>
       <p:ext uri="{BB962C8B-B14F-4D97-AF65-F5344CB8AC3E}">
-        <p14:creationId xmlns:p14="http://schemas.microsoft.com/office/powerpoint/2010/main" val="1362625148"/>
+        <p14:creationId xmlns:p14="http://schemas.microsoft.com/office/powerpoint/2010/main" val="311280397"/>
       </p:ext>
     </p:extLst>
   </p:cSld>
@@ -8473,33 +9123,8 @@
           <a:p>
             <a:r>
               <a:rPr lang="zh-TW" altLang="en-US" dirty="0"/>
-              <a:t>直方圖</a:t>
-            </a:r>
-          </a:p>
-        </p:txBody>
-      </p:sp>
-      <p:sp>
-        <p:nvSpPr>
-          <p:cNvPr id="5" name="內容版面配置區 4">
-            <a:extLst>
-              <a:ext uri="{FF2B5EF4-FFF2-40B4-BE49-F238E27FC236}">
-                <a16:creationId xmlns:a16="http://schemas.microsoft.com/office/drawing/2014/main" id="{35F0BE09-9033-4369-8CBC-41F8131E11A6}"/>
-              </a:ext>
-            </a:extLst>
-          </p:cNvPr>
-          <p:cNvSpPr>
-            <a:spLocks noGrp="1"/>
-          </p:cNvSpPr>
-          <p:nvPr>
-            <p:ph idx="1"/>
-          </p:nvPr>
-        </p:nvSpPr>
-        <p:spPr/>
-        <p:txBody>
-          <a:bodyPr/>
-          <a:lstStyle/>
-          <a:p>
-            <a:endParaRPr lang="zh-TW" altLang="en-US"/>
+              <a:t>箱型圖</a:t>
+            </a:r>
           </a:p>
         </p:txBody>
       </p:sp>
@@ -8535,10 +9160,10 @@
       </p:sp>
       <p:pic>
         <p:nvPicPr>
-          <p:cNvPr id="2" name="圖片 1">
+          <p:cNvPr id="8" name="圖片 7">
             <a:extLst>
               <a:ext uri="{FF2B5EF4-FFF2-40B4-BE49-F238E27FC236}">
-                <a16:creationId xmlns:a16="http://schemas.microsoft.com/office/drawing/2014/main" id="{90813257-473A-4383-B162-D4E31DF905DD}"/>
+                <a16:creationId xmlns:a16="http://schemas.microsoft.com/office/drawing/2014/main" id="{C7B9BBA7-55A6-4A68-B76F-9AA014A17AD7}"/>
               </a:ext>
             </a:extLst>
           </p:cNvPr>
@@ -8547,15 +9172,16 @@
           </p:cNvPicPr>
           <p:nvPr/>
         </p:nvPicPr>
-        <p:blipFill rotWithShape="1">
+        <p:blipFill>
           <a:blip r:embed="rId2"/>
-          <a:srcRect t="6372" r="6112" b="3551"/>
-          <a:stretch/>
+          <a:stretch>
+            <a:fillRect/>
+          </a:stretch>
         </p:blipFill>
         <p:spPr>
           <a:xfrm>
-            <a:off x="1733275" y="797442"/>
-            <a:ext cx="8725449" cy="5762846"/>
+            <a:off x="781203" y="1091045"/>
+            <a:ext cx="10572598" cy="5602927"/>
           </a:xfrm>
           <a:prstGeom prst="rect">
             <a:avLst/>
@@ -8565,7 +9191,7 @@
     </p:spTree>
     <p:extLst>
       <p:ext uri="{BB962C8B-B14F-4D97-AF65-F5344CB8AC3E}">
-        <p14:creationId xmlns:p14="http://schemas.microsoft.com/office/powerpoint/2010/main" val="311280397"/>
+        <p14:creationId xmlns:p14="http://schemas.microsoft.com/office/powerpoint/2010/main" val="3333563612"/>
       </p:ext>
     </p:extLst>
   </p:cSld>
@@ -8615,33 +9241,8 @@
           <a:p>
             <a:r>
               <a:rPr lang="zh-TW" altLang="en-US" dirty="0"/>
-              <a:t>箱型圖</a:t>
-            </a:r>
-          </a:p>
-        </p:txBody>
-      </p:sp>
-      <p:sp>
-        <p:nvSpPr>
-          <p:cNvPr id="5" name="內容版面配置區 4">
-            <a:extLst>
-              <a:ext uri="{FF2B5EF4-FFF2-40B4-BE49-F238E27FC236}">
-                <a16:creationId xmlns:a16="http://schemas.microsoft.com/office/drawing/2014/main" id="{35F0BE09-9033-4369-8CBC-41F8131E11A6}"/>
-              </a:ext>
-            </a:extLst>
-          </p:cNvPr>
-          <p:cNvSpPr>
-            <a:spLocks noGrp="1"/>
-          </p:cNvSpPr>
-          <p:nvPr>
-            <p:ph idx="1"/>
-          </p:nvPr>
-        </p:nvSpPr>
-        <p:spPr/>
-        <p:txBody>
-          <a:bodyPr/>
-          <a:lstStyle/>
-          <a:p>
-            <a:endParaRPr lang="zh-TW" altLang="en-US"/>
+              <a:t>折線圖</a:t>
+            </a:r>
           </a:p>
         </p:txBody>
       </p:sp>
@@ -8677,10 +9278,10 @@
       </p:sp>
       <p:pic>
         <p:nvPicPr>
-          <p:cNvPr id="2" name="圖片 1">
+          <p:cNvPr id="9" name="圖片 8">
             <a:extLst>
               <a:ext uri="{FF2B5EF4-FFF2-40B4-BE49-F238E27FC236}">
-                <a16:creationId xmlns:a16="http://schemas.microsoft.com/office/drawing/2014/main" id="{25A85331-9E73-44C3-B3AC-6EBFF1FB3A8B}"/>
+                <a16:creationId xmlns:a16="http://schemas.microsoft.com/office/drawing/2014/main" id="{FA95A262-5113-4919-9560-2EB55C85667B}"/>
               </a:ext>
             </a:extLst>
           </p:cNvPr>
@@ -8689,15 +9290,16 @@
           </p:cNvPicPr>
           <p:nvPr/>
         </p:nvPicPr>
-        <p:blipFill rotWithShape="1">
+        <p:blipFill>
           <a:blip r:embed="rId2"/>
-          <a:srcRect l="5667" t="6018" r="5384" b="12189"/>
-          <a:stretch/>
+          <a:stretch>
+            <a:fillRect/>
+          </a:stretch>
         </p:blipFill>
         <p:spPr>
           <a:xfrm>
-            <a:off x="1506121" y="773162"/>
-            <a:ext cx="9179758" cy="5810925"/>
+            <a:off x="2111087" y="798334"/>
+            <a:ext cx="7969826" cy="5878732"/>
           </a:xfrm>
           <a:prstGeom prst="rect">
             <a:avLst/>
@@ -8707,7 +9309,7 @@
     </p:spTree>
     <p:extLst>
       <p:ext uri="{BB962C8B-B14F-4D97-AF65-F5344CB8AC3E}">
-        <p14:creationId xmlns:p14="http://schemas.microsoft.com/office/powerpoint/2010/main" val="3333563612"/>
+        <p14:creationId xmlns:p14="http://schemas.microsoft.com/office/powerpoint/2010/main" val="1648122392"/>
       </p:ext>
     </p:extLst>
   </p:cSld>
@@ -8757,7 +9359,7 @@
           <a:p>
             <a:r>
               <a:rPr lang="zh-TW" altLang="en-US" dirty="0"/>
-              <a:t>折線圖</a:t>
+              <a:t>散佈圖</a:t>
             </a:r>
           </a:p>
         </p:txBody>
@@ -8812,148 +9414,6 @@
               <a:rPr lang="zh-TW" altLang="en-US" smtClean="0"/>
               <a:pPr/>
               <a:t>15</a:t>
-            </a:fld>
-            <a:endParaRPr lang="zh-TW" altLang="en-US"/>
-          </a:p>
-        </p:txBody>
-      </p:sp>
-      <p:pic>
-        <p:nvPicPr>
-          <p:cNvPr id="6" name="圖片 5">
-            <a:extLst>
-              <a:ext uri="{FF2B5EF4-FFF2-40B4-BE49-F238E27FC236}">
-                <a16:creationId xmlns:a16="http://schemas.microsoft.com/office/drawing/2014/main" id="{642EF351-F473-493D-B940-6A732D1426E5}"/>
-              </a:ext>
-            </a:extLst>
-          </p:cNvPr>
-          <p:cNvPicPr>
-            <a:picLocks noChangeAspect="1"/>
-          </p:cNvPicPr>
-          <p:nvPr/>
-        </p:nvPicPr>
-        <p:blipFill rotWithShape="1">
-          <a:blip r:embed="rId2"/>
-          <a:srcRect t="6547" r="5019" b="3728"/>
-          <a:stretch/>
-        </p:blipFill>
-        <p:spPr>
-          <a:xfrm>
-            <a:off x="1648835" y="882699"/>
-            <a:ext cx="8894330" cy="5784112"/>
-          </a:xfrm>
-          <a:prstGeom prst="rect">
-            <a:avLst/>
-          </a:prstGeom>
-        </p:spPr>
-      </p:pic>
-    </p:spTree>
-    <p:extLst>
-      <p:ext uri="{BB962C8B-B14F-4D97-AF65-F5344CB8AC3E}">
-        <p14:creationId xmlns:p14="http://schemas.microsoft.com/office/powerpoint/2010/main" val="1648122392"/>
-      </p:ext>
-    </p:extLst>
-  </p:cSld>
-  <p:clrMapOvr>
-    <a:masterClrMapping/>
-  </p:clrMapOvr>
-</p:sld>
-</file>
-
-<file path=ppt/slides/slide16.xml><?xml version="1.0" encoding="utf-8"?>
-<p:sld xmlns:a="http://schemas.openxmlformats.org/drawingml/2006/main" xmlns:r="http://schemas.openxmlformats.org/officeDocument/2006/relationships" xmlns:p="http://schemas.openxmlformats.org/presentationml/2006/main">
-  <p:cSld>
-    <p:spTree>
-      <p:nvGrpSpPr>
-        <p:cNvPr id="1" name=""/>
-        <p:cNvGrpSpPr/>
-        <p:nvPr/>
-      </p:nvGrpSpPr>
-      <p:grpSpPr>
-        <a:xfrm>
-          <a:off x="0" y="0"/>
-          <a:ext cx="0" cy="0"/>
-          <a:chOff x="0" y="0"/>
-          <a:chExt cx="0" cy="0"/>
-        </a:xfrm>
-      </p:grpSpPr>
-      <p:sp>
-        <p:nvSpPr>
-          <p:cNvPr id="4" name="標題 3">
-            <a:extLst>
-              <a:ext uri="{FF2B5EF4-FFF2-40B4-BE49-F238E27FC236}">
-                <a16:creationId xmlns:a16="http://schemas.microsoft.com/office/drawing/2014/main" id="{8EBC9425-CFC0-4FC3-9107-5FE202888980}"/>
-              </a:ext>
-            </a:extLst>
-          </p:cNvPr>
-          <p:cNvSpPr>
-            <a:spLocks noGrp="1"/>
-          </p:cNvSpPr>
-          <p:nvPr>
-            <p:ph type="title"/>
-          </p:nvPr>
-        </p:nvSpPr>
-        <p:spPr/>
-        <p:txBody>
-          <a:bodyPr/>
-          <a:lstStyle/>
-          <a:p>
-            <a:r>
-              <a:rPr lang="zh-TW" altLang="en-US" dirty="0"/>
-              <a:t>散佈圖</a:t>
-            </a:r>
-          </a:p>
-        </p:txBody>
-      </p:sp>
-      <p:sp>
-        <p:nvSpPr>
-          <p:cNvPr id="5" name="內容版面配置區 4">
-            <a:extLst>
-              <a:ext uri="{FF2B5EF4-FFF2-40B4-BE49-F238E27FC236}">
-                <a16:creationId xmlns:a16="http://schemas.microsoft.com/office/drawing/2014/main" id="{35F0BE09-9033-4369-8CBC-41F8131E11A6}"/>
-              </a:ext>
-            </a:extLst>
-          </p:cNvPr>
-          <p:cNvSpPr>
-            <a:spLocks noGrp="1"/>
-          </p:cNvSpPr>
-          <p:nvPr>
-            <p:ph idx="1"/>
-          </p:nvPr>
-        </p:nvSpPr>
-        <p:spPr/>
-        <p:txBody>
-          <a:bodyPr/>
-          <a:lstStyle/>
-          <a:p>
-            <a:endParaRPr lang="zh-TW" altLang="en-US"/>
-          </a:p>
-        </p:txBody>
-      </p:sp>
-      <p:sp>
-        <p:nvSpPr>
-          <p:cNvPr id="3" name="投影片編號版面配置區 2">
-            <a:extLst>
-              <a:ext uri="{FF2B5EF4-FFF2-40B4-BE49-F238E27FC236}">
-                <a16:creationId xmlns:a16="http://schemas.microsoft.com/office/drawing/2014/main" id="{AB64ABD3-83C3-42CC-9281-E1FDCB978147}"/>
-              </a:ext>
-            </a:extLst>
-          </p:cNvPr>
-          <p:cNvSpPr>
-            <a:spLocks noGrp="1"/>
-          </p:cNvSpPr>
-          <p:nvPr>
-            <p:ph type="sldNum" sz="quarter" idx="12"/>
-          </p:nvPr>
-        </p:nvSpPr>
-        <p:spPr/>
-        <p:txBody>
-          <a:bodyPr/>
-          <a:lstStyle/>
-          <a:p>
-            <a:fld id="{0318AE31-7D37-4562-A6C9-6CAC1CEA6FBB}" type="slidenum">
-              <a:rPr lang="zh-TW" altLang="en-US" smtClean="0"/>
-              <a:pPr/>
-              <a:t>16</a:t>
             </a:fld>
             <a:endParaRPr lang="zh-TW" altLang="en-US"/>
           </a:p>
@@ -9001,6 +9461,119 @@
 </p:sld>
 </file>
 
+<file path=ppt/slides/slide16.xml><?xml version="1.0" encoding="utf-8"?>
+<p:sld xmlns:a="http://schemas.openxmlformats.org/drawingml/2006/main" xmlns:r="http://schemas.openxmlformats.org/officeDocument/2006/relationships" xmlns:p="http://schemas.openxmlformats.org/presentationml/2006/main">
+  <p:cSld>
+    <p:spTree>
+      <p:nvGrpSpPr>
+        <p:cNvPr id="1" name=""/>
+        <p:cNvGrpSpPr/>
+        <p:nvPr/>
+      </p:nvGrpSpPr>
+      <p:grpSpPr>
+        <a:xfrm>
+          <a:off x="0" y="0"/>
+          <a:ext cx="0" cy="0"/>
+          <a:chOff x="0" y="0"/>
+          <a:chExt cx="0" cy="0"/>
+        </a:xfrm>
+      </p:grpSpPr>
+      <p:sp>
+        <p:nvSpPr>
+          <p:cNvPr id="5" name="標題 4">
+            <a:extLst>
+              <a:ext uri="{FF2B5EF4-FFF2-40B4-BE49-F238E27FC236}">
+                <a16:creationId xmlns:a16="http://schemas.microsoft.com/office/drawing/2014/main" id="{73829ED9-AD3C-43FB-A0DE-DF7A669558F8}"/>
+              </a:ext>
+            </a:extLst>
+          </p:cNvPr>
+          <p:cNvSpPr>
+            <a:spLocks noGrp="1"/>
+          </p:cNvSpPr>
+          <p:nvPr>
+            <p:ph type="title"/>
+          </p:nvPr>
+        </p:nvSpPr>
+        <p:spPr/>
+        <p:txBody>
+          <a:bodyPr/>
+          <a:lstStyle/>
+          <a:p>
+            <a:r>
+              <a:rPr lang="zh-TW" altLang="en-US" dirty="0"/>
+              <a:t>假設與檢定概念</a:t>
+            </a:r>
+          </a:p>
+        </p:txBody>
+      </p:sp>
+      <p:sp>
+        <p:nvSpPr>
+          <p:cNvPr id="6" name="文字版面配置區 5">
+            <a:extLst>
+              <a:ext uri="{FF2B5EF4-FFF2-40B4-BE49-F238E27FC236}">
+                <a16:creationId xmlns:a16="http://schemas.microsoft.com/office/drawing/2014/main" id="{D9EDD6AE-9199-499B-8D7F-6D93FB0AD946}"/>
+              </a:ext>
+            </a:extLst>
+          </p:cNvPr>
+          <p:cNvSpPr>
+            <a:spLocks noGrp="1"/>
+          </p:cNvSpPr>
+          <p:nvPr>
+            <p:ph type="body" idx="1"/>
+          </p:nvPr>
+        </p:nvSpPr>
+        <p:spPr/>
+        <p:txBody>
+          <a:bodyPr/>
+          <a:lstStyle/>
+          <a:p>
+            <a:endParaRPr lang="zh-TW" altLang="en-US"/>
+          </a:p>
+        </p:txBody>
+      </p:sp>
+      <p:sp>
+        <p:nvSpPr>
+          <p:cNvPr id="4" name="投影片編號版面配置區 3">
+            <a:extLst>
+              <a:ext uri="{FF2B5EF4-FFF2-40B4-BE49-F238E27FC236}">
+                <a16:creationId xmlns:a16="http://schemas.microsoft.com/office/drawing/2014/main" id="{E150A48A-C57D-45FD-A8E0-C118B59D1FCD}"/>
+              </a:ext>
+            </a:extLst>
+          </p:cNvPr>
+          <p:cNvSpPr>
+            <a:spLocks noGrp="1"/>
+          </p:cNvSpPr>
+          <p:nvPr>
+            <p:ph type="sldNum" sz="quarter" idx="12"/>
+          </p:nvPr>
+        </p:nvSpPr>
+        <p:spPr/>
+        <p:txBody>
+          <a:bodyPr/>
+          <a:lstStyle/>
+          <a:p>
+            <a:fld id="{0318AE31-7D37-4562-A6C9-6CAC1CEA6FBB}" type="slidenum">
+              <a:rPr lang="zh-TW" altLang="en-US" smtClean="0"/>
+              <a:pPr/>
+              <a:t>16</a:t>
+            </a:fld>
+            <a:endParaRPr lang="zh-TW" altLang="en-US"/>
+          </a:p>
+        </p:txBody>
+      </p:sp>
+    </p:spTree>
+    <p:extLst>
+      <p:ext uri="{BB962C8B-B14F-4D97-AF65-F5344CB8AC3E}">
+        <p14:creationId xmlns:p14="http://schemas.microsoft.com/office/powerpoint/2010/main" val="579898982"/>
+      </p:ext>
+    </p:extLst>
+  </p:cSld>
+  <p:clrMapOvr>
+    <a:masterClrMapping/>
+  </p:clrMapOvr>
+</p:sld>
+</file>
+
 <file path=ppt/slides/slide17.xml><?xml version="1.0" encoding="utf-8"?>
 <p:sld xmlns:a="http://schemas.openxmlformats.org/drawingml/2006/main" xmlns:r="http://schemas.openxmlformats.org/officeDocument/2006/relationships" xmlns:p="http://schemas.openxmlformats.org/presentationml/2006/main">
   <p:cSld>
@@ -9020,10 +9593,10 @@
       </p:grpSpPr>
       <p:sp>
         <p:nvSpPr>
-          <p:cNvPr id="5" name="標題 4">
+          <p:cNvPr id="4" name="標題 3">
             <a:extLst>
               <a:ext uri="{FF2B5EF4-FFF2-40B4-BE49-F238E27FC236}">
-                <a16:creationId xmlns:a16="http://schemas.microsoft.com/office/drawing/2014/main" id="{73829ED9-AD3C-43FB-A0DE-DF7A669558F8}"/>
+                <a16:creationId xmlns:a16="http://schemas.microsoft.com/office/drawing/2014/main" id="{8EBC9425-CFC0-4FC3-9107-5FE202888980}"/>
               </a:ext>
             </a:extLst>
           </p:cNvPr>
@@ -9041,17 +9614,17 @@
           <a:p>
             <a:r>
               <a:rPr lang="zh-TW" altLang="en-US" dirty="0"/>
-              <a:t>假設與檢定</a:t>
-            </a:r>
-          </a:p>
-        </p:txBody>
-      </p:sp>
-      <p:sp>
-        <p:nvSpPr>
-          <p:cNvPr id="6" name="文字版面配置區 5">
+              <a:t>假設檢定的定義</a:t>
+            </a:r>
+          </a:p>
+        </p:txBody>
+      </p:sp>
+      <p:sp>
+        <p:nvSpPr>
+          <p:cNvPr id="5" name="內容版面配置區 4">
             <a:extLst>
               <a:ext uri="{FF2B5EF4-FFF2-40B4-BE49-F238E27FC236}">
-                <a16:creationId xmlns:a16="http://schemas.microsoft.com/office/drawing/2014/main" id="{D9EDD6AE-9199-499B-8D7F-6D93FB0AD946}"/>
+                <a16:creationId xmlns:a16="http://schemas.microsoft.com/office/drawing/2014/main" id="{35F0BE09-9033-4369-8CBC-41F8131E11A6}"/>
               </a:ext>
             </a:extLst>
           </p:cNvPr>
@@ -9059,7 +9632,7 @@
             <a:spLocks noGrp="1"/>
           </p:cNvSpPr>
           <p:nvPr>
-            <p:ph type="body" idx="1"/>
+            <p:ph idx="1"/>
           </p:nvPr>
         </p:nvSpPr>
         <p:spPr/>
@@ -9067,16 +9640,83 @@
           <a:bodyPr/>
           <a:lstStyle/>
           <a:p>
-            <a:endParaRPr lang="zh-TW" altLang="en-US"/>
-          </a:p>
-        </p:txBody>
-      </p:sp>
-      <p:sp>
-        <p:nvSpPr>
-          <p:cNvPr id="4" name="投影片編號版面配置區 3">
+            <a:r>
+              <a:rPr lang="zh-TW" altLang="en-US" dirty="0"/>
+              <a:t>由樣本的資訊推論母體特徵</a:t>
+            </a:r>
+            <a:endParaRPr lang="en-US" altLang="zh-TW" dirty="0"/>
+          </a:p>
+          <a:p>
+            <a:pPr lvl="1"/>
+            <a:r>
+              <a:rPr lang="zh-TW" altLang="en-US" dirty="0"/>
+              <a:t>從公司隨機抽樣</a:t>
+            </a:r>
+            <a:r>
+              <a:rPr lang="en-US" altLang="zh-TW" dirty="0"/>
+              <a:t>40</a:t>
+            </a:r>
+            <a:r>
+              <a:rPr lang="zh-TW" altLang="en-US" dirty="0"/>
+              <a:t>人身高，求算平均數</a:t>
+            </a:r>
+            <a:endParaRPr lang="en-US" altLang="zh-TW" dirty="0"/>
+          </a:p>
+          <a:p>
+            <a:pPr marL="457200" lvl="1" indent="0">
+              <a:buNone/>
+            </a:pPr>
+            <a:r>
+              <a:rPr lang="zh-TW" altLang="en-US" dirty="0"/>
+              <a:t>推論</a:t>
+            </a:r>
+            <a:endParaRPr lang="en-US" altLang="zh-TW" dirty="0"/>
+          </a:p>
+          <a:p>
+            <a:pPr lvl="1"/>
+            <a:r>
+              <a:rPr lang="zh-TW" altLang="en-US" dirty="0"/>
+              <a:t>全公司的平均身高為多少</a:t>
+            </a:r>
+            <a:endParaRPr lang="en-US" altLang="zh-TW" dirty="0"/>
+          </a:p>
+          <a:p>
+            <a:r>
+              <a:rPr lang="zh-TW" altLang="en-US" dirty="0"/>
+              <a:t>假設：在不清楚母體實際狀況下，依據合理的統計推理來推論母體參數數值</a:t>
+            </a:r>
+            <a:endParaRPr lang="en-US" altLang="zh-TW" dirty="0"/>
+          </a:p>
+          <a:p>
+            <a:r>
+              <a:rPr lang="zh-TW" altLang="en-US" dirty="0"/>
+              <a:t>檢定：利用抽樣出來的少數樣本資料，來檢驗對母體參數的假設是否正確</a:t>
+            </a:r>
+            <a:endParaRPr lang="en-US" altLang="zh-TW" dirty="0"/>
+          </a:p>
+          <a:p>
+            <a:pPr lvl="1"/>
+            <a:r>
+              <a:rPr lang="zh-TW" altLang="en-US" dirty="0"/>
+              <a:t>可以檢證真因</a:t>
+            </a:r>
+            <a:endParaRPr lang="en-US" altLang="zh-TW" dirty="0"/>
+          </a:p>
+          <a:p>
+            <a:pPr lvl="1"/>
+            <a:r>
+              <a:rPr lang="zh-TW" altLang="en-US" dirty="0"/>
+              <a:t>可以了解對策是否有效</a:t>
+            </a:r>
+          </a:p>
+        </p:txBody>
+      </p:sp>
+      <p:sp>
+        <p:nvSpPr>
+          <p:cNvPr id="3" name="投影片編號版面配置區 2">
             <a:extLst>
               <a:ext uri="{FF2B5EF4-FFF2-40B4-BE49-F238E27FC236}">
-                <a16:creationId xmlns:a16="http://schemas.microsoft.com/office/drawing/2014/main" id="{E150A48A-C57D-45FD-A8E0-C118B59D1FCD}"/>
+                <a16:creationId xmlns:a16="http://schemas.microsoft.com/office/drawing/2014/main" id="{AB64ABD3-83C3-42CC-9281-E1FDCB978147}"/>
               </a:ext>
             </a:extLst>
           </p:cNvPr>
@@ -9104,7 +9744,7 @@
     </p:spTree>
     <p:extLst>
       <p:ext uri="{BB962C8B-B14F-4D97-AF65-F5344CB8AC3E}">
-        <p14:creationId xmlns:p14="http://schemas.microsoft.com/office/powerpoint/2010/main" val="579898982"/>
+        <p14:creationId xmlns:p14="http://schemas.microsoft.com/office/powerpoint/2010/main" val="2573238114"/>
       </p:ext>
     </p:extLst>
   </p:cSld>
@@ -9133,10 +9773,10 @@
       </p:grpSpPr>
       <p:sp>
         <p:nvSpPr>
-          <p:cNvPr id="4" name="標題 3">
+          <p:cNvPr id="2" name="標題 1">
             <a:extLst>
               <a:ext uri="{FF2B5EF4-FFF2-40B4-BE49-F238E27FC236}">
-                <a16:creationId xmlns:a16="http://schemas.microsoft.com/office/drawing/2014/main" id="{8EBC9425-CFC0-4FC3-9107-5FE202888980}"/>
+                <a16:creationId xmlns:a16="http://schemas.microsoft.com/office/drawing/2014/main" id="{89C1DA22-52F4-426B-AEE4-4774A2437F8B}"/>
               </a:ext>
             </a:extLst>
           </p:cNvPr>
@@ -9154,17 +9794,17 @@
           <a:p>
             <a:r>
               <a:rPr lang="zh-TW" altLang="en-US" dirty="0"/>
-              <a:t>假設檢定的定義</a:t>
-            </a:r>
-          </a:p>
-        </p:txBody>
-      </p:sp>
-      <p:sp>
-        <p:nvSpPr>
-          <p:cNvPr id="5" name="內容版面配置區 4">
+              <a:t>假設檢定的統計名詞</a:t>
+            </a:r>
+          </a:p>
+        </p:txBody>
+      </p:sp>
+      <p:sp>
+        <p:nvSpPr>
+          <p:cNvPr id="3" name="內容版面配置區 2">
             <a:extLst>
               <a:ext uri="{FF2B5EF4-FFF2-40B4-BE49-F238E27FC236}">
-                <a16:creationId xmlns:a16="http://schemas.microsoft.com/office/drawing/2014/main" id="{35F0BE09-9033-4369-8CBC-41F8131E11A6}"/>
+                <a16:creationId xmlns:a16="http://schemas.microsoft.com/office/drawing/2014/main" id="{9C0E4BB8-B1B0-474B-8B71-983387A56123}"/>
               </a:ext>
             </a:extLst>
           </p:cNvPr>
@@ -9175,14 +9815,25 @@
             <p:ph idx="1"/>
           </p:nvPr>
         </p:nvSpPr>
-        <p:spPr/>
-        <p:txBody>
-          <a:bodyPr/>
-          <a:lstStyle/>
-          <a:p>
-            <a:r>
-              <a:rPr lang="zh-TW" altLang="en-US" dirty="0"/>
-              <a:t>由樣本的資訊推論母體特徵</a:t>
+        <p:spPr>
+          <a:xfrm>
+            <a:off x="838200" y="1036318"/>
+            <a:ext cx="10515600" cy="5704724"/>
+          </a:xfrm>
+        </p:spPr>
+        <p:txBody>
+          <a:bodyPr>
+            <a:normAutofit/>
+          </a:bodyPr>
+          <a:lstStyle/>
+          <a:p>
+            <a:r>
+              <a:rPr lang="en-US" altLang="zh-TW" dirty="0"/>
+              <a:t>p</a:t>
+            </a:r>
+            <a:r>
+              <a:rPr lang="zh-TW" altLang="en-US" dirty="0"/>
+              <a:t>值</a:t>
             </a:r>
             <a:endParaRPr lang="en-US" altLang="zh-TW" dirty="0"/>
           </a:p>
@@ -9190,55 +9841,173 @@
             <a:pPr lvl="1"/>
             <a:r>
               <a:rPr lang="zh-TW" altLang="en-US" dirty="0"/>
-              <a:t>從公司隨機抽樣</a:t>
+              <a:t>用來判斷允許錯誤的最大機率值</a:t>
+            </a:r>
+            <a:endParaRPr lang="en-US" altLang="zh-TW" dirty="0"/>
+          </a:p>
+          <a:p>
+            <a:pPr lvl="1"/>
+            <a:r>
+              <a:rPr lang="zh-TW" altLang="en-US" dirty="0"/>
+              <a:t>用來確定結果的統計顯著性</a:t>
+            </a:r>
+            <a:endParaRPr lang="en-US" altLang="zh-TW" dirty="0"/>
+          </a:p>
+          <a:p>
+            <a:pPr lvl="1"/>
+            <a:r>
+              <a:rPr lang="zh-TW" altLang="en-US" dirty="0"/>
+              <a:t>樣本能代表母體的可能性機率</a:t>
+            </a:r>
+            <a:endParaRPr lang="en-US" altLang="zh-TW" dirty="0"/>
+          </a:p>
+          <a:p>
+            <a:r>
+              <a:rPr lang="zh-TW" altLang="en-US" dirty="0"/>
+              <a:t>顯著水準</a:t>
             </a:r>
             <a:r>
               <a:rPr lang="en-US" altLang="zh-TW" dirty="0"/>
-              <a:t>40</a:t>
-            </a:r>
-            <a:r>
-              <a:rPr lang="zh-TW" altLang="en-US" dirty="0"/>
-              <a:t>人身高，求算平均數</a:t>
+              <a:t>(</a:t>
+            </a:r>
+            <a:r>
+              <a:rPr lang="el-GR" altLang="zh-TW" dirty="0"/>
+              <a:t>α</a:t>
+            </a:r>
+            <a:r>
+              <a:rPr lang="zh-TW" altLang="en-US" dirty="0"/>
+              <a:t>值</a:t>
+            </a:r>
+            <a:r>
+              <a:rPr lang="en-US" altLang="zh-TW" dirty="0"/>
+              <a:t>)</a:t>
+            </a:r>
+            <a:r>
+              <a:rPr lang="zh-TW" altLang="en-US" dirty="0"/>
+              <a:t>：檢定接受或拒絕的判斷標準</a:t>
             </a:r>
             <a:endParaRPr lang="en-US" altLang="zh-TW" dirty="0"/>
           </a:p>
           <a:p>
-            <a:pPr marL="457200" lvl="1" indent="0">
-              <a:buNone/>
-            </a:pPr>
-            <a:r>
-              <a:rPr lang="zh-TW" altLang="en-US" dirty="0"/>
-              <a:t>推論</a:t>
+            <a:pPr lvl="1"/>
+            <a:r>
+              <a:rPr lang="zh-TW" altLang="en-US" dirty="0"/>
+              <a:t>常用設定</a:t>
+            </a:r>
+            <a:r>
+              <a:rPr lang="el-GR" altLang="zh-TW" dirty="0"/>
+              <a:t>α</a:t>
+            </a:r>
+            <a:r>
+              <a:rPr lang="en-US" altLang="zh-TW" dirty="0"/>
+              <a:t>=0.05</a:t>
+            </a:r>
+            <a:r>
+              <a:rPr lang="zh-TW" altLang="en-US" dirty="0"/>
+              <a:t>，</a:t>
+            </a:r>
+            <a:r>
+              <a:rPr lang="en-US" altLang="zh-TW" dirty="0"/>
+              <a:t>0.1</a:t>
+            </a:r>
+            <a:r>
+              <a:rPr lang="zh-TW" altLang="en-US" dirty="0"/>
+              <a:t>表示寬鬆、</a:t>
+            </a:r>
+            <a:r>
+              <a:rPr lang="en-US" altLang="zh-TW" dirty="0"/>
+              <a:t>0.01</a:t>
+            </a:r>
+            <a:r>
+              <a:rPr lang="zh-TW" altLang="en-US" dirty="0"/>
+              <a:t>表示嚴苛</a:t>
             </a:r>
             <a:endParaRPr lang="en-US" altLang="zh-TW" dirty="0"/>
           </a:p>
           <a:p>
+            <a:r>
+              <a:rPr lang="zh-TW" altLang="en-US" dirty="0"/>
+              <a:t>假設檢定：用來通過一組樣本的資訊推論母體特徵</a:t>
+            </a:r>
+            <a:endParaRPr lang="en-US" altLang="zh-TW" dirty="0"/>
+          </a:p>
+          <a:p>
             <a:pPr lvl="1"/>
             <a:r>
-              <a:rPr lang="zh-TW" altLang="en-US" dirty="0"/>
-              <a:t>全公司的平均身高為多少</a:t>
+              <a:rPr lang="en-US" altLang="zh-TW" dirty="0"/>
+              <a:t>Ho</a:t>
+            </a:r>
+            <a:r>
+              <a:rPr lang="zh-TW" altLang="en-US" dirty="0"/>
+              <a:t>：虛無假設</a:t>
             </a:r>
             <a:endParaRPr lang="en-US" altLang="zh-TW" dirty="0"/>
           </a:p>
           <a:p>
-            <a:r>
-              <a:rPr lang="zh-TW" altLang="en-US" dirty="0"/>
-              <a:t>假設：在不清楚母體實際狀況下，依據合理的統計推理來推論母體參數數值</a:t>
+            <a:pPr lvl="2"/>
+            <a:r>
+              <a:rPr lang="zh-TW" altLang="en-US" dirty="0"/>
+              <a:t>無顯著影響、無差異、無罪</a:t>
             </a:r>
             <a:endParaRPr lang="en-US" altLang="zh-TW" dirty="0"/>
           </a:p>
           <a:p>
-            <a:r>
-              <a:rPr lang="zh-TW" altLang="en-US" dirty="0"/>
-              <a:t>檢定：利用抽樣出來的少數樣本資料，來檢驗對母體參數的假設是否正確</a:t>
+            <a:pPr lvl="1"/>
+            <a:r>
+              <a:rPr lang="en-US" altLang="zh-TW" dirty="0"/>
+              <a:t>Ha</a:t>
+            </a:r>
+            <a:r>
+              <a:rPr lang="zh-TW" altLang="en-US" dirty="0"/>
+              <a:t>：對立假設</a:t>
             </a:r>
             <a:endParaRPr lang="en-US" altLang="zh-TW" dirty="0"/>
           </a:p>
           <a:p>
+            <a:pPr lvl="2"/>
+            <a:r>
+              <a:rPr lang="zh-TW" altLang="en-US" dirty="0"/>
+              <a:t>有顯著影響、有差異、有罪</a:t>
+            </a:r>
+            <a:endParaRPr lang="en-US" altLang="zh-TW" dirty="0"/>
+          </a:p>
+          <a:p>
             <a:pPr lvl="1"/>
             <a:r>
               <a:rPr lang="zh-TW" altLang="en-US" dirty="0"/>
-              <a:t>可以檢證真因</a:t>
+              <a:t>倘若</a:t>
+            </a:r>
+            <a:r>
+              <a:rPr lang="en-US" altLang="zh-TW" dirty="0"/>
+              <a:t>p&gt;</a:t>
+            </a:r>
+            <a:r>
+              <a:rPr lang="el-GR" altLang="zh-TW" dirty="0"/>
+              <a:t>α</a:t>
+            </a:r>
+            <a:r>
+              <a:rPr lang="en-US" altLang="zh-TW" dirty="0"/>
+              <a:t>(0.05)</a:t>
+            </a:r>
+            <a:r>
+              <a:rPr lang="zh-TW" altLang="en-US" dirty="0"/>
+              <a:t>，則無顯著影響（不拒絕</a:t>
+            </a:r>
+            <a:r>
+              <a:rPr lang="en-US" altLang="zh-TW" dirty="0"/>
+              <a:t>Ho</a:t>
+            </a:r>
+            <a:r>
+              <a:rPr lang="zh-TW" altLang="en-US" dirty="0"/>
+              <a:t>、拒絕</a:t>
+            </a:r>
+            <a:r>
+              <a:rPr lang="en-US" altLang="zh-TW" dirty="0"/>
+              <a:t>Ha</a:t>
+            </a:r>
+            <a:r>
+              <a:rPr lang="zh-TW" altLang="en-US" dirty="0"/>
+              <a:t>）</a:t>
             </a:r>
             <a:endParaRPr lang="en-US" altLang="zh-TW" dirty="0"/>
           </a:p>
@@ -9246,17 +10015,49 @@
             <a:pPr lvl="1"/>
             <a:r>
               <a:rPr lang="zh-TW" altLang="en-US" dirty="0"/>
-              <a:t>可以了解對策是否有效</a:t>
-            </a:r>
-          </a:p>
-        </p:txBody>
-      </p:sp>
-      <p:sp>
-        <p:nvSpPr>
-          <p:cNvPr id="3" name="投影片編號版面配置區 2">
+              <a:t>倘若</a:t>
+            </a:r>
+            <a:r>
+              <a:rPr lang="en-US" altLang="zh-TW" dirty="0"/>
+              <a:t>p&lt;</a:t>
+            </a:r>
+            <a:r>
+              <a:rPr lang="el-GR" altLang="zh-TW" dirty="0"/>
+              <a:t>α</a:t>
+            </a:r>
+            <a:r>
+              <a:rPr lang="en-US" altLang="zh-TW" dirty="0"/>
+              <a:t>(0.05)</a:t>
+            </a:r>
+            <a:r>
+              <a:rPr lang="zh-TW" altLang="en-US" dirty="0"/>
+              <a:t>，則有顯著影響（拒絕</a:t>
+            </a:r>
+            <a:r>
+              <a:rPr lang="en-US" altLang="zh-TW" dirty="0"/>
+              <a:t>Ho</a:t>
+            </a:r>
+            <a:r>
+              <a:rPr lang="zh-TW" altLang="en-US" dirty="0"/>
+              <a:t>、不拒絕</a:t>
+            </a:r>
+            <a:r>
+              <a:rPr lang="en-US" altLang="zh-TW" dirty="0"/>
+              <a:t>Ha</a:t>
+            </a:r>
+            <a:r>
+              <a:rPr lang="zh-TW" altLang="en-US" dirty="0"/>
+              <a:t>）</a:t>
+            </a:r>
+          </a:p>
+        </p:txBody>
+      </p:sp>
+      <p:sp>
+        <p:nvSpPr>
+          <p:cNvPr id="4" name="投影片編號版面配置區 3">
             <a:extLst>
               <a:ext uri="{FF2B5EF4-FFF2-40B4-BE49-F238E27FC236}">
-                <a16:creationId xmlns:a16="http://schemas.microsoft.com/office/drawing/2014/main" id="{AB64ABD3-83C3-42CC-9281-E1FDCB978147}"/>
+                <a16:creationId xmlns:a16="http://schemas.microsoft.com/office/drawing/2014/main" id="{F42AEED5-2C47-4281-A8BF-E83D84E1A84E}"/>
               </a:ext>
             </a:extLst>
           </p:cNvPr>
@@ -9281,10 +10082,128 @@
           </a:p>
         </p:txBody>
       </p:sp>
+      <p:pic>
+        <p:nvPicPr>
+          <p:cNvPr id="8" name="圖片 7">
+            <a:extLst>
+              <a:ext uri="{FF2B5EF4-FFF2-40B4-BE49-F238E27FC236}">
+                <a16:creationId xmlns:a16="http://schemas.microsoft.com/office/drawing/2014/main" id="{C1245139-95A7-4C8E-B6E3-691EE93DB397}"/>
+              </a:ext>
+            </a:extLst>
+          </p:cNvPr>
+          <p:cNvPicPr>
+            <a:picLocks noChangeAspect="1"/>
+          </p:cNvPicPr>
+          <p:nvPr/>
+        </p:nvPicPr>
+        <p:blipFill>
+          <a:blip r:embed="rId3">
+            <a:extLst>
+              <a:ext uri="{28A0092B-C50C-407E-A947-70E740481C1C}">
+                <a14:useLocalDpi xmlns:a14="http://schemas.microsoft.com/office/drawing/2010/main" val="0"/>
+              </a:ext>
+            </a:extLst>
+          </a:blip>
+          <a:stretch>
+            <a:fillRect/>
+          </a:stretch>
+        </p:blipFill>
+        <p:spPr>
+          <a:xfrm>
+            <a:off x="6096000" y="368343"/>
+            <a:ext cx="6016956" cy="2426812"/>
+          </a:xfrm>
+          <a:prstGeom prst="rect">
+            <a:avLst/>
+          </a:prstGeom>
+        </p:spPr>
+      </p:pic>
+      <p:sp>
+        <p:nvSpPr>
+          <p:cNvPr id="9" name="文字方塊 8">
+            <a:extLst>
+              <a:ext uri="{FF2B5EF4-FFF2-40B4-BE49-F238E27FC236}">
+                <a16:creationId xmlns:a16="http://schemas.microsoft.com/office/drawing/2014/main" id="{967E641C-586C-43E9-99DA-6E18D5CF3851}"/>
+              </a:ext>
+            </a:extLst>
+          </p:cNvPr>
+          <p:cNvSpPr txBox="1"/>
+          <p:nvPr/>
+        </p:nvSpPr>
+        <p:spPr>
+          <a:xfrm>
+            <a:off x="10546773" y="1827862"/>
+            <a:ext cx="1101436" cy="261610"/>
+          </a:xfrm>
+          <a:prstGeom prst="rect">
+            <a:avLst/>
+          </a:prstGeom>
+          <a:noFill/>
+        </p:spPr>
+        <p:txBody>
+          <a:bodyPr wrap="square" rtlCol="0">
+            <a:spAutoFit/>
+          </a:bodyPr>
+          <a:lstStyle/>
+          <a:p>
+            <a:pPr algn="ctr"/>
+            <a:r>
+              <a:rPr lang="en-US" altLang="zh-TW" sz="1100" b="1" dirty="0"/>
+              <a:t>1-</a:t>
+            </a:r>
+            <a:r>
+              <a:rPr lang="el-GR" altLang="zh-TW" sz="1100" b="1" dirty="0"/>
+              <a:t>α</a:t>
+            </a:r>
+            <a:endParaRPr lang="zh-TW" altLang="en-US" sz="1100" b="1" dirty="0"/>
+          </a:p>
+        </p:txBody>
+      </p:sp>
+      <p:sp>
+        <p:nvSpPr>
+          <p:cNvPr id="10" name="文字方塊 9">
+            <a:extLst>
+              <a:ext uri="{FF2B5EF4-FFF2-40B4-BE49-F238E27FC236}">
+                <a16:creationId xmlns:a16="http://schemas.microsoft.com/office/drawing/2014/main" id="{B3359259-AE37-4934-97AE-F5F0196C7165}"/>
+              </a:ext>
+            </a:extLst>
+          </p:cNvPr>
+          <p:cNvSpPr txBox="1"/>
+          <p:nvPr/>
+        </p:nvSpPr>
+        <p:spPr>
+          <a:xfrm>
+            <a:off x="8631382" y="2503507"/>
+            <a:ext cx="1101436" cy="261610"/>
+          </a:xfrm>
+          <a:prstGeom prst="rect">
+            <a:avLst/>
+          </a:prstGeom>
+          <a:noFill/>
+        </p:spPr>
+        <p:txBody>
+          <a:bodyPr wrap="square" rtlCol="0">
+            <a:spAutoFit/>
+          </a:bodyPr>
+          <a:lstStyle/>
+          <a:p>
+            <a:pPr algn="ctr"/>
+            <a:r>
+              <a:rPr lang="en-US" altLang="zh-TW" sz="1100" b="1" dirty="0"/>
+              <a:t>1-</a:t>
+            </a:r>
+            <a:r>
+              <a:rPr lang="el-GR" altLang="zh-TW" sz="1100" b="1" dirty="0"/>
+              <a:t>β</a:t>
+            </a:r>
+            <a:endParaRPr lang="zh-TW" altLang="en-US" sz="1100" b="1" dirty="0"/>
+          </a:p>
+        </p:txBody>
+      </p:sp>
     </p:spTree>
     <p:extLst>
       <p:ext uri="{BB962C8B-B14F-4D97-AF65-F5344CB8AC3E}">
-        <p14:creationId xmlns:p14="http://schemas.microsoft.com/office/powerpoint/2010/main" val="2573238114"/>
+        <p14:creationId xmlns:p14="http://schemas.microsoft.com/office/powerpoint/2010/main" val="2116596401"/>
       </p:ext>
     </p:extLst>
   </p:cSld>
@@ -9397,7 +10316,11 @@
             </a:r>
             <a:r>
               <a:rPr lang="en-US" altLang="zh-TW" dirty="0"/>
-              <a:t>(alpha</a:t>
+              <a:t>(</a:t>
+            </a:r>
+            <a:r>
+              <a:rPr lang="el-GR" altLang="zh-TW" dirty="0"/>
+              <a:t>α</a:t>
             </a:r>
             <a:r>
               <a:rPr lang="zh-TW" altLang="en-US" dirty="0"/>
@@ -9626,7 +10549,7 @@
             </a:pPr>
             <a:r>
               <a:rPr lang="zh-TW" altLang="en-US" dirty="0"/>
-              <a:t>相關性及迴歸</a:t>
+              <a:t>假設與檢定概念</a:t>
             </a:r>
             <a:endParaRPr lang="en-US" altLang="zh-TW" dirty="0"/>
           </a:p>
@@ -9638,7 +10561,7 @@
             </a:pPr>
             <a:r>
               <a:rPr lang="zh-TW" altLang="en-US" dirty="0"/>
-              <a:t>假設與檢定</a:t>
+              <a:t>相關性及迴歸</a:t>
             </a:r>
             <a:endParaRPr lang="en-US" altLang="zh-TW" dirty="0"/>
           </a:p>
@@ -10236,7 +11159,7 @@
             </a:r>
             <a:r>
               <a:rPr lang="zh-TW" altLang="en-US" dirty="0"/>
-              <a:t>：強相關</a:t>
+              <a:t>：強線性相關</a:t>
             </a:r>
             <a:endParaRPr lang="en-US" altLang="zh-TW" dirty="0"/>
           </a:p>
@@ -10248,7 +11171,7 @@
             </a:r>
             <a:r>
               <a:rPr lang="zh-TW" altLang="en-US" dirty="0"/>
-              <a:t>：中等相關</a:t>
+              <a:t>：中等線性相關</a:t>
             </a:r>
             <a:endParaRPr lang="en-US" altLang="zh-TW" dirty="0"/>
           </a:p>
@@ -10260,7 +11183,7 @@
             </a:r>
             <a:r>
               <a:rPr lang="zh-TW" altLang="en-US" dirty="0"/>
-              <a:t>：弱相關</a:t>
+              <a:t>：弱線性相關</a:t>
             </a:r>
             <a:endParaRPr lang="en-US" altLang="zh-TW" dirty="0"/>
           </a:p>
@@ -10609,7 +11532,181 @@
           <a:bodyPr/>
           <a:lstStyle/>
           <a:p>
-            <a:endParaRPr lang="zh-TW" altLang="en-US"/>
+            <a:r>
+              <a:rPr lang="zh-TW" altLang="en-US" dirty="0"/>
+              <a:t>判斷迴歸模型的好壞</a:t>
+            </a:r>
+            <a:endParaRPr lang="en-US" altLang="zh-TW" dirty="0"/>
+          </a:p>
+          <a:p>
+            <a:r>
+              <a:rPr lang="zh-TW" altLang="en-US" dirty="0"/>
+              <a:t>透過</a:t>
+            </a:r>
+            <a:r>
+              <a:rPr lang="en-US" altLang="zh-TW" dirty="0"/>
+              <a:t>ANOVA</a:t>
+            </a:r>
+            <a:r>
+              <a:rPr lang="zh-TW" altLang="en-US" dirty="0"/>
+              <a:t>的</a:t>
+            </a:r>
+            <a:r>
+              <a:rPr lang="en-US" altLang="zh-TW" dirty="0"/>
+              <a:t>F</a:t>
+            </a:r>
+            <a:r>
+              <a:rPr lang="zh-TW" altLang="en-US" dirty="0"/>
+              <a:t>檢定來檢定</a:t>
+            </a:r>
+            <a:r>
+              <a:rPr lang="en-US" altLang="zh-TW" dirty="0"/>
+              <a:t>X</a:t>
+            </a:r>
+            <a:r>
+              <a:rPr lang="zh-TW" altLang="en-US" dirty="0"/>
+              <a:t>與</a:t>
+            </a:r>
+            <a:r>
+              <a:rPr lang="en-US" altLang="zh-TW" dirty="0"/>
+              <a:t>Y</a:t>
+            </a:r>
+            <a:r>
+              <a:rPr lang="zh-TW" altLang="en-US" dirty="0"/>
+              <a:t>之間是否有顯著之迴歸關係</a:t>
+            </a:r>
+            <a:endParaRPr lang="en-US" altLang="zh-TW" dirty="0"/>
+          </a:p>
+          <a:p>
+            <a:r>
+              <a:rPr lang="zh-TW" altLang="en-US" dirty="0"/>
+              <a:t>迴歸式：</a:t>
+            </a:r>
+            <a:r>
+              <a:rPr lang="en-US" altLang="zh-TW" dirty="0"/>
+              <a:t>Y = f(X) = a*X + b</a:t>
+            </a:r>
+          </a:p>
+          <a:p>
+            <a:pPr lvl="1"/>
+            <a:r>
+              <a:rPr lang="en-US" altLang="zh-TW" dirty="0"/>
+              <a:t>Ho: a = 0</a:t>
+            </a:r>
+          </a:p>
+          <a:p>
+            <a:pPr lvl="1"/>
+            <a:r>
+              <a:rPr lang="en-US" altLang="zh-TW" dirty="0"/>
+              <a:t>Ha: a ≠ 0</a:t>
+            </a:r>
+          </a:p>
+          <a:p>
+            <a:pPr lvl="1"/>
+            <a:r>
+              <a:rPr lang="zh-TW" altLang="en-US" dirty="0"/>
+              <a:t>倘若</a:t>
+            </a:r>
+            <a:r>
+              <a:rPr lang="en-US" altLang="zh-TW" dirty="0"/>
+              <a:t>p&gt;</a:t>
+            </a:r>
+            <a:r>
+              <a:rPr lang="el-GR" altLang="zh-TW" dirty="0"/>
+              <a:t>α</a:t>
+            </a:r>
+            <a:r>
+              <a:rPr lang="zh-TW" altLang="en-US" dirty="0"/>
+              <a:t>，則</a:t>
+            </a:r>
+            <a:r>
+              <a:rPr lang="en-US" altLang="zh-TW" dirty="0"/>
+              <a:t>X</a:t>
+            </a:r>
+            <a:r>
+              <a:rPr lang="zh-TW" altLang="en-US" dirty="0"/>
+              <a:t>和</a:t>
+            </a:r>
+            <a:r>
+              <a:rPr lang="en-US" altLang="zh-TW" dirty="0"/>
+              <a:t>Y</a:t>
+            </a:r>
+            <a:r>
+              <a:rPr lang="zh-TW" altLang="en-US" dirty="0"/>
+              <a:t>無線性迴歸關係（不拒絕</a:t>
+            </a:r>
+            <a:r>
+              <a:rPr lang="en-US" altLang="zh-TW" dirty="0"/>
+              <a:t>Ho</a:t>
+            </a:r>
+            <a:r>
+              <a:rPr lang="zh-TW" altLang="en-US" dirty="0"/>
+              <a:t>、拒絕</a:t>
+            </a:r>
+            <a:r>
+              <a:rPr lang="en-US" altLang="zh-TW" dirty="0"/>
+              <a:t>Ha</a:t>
+            </a:r>
+            <a:r>
+              <a:rPr lang="zh-TW" altLang="en-US" dirty="0"/>
+              <a:t>）</a:t>
+            </a:r>
+          </a:p>
+          <a:p>
+            <a:pPr lvl="1"/>
+            <a:r>
+              <a:rPr lang="zh-TW" altLang="en-US" dirty="0"/>
+              <a:t>倘若</a:t>
+            </a:r>
+            <a:r>
+              <a:rPr lang="en-US" altLang="zh-TW" dirty="0"/>
+              <a:t>p&lt;</a:t>
+            </a:r>
+            <a:r>
+              <a:rPr lang="el-GR" altLang="zh-TW" dirty="0"/>
+              <a:t>α</a:t>
+            </a:r>
+            <a:r>
+              <a:rPr lang="zh-TW" altLang="en-US" dirty="0"/>
+              <a:t>，則</a:t>
+            </a:r>
+            <a:r>
+              <a:rPr lang="en-US" altLang="zh-TW" dirty="0"/>
+              <a:t>X</a:t>
+            </a:r>
+            <a:r>
+              <a:rPr lang="zh-TW" altLang="en-US" dirty="0"/>
+              <a:t>和</a:t>
+            </a:r>
+            <a:r>
+              <a:rPr lang="en-US" altLang="zh-TW" dirty="0"/>
+              <a:t>Y</a:t>
+            </a:r>
+            <a:r>
+              <a:rPr lang="zh-TW" altLang="en-US" dirty="0"/>
+              <a:t>有線性迴歸關係（拒絕</a:t>
+            </a:r>
+            <a:r>
+              <a:rPr lang="en-US" altLang="zh-TW" dirty="0"/>
+              <a:t>Ho</a:t>
+            </a:r>
+            <a:r>
+              <a:rPr lang="zh-TW" altLang="en-US" dirty="0"/>
+              <a:t>、不拒絕</a:t>
+            </a:r>
+            <a:r>
+              <a:rPr lang="en-US" altLang="zh-TW" dirty="0"/>
+              <a:t>Ha</a:t>
+            </a:r>
+            <a:r>
+              <a:rPr lang="zh-TW" altLang="en-US" dirty="0"/>
+              <a:t>）</a:t>
+            </a:r>
+            <a:endParaRPr lang="en-US" altLang="zh-TW" dirty="0"/>
+          </a:p>
+          <a:p>
+            <a:pPr lvl="1"/>
+            <a:endParaRPr lang="zh-TW" altLang="en-US" dirty="0"/>
           </a:p>
         </p:txBody>
       </p:sp>
@@ -10643,6 +11740,36 @@
           </a:p>
         </p:txBody>
       </p:sp>
+      <p:pic>
+        <p:nvPicPr>
+          <p:cNvPr id="7" name="圖片 6">
+            <a:extLst>
+              <a:ext uri="{FF2B5EF4-FFF2-40B4-BE49-F238E27FC236}">
+                <a16:creationId xmlns:a16="http://schemas.microsoft.com/office/drawing/2014/main" id="{C250ED1B-1F8F-4F1A-9C12-1F7D2014F53A}"/>
+              </a:ext>
+            </a:extLst>
+          </p:cNvPr>
+          <p:cNvPicPr>
+            <a:picLocks noChangeAspect="1"/>
+          </p:cNvPicPr>
+          <p:nvPr/>
+        </p:nvPicPr>
+        <p:blipFill>
+          <a:blip r:embed="rId3"/>
+          <a:stretch>
+            <a:fillRect/>
+          </a:stretch>
+        </p:blipFill>
+        <p:spPr>
+          <a:xfrm>
+            <a:off x="3426334" y="4201323"/>
+            <a:ext cx="5339332" cy="2531985"/>
+          </a:xfrm>
+          <a:prstGeom prst="rect">
+            <a:avLst/>
+          </a:prstGeom>
+        </p:spPr>
+      </p:pic>
     </p:spTree>
     <p:extLst>
       <p:ext uri="{BB962C8B-B14F-4D97-AF65-F5344CB8AC3E}">
@@ -10762,7 +11889,15 @@
             </a:r>
             <a:r>
               <a:rPr lang="en-US" altLang="zh-TW" dirty="0"/>
-              <a:t>X2……(</a:t>
+              <a:t>X2</a:t>
+            </a:r>
+            <a:r>
+              <a:rPr lang="zh-TW" altLang="en-US" dirty="0"/>
+              <a:t>、</a:t>
+            </a:r>
+            <a:r>
+              <a:rPr lang="en-US" altLang="zh-TW" dirty="0"/>
+              <a:t>X3…(</a:t>
             </a:r>
             <a:r>
               <a:rPr lang="zh-TW" altLang="en-US" dirty="0"/>
@@ -10812,7 +11947,7 @@
             </a:r>
             <a:r>
               <a:rPr lang="en-US" altLang="zh-TW" dirty="0"/>
-              <a:t>f(X1,X2,……) = a1*X1 + a2*X2 +……+ b</a:t>
+              <a:t>f(X1, X2, X3,…) = a1*X1 + a2*X2 + a3*X3 +…+ b</a:t>
             </a:r>
             <a:endParaRPr lang="zh-TW" altLang="en-US" dirty="0"/>
           </a:p>
@@ -10993,171 +12128,6 @@
       </p:grpSpPr>
       <p:pic>
         <p:nvPicPr>
-          <p:cNvPr id="8" name="圖片 7">
-            <a:extLst>
-              <a:ext uri="{FF2B5EF4-FFF2-40B4-BE49-F238E27FC236}">
-                <a16:creationId xmlns:a16="http://schemas.microsoft.com/office/drawing/2014/main" id="{59860971-EA88-4788-88C4-DD9F2787CE53}"/>
-              </a:ext>
-            </a:extLst>
-          </p:cNvPr>
-          <p:cNvPicPr>
-            <a:picLocks noChangeAspect="1"/>
-          </p:cNvPicPr>
-          <p:nvPr/>
-        </p:nvPicPr>
-        <p:blipFill>
-          <a:blip r:embed="rId2"/>
-          <a:stretch>
-            <a:fillRect/>
-          </a:stretch>
-        </p:blipFill>
-        <p:spPr>
-          <a:xfrm>
-            <a:off x="5832098" y="2465218"/>
-            <a:ext cx="6230909" cy="4289394"/>
-          </a:xfrm>
-          <a:prstGeom prst="rect">
-            <a:avLst/>
-          </a:prstGeom>
-        </p:spPr>
-      </p:pic>
-      <p:sp>
-        <p:nvSpPr>
-          <p:cNvPr id="4" name="標題 3">
-            <a:extLst>
-              <a:ext uri="{FF2B5EF4-FFF2-40B4-BE49-F238E27FC236}">
-                <a16:creationId xmlns:a16="http://schemas.microsoft.com/office/drawing/2014/main" id="{8EBC9425-CFC0-4FC3-9107-5FE202888980}"/>
-              </a:ext>
-            </a:extLst>
-          </p:cNvPr>
-          <p:cNvSpPr>
-            <a:spLocks noGrp="1"/>
-          </p:cNvSpPr>
-          <p:nvPr>
-            <p:ph type="title"/>
-          </p:nvPr>
-        </p:nvSpPr>
-        <p:spPr/>
-        <p:txBody>
-          <a:bodyPr/>
-          <a:lstStyle/>
-          <a:p>
-            <a:r>
-              <a:rPr lang="en-US" altLang="zh-TW" dirty="0"/>
-              <a:t>Hierarchical</a:t>
-            </a:r>
-            <a:r>
-              <a:rPr lang="zh-TW" altLang="en-US" dirty="0"/>
-              <a:t>分群</a:t>
-            </a:r>
-          </a:p>
-        </p:txBody>
-      </p:sp>
-      <p:sp>
-        <p:nvSpPr>
-          <p:cNvPr id="5" name="內容版面配置區 4">
-            <a:extLst>
-              <a:ext uri="{FF2B5EF4-FFF2-40B4-BE49-F238E27FC236}">
-                <a16:creationId xmlns:a16="http://schemas.microsoft.com/office/drawing/2014/main" id="{35F0BE09-9033-4369-8CBC-41F8131E11A6}"/>
-              </a:ext>
-            </a:extLst>
-          </p:cNvPr>
-          <p:cNvSpPr>
-            <a:spLocks noGrp="1"/>
-          </p:cNvSpPr>
-          <p:nvPr>
-            <p:ph idx="1"/>
-          </p:nvPr>
-        </p:nvSpPr>
-        <p:spPr/>
-        <p:txBody>
-          <a:bodyPr/>
-          <a:lstStyle/>
-          <a:p>
-            <a:r>
-              <a:rPr lang="zh-TW" altLang="en-US" dirty="0"/>
-              <a:t>非監督式學習</a:t>
-            </a:r>
-            <a:endParaRPr lang="en-US" altLang="zh-TW" dirty="0"/>
-          </a:p>
-          <a:p>
-            <a:r>
-              <a:rPr lang="zh-TW" altLang="en-US" dirty="0"/>
-              <a:t>主要是以資料之間的「距離」遠近去做階層式的劃分</a:t>
-            </a:r>
-            <a:endParaRPr lang="en-US" altLang="zh-TW" dirty="0"/>
-          </a:p>
-          <a:p>
-            <a:r>
-              <a:rPr lang="zh-TW" altLang="en-US" dirty="0"/>
-              <a:t>沒有訓練的過程，直接把整個資料丟進去執行</a:t>
-            </a:r>
-            <a:endParaRPr lang="en-US" altLang="zh-TW" dirty="0"/>
-          </a:p>
-          <a:p>
-            <a:r>
-              <a:rPr lang="zh-TW" altLang="en-US" dirty="0"/>
-              <a:t>距離方法</a:t>
-            </a:r>
-            <a:endParaRPr lang="en-US" altLang="zh-TW" dirty="0"/>
-          </a:p>
-          <a:p>
-            <a:pPr lvl="1"/>
-            <a:r>
-              <a:rPr lang="zh-TW" altLang="en-US" dirty="0"/>
-              <a:t>歐式距離</a:t>
-            </a:r>
-            <a:endParaRPr lang="en-US" altLang="zh-TW" dirty="0"/>
-          </a:p>
-          <a:p>
-            <a:pPr lvl="1"/>
-            <a:endParaRPr lang="en-US" altLang="zh-TW" dirty="0"/>
-          </a:p>
-          <a:p>
-            <a:pPr lvl="1"/>
-            <a:endParaRPr lang="en-US" altLang="zh-TW" dirty="0"/>
-          </a:p>
-          <a:p>
-            <a:pPr lvl="1"/>
-            <a:r>
-              <a:rPr lang="zh-TW" altLang="en-US" dirty="0"/>
-              <a:t>曼哈頓距離</a:t>
-            </a:r>
-          </a:p>
-        </p:txBody>
-      </p:sp>
-      <p:sp>
-        <p:nvSpPr>
-          <p:cNvPr id="3" name="投影片編號版面配置區 2">
-            <a:extLst>
-              <a:ext uri="{FF2B5EF4-FFF2-40B4-BE49-F238E27FC236}">
-                <a16:creationId xmlns:a16="http://schemas.microsoft.com/office/drawing/2014/main" id="{AB64ABD3-83C3-42CC-9281-E1FDCB978147}"/>
-              </a:ext>
-            </a:extLst>
-          </p:cNvPr>
-          <p:cNvSpPr>
-            <a:spLocks noGrp="1"/>
-          </p:cNvSpPr>
-          <p:nvPr>
-            <p:ph type="sldNum" sz="quarter" idx="12"/>
-          </p:nvPr>
-        </p:nvSpPr>
-        <p:spPr/>
-        <p:txBody>
-          <a:bodyPr/>
-          <a:lstStyle/>
-          <a:p>
-            <a:fld id="{0318AE31-7D37-4562-A6C9-6CAC1CEA6FBB}" type="slidenum">
-              <a:rPr lang="zh-TW" altLang="en-US" smtClean="0"/>
-              <a:pPr/>
-              <a:t>27</a:t>
-            </a:fld>
-            <a:endParaRPr lang="zh-TW" altLang="en-US"/>
-          </a:p>
-        </p:txBody>
-      </p:sp>
-      <p:pic>
-        <p:nvPicPr>
           <p:cNvPr id="9" name="圖片 8">
             <a:extLst>
               <a:ext uri="{FF2B5EF4-FFF2-40B4-BE49-F238E27FC236}">
@@ -11178,7 +12148,7 @@
         </p:blipFill>
         <p:spPr>
           <a:xfrm>
-            <a:off x="1661386" y="4786029"/>
+            <a:off x="1661386" y="5118539"/>
             <a:ext cx="3461505" cy="397222"/>
           </a:xfrm>
           <a:prstGeom prst="rect">
@@ -11213,7 +12183,7 @@
         </p:blipFill>
         <p:spPr>
           <a:xfrm>
-            <a:off x="1661386" y="3408606"/>
+            <a:off x="1661386" y="3782680"/>
             <a:ext cx="3347526" cy="651293"/>
           </a:xfrm>
           <a:prstGeom prst="rect">
@@ -11221,6 +12191,178 @@
           </a:prstGeom>
         </p:spPr>
       </p:pic>
+      <p:pic>
+        <p:nvPicPr>
+          <p:cNvPr id="8" name="圖片 7">
+            <a:extLst>
+              <a:ext uri="{FF2B5EF4-FFF2-40B4-BE49-F238E27FC236}">
+                <a16:creationId xmlns:a16="http://schemas.microsoft.com/office/drawing/2014/main" id="{59860971-EA88-4788-88C4-DD9F2787CE53}"/>
+              </a:ext>
+            </a:extLst>
+          </p:cNvPr>
+          <p:cNvPicPr>
+            <a:picLocks noChangeAspect="1"/>
+          </p:cNvPicPr>
+          <p:nvPr/>
+        </p:nvPicPr>
+        <p:blipFill>
+          <a:blip r:embed="rId5"/>
+          <a:stretch>
+            <a:fillRect/>
+          </a:stretch>
+        </p:blipFill>
+        <p:spPr>
+          <a:xfrm>
+            <a:off x="5832098" y="2465218"/>
+            <a:ext cx="6230909" cy="4289394"/>
+          </a:xfrm>
+          <a:prstGeom prst="rect">
+            <a:avLst/>
+          </a:prstGeom>
+        </p:spPr>
+      </p:pic>
+      <p:sp>
+        <p:nvSpPr>
+          <p:cNvPr id="4" name="標題 3">
+            <a:extLst>
+              <a:ext uri="{FF2B5EF4-FFF2-40B4-BE49-F238E27FC236}">
+                <a16:creationId xmlns:a16="http://schemas.microsoft.com/office/drawing/2014/main" id="{8EBC9425-CFC0-4FC3-9107-5FE202888980}"/>
+              </a:ext>
+            </a:extLst>
+          </p:cNvPr>
+          <p:cNvSpPr>
+            <a:spLocks noGrp="1"/>
+          </p:cNvSpPr>
+          <p:nvPr>
+            <p:ph type="title"/>
+          </p:nvPr>
+        </p:nvSpPr>
+        <p:spPr/>
+        <p:txBody>
+          <a:bodyPr/>
+          <a:lstStyle/>
+          <a:p>
+            <a:r>
+              <a:rPr lang="en-US" altLang="zh-TW" dirty="0"/>
+              <a:t>Hierarchical</a:t>
+            </a:r>
+            <a:r>
+              <a:rPr lang="zh-TW" altLang="en-US" dirty="0"/>
+              <a:t>分群</a:t>
+            </a:r>
+          </a:p>
+        </p:txBody>
+      </p:sp>
+      <p:sp>
+        <p:nvSpPr>
+          <p:cNvPr id="5" name="內容版面配置區 4">
+            <a:extLst>
+              <a:ext uri="{FF2B5EF4-FFF2-40B4-BE49-F238E27FC236}">
+                <a16:creationId xmlns:a16="http://schemas.microsoft.com/office/drawing/2014/main" id="{35F0BE09-9033-4369-8CBC-41F8131E11A6}"/>
+              </a:ext>
+            </a:extLst>
+          </p:cNvPr>
+          <p:cNvSpPr>
+            <a:spLocks noGrp="1"/>
+          </p:cNvSpPr>
+          <p:nvPr>
+            <p:ph idx="1"/>
+          </p:nvPr>
+        </p:nvSpPr>
+        <p:spPr/>
+        <p:txBody>
+          <a:bodyPr/>
+          <a:lstStyle/>
+          <a:p>
+            <a:r>
+              <a:rPr lang="zh-TW" altLang="en-US" dirty="0"/>
+              <a:t>非監督式學習</a:t>
+            </a:r>
+            <a:endParaRPr lang="en-US" altLang="zh-TW" dirty="0"/>
+          </a:p>
+          <a:p>
+            <a:r>
+              <a:rPr lang="zh-TW" altLang="en-US" dirty="0"/>
+              <a:t>主要是以資料之間的「距離」遠近去做階層式的劃分</a:t>
+            </a:r>
+            <a:endParaRPr lang="en-US" altLang="zh-TW" dirty="0"/>
+          </a:p>
+          <a:p>
+            <a:r>
+              <a:rPr lang="zh-TW" altLang="en-US" dirty="0"/>
+              <a:t>沒有訓練的過程，直接把整個資料丟進去執行</a:t>
+            </a:r>
+            <a:endParaRPr lang="en-US" altLang="zh-TW" dirty="0"/>
+          </a:p>
+          <a:p>
+            <a:r>
+              <a:rPr lang="zh-TW" altLang="en-US" dirty="0"/>
+              <a:t>無法分析準確性</a:t>
+            </a:r>
+            <a:endParaRPr lang="en-US" altLang="zh-TW" dirty="0"/>
+          </a:p>
+          <a:p>
+            <a:r>
+              <a:rPr lang="zh-TW" altLang="en-US" dirty="0"/>
+              <a:t>距離方法</a:t>
+            </a:r>
+            <a:endParaRPr lang="en-US" altLang="zh-TW" dirty="0"/>
+          </a:p>
+          <a:p>
+            <a:pPr lvl="1"/>
+            <a:r>
+              <a:rPr lang="zh-TW" altLang="en-US" dirty="0"/>
+              <a:t>歐式距離</a:t>
+            </a:r>
+            <a:endParaRPr lang="en-US" altLang="zh-TW" dirty="0"/>
+          </a:p>
+          <a:p>
+            <a:pPr lvl="1"/>
+            <a:endParaRPr lang="en-US" altLang="zh-TW" dirty="0"/>
+          </a:p>
+          <a:p>
+            <a:pPr lvl="1"/>
+            <a:endParaRPr lang="en-US" altLang="zh-TW" dirty="0"/>
+          </a:p>
+          <a:p>
+            <a:pPr lvl="1"/>
+            <a:r>
+              <a:rPr lang="zh-TW" altLang="en-US" dirty="0"/>
+              <a:t>曼哈頓距離</a:t>
+            </a:r>
+          </a:p>
+        </p:txBody>
+      </p:sp>
+      <p:sp>
+        <p:nvSpPr>
+          <p:cNvPr id="3" name="投影片編號版面配置區 2">
+            <a:extLst>
+              <a:ext uri="{FF2B5EF4-FFF2-40B4-BE49-F238E27FC236}">
+                <a16:creationId xmlns:a16="http://schemas.microsoft.com/office/drawing/2014/main" id="{AB64ABD3-83C3-42CC-9281-E1FDCB978147}"/>
+              </a:ext>
+            </a:extLst>
+          </p:cNvPr>
+          <p:cNvSpPr>
+            <a:spLocks noGrp="1"/>
+          </p:cNvSpPr>
+          <p:nvPr>
+            <p:ph type="sldNum" sz="quarter" idx="12"/>
+          </p:nvPr>
+        </p:nvSpPr>
+        <p:spPr/>
+        <p:txBody>
+          <a:bodyPr/>
+          <a:lstStyle/>
+          <a:p>
+            <a:fld id="{0318AE31-7D37-4562-A6C9-6CAC1CEA6FBB}" type="slidenum">
+              <a:rPr lang="zh-TW" altLang="en-US" smtClean="0"/>
+              <a:pPr/>
+              <a:t>27</a:t>
+            </a:fld>
+            <a:endParaRPr lang="zh-TW" altLang="en-US"/>
+          </a:p>
+        </p:txBody>
+      </p:sp>
     </p:spTree>
     <p:extLst>
       <p:ext uri="{BB962C8B-B14F-4D97-AF65-F5344CB8AC3E}">
@@ -11313,7 +12455,7 @@
           <a:p>
             <a:r>
               <a:rPr lang="zh-TW" altLang="en-US" dirty="0"/>
-              <a:t>機器使用演算法自動將資料分成</a:t>
+              <a:t>主要是機器使用演算法自動將資料分成</a:t>
             </a:r>
             <a:r>
               <a:rPr lang="en-US" altLang="zh-TW" dirty="0"/>
@@ -11332,6 +12474,13 @@
             <a:r>
               <a:rPr lang="zh-TW" altLang="en-US" dirty="0"/>
               <a:t>沒有訓練的過程，直接把整個資料丟進去執行</a:t>
+            </a:r>
+            <a:endParaRPr lang="en-US" altLang="zh-TW" dirty="0"/>
+          </a:p>
+          <a:p>
+            <a:r>
+              <a:rPr lang="zh-TW" altLang="en-US" dirty="0"/>
+              <a:t>無法分析準確性</a:t>
             </a:r>
             <a:endParaRPr lang="en-US" altLang="zh-TW" dirty="0"/>
           </a:p>
@@ -11398,7 +12547,7 @@
           <p:nvPr/>
         </p:nvPicPr>
         <p:blipFill>
-          <a:blip r:embed="rId2"/>
+          <a:blip r:embed="rId3"/>
           <a:stretch>
             <a:fillRect/>
           </a:stretch>
@@ -11930,7 +13079,7 @@
             <p:ph idx="1"/>
             <p:extLst>
               <p:ext uri="{D42A27DB-BD31-4B8C-83A1-F6EECF244321}">
-                <p14:modId xmlns:p14="http://schemas.microsoft.com/office/powerpoint/2010/main" val="3439289493"/>
+                <p14:modId xmlns:p14="http://schemas.microsoft.com/office/powerpoint/2010/main" val="2959038204"/>
               </p:ext>
             </p:extLst>
           </p:nvPr>
@@ -11972,6 +13121,130 @@
               <a:t>4</a:t>
             </a:fld>
             <a:endParaRPr lang="zh-TW" altLang="en-US"/>
+          </a:p>
+        </p:txBody>
+      </p:sp>
+      <p:sp>
+        <p:nvSpPr>
+          <p:cNvPr id="5" name="矩形 4">
+            <a:extLst>
+              <a:ext uri="{FF2B5EF4-FFF2-40B4-BE49-F238E27FC236}">
+                <a16:creationId xmlns:a16="http://schemas.microsoft.com/office/drawing/2014/main" id="{99BE9585-A7AA-439B-B522-F8EB140F52E8}"/>
+              </a:ext>
+            </a:extLst>
+          </p:cNvPr>
+          <p:cNvSpPr/>
+          <p:nvPr/>
+        </p:nvSpPr>
+        <p:spPr>
+          <a:xfrm>
+            <a:off x="9227128" y="2337955"/>
+            <a:ext cx="2244436" cy="2535381"/>
+          </a:xfrm>
+          <a:prstGeom prst="rect">
+            <a:avLst/>
+          </a:prstGeom>
+          <a:noFill/>
+          <a:ln w="76200">
+            <a:solidFill>
+              <a:srgbClr val="C00000"/>
+            </a:solidFill>
+          </a:ln>
+        </p:spPr>
+        <p:style>
+          <a:lnRef idx="2">
+            <a:schemeClr val="accent1">
+              <a:shade val="50000"/>
+            </a:schemeClr>
+          </a:lnRef>
+          <a:fillRef idx="1">
+            <a:schemeClr val="accent1"/>
+          </a:fillRef>
+          <a:effectRef idx="0">
+            <a:schemeClr val="accent1"/>
+          </a:effectRef>
+          <a:fontRef idx="minor">
+            <a:schemeClr val="lt1"/>
+          </a:fontRef>
+        </p:style>
+        <p:txBody>
+          <a:bodyPr rtlCol="0" anchor="ctr"/>
+          <a:lstStyle/>
+          <a:p>
+            <a:pPr algn="ctr"/>
+            <a:endParaRPr lang="zh-TW" altLang="en-US"/>
+          </a:p>
+        </p:txBody>
+      </p:sp>
+      <p:sp>
+        <p:nvSpPr>
+          <p:cNvPr id="6" name="文字方塊 5">
+            <a:extLst>
+              <a:ext uri="{FF2B5EF4-FFF2-40B4-BE49-F238E27FC236}">
+                <a16:creationId xmlns:a16="http://schemas.microsoft.com/office/drawing/2014/main" id="{EDE9965B-05F1-4598-A2CE-E878442BDE18}"/>
+              </a:ext>
+            </a:extLst>
+          </p:cNvPr>
+          <p:cNvSpPr txBox="1"/>
+          <p:nvPr/>
+        </p:nvSpPr>
+        <p:spPr>
+          <a:xfrm>
+            <a:off x="6937665" y="4955112"/>
+            <a:ext cx="1101436" cy="400110"/>
+          </a:xfrm>
+          <a:prstGeom prst="rect">
+            <a:avLst/>
+          </a:prstGeom>
+          <a:noFill/>
+        </p:spPr>
+        <p:txBody>
+          <a:bodyPr wrap="square" rtlCol="0">
+            <a:spAutoFit/>
+          </a:bodyPr>
+          <a:lstStyle/>
+          <a:p>
+            <a:pPr algn="ctr"/>
+            <a:r>
+              <a:rPr lang="zh-TW" altLang="en-US" sz="2000" b="1" dirty="0"/>
+              <a:t>最重要</a:t>
+            </a:r>
+          </a:p>
+        </p:txBody>
+      </p:sp>
+      <p:sp>
+        <p:nvSpPr>
+          <p:cNvPr id="7" name="文字方塊 6">
+            <a:extLst>
+              <a:ext uri="{FF2B5EF4-FFF2-40B4-BE49-F238E27FC236}">
+                <a16:creationId xmlns:a16="http://schemas.microsoft.com/office/drawing/2014/main" id="{6F3D8C15-8D0E-4733-81C4-8E6378584B0F}"/>
+              </a:ext>
+            </a:extLst>
+          </p:cNvPr>
+          <p:cNvSpPr txBox="1"/>
+          <p:nvPr/>
+        </p:nvSpPr>
+        <p:spPr>
+          <a:xfrm>
+            <a:off x="9403773" y="4951622"/>
+            <a:ext cx="1891145" cy="400110"/>
+          </a:xfrm>
+          <a:prstGeom prst="rect">
+            <a:avLst/>
+          </a:prstGeom>
+          <a:noFill/>
+        </p:spPr>
+        <p:txBody>
+          <a:bodyPr wrap="square" rtlCol="0">
+            <a:spAutoFit/>
+          </a:bodyPr>
+          <a:lstStyle/>
+          <a:p>
+            <a:pPr algn="ctr"/>
+            <a:r>
+              <a:rPr lang="zh-TW" altLang="en-US" sz="2000" b="1" dirty="0"/>
+              <a:t>一般都在教的</a:t>
+            </a:r>
           </a:p>
         </p:txBody>
       </p:sp>
@@ -12028,7 +13301,7 @@
           <a:p>
             <a:r>
               <a:rPr lang="zh-TW" altLang="en-US" dirty="0"/>
-              <a:t>統計在大數據中的角色</a:t>
+              <a:t>統計在數據中的角色</a:t>
             </a:r>
           </a:p>
         </p:txBody>
@@ -13056,10 +14329,10 @@
       </p:grpSpPr>
       <p:sp>
         <p:nvSpPr>
-          <p:cNvPr id="2" name="標題 1">
+          <p:cNvPr id="4" name="標題 3">
             <a:extLst>
               <a:ext uri="{FF2B5EF4-FFF2-40B4-BE49-F238E27FC236}">
-                <a16:creationId xmlns:a16="http://schemas.microsoft.com/office/drawing/2014/main" id="{89C1DA22-52F4-426B-AEE4-4774A2437F8B}"/>
+                <a16:creationId xmlns:a16="http://schemas.microsoft.com/office/drawing/2014/main" id="{8EBC9425-CFC0-4FC3-9107-5FE202888980}"/>
               </a:ext>
             </a:extLst>
           </p:cNvPr>
@@ -13077,17 +14350,25 @@
           <a:p>
             <a:r>
               <a:rPr lang="zh-TW" altLang="en-US" dirty="0"/>
-              <a:t>一些統計名詞</a:t>
-            </a:r>
-          </a:p>
-        </p:txBody>
-      </p:sp>
-      <p:sp>
-        <p:nvSpPr>
-          <p:cNvPr id="3" name="內容版面配置區 2">
+              <a:t>機器學習的區別：監督</a:t>
+            </a:r>
+            <a:r>
+              <a:rPr lang="en-US" altLang="zh-TW" dirty="0"/>
+              <a:t>&amp;</a:t>
+            </a:r>
+            <a:r>
+              <a:rPr lang="zh-TW" altLang="en-US" dirty="0"/>
+              <a:t>非監督</a:t>
+            </a:r>
+          </a:p>
+        </p:txBody>
+      </p:sp>
+      <p:sp>
+        <p:nvSpPr>
+          <p:cNvPr id="5" name="內容版面配置區 4">
             <a:extLst>
               <a:ext uri="{FF2B5EF4-FFF2-40B4-BE49-F238E27FC236}">
-                <a16:creationId xmlns:a16="http://schemas.microsoft.com/office/drawing/2014/main" id="{9C0E4BB8-B1B0-474B-8B71-983387A56123}"/>
+                <a16:creationId xmlns:a16="http://schemas.microsoft.com/office/drawing/2014/main" id="{35F0BE09-9033-4369-8CBC-41F8131E11A6}"/>
               </a:ext>
             </a:extLst>
           </p:cNvPr>
@@ -13101,7 +14382,7 @@
         <p:spPr>
           <a:xfrm>
             <a:off x="838200" y="1036318"/>
-            <a:ext cx="10515600" cy="5704724"/>
+            <a:ext cx="10515600" cy="5438232"/>
           </a:xfrm>
         </p:spPr>
         <p:txBody>
@@ -13111,12 +14392,31 @@
           <a:lstStyle/>
           <a:p>
             <a:r>
+              <a:rPr lang="zh-TW" altLang="en-US" b="1" dirty="0"/>
+              <a:t>前提：資料已經被完美前處理過</a:t>
+            </a:r>
+            <a:endParaRPr lang="en-US" altLang="zh-TW" b="1" dirty="0"/>
+          </a:p>
+          <a:p>
+            <a:r>
+              <a:rPr lang="zh-TW" altLang="en-US" dirty="0"/>
+              <a:t>監督式學習：</a:t>
+            </a:r>
+            <a:endParaRPr lang="en-US" altLang="zh-TW" dirty="0"/>
+          </a:p>
+          <a:p>
+            <a:pPr lvl="1"/>
+            <a:r>
+              <a:rPr lang="zh-TW" altLang="en-US" dirty="0"/>
+              <a:t>有</a:t>
+            </a:r>
+            <a:r>
               <a:rPr lang="en-US" altLang="zh-TW" dirty="0"/>
-              <a:t>p</a:t>
-            </a:r>
-            <a:r>
-              <a:rPr lang="zh-TW" altLang="en-US" dirty="0"/>
-              <a:t>值</a:t>
+              <a:t>Label</a:t>
+            </a:r>
+            <a:r>
+              <a:rPr lang="zh-TW" altLang="en-US" dirty="0"/>
+              <a:t>標籤資料欄位</a:t>
             </a:r>
             <a:endParaRPr lang="en-US" altLang="zh-TW" dirty="0"/>
           </a:p>
@@ -13124,7 +14424,15 @@
             <a:pPr lvl="1"/>
             <a:r>
               <a:rPr lang="zh-TW" altLang="en-US" dirty="0"/>
-              <a:t>用來確定結果的統計顯著性</a:t>
+              <a:t>預測結果</a:t>
+            </a:r>
+            <a:r>
+              <a:rPr lang="en-US" altLang="zh-TW" dirty="0"/>
+              <a:t>/</a:t>
+            </a:r>
+            <a:r>
+              <a:rPr lang="zh-TW" altLang="en-US" dirty="0"/>
+              <a:t>未來趨勢</a:t>
             </a:r>
             <a:endParaRPr lang="en-US" altLang="zh-TW" dirty="0"/>
           </a:p>
@@ -13132,191 +14440,147 @@
             <a:pPr lvl="1"/>
             <a:r>
               <a:rPr lang="zh-TW" altLang="en-US" dirty="0"/>
-              <a:t>用來判斷允許錯誤的最大機率值</a:t>
+              <a:t>企業廣泛常用，有</a:t>
+            </a:r>
+            <a:r>
+              <a:rPr lang="en-US" altLang="zh-TW" dirty="0"/>
+              <a:t>Y</a:t>
+            </a:r>
+            <a:r>
+              <a:rPr lang="zh-TW" altLang="en-US" dirty="0"/>
+              <a:t>，有答案去做</a:t>
             </a:r>
             <a:endParaRPr lang="en-US" altLang="zh-TW" dirty="0"/>
           </a:p>
           <a:p>
             <a:pPr lvl="1"/>
             <a:r>
-              <a:rPr lang="zh-TW" altLang="en-US" dirty="0"/>
-              <a:t>樣本能代表母體的可能性機率</a:t>
-            </a:r>
-            <a:endParaRPr lang="en-US" altLang="zh-TW" dirty="0"/>
-          </a:p>
-          <a:p>
-            <a:r>
-              <a:rPr lang="zh-TW" altLang="en-US" dirty="0"/>
-              <a:t>顯著水準</a:t>
+              <a:rPr lang="zh-TW" altLang="en-US" u="sng" dirty="0"/>
+              <a:t>迴歸</a:t>
+            </a:r>
+            <a:r>
+              <a:rPr lang="en-US" altLang="zh-TW" u="sng" dirty="0"/>
+              <a:t>(</a:t>
+            </a:r>
+            <a:r>
+              <a:rPr lang="zh-TW" altLang="en-US" u="sng" dirty="0"/>
+              <a:t>數值型</a:t>
+            </a:r>
+            <a:r>
+              <a:rPr lang="en-US" altLang="zh-TW" u="sng" dirty="0"/>
+              <a:t>)</a:t>
+            </a:r>
+            <a:r>
+              <a:rPr lang="zh-TW" altLang="en-US" dirty="0"/>
+              <a:t>、分類</a:t>
             </a:r>
             <a:r>
               <a:rPr lang="en-US" altLang="zh-TW" dirty="0"/>
-              <a:t>(alpha</a:t>
-            </a:r>
-            <a:r>
-              <a:rPr lang="zh-TW" altLang="en-US" dirty="0"/>
-              <a:t>值</a:t>
+              <a:t>(</a:t>
+            </a:r>
+            <a:r>
+              <a:rPr lang="zh-TW" altLang="en-US" dirty="0"/>
+              <a:t>類別型</a:t>
             </a:r>
             <a:r>
               <a:rPr lang="en-US" altLang="zh-TW" dirty="0"/>
               <a:t>)</a:t>
             </a:r>
-            <a:r>
-              <a:rPr lang="zh-TW" altLang="en-US" dirty="0"/>
-              <a:t>：檢定接受或拒絕的判斷標準</a:t>
-            </a:r>
+          </a:p>
+          <a:p>
             <a:endParaRPr lang="en-US" altLang="zh-TW" dirty="0"/>
           </a:p>
           <a:p>
+            <a:r>
+              <a:rPr lang="zh-TW" altLang="en-US" dirty="0"/>
+              <a:t>非監督式學習：</a:t>
+            </a:r>
+            <a:endParaRPr lang="en-US" altLang="zh-TW" dirty="0"/>
+          </a:p>
+          <a:p>
             <a:pPr lvl="1"/>
             <a:r>
               <a:rPr lang="zh-TW" altLang="en-US" dirty="0"/>
-              <a:t>常用設定</a:t>
+              <a:t>沒有</a:t>
             </a:r>
             <a:r>
               <a:rPr lang="en-US" altLang="zh-TW" dirty="0"/>
-              <a:t>alpha=0.05</a:t>
-            </a:r>
-            <a:r>
-              <a:rPr lang="zh-TW" altLang="en-US" dirty="0"/>
-              <a:t>，</a:t>
+              <a:t>Label</a:t>
+            </a:r>
+            <a:r>
+              <a:rPr lang="zh-TW" altLang="en-US" dirty="0"/>
+              <a:t>標籤資料欄位</a:t>
+            </a:r>
+            <a:endParaRPr lang="en-US" altLang="zh-TW" dirty="0"/>
+          </a:p>
+          <a:p>
+            <a:pPr lvl="1"/>
+            <a:r>
+              <a:rPr lang="zh-TW" altLang="en-US" dirty="0"/>
+              <a:t>機器在資料中摸索並尋找潛在規則</a:t>
+            </a:r>
+            <a:endParaRPr lang="en-US" altLang="zh-TW" dirty="0"/>
+          </a:p>
+          <a:p>
+            <a:pPr lvl="1"/>
+            <a:r>
+              <a:rPr lang="zh-TW" altLang="en-US" dirty="0"/>
+              <a:t>沒有</a:t>
             </a:r>
             <a:r>
               <a:rPr lang="en-US" altLang="zh-TW" dirty="0"/>
-              <a:t>0.1</a:t>
-            </a:r>
-            <a:r>
-              <a:rPr lang="zh-TW" altLang="en-US" dirty="0"/>
-              <a:t>表示寬鬆、</a:t>
+              <a:t>Y</a:t>
+            </a:r>
+            <a:r>
+              <a:rPr lang="zh-TW" altLang="en-US" dirty="0"/>
+              <a:t>，需花時間摸索答案</a:t>
+            </a:r>
+            <a:endParaRPr lang="en-US" altLang="zh-TW" dirty="0"/>
+          </a:p>
+          <a:p>
+            <a:pPr lvl="1"/>
+            <a:r>
+              <a:rPr lang="zh-TW" altLang="en-US" u="sng" dirty="0"/>
+              <a:t>分群</a:t>
+            </a:r>
+            <a:r>
+              <a:rPr lang="en-US" altLang="zh-TW" u="sng" dirty="0"/>
+              <a:t>(</a:t>
+            </a:r>
+            <a:r>
+              <a:rPr lang="zh-TW" altLang="en-US" u="sng" dirty="0"/>
+              <a:t>數值型</a:t>
+            </a:r>
+            <a:r>
+              <a:rPr lang="en-US" altLang="zh-TW" u="sng" dirty="0"/>
+              <a:t>)</a:t>
+            </a:r>
+            <a:r>
+              <a:rPr lang="zh-TW" altLang="en-US" dirty="0"/>
+              <a:t>、關聯分析</a:t>
             </a:r>
             <a:r>
               <a:rPr lang="en-US" altLang="zh-TW" dirty="0"/>
-              <a:t>0.01</a:t>
-            </a:r>
-            <a:r>
-              <a:rPr lang="zh-TW" altLang="en-US" dirty="0"/>
-              <a:t>表示嚴苛</a:t>
-            </a:r>
-            <a:endParaRPr lang="en-US" altLang="zh-TW" dirty="0"/>
-          </a:p>
-          <a:p>
-            <a:r>
-              <a:rPr lang="zh-TW" altLang="en-US" dirty="0"/>
-              <a:t>假設檢定：用來通過一組樣本的資訊推論母體特徵</a:t>
-            </a:r>
-            <a:endParaRPr lang="en-US" altLang="zh-TW" dirty="0"/>
-          </a:p>
-          <a:p>
-            <a:pPr lvl="1"/>
+              <a:t>(</a:t>
+            </a:r>
+            <a:r>
+              <a:rPr lang="zh-TW" altLang="en-US" dirty="0"/>
+              <a:t>類別型</a:t>
+            </a:r>
             <a:r>
               <a:rPr lang="en-US" altLang="zh-TW" dirty="0"/>
-              <a:t>Ho</a:t>
-            </a:r>
-            <a:r>
-              <a:rPr lang="zh-TW" altLang="en-US" dirty="0"/>
-              <a:t>：虛無假設</a:t>
-            </a:r>
-            <a:endParaRPr lang="en-US" altLang="zh-TW" dirty="0"/>
-          </a:p>
-          <a:p>
-            <a:pPr lvl="2"/>
-            <a:r>
-              <a:rPr lang="zh-TW" altLang="en-US" dirty="0"/>
-              <a:t>無顯著影響、無差異、無罪</a:t>
-            </a:r>
-            <a:endParaRPr lang="en-US" altLang="zh-TW" dirty="0"/>
-          </a:p>
-          <a:p>
-            <a:pPr lvl="1"/>
-            <a:r>
-              <a:rPr lang="en-US" altLang="zh-TW" dirty="0"/>
-              <a:t>Ha</a:t>
-            </a:r>
-            <a:r>
-              <a:rPr lang="zh-TW" altLang="en-US" dirty="0"/>
-              <a:t>：對立假設</a:t>
-            </a:r>
-            <a:endParaRPr lang="en-US" altLang="zh-TW" dirty="0"/>
-          </a:p>
-          <a:p>
-            <a:pPr lvl="2"/>
-            <a:r>
-              <a:rPr lang="zh-TW" altLang="en-US" dirty="0"/>
-              <a:t>有顯著影響、有差異、有罪</a:t>
-            </a:r>
-            <a:endParaRPr lang="en-US" altLang="zh-TW" dirty="0"/>
-          </a:p>
-          <a:p>
-            <a:pPr lvl="1"/>
-            <a:r>
-              <a:rPr lang="zh-TW" altLang="en-US" dirty="0"/>
-              <a:t>倘若</a:t>
-            </a:r>
-            <a:r>
-              <a:rPr lang="en-US" altLang="zh-TW" dirty="0"/>
-              <a:t>p&gt;alpha(0.05)</a:t>
-            </a:r>
-            <a:r>
-              <a:rPr lang="zh-TW" altLang="en-US" dirty="0"/>
-              <a:t>，則有顯著影響（接受</a:t>
-            </a:r>
-            <a:r>
-              <a:rPr lang="en-US" altLang="zh-TW" dirty="0"/>
-              <a:t>Ho</a:t>
-            </a:r>
-            <a:r>
-              <a:rPr lang="zh-TW" altLang="en-US" dirty="0"/>
-              <a:t>、拒絕</a:t>
-            </a:r>
-            <a:r>
-              <a:rPr lang="en-US" altLang="zh-TW" dirty="0"/>
-              <a:t>Ha</a:t>
-            </a:r>
-            <a:r>
-              <a:rPr lang="zh-TW" altLang="en-US" dirty="0"/>
-              <a:t>）</a:t>
-            </a:r>
-            <a:endParaRPr lang="en-US" altLang="zh-TW" dirty="0"/>
-          </a:p>
-          <a:p>
-            <a:pPr lvl="1"/>
-            <a:r>
-              <a:rPr lang="zh-TW" altLang="en-US" dirty="0"/>
-              <a:t>倘若</a:t>
-            </a:r>
-            <a:r>
-              <a:rPr lang="en-US" altLang="zh-TW" dirty="0"/>
-              <a:t>p&lt;alpha(0.05)</a:t>
-            </a:r>
-            <a:r>
-              <a:rPr lang="zh-TW" altLang="en-US" dirty="0"/>
-              <a:t>，則有顯著影響（接受</a:t>
-            </a:r>
-            <a:r>
-              <a:rPr lang="en-US" altLang="zh-TW" dirty="0"/>
-              <a:t>Ha</a:t>
-            </a:r>
-            <a:r>
-              <a:rPr lang="zh-TW" altLang="en-US" dirty="0"/>
-              <a:t>、拒絕</a:t>
-            </a:r>
-            <a:r>
-              <a:rPr lang="en-US" altLang="zh-TW" dirty="0"/>
-              <a:t>Ho</a:t>
-            </a:r>
-            <a:r>
-              <a:rPr lang="zh-TW" altLang="en-US" dirty="0"/>
-              <a:t>）</a:t>
-            </a:r>
-          </a:p>
-        </p:txBody>
-      </p:sp>
-      <p:sp>
-        <p:nvSpPr>
-          <p:cNvPr id="4" name="投影片編號版面配置區 3">
+              <a:t>)</a:t>
+            </a:r>
+            <a:endParaRPr lang="zh-TW" altLang="en-US" dirty="0"/>
+          </a:p>
+        </p:txBody>
+      </p:sp>
+      <p:sp>
+        <p:nvSpPr>
+          <p:cNvPr id="3" name="投影片編號版面配置區 2">
             <a:extLst>
               <a:ext uri="{FF2B5EF4-FFF2-40B4-BE49-F238E27FC236}">
-                <a16:creationId xmlns:a16="http://schemas.microsoft.com/office/drawing/2014/main" id="{F42AEED5-2C47-4281-A8BF-E83D84E1A84E}"/>
+                <a16:creationId xmlns:a16="http://schemas.microsoft.com/office/drawing/2014/main" id="{AB64ABD3-83C3-42CC-9281-E1FDCB978147}"/>
               </a:ext>
             </a:extLst>
           </p:cNvPr>
@@ -13344,7 +14608,7 @@
     </p:spTree>
     <p:extLst>
       <p:ext uri="{BB962C8B-B14F-4D97-AF65-F5344CB8AC3E}">
-        <p14:creationId xmlns:p14="http://schemas.microsoft.com/office/powerpoint/2010/main" val="2116596401"/>
+        <p14:creationId xmlns:p14="http://schemas.microsoft.com/office/powerpoint/2010/main" val="3227574506"/>
       </p:ext>
     </p:extLst>
   </p:cSld>
@@ -13394,231 +14658,45 @@
           <a:p>
             <a:r>
               <a:rPr lang="zh-TW" altLang="en-US" dirty="0"/>
-              <a:t>機器學習的區別：監督</a:t>
-            </a:r>
-            <a:r>
-              <a:rPr lang="en-US" altLang="zh-TW" dirty="0"/>
-              <a:t>&amp;</a:t>
-            </a:r>
-            <a:r>
-              <a:rPr lang="zh-TW" altLang="en-US" dirty="0"/>
-              <a:t>非監督</a:t>
-            </a:r>
-          </a:p>
-        </p:txBody>
-      </p:sp>
-      <p:sp>
-        <p:nvSpPr>
-          <p:cNvPr id="5" name="內容版面配置區 4">
+              <a:t>機器學習的演算法選擇</a:t>
+            </a:r>
+          </a:p>
+        </p:txBody>
+      </p:sp>
+      <p:pic>
+        <p:nvPicPr>
+          <p:cNvPr id="6" name="內容版面配置區 5">
             <a:extLst>
               <a:ext uri="{FF2B5EF4-FFF2-40B4-BE49-F238E27FC236}">
-                <a16:creationId xmlns:a16="http://schemas.microsoft.com/office/drawing/2014/main" id="{35F0BE09-9033-4369-8CBC-41F8131E11A6}"/>
+                <a16:creationId xmlns:a16="http://schemas.microsoft.com/office/drawing/2014/main" id="{586314BA-D61D-4EAC-9C73-9FEFDA8B561C}"/>
               </a:ext>
             </a:extLst>
           </p:cNvPr>
-          <p:cNvSpPr>
-            <a:spLocks noGrp="1"/>
-          </p:cNvSpPr>
+          <p:cNvPicPr>
+            <a:picLocks noGrp="1" noChangeAspect="1"/>
+          </p:cNvPicPr>
           <p:nvPr>
             <p:ph idx="1"/>
           </p:nvPr>
-        </p:nvSpPr>
+        </p:nvPicPr>
+        <p:blipFill rotWithShape="1">
+          <a:blip r:embed="rId2">
+            <a:extLst>
+              <a:ext uri="{28A0092B-C50C-407E-A947-70E740481C1C}">
+                <a14:useLocalDpi xmlns:a14="http://schemas.microsoft.com/office/drawing/2010/main" val="0"/>
+              </a:ext>
+            </a:extLst>
+          </a:blip>
+          <a:srcRect l="1120" t="1074" r="955" b="1810"/>
+          <a:stretch/>
+        </p:blipFill>
         <p:spPr>
           <a:xfrm>
-            <a:off x="838200" y="1036318"/>
-            <a:ext cx="10515600" cy="5438232"/>
+            <a:off x="716973" y="781583"/>
+            <a:ext cx="10820399" cy="5972509"/>
           </a:xfrm>
         </p:spPr>
-        <p:txBody>
-          <a:bodyPr>
-            <a:normAutofit/>
-          </a:bodyPr>
-          <a:lstStyle/>
-          <a:p>
-            <a:r>
-              <a:rPr lang="zh-TW" altLang="en-US" dirty="0"/>
-              <a:t>前提：資料已經被完美處理過</a:t>
-            </a:r>
-            <a:endParaRPr lang="en-US" altLang="zh-TW" dirty="0"/>
-          </a:p>
-          <a:p>
-            <a:r>
-              <a:rPr lang="zh-TW" altLang="en-US" dirty="0"/>
-              <a:t>監督式學習：</a:t>
-            </a:r>
-            <a:endParaRPr lang="en-US" altLang="zh-TW" dirty="0"/>
-          </a:p>
-          <a:p>
-            <a:pPr lvl="1"/>
-            <a:r>
-              <a:rPr lang="zh-TW" altLang="en-US" dirty="0"/>
-              <a:t>有</a:t>
-            </a:r>
-            <a:r>
-              <a:rPr lang="en-US" altLang="zh-TW" dirty="0"/>
-              <a:t>Label</a:t>
-            </a:r>
-            <a:r>
-              <a:rPr lang="zh-TW" altLang="en-US" dirty="0"/>
-              <a:t>標籤資料欄位</a:t>
-            </a:r>
-            <a:endParaRPr lang="en-US" altLang="zh-TW" dirty="0"/>
-          </a:p>
-          <a:p>
-            <a:pPr lvl="1"/>
-            <a:r>
-              <a:rPr lang="zh-TW" altLang="en-US" dirty="0"/>
-              <a:t>預測結果</a:t>
-            </a:r>
-            <a:r>
-              <a:rPr lang="en-US" altLang="zh-TW" dirty="0"/>
-              <a:t>/</a:t>
-            </a:r>
-            <a:r>
-              <a:rPr lang="zh-TW" altLang="en-US" dirty="0"/>
-              <a:t>未來趨勢</a:t>
-            </a:r>
-            <a:endParaRPr lang="en-US" altLang="zh-TW" dirty="0"/>
-          </a:p>
-          <a:p>
-            <a:pPr lvl="1"/>
-            <a:r>
-              <a:rPr lang="zh-TW" altLang="en-US" dirty="0"/>
-              <a:t>企業廣泛常用，有</a:t>
-            </a:r>
-            <a:r>
-              <a:rPr lang="en-US" altLang="zh-TW" dirty="0"/>
-              <a:t>Y</a:t>
-            </a:r>
-            <a:r>
-              <a:rPr lang="zh-TW" altLang="en-US" dirty="0"/>
-              <a:t>，有答案去做</a:t>
-            </a:r>
-            <a:endParaRPr lang="en-US" altLang="zh-TW" dirty="0"/>
-          </a:p>
-          <a:p>
-            <a:pPr lvl="1"/>
-            <a:r>
-              <a:rPr lang="zh-TW" altLang="en-US" dirty="0"/>
-              <a:t>迴歸</a:t>
-            </a:r>
-            <a:r>
-              <a:rPr lang="en-US" altLang="zh-TW" dirty="0"/>
-              <a:t>(</a:t>
-            </a:r>
-            <a:r>
-              <a:rPr lang="zh-TW" altLang="en-US" dirty="0"/>
-              <a:t>數值型</a:t>
-            </a:r>
-            <a:r>
-              <a:rPr lang="en-US" altLang="zh-TW" dirty="0"/>
-              <a:t>)</a:t>
-            </a:r>
-            <a:r>
-              <a:rPr lang="zh-TW" altLang="en-US" dirty="0"/>
-              <a:t>、分類</a:t>
-            </a:r>
-            <a:r>
-              <a:rPr lang="en-US" altLang="zh-TW" dirty="0"/>
-              <a:t>(</a:t>
-            </a:r>
-            <a:r>
-              <a:rPr lang="zh-TW" altLang="en-US" dirty="0"/>
-              <a:t>類別型</a:t>
-            </a:r>
-            <a:r>
-              <a:rPr lang="en-US" altLang="zh-TW" dirty="0"/>
-              <a:t>)</a:t>
-            </a:r>
-          </a:p>
-          <a:p>
-            <a:endParaRPr lang="en-US" altLang="zh-TW" dirty="0"/>
-          </a:p>
-          <a:p>
-            <a:r>
-              <a:rPr lang="zh-TW" altLang="en-US" dirty="0"/>
-              <a:t>非監督式學習：</a:t>
-            </a:r>
-            <a:endParaRPr lang="en-US" altLang="zh-TW" dirty="0"/>
-          </a:p>
-          <a:p>
-            <a:pPr lvl="1"/>
-            <a:r>
-              <a:rPr lang="zh-TW" altLang="en-US" dirty="0"/>
-              <a:t>沒有</a:t>
-            </a:r>
-            <a:r>
-              <a:rPr lang="en-US" altLang="zh-TW" dirty="0"/>
-              <a:t>Label</a:t>
-            </a:r>
-            <a:r>
-              <a:rPr lang="zh-TW" altLang="en-US" dirty="0"/>
-              <a:t>標籤資料欄位</a:t>
-            </a:r>
-            <a:endParaRPr lang="en-US" altLang="zh-TW" dirty="0"/>
-          </a:p>
-          <a:p>
-            <a:pPr lvl="1"/>
-            <a:r>
-              <a:rPr lang="zh-TW" altLang="en-US" dirty="0"/>
-              <a:t>在資料中摸索並尋找潛在規則</a:t>
-            </a:r>
-            <a:endParaRPr lang="en-US" altLang="zh-TW" dirty="0"/>
-          </a:p>
-          <a:p>
-            <a:pPr lvl="1"/>
-            <a:r>
-              <a:rPr lang="zh-TW" altLang="en-US" dirty="0"/>
-              <a:t>企業不常用，沒有</a:t>
-            </a:r>
-            <a:r>
-              <a:rPr lang="en-US" altLang="zh-TW" dirty="0"/>
-              <a:t>Y</a:t>
-            </a:r>
-            <a:r>
-              <a:rPr lang="zh-TW" altLang="en-US" dirty="0"/>
-              <a:t>，需花時間摸索答案</a:t>
-            </a:r>
-            <a:endParaRPr lang="en-US" altLang="zh-TW" dirty="0"/>
-          </a:p>
-          <a:p>
-            <a:pPr lvl="1"/>
-            <a:r>
-              <a:rPr lang="zh-TW" altLang="en-US" dirty="0"/>
-              <a:t>分群</a:t>
-            </a:r>
-            <a:r>
-              <a:rPr lang="en-US" altLang="zh-TW" dirty="0"/>
-              <a:t>(</a:t>
-            </a:r>
-            <a:r>
-              <a:rPr lang="zh-TW" altLang="en-US" dirty="0"/>
-              <a:t>數值型</a:t>
-            </a:r>
-            <a:r>
-              <a:rPr lang="en-US" altLang="zh-TW" dirty="0"/>
-              <a:t>)</a:t>
-            </a:r>
-            <a:r>
-              <a:rPr lang="zh-TW" altLang="en-US" dirty="0"/>
-              <a:t>、關聯分析</a:t>
-            </a:r>
-            <a:r>
-              <a:rPr lang="en-US" altLang="zh-TW" dirty="0"/>
-              <a:t>(</a:t>
-            </a:r>
-            <a:r>
-              <a:rPr lang="zh-TW" altLang="en-US" dirty="0"/>
-              <a:t>類別型</a:t>
-            </a:r>
-            <a:r>
-              <a:rPr lang="en-US" altLang="zh-TW" dirty="0"/>
-              <a:t>)</a:t>
-            </a:r>
-            <a:endParaRPr lang="zh-TW" altLang="en-US" dirty="0"/>
-          </a:p>
-        </p:txBody>
-      </p:sp>
+      </p:pic>
       <p:sp>
         <p:nvSpPr>
           <p:cNvPr id="3" name="投影片編號版面配置區 2">
@@ -13652,7 +14730,7 @@
     </p:spTree>
     <p:extLst>
       <p:ext uri="{BB962C8B-B14F-4D97-AF65-F5344CB8AC3E}">
-        <p14:creationId xmlns:p14="http://schemas.microsoft.com/office/powerpoint/2010/main" val="3227574506"/>
+        <p14:creationId xmlns:p14="http://schemas.microsoft.com/office/powerpoint/2010/main" val="952362647"/>
       </p:ext>
     </p:extLst>
   </p:cSld>
@@ -13681,10 +14759,10 @@
       </p:grpSpPr>
       <p:sp>
         <p:nvSpPr>
-          <p:cNvPr id="4" name="標題 3">
+          <p:cNvPr id="5" name="標題 4">
             <a:extLst>
               <a:ext uri="{FF2B5EF4-FFF2-40B4-BE49-F238E27FC236}">
-                <a16:creationId xmlns:a16="http://schemas.microsoft.com/office/drawing/2014/main" id="{8EBC9425-CFC0-4FC3-9107-5FE202888980}"/>
+                <a16:creationId xmlns:a16="http://schemas.microsoft.com/office/drawing/2014/main" id="{73829ED9-AD3C-43FB-A0DE-DF7A669558F8}"/>
               </a:ext>
             </a:extLst>
           </p:cNvPr>
@@ -13702,52 +14780,42 @@
           <a:p>
             <a:r>
               <a:rPr lang="zh-TW" altLang="en-US" dirty="0"/>
-              <a:t>機器學習的演算法選擇</a:t>
-            </a:r>
-          </a:p>
-        </p:txBody>
-      </p:sp>
-      <p:pic>
-        <p:nvPicPr>
-          <p:cNvPr id="6" name="內容版面配置區 5">
+              <a:t>統計圖表呈現</a:t>
+            </a:r>
+          </a:p>
+        </p:txBody>
+      </p:sp>
+      <p:sp>
+        <p:nvSpPr>
+          <p:cNvPr id="6" name="文字版面配置區 5">
             <a:extLst>
               <a:ext uri="{FF2B5EF4-FFF2-40B4-BE49-F238E27FC236}">
-                <a16:creationId xmlns:a16="http://schemas.microsoft.com/office/drawing/2014/main" id="{586314BA-D61D-4EAC-9C73-9FEFDA8B561C}"/>
+                <a16:creationId xmlns:a16="http://schemas.microsoft.com/office/drawing/2014/main" id="{D9EDD6AE-9199-499B-8D7F-6D93FB0AD946}"/>
               </a:ext>
             </a:extLst>
           </p:cNvPr>
-          <p:cNvPicPr>
-            <a:picLocks noGrp="1" noChangeAspect="1"/>
-          </p:cNvPicPr>
-          <p:nvPr>
-            <p:ph idx="1"/>
-          </p:nvPr>
-        </p:nvPicPr>
-        <p:blipFill>
-          <a:blip r:embed="rId2">
-            <a:extLst>
-              <a:ext uri="{28A0092B-C50C-407E-A947-70E740481C1C}">
-                <a14:useLocalDpi xmlns:a14="http://schemas.microsoft.com/office/drawing/2010/main" val="0"/>
-              </a:ext>
-            </a:extLst>
-          </a:blip>
-          <a:stretch>
-            <a:fillRect/>
-          </a:stretch>
-        </p:blipFill>
-        <p:spPr>
-          <a:xfrm>
-            <a:off x="838201" y="882700"/>
-            <a:ext cx="10515600" cy="5852638"/>
-          </a:xfrm>
-        </p:spPr>
-      </p:pic>
-      <p:sp>
-        <p:nvSpPr>
-          <p:cNvPr id="3" name="投影片編號版面配置區 2">
+          <p:cNvSpPr>
+            <a:spLocks noGrp="1"/>
+          </p:cNvSpPr>
+          <p:nvPr>
+            <p:ph type="body" idx="1"/>
+          </p:nvPr>
+        </p:nvSpPr>
+        <p:spPr/>
+        <p:txBody>
+          <a:bodyPr/>
+          <a:lstStyle/>
+          <a:p>
+            <a:endParaRPr lang="zh-TW" altLang="en-US"/>
+          </a:p>
+        </p:txBody>
+      </p:sp>
+      <p:sp>
+        <p:nvSpPr>
+          <p:cNvPr id="4" name="投影片編號版面配置區 3">
             <a:extLst>
               <a:ext uri="{FF2B5EF4-FFF2-40B4-BE49-F238E27FC236}">
-                <a16:creationId xmlns:a16="http://schemas.microsoft.com/office/drawing/2014/main" id="{AB64ABD3-83C3-42CC-9281-E1FDCB978147}"/>
+                <a16:creationId xmlns:a16="http://schemas.microsoft.com/office/drawing/2014/main" id="{E150A48A-C57D-45FD-A8E0-C118B59D1FCD}"/>
               </a:ext>
             </a:extLst>
           </p:cNvPr>
@@ -13775,7 +14843,7 @@
     </p:spTree>
     <p:extLst>
       <p:ext uri="{BB962C8B-B14F-4D97-AF65-F5344CB8AC3E}">
-        <p14:creationId xmlns:p14="http://schemas.microsoft.com/office/powerpoint/2010/main" val="952362647"/>
+        <p14:creationId xmlns:p14="http://schemas.microsoft.com/office/powerpoint/2010/main" val="165188226"/>
       </p:ext>
     </p:extLst>
   </p:cSld>

--- a/R_Presentation.pptx
+++ b/R_Presentation.pptx
@@ -9891,15 +9891,15 @@
           <a:p>
             <a:pPr lvl="1"/>
             <a:r>
-              <a:rPr lang="zh-TW" altLang="en-US" dirty="0"/>
+              <a:rPr lang="zh-TW" altLang="en-US" u="sng" dirty="0"/>
               <a:t>常用設定</a:t>
             </a:r>
             <a:r>
-              <a:rPr lang="el-GR" altLang="zh-TW" dirty="0"/>
+              <a:rPr lang="el-GR" altLang="zh-TW" u="sng" dirty="0"/>
               <a:t>α</a:t>
             </a:r>
             <a:r>
-              <a:rPr lang="en-US" altLang="zh-TW" dirty="0"/>
+              <a:rPr lang="en-US" altLang="zh-TW" u="sng" dirty="0"/>
               <a:t>=0.05</a:t>
             </a:r>
             <a:r>
@@ -10110,8 +10110,8 @@
         </p:blipFill>
         <p:spPr>
           <a:xfrm>
-            <a:off x="6096000" y="368343"/>
-            <a:ext cx="6016956" cy="2426812"/>
+            <a:off x="6096000" y="93518"/>
+            <a:ext cx="6016956" cy="2701637"/>
           </a:xfrm>
           <a:prstGeom prst="rect">
             <a:avLst/>
@@ -10132,8 +10132,8 @@
         </p:nvSpPr>
         <p:spPr>
           <a:xfrm>
-            <a:off x="10546773" y="1827862"/>
-            <a:ext cx="1101436" cy="261610"/>
+            <a:off x="11263746" y="1703170"/>
+            <a:ext cx="1101436" cy="307777"/>
           </a:xfrm>
           <a:prstGeom prst="rect">
             <a:avLst/>
@@ -10148,14 +10148,14 @@
           <a:p>
             <a:pPr algn="ctr"/>
             <a:r>
-              <a:rPr lang="en-US" altLang="zh-TW" sz="1100" b="1" dirty="0"/>
+              <a:rPr lang="en-US" altLang="zh-TW" sz="1400" b="1" dirty="0"/>
               <a:t>1-</a:t>
             </a:r>
             <a:r>
-              <a:rPr lang="el-GR" altLang="zh-TW" sz="1100" b="1" dirty="0"/>
+              <a:rPr lang="el-GR" altLang="zh-TW" sz="1400" b="1" dirty="0"/>
               <a:t>α</a:t>
             </a:r>
-            <a:endParaRPr lang="zh-TW" altLang="en-US" sz="1100" b="1" dirty="0"/>
+            <a:endParaRPr lang="zh-TW" altLang="en-US" sz="1400" b="1" dirty="0"/>
           </a:p>
         </p:txBody>
       </p:sp>
@@ -10173,8 +10173,8 @@
         </p:nvSpPr>
         <p:spPr>
           <a:xfrm>
-            <a:off x="8631382" y="2503507"/>
-            <a:ext cx="1101436" cy="261610"/>
+            <a:off x="9389918" y="2441161"/>
+            <a:ext cx="1101436" cy="307777"/>
           </a:xfrm>
           <a:prstGeom prst="rect">
             <a:avLst/>
@@ -10189,14 +10189,156 @@
           <a:p>
             <a:pPr algn="ctr"/>
             <a:r>
-              <a:rPr lang="en-US" altLang="zh-TW" sz="1100" b="1" dirty="0"/>
+              <a:rPr lang="en-US" altLang="zh-TW" sz="1400" b="1" dirty="0"/>
               <a:t>1-</a:t>
             </a:r>
             <a:r>
-              <a:rPr lang="el-GR" altLang="zh-TW" sz="1100" b="1" dirty="0"/>
+              <a:rPr lang="el-GR" altLang="zh-TW" sz="1400" b="1" dirty="0"/>
               <a:t>β</a:t>
             </a:r>
-            <a:endParaRPr lang="zh-TW" altLang="en-US" sz="1100" b="1" dirty="0"/>
+            <a:endParaRPr lang="zh-TW" altLang="en-US" sz="1400" b="1" dirty="0"/>
+          </a:p>
+        </p:txBody>
+      </p:sp>
+      <p:sp>
+        <p:nvSpPr>
+          <p:cNvPr id="11" name="文字方塊 10">
+            <a:extLst>
+              <a:ext uri="{FF2B5EF4-FFF2-40B4-BE49-F238E27FC236}">
+                <a16:creationId xmlns:a16="http://schemas.microsoft.com/office/drawing/2014/main" id="{04F1885F-7C7F-4544-A05D-5ED661855B79}"/>
+              </a:ext>
+            </a:extLst>
+          </p:cNvPr>
+          <p:cNvSpPr txBox="1"/>
+          <p:nvPr/>
+        </p:nvSpPr>
+        <p:spPr>
+          <a:xfrm>
+            <a:off x="6009409" y="1655648"/>
+            <a:ext cx="1101436" cy="307777"/>
+          </a:xfrm>
+          <a:prstGeom prst="rect">
+            <a:avLst/>
+          </a:prstGeom>
+          <a:noFill/>
+        </p:spPr>
+        <p:txBody>
+          <a:bodyPr wrap="square" rtlCol="0">
+            <a:spAutoFit/>
+          </a:bodyPr>
+          <a:lstStyle/>
+          <a:p>
+            <a:pPr algn="ctr"/>
+            <a:r>
+              <a:rPr lang="en-US" altLang="zh-TW" sz="1400" b="1" dirty="0"/>
+              <a:t>(</a:t>
+            </a:r>
+            <a:r>
+              <a:rPr lang="zh-TW" altLang="en-US" sz="1400" b="1" dirty="0"/>
+              <a:t>未知的</a:t>
+            </a:r>
+            <a:r>
+              <a:rPr lang="en-US" altLang="zh-TW" sz="1400" b="1" dirty="0"/>
+              <a:t>)</a:t>
+            </a:r>
+            <a:endParaRPr lang="zh-TW" altLang="en-US" sz="1400" b="1" dirty="0"/>
+          </a:p>
+        </p:txBody>
+      </p:sp>
+      <p:sp>
+        <p:nvSpPr>
+          <p:cNvPr id="12" name="文字方塊 11">
+            <a:extLst>
+              <a:ext uri="{FF2B5EF4-FFF2-40B4-BE49-F238E27FC236}">
+                <a16:creationId xmlns:a16="http://schemas.microsoft.com/office/drawing/2014/main" id="{9DE691C4-A566-4F12-B200-A3A0F82A5383}"/>
+              </a:ext>
+            </a:extLst>
+          </p:cNvPr>
+          <p:cNvSpPr txBox="1"/>
+          <p:nvPr/>
+        </p:nvSpPr>
+        <p:spPr>
+          <a:xfrm>
+            <a:off x="9538853" y="166916"/>
+            <a:ext cx="1330037" cy="307777"/>
+          </a:xfrm>
+          <a:prstGeom prst="rect">
+            <a:avLst/>
+          </a:prstGeom>
+          <a:noFill/>
+        </p:spPr>
+        <p:txBody>
+          <a:bodyPr wrap="square" rtlCol="0">
+            <a:spAutoFit/>
+          </a:bodyPr>
+          <a:lstStyle/>
+          <a:p>
+            <a:pPr algn="ctr"/>
+            <a:r>
+              <a:rPr lang="en-US" altLang="zh-TW" sz="1400" b="1" dirty="0"/>
+              <a:t>(</a:t>
+            </a:r>
+            <a:r>
+              <a:rPr lang="zh-TW" altLang="en-US" sz="1400" b="1" dirty="0"/>
+              <a:t>樣本檢定的</a:t>
+            </a:r>
+            <a:r>
+              <a:rPr lang="en-US" altLang="zh-TW" sz="1400" b="1" dirty="0"/>
+              <a:t>)</a:t>
+            </a:r>
+            <a:endParaRPr lang="zh-TW" altLang="en-US" sz="1400" b="1" dirty="0"/>
+          </a:p>
+        </p:txBody>
+      </p:sp>
+      <p:sp>
+        <p:nvSpPr>
+          <p:cNvPr id="5" name="矩形 4">
+            <a:extLst>
+              <a:ext uri="{FF2B5EF4-FFF2-40B4-BE49-F238E27FC236}">
+                <a16:creationId xmlns:a16="http://schemas.microsoft.com/office/drawing/2014/main" id="{75B9554A-7ACF-4AE9-B8A4-6FED891358B0}"/>
+              </a:ext>
+            </a:extLst>
+          </p:cNvPr>
+          <p:cNvSpPr/>
+          <p:nvPr/>
+        </p:nvSpPr>
+        <p:spPr>
+          <a:xfrm>
+            <a:off x="8229599" y="1174173"/>
+            <a:ext cx="1880755" cy="789252"/>
+          </a:xfrm>
+          <a:prstGeom prst="rect">
+            <a:avLst/>
+          </a:prstGeom>
+          <a:noFill/>
+          <a:ln w="76200">
+            <a:solidFill>
+              <a:srgbClr val="C00000"/>
+            </a:solidFill>
+          </a:ln>
+        </p:spPr>
+        <p:style>
+          <a:lnRef idx="2">
+            <a:schemeClr val="accent1">
+              <a:shade val="50000"/>
+            </a:schemeClr>
+          </a:lnRef>
+          <a:fillRef idx="1">
+            <a:schemeClr val="accent1"/>
+          </a:fillRef>
+          <a:effectRef idx="0">
+            <a:schemeClr val="accent1"/>
+          </a:effectRef>
+          <a:fontRef idx="minor">
+            <a:schemeClr val="lt1"/>
+          </a:fontRef>
+        </p:style>
+        <p:txBody>
+          <a:bodyPr rtlCol="0" anchor="ctr"/>
+          <a:lstStyle/>
+          <a:p>
+            <a:pPr algn="ctr"/>
+            <a:endParaRPr lang="zh-TW" altLang="en-US"/>
           </a:p>
         </p:txBody>
       </p:sp>
@@ -10210,6 +10352,355 @@
   <p:clrMapOvr>
     <a:masterClrMapping/>
   </p:clrMapOvr>
+  <p:timing>
+    <p:tnLst>
+      <p:par>
+        <p:cTn id="1" dur="indefinite" restart="never" nodeType="tmRoot">
+          <p:childTnLst>
+            <p:seq concurrent="1" nextAc="seek">
+              <p:cTn id="2" dur="indefinite" nodeType="mainSeq">
+                <p:childTnLst>
+                  <p:par>
+                    <p:cTn id="3" fill="hold">
+                      <p:stCondLst>
+                        <p:cond delay="indefinite"/>
+                      </p:stCondLst>
+                      <p:childTnLst>
+                        <p:par>
+                          <p:cTn id="4" fill="hold">
+                            <p:stCondLst>
+                              <p:cond delay="0"/>
+                            </p:stCondLst>
+                            <p:childTnLst>
+                              <p:par>
+                                <p:cTn id="5" presetID="10" presetClass="entr" presetSubtype="0" fill="hold" nodeType="clickEffect">
+                                  <p:stCondLst>
+                                    <p:cond delay="0"/>
+                                  </p:stCondLst>
+                                  <p:childTnLst>
+                                    <p:set>
+                                      <p:cBhvr>
+                                        <p:cTn id="6" dur="1" fill="hold">
+                                          <p:stCondLst>
+                                            <p:cond delay="0"/>
+                                          </p:stCondLst>
+                                        </p:cTn>
+                                        <p:tgtEl>
+                                          <p:spTgt spid="3">
+                                            <p:txEl>
+                                              <p:pRg st="6" end="6"/>
+                                            </p:txEl>
+                                          </p:spTgt>
+                                        </p:tgtEl>
+                                        <p:attrNameLst>
+                                          <p:attrName>style.visibility</p:attrName>
+                                        </p:attrNameLst>
+                                      </p:cBhvr>
+                                      <p:to>
+                                        <p:strVal val="visible"/>
+                                      </p:to>
+                                    </p:set>
+                                    <p:animEffect transition="in" filter="fade">
+                                      <p:cBhvr>
+                                        <p:cTn id="7" dur="250"/>
+                                        <p:tgtEl>
+                                          <p:spTgt spid="3">
+                                            <p:txEl>
+                                              <p:pRg st="6" end="6"/>
+                                            </p:txEl>
+                                          </p:spTgt>
+                                        </p:tgtEl>
+                                      </p:cBhvr>
+                                    </p:animEffect>
+                                  </p:childTnLst>
+                                </p:cTn>
+                              </p:par>
+                              <p:par>
+                                <p:cTn id="8" presetID="10" presetClass="entr" presetSubtype="0" fill="hold" nodeType="withEffect">
+                                  <p:stCondLst>
+                                    <p:cond delay="0"/>
+                                  </p:stCondLst>
+                                  <p:childTnLst>
+                                    <p:set>
+                                      <p:cBhvr>
+                                        <p:cTn id="9" dur="1" fill="hold">
+                                          <p:stCondLst>
+                                            <p:cond delay="0"/>
+                                          </p:stCondLst>
+                                        </p:cTn>
+                                        <p:tgtEl>
+                                          <p:spTgt spid="3">
+                                            <p:txEl>
+                                              <p:pRg st="7" end="7"/>
+                                            </p:txEl>
+                                          </p:spTgt>
+                                        </p:tgtEl>
+                                        <p:attrNameLst>
+                                          <p:attrName>style.visibility</p:attrName>
+                                        </p:attrNameLst>
+                                      </p:cBhvr>
+                                      <p:to>
+                                        <p:strVal val="visible"/>
+                                      </p:to>
+                                    </p:set>
+                                    <p:animEffect transition="in" filter="fade">
+                                      <p:cBhvr>
+                                        <p:cTn id="10" dur="250"/>
+                                        <p:tgtEl>
+                                          <p:spTgt spid="3">
+                                            <p:txEl>
+                                              <p:pRg st="7" end="7"/>
+                                            </p:txEl>
+                                          </p:spTgt>
+                                        </p:tgtEl>
+                                      </p:cBhvr>
+                                    </p:animEffect>
+                                  </p:childTnLst>
+                                </p:cTn>
+                              </p:par>
+                              <p:par>
+                                <p:cTn id="11" presetID="10" presetClass="entr" presetSubtype="0" fill="hold" nodeType="withEffect">
+                                  <p:stCondLst>
+                                    <p:cond delay="0"/>
+                                  </p:stCondLst>
+                                  <p:childTnLst>
+                                    <p:set>
+                                      <p:cBhvr>
+                                        <p:cTn id="12" dur="1" fill="hold">
+                                          <p:stCondLst>
+                                            <p:cond delay="0"/>
+                                          </p:stCondLst>
+                                        </p:cTn>
+                                        <p:tgtEl>
+                                          <p:spTgt spid="3">
+                                            <p:txEl>
+                                              <p:pRg st="8" end="8"/>
+                                            </p:txEl>
+                                          </p:spTgt>
+                                        </p:tgtEl>
+                                        <p:attrNameLst>
+                                          <p:attrName>style.visibility</p:attrName>
+                                        </p:attrNameLst>
+                                      </p:cBhvr>
+                                      <p:to>
+                                        <p:strVal val="visible"/>
+                                      </p:to>
+                                    </p:set>
+                                    <p:animEffect transition="in" filter="fade">
+                                      <p:cBhvr>
+                                        <p:cTn id="13" dur="250"/>
+                                        <p:tgtEl>
+                                          <p:spTgt spid="3">
+                                            <p:txEl>
+                                              <p:pRg st="8" end="8"/>
+                                            </p:txEl>
+                                          </p:spTgt>
+                                        </p:tgtEl>
+                                      </p:cBhvr>
+                                    </p:animEffect>
+                                  </p:childTnLst>
+                                </p:cTn>
+                              </p:par>
+                              <p:par>
+                                <p:cTn id="14" presetID="10" presetClass="entr" presetSubtype="0" fill="hold" nodeType="withEffect">
+                                  <p:stCondLst>
+                                    <p:cond delay="0"/>
+                                  </p:stCondLst>
+                                  <p:childTnLst>
+                                    <p:set>
+                                      <p:cBhvr>
+                                        <p:cTn id="15" dur="1" fill="hold">
+                                          <p:stCondLst>
+                                            <p:cond delay="0"/>
+                                          </p:stCondLst>
+                                        </p:cTn>
+                                        <p:tgtEl>
+                                          <p:spTgt spid="3">
+                                            <p:txEl>
+                                              <p:pRg st="9" end="9"/>
+                                            </p:txEl>
+                                          </p:spTgt>
+                                        </p:tgtEl>
+                                        <p:attrNameLst>
+                                          <p:attrName>style.visibility</p:attrName>
+                                        </p:attrNameLst>
+                                      </p:cBhvr>
+                                      <p:to>
+                                        <p:strVal val="visible"/>
+                                      </p:to>
+                                    </p:set>
+                                    <p:animEffect transition="in" filter="fade">
+                                      <p:cBhvr>
+                                        <p:cTn id="16" dur="250"/>
+                                        <p:tgtEl>
+                                          <p:spTgt spid="3">
+                                            <p:txEl>
+                                              <p:pRg st="9" end="9"/>
+                                            </p:txEl>
+                                          </p:spTgt>
+                                        </p:tgtEl>
+                                      </p:cBhvr>
+                                    </p:animEffect>
+                                  </p:childTnLst>
+                                </p:cTn>
+                              </p:par>
+                              <p:par>
+                                <p:cTn id="17" presetID="10" presetClass="entr" presetSubtype="0" fill="hold" nodeType="withEffect">
+                                  <p:stCondLst>
+                                    <p:cond delay="0"/>
+                                  </p:stCondLst>
+                                  <p:childTnLst>
+                                    <p:set>
+                                      <p:cBhvr>
+                                        <p:cTn id="18" dur="1" fill="hold">
+                                          <p:stCondLst>
+                                            <p:cond delay="0"/>
+                                          </p:stCondLst>
+                                        </p:cTn>
+                                        <p:tgtEl>
+                                          <p:spTgt spid="3">
+                                            <p:txEl>
+                                              <p:pRg st="10" end="10"/>
+                                            </p:txEl>
+                                          </p:spTgt>
+                                        </p:tgtEl>
+                                        <p:attrNameLst>
+                                          <p:attrName>style.visibility</p:attrName>
+                                        </p:attrNameLst>
+                                      </p:cBhvr>
+                                      <p:to>
+                                        <p:strVal val="visible"/>
+                                      </p:to>
+                                    </p:set>
+                                    <p:animEffect transition="in" filter="fade">
+                                      <p:cBhvr>
+                                        <p:cTn id="19" dur="250"/>
+                                        <p:tgtEl>
+                                          <p:spTgt spid="3">
+                                            <p:txEl>
+                                              <p:pRg st="10" end="10"/>
+                                            </p:txEl>
+                                          </p:spTgt>
+                                        </p:tgtEl>
+                                      </p:cBhvr>
+                                    </p:animEffect>
+                                  </p:childTnLst>
+                                </p:cTn>
+                              </p:par>
+                              <p:par>
+                                <p:cTn id="20" presetID="10" presetClass="entr" presetSubtype="0" fill="hold" nodeType="withEffect">
+                                  <p:stCondLst>
+                                    <p:cond delay="0"/>
+                                  </p:stCondLst>
+                                  <p:childTnLst>
+                                    <p:set>
+                                      <p:cBhvr>
+                                        <p:cTn id="21" dur="1" fill="hold">
+                                          <p:stCondLst>
+                                            <p:cond delay="0"/>
+                                          </p:stCondLst>
+                                        </p:cTn>
+                                        <p:tgtEl>
+                                          <p:spTgt spid="3">
+                                            <p:txEl>
+                                              <p:pRg st="11" end="11"/>
+                                            </p:txEl>
+                                          </p:spTgt>
+                                        </p:tgtEl>
+                                        <p:attrNameLst>
+                                          <p:attrName>style.visibility</p:attrName>
+                                        </p:attrNameLst>
+                                      </p:cBhvr>
+                                      <p:to>
+                                        <p:strVal val="visible"/>
+                                      </p:to>
+                                    </p:set>
+                                    <p:animEffect transition="in" filter="fade">
+                                      <p:cBhvr>
+                                        <p:cTn id="22" dur="250"/>
+                                        <p:tgtEl>
+                                          <p:spTgt spid="3">
+                                            <p:txEl>
+                                              <p:pRg st="11" end="11"/>
+                                            </p:txEl>
+                                          </p:spTgt>
+                                        </p:tgtEl>
+                                      </p:cBhvr>
+                                    </p:animEffect>
+                                  </p:childTnLst>
+                                </p:cTn>
+                              </p:par>
+                              <p:par>
+                                <p:cTn id="23" presetID="10" presetClass="entr" presetSubtype="0" fill="hold" nodeType="withEffect">
+                                  <p:stCondLst>
+                                    <p:cond delay="0"/>
+                                  </p:stCondLst>
+                                  <p:childTnLst>
+                                    <p:set>
+                                      <p:cBhvr>
+                                        <p:cTn id="24" dur="1" fill="hold">
+                                          <p:stCondLst>
+                                            <p:cond delay="0"/>
+                                          </p:stCondLst>
+                                        </p:cTn>
+                                        <p:tgtEl>
+                                          <p:spTgt spid="3">
+                                            <p:txEl>
+                                              <p:pRg st="12" end="12"/>
+                                            </p:txEl>
+                                          </p:spTgt>
+                                        </p:tgtEl>
+                                        <p:attrNameLst>
+                                          <p:attrName>style.visibility</p:attrName>
+                                        </p:attrNameLst>
+                                      </p:cBhvr>
+                                      <p:to>
+                                        <p:strVal val="visible"/>
+                                      </p:to>
+                                    </p:set>
+                                    <p:animEffect transition="in" filter="fade">
+                                      <p:cBhvr>
+                                        <p:cTn id="25" dur="250"/>
+                                        <p:tgtEl>
+                                          <p:spTgt spid="3">
+                                            <p:txEl>
+                                              <p:pRg st="12" end="12"/>
+                                            </p:txEl>
+                                          </p:spTgt>
+                                        </p:tgtEl>
+                                      </p:cBhvr>
+                                    </p:animEffect>
+                                  </p:childTnLst>
+                                </p:cTn>
+                              </p:par>
+                            </p:childTnLst>
+                          </p:cTn>
+                        </p:par>
+                      </p:childTnLst>
+                    </p:cTn>
+                  </p:par>
+                </p:childTnLst>
+              </p:cTn>
+              <p:prevCondLst>
+                <p:cond evt="onPrev" delay="0">
+                  <p:tgtEl>
+                    <p:sldTgt/>
+                  </p:tgtEl>
+                </p:cond>
+              </p:prevCondLst>
+              <p:nextCondLst>
+                <p:cond evt="onNext" delay="0">
+                  <p:tgtEl>
+                    <p:sldTgt/>
+                  </p:tgtEl>
+                </p:cond>
+              </p:nextCondLst>
+            </p:seq>
+          </p:childTnLst>
+        </p:cTn>
+      </p:par>
+    </p:tnLst>
+  </p:timing>
 </p:sld>
 </file>
 
@@ -10846,6 +11337,22 @@
             <a:pPr lvl="1"/>
             <a:r>
               <a:rPr lang="zh-TW" altLang="en-US" dirty="0"/>
+              <a:t>身高與體重</a:t>
+            </a:r>
+            <a:endParaRPr lang="en-US" altLang="zh-TW" dirty="0"/>
+          </a:p>
+          <a:p>
+            <a:pPr lvl="1"/>
+            <a:r>
+              <a:rPr lang="zh-TW" altLang="en-US" dirty="0"/>
+              <a:t>房價與房子坪數</a:t>
+            </a:r>
+            <a:endParaRPr lang="en-US" altLang="zh-TW" dirty="0"/>
+          </a:p>
+          <a:p>
+            <a:pPr lvl="1"/>
+            <a:r>
+              <a:rPr lang="zh-TW" altLang="en-US" dirty="0"/>
               <a:t>行銷廣告投入與銷售額</a:t>
             </a:r>
             <a:endParaRPr lang="en-US" altLang="zh-TW" dirty="0"/>
@@ -10854,7 +11361,7 @@
             <a:pPr lvl="1"/>
             <a:r>
               <a:rPr lang="zh-TW" altLang="en-US" dirty="0"/>
-              <a:t>時間資源與工作績效品質</a:t>
+              <a:t>員工薪酬福利與員工流動率</a:t>
             </a:r>
             <a:endParaRPr lang="en-US" altLang="zh-TW" dirty="0"/>
           </a:p>
@@ -10862,7 +11369,7 @@
             <a:pPr lvl="1"/>
             <a:r>
               <a:rPr lang="zh-TW" altLang="en-US" dirty="0"/>
-              <a:t>員工薪酬福利與員工流動率</a:t>
+              <a:t>專案時間與專案品質</a:t>
             </a:r>
             <a:endParaRPr lang="en-US" altLang="zh-TW" dirty="0"/>
           </a:p>
@@ -10870,15 +11377,7 @@
             <a:pPr lvl="1"/>
             <a:r>
               <a:rPr lang="zh-TW" altLang="en-US" dirty="0"/>
-              <a:t>身高與體重</a:t>
-            </a:r>
-            <a:endParaRPr lang="en-US" altLang="zh-TW" dirty="0"/>
-          </a:p>
-          <a:p>
-            <a:pPr lvl="1"/>
-            <a:r>
-              <a:rPr lang="zh-TW" altLang="en-US" dirty="0"/>
-              <a:t>房價與房子坪數</a:t>
+              <a:t>科技接受度與行動支付意願</a:t>
             </a:r>
             <a:endParaRPr lang="en-US" altLang="zh-TW" dirty="0"/>
           </a:p>
@@ -13681,6 +14180,14 @@
               <a:rPr lang="en-US" altLang="zh-TW" dirty="0"/>
               <a:t>(Range)</a:t>
             </a:r>
+            <a:r>
+              <a:rPr lang="zh-TW" altLang="en-US" dirty="0"/>
+              <a:t>：</a:t>
+            </a:r>
+            <a:r>
+              <a:rPr lang="en-US" altLang="zh-TW" dirty="0"/>
+              <a:t>Max-Min</a:t>
+            </a:r>
           </a:p>
           <a:p>
             <a:r>
@@ -13791,509 +14298,995 @@
           </a:p>
         </p:txBody>
       </p:sp>
-      <p:sp>
-        <p:nvSpPr>
-          <p:cNvPr id="5" name="投影片編號版面配置區 2">
+      <p:grpSp>
+        <p:nvGrpSpPr>
+          <p:cNvPr id="6" name="群組 5">
             <a:extLst>
               <a:ext uri="{FF2B5EF4-FFF2-40B4-BE49-F238E27FC236}">
-                <a16:creationId xmlns:a16="http://schemas.microsoft.com/office/drawing/2014/main" id="{0B94BEE3-E0C9-46AF-A3C2-982F2EA616D8}"/>
+                <a16:creationId xmlns:a16="http://schemas.microsoft.com/office/drawing/2014/main" id="{114A81D7-F32E-4A79-8E0C-16E88B46F3D8}"/>
               </a:ext>
             </a:extLst>
           </p:cNvPr>
-          <p:cNvSpPr txBox="1">
-            <a:spLocks/>
-          </p:cNvSpPr>
+          <p:cNvGrpSpPr/>
+          <p:nvPr/>
+        </p:nvGrpSpPr>
+        <p:grpSpPr>
+          <a:xfrm>
+            <a:off x="4085485" y="226099"/>
+            <a:ext cx="6298914" cy="1317655"/>
+            <a:chOff x="4927294" y="436198"/>
+            <a:chExt cx="6298914" cy="1317655"/>
+          </a:xfrm>
+        </p:grpSpPr>
+        <p:sp>
+          <p:nvSpPr>
+            <p:cNvPr id="5" name="投影片編號版面配置區 2">
+              <a:extLst>
+                <a:ext uri="{FF2B5EF4-FFF2-40B4-BE49-F238E27FC236}">
+                  <a16:creationId xmlns:a16="http://schemas.microsoft.com/office/drawing/2014/main" id="{0B94BEE3-E0C9-46AF-A3C2-982F2EA616D8}"/>
+                </a:ext>
+              </a:extLst>
+            </p:cNvPr>
+            <p:cNvSpPr txBox="1">
+              <a:spLocks/>
+            </p:cNvSpPr>
+            <p:nvPr/>
+          </p:nvSpPr>
+          <p:spPr>
+            <a:xfrm>
+              <a:off x="4927294" y="436198"/>
+              <a:ext cx="6298914" cy="1164036"/>
+            </a:xfrm>
+            <a:prstGeom prst="rect">
+              <a:avLst/>
+            </a:prstGeom>
+          </p:spPr>
+          <p:txBody>
+            <a:bodyPr/>
+            <a:lstStyle>
+              <a:defPPr>
+                <a:defRPr lang="zh-TW"/>
+              </a:defPPr>
+              <a:lvl1pPr marL="0" algn="l" defTabSz="914400" rtl="0" eaLnBrk="1" latinLnBrk="0" hangingPunct="1">
+                <a:defRPr sz="1800" kern="1200">
+                  <a:solidFill>
+                    <a:schemeClr val="tx1"/>
+                  </a:solidFill>
+                  <a:latin typeface="+mn-lt"/>
+                  <a:ea typeface="+mn-ea"/>
+                  <a:cs typeface="+mn-cs"/>
+                </a:defRPr>
+              </a:lvl1pPr>
+              <a:lvl2pPr marL="457200" algn="l" defTabSz="914400" rtl="0" eaLnBrk="1" latinLnBrk="0" hangingPunct="1">
+                <a:defRPr sz="1800" kern="1200">
+                  <a:solidFill>
+                    <a:schemeClr val="tx1"/>
+                  </a:solidFill>
+                  <a:latin typeface="+mn-lt"/>
+                  <a:ea typeface="+mn-ea"/>
+                  <a:cs typeface="+mn-cs"/>
+                </a:defRPr>
+              </a:lvl2pPr>
+              <a:lvl3pPr marL="914400" algn="l" defTabSz="914400" rtl="0" eaLnBrk="1" latinLnBrk="0" hangingPunct="1">
+                <a:defRPr sz="1800" kern="1200">
+                  <a:solidFill>
+                    <a:schemeClr val="tx1"/>
+                  </a:solidFill>
+                  <a:latin typeface="+mn-lt"/>
+                  <a:ea typeface="+mn-ea"/>
+                  <a:cs typeface="+mn-cs"/>
+                </a:defRPr>
+              </a:lvl3pPr>
+              <a:lvl4pPr marL="1371600" algn="l" defTabSz="914400" rtl="0" eaLnBrk="1" latinLnBrk="0" hangingPunct="1">
+                <a:defRPr sz="1800" kern="1200">
+                  <a:solidFill>
+                    <a:schemeClr val="tx1"/>
+                  </a:solidFill>
+                  <a:latin typeface="+mn-lt"/>
+                  <a:ea typeface="+mn-ea"/>
+                  <a:cs typeface="+mn-cs"/>
+                </a:defRPr>
+              </a:lvl4pPr>
+              <a:lvl5pPr marL="1828800" algn="l" defTabSz="914400" rtl="0" eaLnBrk="1" latinLnBrk="0" hangingPunct="1">
+                <a:defRPr sz="1800" kern="1200">
+                  <a:solidFill>
+                    <a:schemeClr val="tx1"/>
+                  </a:solidFill>
+                  <a:latin typeface="+mn-lt"/>
+                  <a:ea typeface="+mn-ea"/>
+                  <a:cs typeface="+mn-cs"/>
+                </a:defRPr>
+              </a:lvl5pPr>
+              <a:lvl6pPr marL="2286000" algn="l" defTabSz="914400" rtl="0" eaLnBrk="1" latinLnBrk="0" hangingPunct="1">
+                <a:defRPr sz="1800" kern="1200">
+                  <a:solidFill>
+                    <a:schemeClr val="tx1"/>
+                  </a:solidFill>
+                  <a:latin typeface="+mn-lt"/>
+                  <a:ea typeface="+mn-ea"/>
+                  <a:cs typeface="+mn-cs"/>
+                </a:defRPr>
+              </a:lvl6pPr>
+              <a:lvl7pPr marL="2743200" algn="l" defTabSz="914400" rtl="0" eaLnBrk="1" latinLnBrk="0" hangingPunct="1">
+                <a:defRPr sz="1800" kern="1200">
+                  <a:solidFill>
+                    <a:schemeClr val="tx1"/>
+                  </a:solidFill>
+                  <a:latin typeface="+mn-lt"/>
+                  <a:ea typeface="+mn-ea"/>
+                  <a:cs typeface="+mn-cs"/>
+                </a:defRPr>
+              </a:lvl7pPr>
+              <a:lvl8pPr marL="3200400" algn="l" defTabSz="914400" rtl="0" eaLnBrk="1" latinLnBrk="0" hangingPunct="1">
+                <a:defRPr sz="1800" kern="1200">
+                  <a:solidFill>
+                    <a:schemeClr val="tx1"/>
+                  </a:solidFill>
+                  <a:latin typeface="+mn-lt"/>
+                  <a:ea typeface="+mn-ea"/>
+                  <a:cs typeface="+mn-cs"/>
+                </a:defRPr>
+              </a:lvl8pPr>
+              <a:lvl9pPr marL="3657600" algn="l" defTabSz="914400" rtl="0" eaLnBrk="1" latinLnBrk="0" hangingPunct="1">
+                <a:defRPr sz="1800" kern="1200">
+                  <a:solidFill>
+                    <a:schemeClr val="tx1"/>
+                  </a:solidFill>
+                  <a:latin typeface="+mn-lt"/>
+                  <a:ea typeface="+mn-ea"/>
+                  <a:cs typeface="+mn-cs"/>
+                </a:defRPr>
+              </a:lvl9pPr>
+            </a:lstStyle>
+            <a:p>
+              <a:pPr algn="ctr"/>
+              <a:r>
+                <a:rPr lang="en-US" altLang="zh-TW" sz="2800" b="1" dirty="0"/>
+                <a:t>2</a:t>
+              </a:r>
+              <a:r>
+                <a:rPr lang="zh-TW" altLang="en-US" sz="2800" b="1" dirty="0"/>
+                <a:t> </a:t>
+              </a:r>
+              <a:r>
+                <a:rPr lang="en-US" altLang="zh-TW" sz="2800" b="1" dirty="0"/>
+                <a:t>3</a:t>
+              </a:r>
+              <a:r>
+                <a:rPr lang="zh-TW" altLang="en-US" sz="2800" b="1" dirty="0"/>
+                <a:t> </a:t>
+              </a:r>
+              <a:r>
+                <a:rPr lang="en-US" altLang="zh-TW" sz="2800" b="1" dirty="0"/>
+                <a:t>3</a:t>
+              </a:r>
+              <a:r>
+                <a:rPr lang="zh-TW" altLang="en-US" sz="2800" b="1" dirty="0"/>
+                <a:t> </a:t>
+              </a:r>
+              <a:r>
+                <a:rPr lang="en-US" altLang="zh-TW" sz="2800" b="1" dirty="0"/>
+                <a:t>3</a:t>
+              </a:r>
+              <a:r>
+                <a:rPr lang="zh-TW" altLang="en-US" sz="2800" b="1" dirty="0"/>
+                <a:t> </a:t>
+              </a:r>
+              <a:r>
+                <a:rPr lang="en-US" altLang="zh-TW" sz="2800" b="1" dirty="0"/>
+                <a:t>3</a:t>
+              </a:r>
+              <a:r>
+                <a:rPr lang="zh-TW" altLang="en-US" sz="2800" b="1" dirty="0"/>
+                <a:t> </a:t>
+              </a:r>
+              <a:r>
+                <a:rPr lang="en-US" altLang="zh-TW" sz="2800" b="1" dirty="0"/>
+                <a:t>4</a:t>
+              </a:r>
+              <a:r>
+                <a:rPr lang="zh-TW" altLang="en-US" sz="2800" b="1" dirty="0"/>
+                <a:t> </a:t>
+              </a:r>
+              <a:r>
+                <a:rPr lang="en-US" altLang="zh-TW" sz="2800" b="1" dirty="0"/>
+                <a:t>4</a:t>
+              </a:r>
+              <a:r>
+                <a:rPr lang="zh-TW" altLang="en-US" sz="2800" b="1" dirty="0"/>
+                <a:t> </a:t>
+              </a:r>
+              <a:r>
+                <a:rPr lang="en-US" altLang="zh-TW" sz="2800" b="1" dirty="0"/>
+                <a:t>6</a:t>
+              </a:r>
+              <a:r>
+                <a:rPr lang="zh-TW" altLang="en-US" sz="2800" b="1" dirty="0"/>
+                <a:t> </a:t>
+              </a:r>
+              <a:r>
+                <a:rPr lang="en-US" altLang="zh-TW" sz="2800" b="1" dirty="0"/>
+                <a:t>6</a:t>
+              </a:r>
+              <a:r>
+                <a:rPr lang="zh-TW" altLang="en-US" sz="2800" b="1" dirty="0"/>
+                <a:t> </a:t>
+              </a:r>
+              <a:r>
+                <a:rPr lang="en-US" altLang="zh-TW" sz="2800" b="1" dirty="0"/>
+                <a:t>7</a:t>
+              </a:r>
+              <a:r>
+                <a:rPr lang="zh-TW" altLang="en-US" sz="2800" b="1" dirty="0"/>
+                <a:t> </a:t>
+              </a:r>
+              <a:r>
+                <a:rPr lang="en-US" altLang="zh-TW" sz="2800" b="1" dirty="0"/>
+                <a:t>8</a:t>
+              </a:r>
+            </a:p>
+            <a:p>
+              <a:pPr algn="just"/>
+              <a:r>
+                <a:rPr lang="zh-TW" altLang="en-US" sz="2800" b="1" dirty="0"/>
+                <a:t>            </a:t>
+              </a:r>
+              <a:r>
+                <a:rPr lang="en-US" altLang="zh-TW" sz="2800" b="1" dirty="0"/>
+                <a:t>|</a:t>
+              </a:r>
+              <a:r>
+                <a:rPr lang="zh-TW" altLang="en-US" sz="2800" b="1" dirty="0"/>
+                <a:t>      </a:t>
+              </a:r>
+              <a:r>
+                <a:rPr lang="en-US" altLang="zh-TW" sz="2800" b="1" dirty="0"/>
+                <a:t>|</a:t>
+              </a:r>
+              <a:r>
+                <a:rPr lang="zh-TW" altLang="en-US" sz="2800" b="1" dirty="0"/>
+                <a:t>        </a:t>
+              </a:r>
+              <a:r>
+                <a:rPr lang="en-US" altLang="zh-TW" sz="2800" b="1" dirty="0"/>
+                <a:t>|</a:t>
+              </a:r>
+              <a:r>
+                <a:rPr lang="zh-TW" altLang="en-US" sz="2800" b="1" dirty="0"/>
+                <a:t>        </a:t>
+              </a:r>
+              <a:r>
+                <a:rPr lang="en-US" altLang="zh-TW" sz="2800" b="1" dirty="0"/>
+                <a:t>|</a:t>
+              </a:r>
+              <a:r>
+                <a:rPr lang="zh-TW" altLang="en-US" sz="2800" b="1" dirty="0"/>
+                <a:t>      </a:t>
+              </a:r>
+              <a:r>
+                <a:rPr lang="en-US" altLang="zh-TW" sz="2800" b="1" dirty="0"/>
+                <a:t>|</a:t>
+              </a:r>
+              <a:endParaRPr lang="zh-TW" altLang="en-US" sz="2800" b="1" dirty="0"/>
+            </a:p>
+          </p:txBody>
+        </p:sp>
+        <p:sp>
+          <p:nvSpPr>
+            <p:cNvPr id="8" name="文字方塊 7">
+              <a:extLst>
+                <a:ext uri="{FF2B5EF4-FFF2-40B4-BE49-F238E27FC236}">
+                  <a16:creationId xmlns:a16="http://schemas.microsoft.com/office/drawing/2014/main" id="{2BB05744-EF8E-4701-9898-A0210F069536}"/>
+                </a:ext>
+              </a:extLst>
+            </p:cNvPr>
+            <p:cNvSpPr txBox="1"/>
+            <p:nvPr/>
+          </p:nvSpPr>
+          <p:spPr>
+            <a:xfrm>
+              <a:off x="6545582" y="1384521"/>
+              <a:ext cx="1101436" cy="369332"/>
+            </a:xfrm>
+            <a:prstGeom prst="rect">
+              <a:avLst/>
+            </a:prstGeom>
+            <a:noFill/>
+          </p:spPr>
+          <p:txBody>
+            <a:bodyPr wrap="square" rtlCol="0">
+              <a:spAutoFit/>
+            </a:bodyPr>
+            <a:lstStyle/>
+            <a:p>
+              <a:pPr algn="ctr"/>
+              <a:r>
+                <a:rPr lang="en-US" altLang="zh-TW" b="1" dirty="0"/>
+                <a:t>Q1</a:t>
+              </a:r>
+              <a:endParaRPr lang="zh-TW" altLang="en-US" b="1" dirty="0"/>
+            </a:p>
+          </p:txBody>
+        </p:sp>
+        <p:sp>
+          <p:nvSpPr>
+            <p:cNvPr id="9" name="文字方塊 8">
+              <a:extLst>
+                <a:ext uri="{FF2B5EF4-FFF2-40B4-BE49-F238E27FC236}">
+                  <a16:creationId xmlns:a16="http://schemas.microsoft.com/office/drawing/2014/main" id="{3088A1E8-C362-4935-8478-CE69A751E3F6}"/>
+                </a:ext>
+              </a:extLst>
+            </p:cNvPr>
+            <p:cNvSpPr txBox="1"/>
+            <p:nvPr/>
+          </p:nvSpPr>
+          <p:spPr>
+            <a:xfrm>
+              <a:off x="7283354" y="1384521"/>
+              <a:ext cx="1586794" cy="369332"/>
+            </a:xfrm>
+            <a:prstGeom prst="rect">
+              <a:avLst/>
+            </a:prstGeom>
+            <a:noFill/>
+          </p:spPr>
+          <p:txBody>
+            <a:bodyPr wrap="square" rtlCol="0">
+              <a:spAutoFit/>
+            </a:bodyPr>
+            <a:lstStyle/>
+            <a:p>
+              <a:pPr algn="ctr"/>
+              <a:r>
+                <a:rPr lang="en-US" altLang="zh-TW" b="1" dirty="0"/>
+                <a:t>Median</a:t>
+              </a:r>
+              <a:endParaRPr lang="zh-TW" altLang="en-US" b="1" dirty="0"/>
+            </a:p>
+          </p:txBody>
+        </p:sp>
+        <p:sp>
+          <p:nvSpPr>
+            <p:cNvPr id="10" name="文字方塊 9">
+              <a:extLst>
+                <a:ext uri="{FF2B5EF4-FFF2-40B4-BE49-F238E27FC236}">
+                  <a16:creationId xmlns:a16="http://schemas.microsoft.com/office/drawing/2014/main" id="{16046F69-1EC7-4B2B-A830-62EF8B2A9ADE}"/>
+                </a:ext>
+              </a:extLst>
+            </p:cNvPr>
+            <p:cNvSpPr txBox="1"/>
+            <p:nvPr/>
+          </p:nvSpPr>
+          <p:spPr>
+            <a:xfrm>
+              <a:off x="8485218" y="1384521"/>
+              <a:ext cx="1101436" cy="369332"/>
+            </a:xfrm>
+            <a:prstGeom prst="rect">
+              <a:avLst/>
+            </a:prstGeom>
+            <a:noFill/>
+          </p:spPr>
+          <p:txBody>
+            <a:bodyPr wrap="square" rtlCol="0">
+              <a:spAutoFit/>
+            </a:bodyPr>
+            <a:lstStyle/>
+            <a:p>
+              <a:pPr algn="ctr"/>
+              <a:r>
+                <a:rPr lang="en-US" altLang="zh-TW" b="1" dirty="0"/>
+                <a:t>Q3</a:t>
+              </a:r>
+              <a:endParaRPr lang="zh-TW" altLang="en-US" b="1" dirty="0"/>
+            </a:p>
+          </p:txBody>
+        </p:sp>
+        <p:sp>
+          <p:nvSpPr>
+            <p:cNvPr id="11" name="文字方塊 10">
+              <a:extLst>
+                <a:ext uri="{FF2B5EF4-FFF2-40B4-BE49-F238E27FC236}">
+                  <a16:creationId xmlns:a16="http://schemas.microsoft.com/office/drawing/2014/main" id="{63A917A7-63AD-4A15-B242-376438903F87}"/>
+                </a:ext>
+              </a:extLst>
+            </p:cNvPr>
+            <p:cNvSpPr txBox="1"/>
+            <p:nvPr/>
+          </p:nvSpPr>
+          <p:spPr>
+            <a:xfrm>
+              <a:off x="5813032" y="1380066"/>
+              <a:ext cx="1101436" cy="369332"/>
+            </a:xfrm>
+            <a:prstGeom prst="rect">
+              <a:avLst/>
+            </a:prstGeom>
+            <a:noFill/>
+          </p:spPr>
+          <p:txBody>
+            <a:bodyPr wrap="square" rtlCol="0">
+              <a:spAutoFit/>
+            </a:bodyPr>
+            <a:lstStyle/>
+            <a:p>
+              <a:pPr algn="ctr"/>
+              <a:r>
+                <a:rPr lang="en-US" altLang="zh-TW" b="1" dirty="0"/>
+                <a:t>Min</a:t>
+              </a:r>
+              <a:endParaRPr lang="zh-TW" altLang="en-US" b="1" dirty="0"/>
+            </a:p>
+          </p:txBody>
+        </p:sp>
+        <p:sp>
+          <p:nvSpPr>
+            <p:cNvPr id="12" name="文字方塊 11">
+              <a:extLst>
+                <a:ext uri="{FF2B5EF4-FFF2-40B4-BE49-F238E27FC236}">
+                  <a16:creationId xmlns:a16="http://schemas.microsoft.com/office/drawing/2014/main" id="{6E64E8F2-62C3-4486-9CB4-40E3D6CD1634}"/>
+                </a:ext>
+              </a:extLst>
+            </p:cNvPr>
+            <p:cNvSpPr txBox="1"/>
+            <p:nvPr/>
+          </p:nvSpPr>
+          <p:spPr>
+            <a:xfrm>
+              <a:off x="9239034" y="1375611"/>
+              <a:ext cx="1101436" cy="369332"/>
+            </a:xfrm>
+            <a:prstGeom prst="rect">
+              <a:avLst/>
+            </a:prstGeom>
+            <a:noFill/>
+          </p:spPr>
+          <p:txBody>
+            <a:bodyPr wrap="square" rtlCol="0">
+              <a:spAutoFit/>
+            </a:bodyPr>
+            <a:lstStyle/>
+            <a:p>
+              <a:pPr algn="ctr"/>
+              <a:r>
+                <a:rPr lang="en-US" altLang="zh-TW" b="1" dirty="0"/>
+                <a:t>Max</a:t>
+              </a:r>
+              <a:endParaRPr lang="zh-TW" altLang="en-US" b="1" dirty="0"/>
+            </a:p>
+          </p:txBody>
+        </p:sp>
+      </p:grpSp>
+      <p:grpSp>
+        <p:nvGrpSpPr>
+          <p:cNvPr id="18" name="群組 17">
+            <a:extLst>
+              <a:ext uri="{FF2B5EF4-FFF2-40B4-BE49-F238E27FC236}">
+                <a16:creationId xmlns:a16="http://schemas.microsoft.com/office/drawing/2014/main" id="{48F8542C-F8C5-48CD-BB53-E6A9C97FE02B}"/>
+              </a:ext>
+            </a:extLst>
+          </p:cNvPr>
+          <p:cNvGrpSpPr/>
+          <p:nvPr/>
+        </p:nvGrpSpPr>
+        <p:grpSpPr>
+          <a:xfrm>
+            <a:off x="6072659" y="1617726"/>
+            <a:ext cx="6298914" cy="1317655"/>
+            <a:chOff x="5983462" y="1753853"/>
+            <a:chExt cx="6298914" cy="1317655"/>
+          </a:xfrm>
+        </p:grpSpPr>
+        <p:sp>
+          <p:nvSpPr>
+            <p:cNvPr id="7" name="投影片編號版面配置區 2">
+              <a:extLst>
+                <a:ext uri="{FF2B5EF4-FFF2-40B4-BE49-F238E27FC236}">
+                  <a16:creationId xmlns:a16="http://schemas.microsoft.com/office/drawing/2014/main" id="{91A95144-8A56-4E00-B109-C3325C51D903}"/>
+                </a:ext>
+              </a:extLst>
+            </p:cNvPr>
+            <p:cNvSpPr txBox="1">
+              <a:spLocks/>
+            </p:cNvSpPr>
+            <p:nvPr/>
+          </p:nvSpPr>
+          <p:spPr>
+            <a:xfrm>
+              <a:off x="5983462" y="1753853"/>
+              <a:ext cx="6298914" cy="1164036"/>
+            </a:xfrm>
+            <a:prstGeom prst="rect">
+              <a:avLst/>
+            </a:prstGeom>
+          </p:spPr>
+          <p:txBody>
+            <a:bodyPr/>
+            <a:lstStyle>
+              <a:defPPr>
+                <a:defRPr lang="zh-TW"/>
+              </a:defPPr>
+              <a:lvl1pPr marL="0" algn="l" defTabSz="914400" rtl="0" eaLnBrk="1" latinLnBrk="0" hangingPunct="1">
+                <a:defRPr sz="1800" kern="1200">
+                  <a:solidFill>
+                    <a:schemeClr val="tx1"/>
+                  </a:solidFill>
+                  <a:latin typeface="+mn-lt"/>
+                  <a:ea typeface="+mn-ea"/>
+                  <a:cs typeface="+mn-cs"/>
+                </a:defRPr>
+              </a:lvl1pPr>
+              <a:lvl2pPr marL="457200" algn="l" defTabSz="914400" rtl="0" eaLnBrk="1" latinLnBrk="0" hangingPunct="1">
+                <a:defRPr sz="1800" kern="1200">
+                  <a:solidFill>
+                    <a:schemeClr val="tx1"/>
+                  </a:solidFill>
+                  <a:latin typeface="+mn-lt"/>
+                  <a:ea typeface="+mn-ea"/>
+                  <a:cs typeface="+mn-cs"/>
+                </a:defRPr>
+              </a:lvl2pPr>
+              <a:lvl3pPr marL="914400" algn="l" defTabSz="914400" rtl="0" eaLnBrk="1" latinLnBrk="0" hangingPunct="1">
+                <a:defRPr sz="1800" kern="1200">
+                  <a:solidFill>
+                    <a:schemeClr val="tx1"/>
+                  </a:solidFill>
+                  <a:latin typeface="+mn-lt"/>
+                  <a:ea typeface="+mn-ea"/>
+                  <a:cs typeface="+mn-cs"/>
+                </a:defRPr>
+              </a:lvl3pPr>
+              <a:lvl4pPr marL="1371600" algn="l" defTabSz="914400" rtl="0" eaLnBrk="1" latinLnBrk="0" hangingPunct="1">
+                <a:defRPr sz="1800" kern="1200">
+                  <a:solidFill>
+                    <a:schemeClr val="tx1"/>
+                  </a:solidFill>
+                  <a:latin typeface="+mn-lt"/>
+                  <a:ea typeface="+mn-ea"/>
+                  <a:cs typeface="+mn-cs"/>
+                </a:defRPr>
+              </a:lvl4pPr>
+              <a:lvl5pPr marL="1828800" algn="l" defTabSz="914400" rtl="0" eaLnBrk="1" latinLnBrk="0" hangingPunct="1">
+                <a:defRPr sz="1800" kern="1200">
+                  <a:solidFill>
+                    <a:schemeClr val="tx1"/>
+                  </a:solidFill>
+                  <a:latin typeface="+mn-lt"/>
+                  <a:ea typeface="+mn-ea"/>
+                  <a:cs typeface="+mn-cs"/>
+                </a:defRPr>
+              </a:lvl5pPr>
+              <a:lvl6pPr marL="2286000" algn="l" defTabSz="914400" rtl="0" eaLnBrk="1" latinLnBrk="0" hangingPunct="1">
+                <a:defRPr sz="1800" kern="1200">
+                  <a:solidFill>
+                    <a:schemeClr val="tx1"/>
+                  </a:solidFill>
+                  <a:latin typeface="+mn-lt"/>
+                  <a:ea typeface="+mn-ea"/>
+                  <a:cs typeface="+mn-cs"/>
+                </a:defRPr>
+              </a:lvl6pPr>
+              <a:lvl7pPr marL="2743200" algn="l" defTabSz="914400" rtl="0" eaLnBrk="1" latinLnBrk="0" hangingPunct="1">
+                <a:defRPr sz="1800" kern="1200">
+                  <a:solidFill>
+                    <a:schemeClr val="tx1"/>
+                  </a:solidFill>
+                  <a:latin typeface="+mn-lt"/>
+                  <a:ea typeface="+mn-ea"/>
+                  <a:cs typeface="+mn-cs"/>
+                </a:defRPr>
+              </a:lvl7pPr>
+              <a:lvl8pPr marL="3200400" algn="l" defTabSz="914400" rtl="0" eaLnBrk="1" latinLnBrk="0" hangingPunct="1">
+                <a:defRPr sz="1800" kern="1200">
+                  <a:solidFill>
+                    <a:schemeClr val="tx1"/>
+                  </a:solidFill>
+                  <a:latin typeface="+mn-lt"/>
+                  <a:ea typeface="+mn-ea"/>
+                  <a:cs typeface="+mn-cs"/>
+                </a:defRPr>
+              </a:lvl8pPr>
+              <a:lvl9pPr marL="3657600" algn="l" defTabSz="914400" rtl="0" eaLnBrk="1" latinLnBrk="0" hangingPunct="1">
+                <a:defRPr sz="1800" kern="1200">
+                  <a:solidFill>
+                    <a:schemeClr val="tx1"/>
+                  </a:solidFill>
+                  <a:latin typeface="+mn-lt"/>
+                  <a:ea typeface="+mn-ea"/>
+                  <a:cs typeface="+mn-cs"/>
+                </a:defRPr>
+              </a:lvl9pPr>
+            </a:lstStyle>
+            <a:p>
+              <a:pPr algn="ctr"/>
+              <a:r>
+                <a:rPr lang="en-US" altLang="zh-TW" sz="2800" b="1" dirty="0"/>
+                <a:t>2</a:t>
+              </a:r>
+              <a:r>
+                <a:rPr lang="zh-TW" altLang="en-US" sz="2800" b="1" dirty="0"/>
+                <a:t> </a:t>
+              </a:r>
+              <a:r>
+                <a:rPr lang="en-US" altLang="zh-TW" sz="2800" b="1" dirty="0"/>
+                <a:t>3</a:t>
+              </a:r>
+              <a:r>
+                <a:rPr lang="zh-TW" altLang="en-US" sz="2800" b="1" dirty="0"/>
+                <a:t> </a:t>
+              </a:r>
+              <a:r>
+                <a:rPr lang="en-US" altLang="zh-TW" sz="2800" b="1" dirty="0"/>
+                <a:t>3</a:t>
+              </a:r>
+              <a:r>
+                <a:rPr lang="zh-TW" altLang="en-US" sz="2800" b="1" dirty="0"/>
+                <a:t> </a:t>
+              </a:r>
+              <a:r>
+                <a:rPr lang="en-US" altLang="zh-TW" sz="2800" b="1" dirty="0"/>
+                <a:t>3</a:t>
+              </a:r>
+              <a:r>
+                <a:rPr lang="zh-TW" altLang="en-US" sz="2800" b="1" dirty="0"/>
+                <a:t> </a:t>
+              </a:r>
+              <a:r>
+                <a:rPr lang="en-US" altLang="zh-TW" sz="2800" b="1" dirty="0"/>
+                <a:t>3</a:t>
+              </a:r>
+              <a:r>
+                <a:rPr lang="zh-TW" altLang="en-US" sz="2800" b="1" dirty="0"/>
+                <a:t> </a:t>
+              </a:r>
+              <a:r>
+                <a:rPr lang="en-US" altLang="zh-TW" sz="2800" b="1" dirty="0"/>
+                <a:t>4</a:t>
+              </a:r>
+              <a:r>
+                <a:rPr lang="zh-TW" altLang="en-US" sz="2800" b="1" dirty="0"/>
+                <a:t> </a:t>
+              </a:r>
+              <a:r>
+                <a:rPr lang="en-US" altLang="zh-TW" sz="2800" b="1" dirty="0"/>
+                <a:t>4</a:t>
+              </a:r>
+              <a:r>
+                <a:rPr lang="zh-TW" altLang="en-US" sz="2800" b="1" dirty="0"/>
+                <a:t> </a:t>
+              </a:r>
+              <a:r>
+                <a:rPr lang="en-US" altLang="zh-TW" sz="2800" b="1" dirty="0"/>
+                <a:t>6</a:t>
+              </a:r>
+              <a:r>
+                <a:rPr lang="zh-TW" altLang="en-US" sz="2800" b="1" dirty="0"/>
+                <a:t> </a:t>
+              </a:r>
+              <a:r>
+                <a:rPr lang="en-US" altLang="zh-TW" sz="2800" b="1" dirty="0"/>
+                <a:t>6</a:t>
+              </a:r>
+              <a:r>
+                <a:rPr lang="zh-TW" altLang="en-US" sz="2800" b="1" dirty="0"/>
+                <a:t> </a:t>
+              </a:r>
+              <a:r>
+                <a:rPr lang="en-US" altLang="zh-TW" sz="2800" b="1" dirty="0"/>
+                <a:t>7</a:t>
+              </a:r>
+              <a:r>
+                <a:rPr lang="zh-TW" altLang="en-US" sz="2800" b="1" dirty="0"/>
+                <a:t> </a:t>
+              </a:r>
+              <a:r>
+                <a:rPr lang="en-US" altLang="zh-TW" sz="2800" b="1" dirty="0"/>
+                <a:t>8 10</a:t>
+              </a:r>
+            </a:p>
+            <a:p>
+              <a:pPr algn="just"/>
+              <a:r>
+                <a:rPr lang="zh-TW" altLang="en-US" sz="2800" b="1" dirty="0"/>
+                <a:t>          </a:t>
+              </a:r>
+              <a:r>
+                <a:rPr lang="en-US" altLang="zh-TW" sz="2800" b="1" dirty="0"/>
+                <a:t>|</a:t>
+              </a:r>
+              <a:r>
+                <a:rPr lang="zh-TW" altLang="en-US" sz="2800" b="1" dirty="0"/>
+                <a:t>       </a:t>
+              </a:r>
+              <a:r>
+                <a:rPr lang="en-US" altLang="zh-TW" sz="2800" b="1" dirty="0"/>
+                <a:t>|</a:t>
+              </a:r>
+              <a:r>
+                <a:rPr lang="zh-TW" altLang="en-US" sz="2800" b="1" dirty="0"/>
+                <a:t>        </a:t>
+              </a:r>
+              <a:r>
+                <a:rPr lang="en-US" altLang="zh-TW" sz="2800" b="1" dirty="0"/>
+                <a:t>|</a:t>
+              </a:r>
+              <a:r>
+                <a:rPr lang="zh-TW" altLang="en-US" sz="2800" b="1" dirty="0"/>
+                <a:t>        </a:t>
+              </a:r>
+              <a:r>
+                <a:rPr lang="en-US" altLang="zh-TW" sz="2800" b="1" dirty="0"/>
+                <a:t>|</a:t>
+              </a:r>
+              <a:r>
+                <a:rPr lang="zh-TW" altLang="en-US" sz="2800" b="1" dirty="0"/>
+                <a:t>         </a:t>
+              </a:r>
+              <a:r>
+                <a:rPr lang="en-US" altLang="zh-TW" sz="2800" b="1" dirty="0"/>
+                <a:t>|</a:t>
+              </a:r>
+              <a:endParaRPr lang="zh-TW" altLang="en-US" sz="2800" b="1" dirty="0"/>
+            </a:p>
+          </p:txBody>
+        </p:sp>
+        <p:sp>
+          <p:nvSpPr>
+            <p:cNvPr id="13" name="文字方塊 12">
+              <a:extLst>
+                <a:ext uri="{FF2B5EF4-FFF2-40B4-BE49-F238E27FC236}">
+                  <a16:creationId xmlns:a16="http://schemas.microsoft.com/office/drawing/2014/main" id="{56EC0098-6F3F-41ED-B594-701D2825F4E1}"/>
+                </a:ext>
+              </a:extLst>
+            </p:cNvPr>
+            <p:cNvSpPr txBox="1"/>
+            <p:nvPr/>
+          </p:nvSpPr>
+          <p:spPr>
+            <a:xfrm>
+              <a:off x="7510293" y="2702176"/>
+              <a:ext cx="1101436" cy="369332"/>
+            </a:xfrm>
+            <a:prstGeom prst="rect">
+              <a:avLst/>
+            </a:prstGeom>
+            <a:noFill/>
+          </p:spPr>
+          <p:txBody>
+            <a:bodyPr wrap="square" rtlCol="0">
+              <a:spAutoFit/>
+            </a:bodyPr>
+            <a:lstStyle/>
+            <a:p>
+              <a:pPr algn="ctr"/>
+              <a:r>
+                <a:rPr lang="en-US" altLang="zh-TW" b="1" dirty="0"/>
+                <a:t>Q1</a:t>
+              </a:r>
+              <a:endParaRPr lang="zh-TW" altLang="en-US" b="1" dirty="0"/>
+            </a:p>
+          </p:txBody>
+        </p:sp>
+        <p:sp>
+          <p:nvSpPr>
+            <p:cNvPr id="14" name="文字方塊 13">
+              <a:extLst>
+                <a:ext uri="{FF2B5EF4-FFF2-40B4-BE49-F238E27FC236}">
+                  <a16:creationId xmlns:a16="http://schemas.microsoft.com/office/drawing/2014/main" id="{91C4187E-4242-466A-A22A-7CA105A1B827}"/>
+                </a:ext>
+              </a:extLst>
+            </p:cNvPr>
+            <p:cNvSpPr txBox="1"/>
+            <p:nvPr/>
+          </p:nvSpPr>
+          <p:spPr>
+            <a:xfrm>
+              <a:off x="8258456" y="2702176"/>
+              <a:ext cx="1586794" cy="369332"/>
+            </a:xfrm>
+            <a:prstGeom prst="rect">
+              <a:avLst/>
+            </a:prstGeom>
+            <a:noFill/>
+          </p:spPr>
+          <p:txBody>
+            <a:bodyPr wrap="square" rtlCol="0">
+              <a:spAutoFit/>
+            </a:bodyPr>
+            <a:lstStyle/>
+            <a:p>
+              <a:pPr algn="ctr"/>
+              <a:r>
+                <a:rPr lang="en-US" altLang="zh-TW" b="1" dirty="0"/>
+                <a:t>Median</a:t>
+              </a:r>
+              <a:endParaRPr lang="zh-TW" altLang="en-US" b="1" dirty="0"/>
+            </a:p>
+          </p:txBody>
+        </p:sp>
+        <p:sp>
+          <p:nvSpPr>
+            <p:cNvPr id="15" name="文字方塊 14">
+              <a:extLst>
+                <a:ext uri="{FF2B5EF4-FFF2-40B4-BE49-F238E27FC236}">
+                  <a16:creationId xmlns:a16="http://schemas.microsoft.com/office/drawing/2014/main" id="{4F72E61B-2A61-4D9A-84DE-D9C317268F28}"/>
+                </a:ext>
+              </a:extLst>
+            </p:cNvPr>
+            <p:cNvSpPr txBox="1"/>
+            <p:nvPr/>
+          </p:nvSpPr>
+          <p:spPr>
+            <a:xfrm>
+              <a:off x="9460320" y="2702176"/>
+              <a:ext cx="1101436" cy="369332"/>
+            </a:xfrm>
+            <a:prstGeom prst="rect">
+              <a:avLst/>
+            </a:prstGeom>
+            <a:noFill/>
+          </p:spPr>
+          <p:txBody>
+            <a:bodyPr wrap="square" rtlCol="0">
+              <a:spAutoFit/>
+            </a:bodyPr>
+            <a:lstStyle/>
+            <a:p>
+              <a:pPr algn="ctr"/>
+              <a:r>
+                <a:rPr lang="en-US" altLang="zh-TW" b="1" dirty="0"/>
+                <a:t>Q3</a:t>
+              </a:r>
+              <a:endParaRPr lang="zh-TW" altLang="en-US" b="1" dirty="0"/>
+            </a:p>
+          </p:txBody>
+        </p:sp>
+        <p:sp>
+          <p:nvSpPr>
+            <p:cNvPr id="16" name="文字方塊 15">
+              <a:extLst>
+                <a:ext uri="{FF2B5EF4-FFF2-40B4-BE49-F238E27FC236}">
+                  <a16:creationId xmlns:a16="http://schemas.microsoft.com/office/drawing/2014/main" id="{2A138843-1989-4298-A6B2-EA0DD30A052B}"/>
+                </a:ext>
+              </a:extLst>
+            </p:cNvPr>
+            <p:cNvSpPr txBox="1"/>
+            <p:nvPr/>
+          </p:nvSpPr>
+          <p:spPr>
+            <a:xfrm>
+              <a:off x="6684224" y="2697721"/>
+              <a:ext cx="1101436" cy="369332"/>
+            </a:xfrm>
+            <a:prstGeom prst="rect">
+              <a:avLst/>
+            </a:prstGeom>
+            <a:noFill/>
+          </p:spPr>
+          <p:txBody>
+            <a:bodyPr wrap="square" rtlCol="0">
+              <a:spAutoFit/>
+            </a:bodyPr>
+            <a:lstStyle/>
+            <a:p>
+              <a:pPr algn="ctr"/>
+              <a:r>
+                <a:rPr lang="en-US" altLang="zh-TW" b="1" dirty="0"/>
+                <a:t>Min</a:t>
+              </a:r>
+              <a:endParaRPr lang="zh-TW" altLang="en-US" b="1" dirty="0"/>
+            </a:p>
+          </p:txBody>
+        </p:sp>
+        <p:sp>
+          <p:nvSpPr>
+            <p:cNvPr id="17" name="文字方塊 16">
+              <a:extLst>
+                <a:ext uri="{FF2B5EF4-FFF2-40B4-BE49-F238E27FC236}">
+                  <a16:creationId xmlns:a16="http://schemas.microsoft.com/office/drawing/2014/main" id="{2F1D7528-4C10-4BDA-B9F7-D0F4E29D659A}"/>
+                </a:ext>
+              </a:extLst>
+            </p:cNvPr>
+            <p:cNvSpPr txBox="1"/>
+            <p:nvPr/>
+          </p:nvSpPr>
+          <p:spPr>
+            <a:xfrm>
+              <a:off x="10536257" y="2693266"/>
+              <a:ext cx="1101436" cy="369332"/>
+            </a:xfrm>
+            <a:prstGeom prst="rect">
+              <a:avLst/>
+            </a:prstGeom>
+            <a:noFill/>
+          </p:spPr>
+          <p:txBody>
+            <a:bodyPr wrap="square" rtlCol="0">
+              <a:spAutoFit/>
+            </a:bodyPr>
+            <a:lstStyle/>
+            <a:p>
+              <a:pPr algn="ctr"/>
+              <a:r>
+                <a:rPr lang="en-US" altLang="zh-TW" b="1" dirty="0"/>
+                <a:t>Max</a:t>
+              </a:r>
+              <a:endParaRPr lang="zh-TW" altLang="en-US" b="1" dirty="0"/>
+            </a:p>
+          </p:txBody>
+        </p:sp>
+      </p:grpSp>
+      <p:sp>
+        <p:nvSpPr>
+          <p:cNvPr id="24" name="文字方塊 23">
+            <a:extLst>
+              <a:ext uri="{FF2B5EF4-FFF2-40B4-BE49-F238E27FC236}">
+                <a16:creationId xmlns:a16="http://schemas.microsoft.com/office/drawing/2014/main" id="{6FDD65C4-3C9F-49AC-9FF6-23478CE5E69E}"/>
+              </a:ext>
+            </a:extLst>
+          </p:cNvPr>
+          <p:cNvSpPr txBox="1"/>
           <p:nvPr/>
         </p:nvSpPr>
         <p:spPr>
           <a:xfrm>
-            <a:off x="4927294" y="436198"/>
-            <a:ext cx="6298914" cy="1164036"/>
+            <a:off x="8998799" y="513013"/>
+            <a:ext cx="1101436" cy="369332"/>
           </a:xfrm>
           <a:prstGeom prst="rect">
             <a:avLst/>
           </a:prstGeom>
+          <a:noFill/>
         </p:spPr>
         <p:txBody>
-          <a:bodyPr/>
-          <a:lstStyle>
-            <a:defPPr>
-              <a:defRPr lang="zh-TW"/>
-            </a:defPPr>
-            <a:lvl1pPr marL="0" algn="l" defTabSz="914400" rtl="0" eaLnBrk="1" latinLnBrk="0" hangingPunct="1">
-              <a:defRPr sz="1800" kern="1200">
-                <a:solidFill>
-                  <a:schemeClr val="tx1"/>
-                </a:solidFill>
-                <a:latin typeface="+mn-lt"/>
-                <a:ea typeface="+mn-ea"/>
-                <a:cs typeface="+mn-cs"/>
-              </a:defRPr>
-            </a:lvl1pPr>
-            <a:lvl2pPr marL="457200" algn="l" defTabSz="914400" rtl="0" eaLnBrk="1" latinLnBrk="0" hangingPunct="1">
-              <a:defRPr sz="1800" kern="1200">
-                <a:solidFill>
-                  <a:schemeClr val="tx1"/>
-                </a:solidFill>
-                <a:latin typeface="+mn-lt"/>
-                <a:ea typeface="+mn-ea"/>
-                <a:cs typeface="+mn-cs"/>
-              </a:defRPr>
-            </a:lvl2pPr>
-            <a:lvl3pPr marL="914400" algn="l" defTabSz="914400" rtl="0" eaLnBrk="1" latinLnBrk="0" hangingPunct="1">
-              <a:defRPr sz="1800" kern="1200">
-                <a:solidFill>
-                  <a:schemeClr val="tx1"/>
-                </a:solidFill>
-                <a:latin typeface="+mn-lt"/>
-                <a:ea typeface="+mn-ea"/>
-                <a:cs typeface="+mn-cs"/>
-              </a:defRPr>
-            </a:lvl3pPr>
-            <a:lvl4pPr marL="1371600" algn="l" defTabSz="914400" rtl="0" eaLnBrk="1" latinLnBrk="0" hangingPunct="1">
-              <a:defRPr sz="1800" kern="1200">
-                <a:solidFill>
-                  <a:schemeClr val="tx1"/>
-                </a:solidFill>
-                <a:latin typeface="+mn-lt"/>
-                <a:ea typeface="+mn-ea"/>
-                <a:cs typeface="+mn-cs"/>
-              </a:defRPr>
-            </a:lvl4pPr>
-            <a:lvl5pPr marL="1828800" algn="l" defTabSz="914400" rtl="0" eaLnBrk="1" latinLnBrk="0" hangingPunct="1">
-              <a:defRPr sz="1800" kern="1200">
-                <a:solidFill>
-                  <a:schemeClr val="tx1"/>
-                </a:solidFill>
-                <a:latin typeface="+mn-lt"/>
-                <a:ea typeface="+mn-ea"/>
-                <a:cs typeface="+mn-cs"/>
-              </a:defRPr>
-            </a:lvl5pPr>
-            <a:lvl6pPr marL="2286000" algn="l" defTabSz="914400" rtl="0" eaLnBrk="1" latinLnBrk="0" hangingPunct="1">
-              <a:defRPr sz="1800" kern="1200">
-                <a:solidFill>
-                  <a:schemeClr val="tx1"/>
-                </a:solidFill>
-                <a:latin typeface="+mn-lt"/>
-                <a:ea typeface="+mn-ea"/>
-                <a:cs typeface="+mn-cs"/>
-              </a:defRPr>
-            </a:lvl6pPr>
-            <a:lvl7pPr marL="2743200" algn="l" defTabSz="914400" rtl="0" eaLnBrk="1" latinLnBrk="0" hangingPunct="1">
-              <a:defRPr sz="1800" kern="1200">
-                <a:solidFill>
-                  <a:schemeClr val="tx1"/>
-                </a:solidFill>
-                <a:latin typeface="+mn-lt"/>
-                <a:ea typeface="+mn-ea"/>
-                <a:cs typeface="+mn-cs"/>
-              </a:defRPr>
-            </a:lvl7pPr>
-            <a:lvl8pPr marL="3200400" algn="l" defTabSz="914400" rtl="0" eaLnBrk="1" latinLnBrk="0" hangingPunct="1">
-              <a:defRPr sz="1800" kern="1200">
-                <a:solidFill>
-                  <a:schemeClr val="tx1"/>
-                </a:solidFill>
-                <a:latin typeface="+mn-lt"/>
-                <a:ea typeface="+mn-ea"/>
-                <a:cs typeface="+mn-cs"/>
-              </a:defRPr>
-            </a:lvl8pPr>
-            <a:lvl9pPr marL="3657600" algn="l" defTabSz="914400" rtl="0" eaLnBrk="1" latinLnBrk="0" hangingPunct="1">
-              <a:defRPr sz="1800" kern="1200">
-                <a:solidFill>
-                  <a:schemeClr val="tx1"/>
-                </a:solidFill>
-                <a:latin typeface="+mn-lt"/>
-                <a:ea typeface="+mn-ea"/>
-                <a:cs typeface="+mn-cs"/>
-              </a:defRPr>
-            </a:lvl9pPr>
-          </a:lstStyle>
+          <a:bodyPr wrap="square" rtlCol="0">
+            <a:spAutoFit/>
+          </a:bodyPr>
+          <a:lstStyle/>
           <a:p>
             <a:pPr algn="ctr"/>
             <a:r>
-              <a:rPr lang="en-US" altLang="zh-TW" sz="2800" b="1" dirty="0"/>
-              <a:t>2</a:t>
-            </a:r>
-            <a:r>
-              <a:rPr lang="zh-TW" altLang="en-US" sz="2800" b="1" dirty="0"/>
-              <a:t> </a:t>
-            </a:r>
-            <a:r>
-              <a:rPr lang="en-US" altLang="zh-TW" sz="2800" b="1" dirty="0"/>
-              <a:t>3</a:t>
-            </a:r>
-            <a:r>
-              <a:rPr lang="zh-TW" altLang="en-US" sz="2800" b="1" dirty="0"/>
-              <a:t> </a:t>
-            </a:r>
-            <a:r>
-              <a:rPr lang="en-US" altLang="zh-TW" sz="2800" b="1" dirty="0"/>
-              <a:t>3</a:t>
-            </a:r>
-            <a:r>
-              <a:rPr lang="zh-TW" altLang="en-US" sz="2800" b="1" dirty="0"/>
-              <a:t> </a:t>
-            </a:r>
-            <a:r>
-              <a:rPr lang="en-US" altLang="zh-TW" sz="2800" b="1" dirty="0"/>
-              <a:t>3</a:t>
-            </a:r>
-            <a:r>
-              <a:rPr lang="zh-TW" altLang="en-US" sz="2800" b="1" dirty="0"/>
-              <a:t> </a:t>
-            </a:r>
-            <a:r>
-              <a:rPr lang="en-US" altLang="zh-TW" sz="2800" b="1" dirty="0"/>
-              <a:t>3</a:t>
-            </a:r>
-            <a:r>
-              <a:rPr lang="zh-TW" altLang="en-US" sz="2800" b="1" dirty="0"/>
-              <a:t> </a:t>
-            </a:r>
-            <a:r>
-              <a:rPr lang="en-US" altLang="zh-TW" sz="2800" b="1" dirty="0"/>
-              <a:t>4</a:t>
-            </a:r>
-            <a:r>
-              <a:rPr lang="zh-TW" altLang="en-US" sz="2800" b="1" dirty="0"/>
-              <a:t> </a:t>
-            </a:r>
-            <a:r>
-              <a:rPr lang="en-US" altLang="zh-TW" sz="2800" b="1" dirty="0"/>
-              <a:t>4</a:t>
-            </a:r>
-            <a:r>
-              <a:rPr lang="zh-TW" altLang="en-US" sz="2800" b="1" dirty="0"/>
-              <a:t> </a:t>
-            </a:r>
-            <a:r>
-              <a:rPr lang="en-US" altLang="zh-TW" sz="2800" b="1" dirty="0"/>
-              <a:t>6</a:t>
-            </a:r>
-            <a:r>
-              <a:rPr lang="zh-TW" altLang="en-US" sz="2800" b="1" dirty="0"/>
-              <a:t> </a:t>
-            </a:r>
-            <a:r>
-              <a:rPr lang="en-US" altLang="zh-TW" sz="2800" b="1" dirty="0"/>
-              <a:t>6</a:t>
-            </a:r>
-            <a:r>
-              <a:rPr lang="zh-TW" altLang="en-US" sz="2800" b="1" dirty="0"/>
-              <a:t> </a:t>
-            </a:r>
-            <a:r>
-              <a:rPr lang="en-US" altLang="zh-TW" sz="2800" b="1" dirty="0"/>
-              <a:t>7</a:t>
-            </a:r>
-            <a:r>
-              <a:rPr lang="zh-TW" altLang="en-US" sz="2800" b="1" dirty="0"/>
-              <a:t> </a:t>
-            </a:r>
-            <a:r>
-              <a:rPr lang="en-US" altLang="zh-TW" sz="2800" b="1" dirty="0"/>
-              <a:t>8</a:t>
-            </a:r>
-          </a:p>
-          <a:p>
-            <a:pPr algn="just"/>
-            <a:r>
-              <a:rPr lang="zh-TW" altLang="en-US" sz="2800" b="1" dirty="0"/>
-              <a:t>            </a:t>
-            </a:r>
-            <a:r>
-              <a:rPr lang="en-US" altLang="zh-TW" sz="2800" b="1" dirty="0"/>
-              <a:t>|</a:t>
-            </a:r>
-            <a:r>
-              <a:rPr lang="zh-TW" altLang="en-US" sz="2800" b="1" dirty="0"/>
-              <a:t>      </a:t>
-            </a:r>
-            <a:r>
-              <a:rPr lang="en-US" altLang="zh-TW" sz="2800" b="1" dirty="0"/>
-              <a:t>|</a:t>
-            </a:r>
-            <a:r>
-              <a:rPr lang="zh-TW" altLang="en-US" sz="2800" b="1" dirty="0"/>
-              <a:t>        </a:t>
-            </a:r>
-            <a:r>
-              <a:rPr lang="en-US" altLang="zh-TW" sz="2800" b="1" dirty="0"/>
-              <a:t>|</a:t>
-            </a:r>
-            <a:r>
-              <a:rPr lang="zh-TW" altLang="en-US" sz="2800" b="1" dirty="0"/>
-              <a:t>        </a:t>
-            </a:r>
-            <a:r>
-              <a:rPr lang="en-US" altLang="zh-TW" sz="2800" b="1" dirty="0"/>
-              <a:t>|</a:t>
-            </a:r>
-            <a:r>
-              <a:rPr lang="zh-TW" altLang="en-US" sz="2800" b="1" dirty="0"/>
-              <a:t>      </a:t>
-            </a:r>
-            <a:r>
-              <a:rPr lang="en-US" altLang="zh-TW" sz="2800" b="1" dirty="0"/>
-              <a:t>|</a:t>
-            </a:r>
-            <a:endParaRPr lang="zh-TW" altLang="en-US" sz="2800" b="1" dirty="0"/>
-          </a:p>
-        </p:txBody>
-      </p:sp>
-      <p:sp>
-        <p:nvSpPr>
-          <p:cNvPr id="7" name="投影片編號版面配置區 2">
+              <a:rPr lang="en-US" altLang="zh-TW" b="1" dirty="0"/>
+              <a:t>N=11</a:t>
+            </a:r>
+            <a:endParaRPr lang="zh-TW" altLang="en-US" b="1" dirty="0"/>
+          </a:p>
+        </p:txBody>
+      </p:sp>
+      <p:sp>
+        <p:nvSpPr>
+          <p:cNvPr id="25" name="文字方塊 24">
             <a:extLst>
               <a:ext uri="{FF2B5EF4-FFF2-40B4-BE49-F238E27FC236}">
-                <a16:creationId xmlns:a16="http://schemas.microsoft.com/office/drawing/2014/main" id="{91A95144-8A56-4E00-B109-C3325C51D903}"/>
+                <a16:creationId xmlns:a16="http://schemas.microsoft.com/office/drawing/2014/main" id="{2DB8273F-A804-4CF6-8F86-9376904C0130}"/>
               </a:ext>
             </a:extLst>
           </p:cNvPr>
-          <p:cNvSpPr txBox="1">
-            <a:spLocks/>
-          </p:cNvSpPr>
+          <p:cNvSpPr txBox="1"/>
           <p:nvPr/>
         </p:nvSpPr>
         <p:spPr>
           <a:xfrm>
-            <a:off x="5983462" y="1753853"/>
-            <a:ext cx="6298914" cy="1164036"/>
+            <a:off x="11122475" y="1922674"/>
+            <a:ext cx="1101436" cy="369332"/>
           </a:xfrm>
           <a:prstGeom prst="rect">
             <a:avLst/>
           </a:prstGeom>
+          <a:noFill/>
         </p:spPr>
         <p:txBody>
-          <a:bodyPr/>
-          <a:lstStyle>
-            <a:defPPr>
-              <a:defRPr lang="zh-TW"/>
-            </a:defPPr>
-            <a:lvl1pPr marL="0" algn="l" defTabSz="914400" rtl="0" eaLnBrk="1" latinLnBrk="0" hangingPunct="1">
-              <a:defRPr sz="1800" kern="1200">
-                <a:solidFill>
-                  <a:schemeClr val="tx1"/>
-                </a:solidFill>
-                <a:latin typeface="+mn-lt"/>
-                <a:ea typeface="+mn-ea"/>
-                <a:cs typeface="+mn-cs"/>
-              </a:defRPr>
-            </a:lvl1pPr>
-            <a:lvl2pPr marL="457200" algn="l" defTabSz="914400" rtl="0" eaLnBrk="1" latinLnBrk="0" hangingPunct="1">
-              <a:defRPr sz="1800" kern="1200">
-                <a:solidFill>
-                  <a:schemeClr val="tx1"/>
-                </a:solidFill>
-                <a:latin typeface="+mn-lt"/>
-                <a:ea typeface="+mn-ea"/>
-                <a:cs typeface="+mn-cs"/>
-              </a:defRPr>
-            </a:lvl2pPr>
-            <a:lvl3pPr marL="914400" algn="l" defTabSz="914400" rtl="0" eaLnBrk="1" latinLnBrk="0" hangingPunct="1">
-              <a:defRPr sz="1800" kern="1200">
-                <a:solidFill>
-                  <a:schemeClr val="tx1"/>
-                </a:solidFill>
-                <a:latin typeface="+mn-lt"/>
-                <a:ea typeface="+mn-ea"/>
-                <a:cs typeface="+mn-cs"/>
-              </a:defRPr>
-            </a:lvl3pPr>
-            <a:lvl4pPr marL="1371600" algn="l" defTabSz="914400" rtl="0" eaLnBrk="1" latinLnBrk="0" hangingPunct="1">
-              <a:defRPr sz="1800" kern="1200">
-                <a:solidFill>
-                  <a:schemeClr val="tx1"/>
-                </a:solidFill>
-                <a:latin typeface="+mn-lt"/>
-                <a:ea typeface="+mn-ea"/>
-                <a:cs typeface="+mn-cs"/>
-              </a:defRPr>
-            </a:lvl4pPr>
-            <a:lvl5pPr marL="1828800" algn="l" defTabSz="914400" rtl="0" eaLnBrk="1" latinLnBrk="0" hangingPunct="1">
-              <a:defRPr sz="1800" kern="1200">
-                <a:solidFill>
-                  <a:schemeClr val="tx1"/>
-                </a:solidFill>
-                <a:latin typeface="+mn-lt"/>
-                <a:ea typeface="+mn-ea"/>
-                <a:cs typeface="+mn-cs"/>
-              </a:defRPr>
-            </a:lvl5pPr>
-            <a:lvl6pPr marL="2286000" algn="l" defTabSz="914400" rtl="0" eaLnBrk="1" latinLnBrk="0" hangingPunct="1">
-              <a:defRPr sz="1800" kern="1200">
-                <a:solidFill>
-                  <a:schemeClr val="tx1"/>
-                </a:solidFill>
-                <a:latin typeface="+mn-lt"/>
-                <a:ea typeface="+mn-ea"/>
-                <a:cs typeface="+mn-cs"/>
-              </a:defRPr>
-            </a:lvl6pPr>
-            <a:lvl7pPr marL="2743200" algn="l" defTabSz="914400" rtl="0" eaLnBrk="1" latinLnBrk="0" hangingPunct="1">
-              <a:defRPr sz="1800" kern="1200">
-                <a:solidFill>
-                  <a:schemeClr val="tx1"/>
-                </a:solidFill>
-                <a:latin typeface="+mn-lt"/>
-                <a:ea typeface="+mn-ea"/>
-                <a:cs typeface="+mn-cs"/>
-              </a:defRPr>
-            </a:lvl7pPr>
-            <a:lvl8pPr marL="3200400" algn="l" defTabSz="914400" rtl="0" eaLnBrk="1" latinLnBrk="0" hangingPunct="1">
-              <a:defRPr sz="1800" kern="1200">
-                <a:solidFill>
-                  <a:schemeClr val="tx1"/>
-                </a:solidFill>
-                <a:latin typeface="+mn-lt"/>
-                <a:ea typeface="+mn-ea"/>
-                <a:cs typeface="+mn-cs"/>
-              </a:defRPr>
-            </a:lvl8pPr>
-            <a:lvl9pPr marL="3657600" algn="l" defTabSz="914400" rtl="0" eaLnBrk="1" latinLnBrk="0" hangingPunct="1">
-              <a:defRPr sz="1800" kern="1200">
-                <a:solidFill>
-                  <a:schemeClr val="tx1"/>
-                </a:solidFill>
-                <a:latin typeface="+mn-lt"/>
-                <a:ea typeface="+mn-ea"/>
-                <a:cs typeface="+mn-cs"/>
-              </a:defRPr>
-            </a:lvl9pPr>
-          </a:lstStyle>
+          <a:bodyPr wrap="square" rtlCol="0">
+            <a:spAutoFit/>
+          </a:bodyPr>
+          <a:lstStyle/>
           <a:p>
             <a:pPr algn="ctr"/>
             <a:r>
-              <a:rPr lang="en-US" altLang="zh-TW" sz="2800" b="1" dirty="0"/>
-              <a:t>2</a:t>
-            </a:r>
-            <a:r>
-              <a:rPr lang="zh-TW" altLang="en-US" sz="2800" b="1" dirty="0"/>
-              <a:t> </a:t>
-            </a:r>
-            <a:r>
-              <a:rPr lang="en-US" altLang="zh-TW" sz="2800" b="1" dirty="0"/>
-              <a:t>3</a:t>
-            </a:r>
-            <a:r>
-              <a:rPr lang="zh-TW" altLang="en-US" sz="2800" b="1" dirty="0"/>
-              <a:t> </a:t>
-            </a:r>
-            <a:r>
-              <a:rPr lang="en-US" altLang="zh-TW" sz="2800" b="1" dirty="0"/>
-              <a:t>3</a:t>
-            </a:r>
-            <a:r>
-              <a:rPr lang="zh-TW" altLang="en-US" sz="2800" b="1" dirty="0"/>
-              <a:t> </a:t>
-            </a:r>
-            <a:r>
-              <a:rPr lang="en-US" altLang="zh-TW" sz="2800" b="1" dirty="0"/>
-              <a:t>3</a:t>
-            </a:r>
-            <a:r>
-              <a:rPr lang="zh-TW" altLang="en-US" sz="2800" b="1" dirty="0"/>
-              <a:t> </a:t>
-            </a:r>
-            <a:r>
-              <a:rPr lang="en-US" altLang="zh-TW" sz="2800" b="1" dirty="0"/>
-              <a:t>3</a:t>
-            </a:r>
-            <a:r>
-              <a:rPr lang="zh-TW" altLang="en-US" sz="2800" b="1" dirty="0"/>
-              <a:t> </a:t>
-            </a:r>
-            <a:r>
-              <a:rPr lang="en-US" altLang="zh-TW" sz="2800" b="1" dirty="0"/>
-              <a:t>4</a:t>
-            </a:r>
-            <a:r>
-              <a:rPr lang="zh-TW" altLang="en-US" sz="2800" b="1" dirty="0"/>
-              <a:t> </a:t>
-            </a:r>
-            <a:r>
-              <a:rPr lang="en-US" altLang="zh-TW" sz="2800" b="1" dirty="0"/>
-              <a:t>4</a:t>
-            </a:r>
-            <a:r>
-              <a:rPr lang="zh-TW" altLang="en-US" sz="2800" b="1" dirty="0"/>
-              <a:t> </a:t>
-            </a:r>
-            <a:r>
-              <a:rPr lang="en-US" altLang="zh-TW" sz="2800" b="1" dirty="0"/>
-              <a:t>6</a:t>
-            </a:r>
-            <a:r>
-              <a:rPr lang="zh-TW" altLang="en-US" sz="2800" b="1" dirty="0"/>
-              <a:t> </a:t>
-            </a:r>
-            <a:r>
-              <a:rPr lang="en-US" altLang="zh-TW" sz="2800" b="1" dirty="0"/>
-              <a:t>6</a:t>
-            </a:r>
-            <a:r>
-              <a:rPr lang="zh-TW" altLang="en-US" sz="2800" b="1" dirty="0"/>
-              <a:t> </a:t>
-            </a:r>
-            <a:r>
-              <a:rPr lang="en-US" altLang="zh-TW" sz="2800" b="1" dirty="0"/>
-              <a:t>7</a:t>
-            </a:r>
-            <a:r>
-              <a:rPr lang="zh-TW" altLang="en-US" sz="2800" b="1" dirty="0"/>
-              <a:t> </a:t>
-            </a:r>
-            <a:r>
-              <a:rPr lang="en-US" altLang="zh-TW" sz="2800" b="1" dirty="0"/>
-              <a:t>8 10</a:t>
-            </a:r>
-          </a:p>
-          <a:p>
-            <a:pPr algn="just"/>
-            <a:r>
-              <a:rPr lang="zh-TW" altLang="en-US" sz="2800" b="1" dirty="0"/>
-              <a:t>          </a:t>
-            </a:r>
-            <a:r>
-              <a:rPr lang="en-US" altLang="zh-TW" sz="2800" b="1" dirty="0"/>
-              <a:t>|</a:t>
-            </a:r>
-            <a:r>
-              <a:rPr lang="zh-TW" altLang="en-US" sz="2800" b="1" dirty="0"/>
-              <a:t>       </a:t>
-            </a:r>
-            <a:r>
-              <a:rPr lang="en-US" altLang="zh-TW" sz="2800" b="1" dirty="0"/>
-              <a:t>|</a:t>
-            </a:r>
-            <a:r>
-              <a:rPr lang="zh-TW" altLang="en-US" sz="2800" b="1" dirty="0"/>
-              <a:t>        </a:t>
-            </a:r>
-            <a:r>
-              <a:rPr lang="en-US" altLang="zh-TW" sz="2800" b="1" dirty="0"/>
-              <a:t>|</a:t>
-            </a:r>
-            <a:r>
-              <a:rPr lang="zh-TW" altLang="en-US" sz="2800" b="1" dirty="0"/>
-              <a:t>        </a:t>
-            </a:r>
-            <a:r>
-              <a:rPr lang="en-US" altLang="zh-TW" sz="2800" b="1" dirty="0"/>
-              <a:t>|</a:t>
-            </a:r>
-            <a:r>
-              <a:rPr lang="zh-TW" altLang="en-US" sz="2800" b="1" dirty="0"/>
-              <a:t>         </a:t>
-            </a:r>
-            <a:r>
-              <a:rPr lang="en-US" altLang="zh-TW" sz="2800" b="1" dirty="0"/>
-              <a:t>|</a:t>
-            </a:r>
-            <a:endParaRPr lang="zh-TW" altLang="en-US" sz="2800" b="1" dirty="0"/>
+              <a:rPr lang="en-US" altLang="zh-TW" b="1" dirty="0"/>
+              <a:t>N=12</a:t>
+            </a:r>
+            <a:endParaRPr lang="zh-TW" altLang="en-US" b="1" dirty="0"/>
           </a:p>
         </p:txBody>
       </p:sp>
@@ -14307,6 +15300,563 @@
   <p:clrMapOvr>
     <a:masterClrMapping/>
   </p:clrMapOvr>
+  <p:timing>
+    <p:tnLst>
+      <p:par>
+        <p:cTn id="1" dur="indefinite" restart="never" nodeType="tmRoot">
+          <p:childTnLst>
+            <p:seq concurrent="1" nextAc="seek">
+              <p:cTn id="2" dur="indefinite" nodeType="mainSeq">
+                <p:childTnLst>
+                  <p:par>
+                    <p:cTn id="3" fill="hold">
+                      <p:stCondLst>
+                        <p:cond delay="indefinite"/>
+                      </p:stCondLst>
+                      <p:childTnLst>
+                        <p:par>
+                          <p:cTn id="4" fill="hold">
+                            <p:stCondLst>
+                              <p:cond delay="0"/>
+                            </p:stCondLst>
+                            <p:childTnLst>
+                              <p:par>
+                                <p:cTn id="5" presetID="10" presetClass="entr" presetSubtype="0" fill="hold" nodeType="clickEffect">
+                                  <p:stCondLst>
+                                    <p:cond delay="0"/>
+                                  </p:stCondLst>
+                                  <p:childTnLst>
+                                    <p:set>
+                                      <p:cBhvr>
+                                        <p:cTn id="6" dur="1" fill="hold">
+                                          <p:stCondLst>
+                                            <p:cond delay="0"/>
+                                          </p:stCondLst>
+                                        </p:cTn>
+                                        <p:tgtEl>
+                                          <p:spTgt spid="3">
+                                            <p:txEl>
+                                              <p:pRg st="0" end="0"/>
+                                            </p:txEl>
+                                          </p:spTgt>
+                                        </p:tgtEl>
+                                        <p:attrNameLst>
+                                          <p:attrName>style.visibility</p:attrName>
+                                        </p:attrNameLst>
+                                      </p:cBhvr>
+                                      <p:to>
+                                        <p:strVal val="visible"/>
+                                      </p:to>
+                                    </p:set>
+                                    <p:animEffect transition="in" filter="fade">
+                                      <p:cBhvr>
+                                        <p:cTn id="7" dur="250"/>
+                                        <p:tgtEl>
+                                          <p:spTgt spid="3">
+                                            <p:txEl>
+                                              <p:pRg st="0" end="0"/>
+                                            </p:txEl>
+                                          </p:spTgt>
+                                        </p:tgtEl>
+                                      </p:cBhvr>
+                                    </p:animEffect>
+                                  </p:childTnLst>
+                                </p:cTn>
+                              </p:par>
+                              <p:par>
+                                <p:cTn id="8" presetID="10" presetClass="entr" presetSubtype="0" fill="hold" nodeType="withEffect">
+                                  <p:stCondLst>
+                                    <p:cond delay="0"/>
+                                  </p:stCondLst>
+                                  <p:childTnLst>
+                                    <p:set>
+                                      <p:cBhvr>
+                                        <p:cTn id="9" dur="1" fill="hold">
+                                          <p:stCondLst>
+                                            <p:cond delay="0"/>
+                                          </p:stCondLst>
+                                        </p:cTn>
+                                        <p:tgtEl>
+                                          <p:spTgt spid="3">
+                                            <p:txEl>
+                                              <p:pRg st="1" end="1"/>
+                                            </p:txEl>
+                                          </p:spTgt>
+                                        </p:tgtEl>
+                                        <p:attrNameLst>
+                                          <p:attrName>style.visibility</p:attrName>
+                                        </p:attrNameLst>
+                                      </p:cBhvr>
+                                      <p:to>
+                                        <p:strVal val="visible"/>
+                                      </p:to>
+                                    </p:set>
+                                    <p:animEffect transition="in" filter="fade">
+                                      <p:cBhvr>
+                                        <p:cTn id="10" dur="250"/>
+                                        <p:tgtEl>
+                                          <p:spTgt spid="3">
+                                            <p:txEl>
+                                              <p:pRg st="1" end="1"/>
+                                            </p:txEl>
+                                          </p:spTgt>
+                                        </p:tgtEl>
+                                      </p:cBhvr>
+                                    </p:animEffect>
+                                  </p:childTnLst>
+                                </p:cTn>
+                              </p:par>
+                              <p:par>
+                                <p:cTn id="11" presetID="10" presetClass="entr" presetSubtype="0" fill="hold" nodeType="withEffect">
+                                  <p:stCondLst>
+                                    <p:cond delay="0"/>
+                                  </p:stCondLst>
+                                  <p:childTnLst>
+                                    <p:set>
+                                      <p:cBhvr>
+                                        <p:cTn id="12" dur="1" fill="hold">
+                                          <p:stCondLst>
+                                            <p:cond delay="0"/>
+                                          </p:stCondLst>
+                                        </p:cTn>
+                                        <p:tgtEl>
+                                          <p:spTgt spid="3">
+                                            <p:txEl>
+                                              <p:pRg st="2" end="2"/>
+                                            </p:txEl>
+                                          </p:spTgt>
+                                        </p:tgtEl>
+                                        <p:attrNameLst>
+                                          <p:attrName>style.visibility</p:attrName>
+                                        </p:attrNameLst>
+                                      </p:cBhvr>
+                                      <p:to>
+                                        <p:strVal val="visible"/>
+                                      </p:to>
+                                    </p:set>
+                                    <p:animEffect transition="in" filter="fade">
+                                      <p:cBhvr>
+                                        <p:cTn id="13" dur="250"/>
+                                        <p:tgtEl>
+                                          <p:spTgt spid="3">
+                                            <p:txEl>
+                                              <p:pRg st="2" end="2"/>
+                                            </p:txEl>
+                                          </p:spTgt>
+                                        </p:tgtEl>
+                                      </p:cBhvr>
+                                    </p:animEffect>
+                                  </p:childTnLst>
+                                </p:cTn>
+                              </p:par>
+                            </p:childTnLst>
+                          </p:cTn>
+                        </p:par>
+                      </p:childTnLst>
+                    </p:cTn>
+                  </p:par>
+                  <p:par>
+                    <p:cTn id="14" fill="hold">
+                      <p:stCondLst>
+                        <p:cond delay="indefinite"/>
+                      </p:stCondLst>
+                      <p:childTnLst>
+                        <p:par>
+                          <p:cTn id="15" fill="hold">
+                            <p:stCondLst>
+                              <p:cond delay="0"/>
+                            </p:stCondLst>
+                            <p:childTnLst>
+                              <p:par>
+                                <p:cTn id="16" presetID="10" presetClass="entr" presetSubtype="0" fill="hold" nodeType="clickEffect">
+                                  <p:stCondLst>
+                                    <p:cond delay="0"/>
+                                  </p:stCondLst>
+                                  <p:childTnLst>
+                                    <p:set>
+                                      <p:cBhvr>
+                                        <p:cTn id="17" dur="1" fill="hold">
+                                          <p:stCondLst>
+                                            <p:cond delay="0"/>
+                                          </p:stCondLst>
+                                        </p:cTn>
+                                        <p:tgtEl>
+                                          <p:spTgt spid="3">
+                                            <p:txEl>
+                                              <p:pRg st="3" end="3"/>
+                                            </p:txEl>
+                                          </p:spTgt>
+                                        </p:tgtEl>
+                                        <p:attrNameLst>
+                                          <p:attrName>style.visibility</p:attrName>
+                                        </p:attrNameLst>
+                                      </p:cBhvr>
+                                      <p:to>
+                                        <p:strVal val="visible"/>
+                                      </p:to>
+                                    </p:set>
+                                    <p:animEffect transition="in" filter="fade">
+                                      <p:cBhvr>
+                                        <p:cTn id="18" dur="250"/>
+                                        <p:tgtEl>
+                                          <p:spTgt spid="3">
+                                            <p:txEl>
+                                              <p:pRg st="3" end="3"/>
+                                            </p:txEl>
+                                          </p:spTgt>
+                                        </p:tgtEl>
+                                      </p:cBhvr>
+                                    </p:animEffect>
+                                  </p:childTnLst>
+                                </p:cTn>
+                              </p:par>
+                              <p:par>
+                                <p:cTn id="19" presetID="10" presetClass="entr" presetSubtype="0" fill="hold" nodeType="withEffect">
+                                  <p:stCondLst>
+                                    <p:cond delay="0"/>
+                                  </p:stCondLst>
+                                  <p:childTnLst>
+                                    <p:set>
+                                      <p:cBhvr>
+                                        <p:cTn id="20" dur="1" fill="hold">
+                                          <p:stCondLst>
+                                            <p:cond delay="0"/>
+                                          </p:stCondLst>
+                                        </p:cTn>
+                                        <p:tgtEl>
+                                          <p:spTgt spid="3">
+                                            <p:txEl>
+                                              <p:pRg st="4" end="4"/>
+                                            </p:txEl>
+                                          </p:spTgt>
+                                        </p:tgtEl>
+                                        <p:attrNameLst>
+                                          <p:attrName>style.visibility</p:attrName>
+                                        </p:attrNameLst>
+                                      </p:cBhvr>
+                                      <p:to>
+                                        <p:strVal val="visible"/>
+                                      </p:to>
+                                    </p:set>
+                                    <p:animEffect transition="in" filter="fade">
+                                      <p:cBhvr>
+                                        <p:cTn id="21" dur="250"/>
+                                        <p:tgtEl>
+                                          <p:spTgt spid="3">
+                                            <p:txEl>
+                                              <p:pRg st="4" end="4"/>
+                                            </p:txEl>
+                                          </p:spTgt>
+                                        </p:tgtEl>
+                                      </p:cBhvr>
+                                    </p:animEffect>
+                                  </p:childTnLst>
+                                </p:cTn>
+                              </p:par>
+                              <p:par>
+                                <p:cTn id="22" presetID="10" presetClass="entr" presetSubtype="0" fill="hold" nodeType="withEffect">
+                                  <p:stCondLst>
+                                    <p:cond delay="0"/>
+                                  </p:stCondLst>
+                                  <p:childTnLst>
+                                    <p:set>
+                                      <p:cBhvr>
+                                        <p:cTn id="23" dur="1" fill="hold">
+                                          <p:stCondLst>
+                                            <p:cond delay="0"/>
+                                          </p:stCondLst>
+                                        </p:cTn>
+                                        <p:tgtEl>
+                                          <p:spTgt spid="3">
+                                            <p:txEl>
+                                              <p:pRg st="5" end="5"/>
+                                            </p:txEl>
+                                          </p:spTgt>
+                                        </p:tgtEl>
+                                        <p:attrNameLst>
+                                          <p:attrName>style.visibility</p:attrName>
+                                        </p:attrNameLst>
+                                      </p:cBhvr>
+                                      <p:to>
+                                        <p:strVal val="visible"/>
+                                      </p:to>
+                                    </p:set>
+                                    <p:animEffect transition="in" filter="fade">
+                                      <p:cBhvr>
+                                        <p:cTn id="24" dur="250"/>
+                                        <p:tgtEl>
+                                          <p:spTgt spid="3">
+                                            <p:txEl>
+                                              <p:pRg st="5" end="5"/>
+                                            </p:txEl>
+                                          </p:spTgt>
+                                        </p:tgtEl>
+                                      </p:cBhvr>
+                                    </p:animEffect>
+                                  </p:childTnLst>
+                                </p:cTn>
+                              </p:par>
+                              <p:par>
+                                <p:cTn id="25" presetID="10" presetClass="entr" presetSubtype="0" fill="hold" nodeType="withEffect">
+                                  <p:stCondLst>
+                                    <p:cond delay="0"/>
+                                  </p:stCondLst>
+                                  <p:childTnLst>
+                                    <p:set>
+                                      <p:cBhvr>
+                                        <p:cTn id="26" dur="1" fill="hold">
+                                          <p:stCondLst>
+                                            <p:cond delay="0"/>
+                                          </p:stCondLst>
+                                        </p:cTn>
+                                        <p:tgtEl>
+                                          <p:spTgt spid="3">
+                                            <p:txEl>
+                                              <p:pRg st="6" end="6"/>
+                                            </p:txEl>
+                                          </p:spTgt>
+                                        </p:tgtEl>
+                                        <p:attrNameLst>
+                                          <p:attrName>style.visibility</p:attrName>
+                                        </p:attrNameLst>
+                                      </p:cBhvr>
+                                      <p:to>
+                                        <p:strVal val="visible"/>
+                                      </p:to>
+                                    </p:set>
+                                    <p:animEffect transition="in" filter="fade">
+                                      <p:cBhvr>
+                                        <p:cTn id="27" dur="250"/>
+                                        <p:tgtEl>
+                                          <p:spTgt spid="3">
+                                            <p:txEl>
+                                              <p:pRg st="6" end="6"/>
+                                            </p:txEl>
+                                          </p:spTgt>
+                                        </p:tgtEl>
+                                      </p:cBhvr>
+                                    </p:animEffect>
+                                  </p:childTnLst>
+                                </p:cTn>
+                              </p:par>
+                              <p:par>
+                                <p:cTn id="28" presetID="10" presetClass="entr" presetSubtype="0" fill="hold" nodeType="withEffect">
+                                  <p:stCondLst>
+                                    <p:cond delay="0"/>
+                                  </p:stCondLst>
+                                  <p:childTnLst>
+                                    <p:set>
+                                      <p:cBhvr>
+                                        <p:cTn id="29" dur="1" fill="hold">
+                                          <p:stCondLst>
+                                            <p:cond delay="0"/>
+                                          </p:stCondLst>
+                                        </p:cTn>
+                                        <p:tgtEl>
+                                          <p:spTgt spid="3">
+                                            <p:txEl>
+                                              <p:pRg st="7" end="7"/>
+                                            </p:txEl>
+                                          </p:spTgt>
+                                        </p:tgtEl>
+                                        <p:attrNameLst>
+                                          <p:attrName>style.visibility</p:attrName>
+                                        </p:attrNameLst>
+                                      </p:cBhvr>
+                                      <p:to>
+                                        <p:strVal val="visible"/>
+                                      </p:to>
+                                    </p:set>
+                                    <p:animEffect transition="in" filter="fade">
+                                      <p:cBhvr>
+                                        <p:cTn id="30" dur="250"/>
+                                        <p:tgtEl>
+                                          <p:spTgt spid="3">
+                                            <p:txEl>
+                                              <p:pRg st="7" end="7"/>
+                                            </p:txEl>
+                                          </p:spTgt>
+                                        </p:tgtEl>
+                                      </p:cBhvr>
+                                    </p:animEffect>
+                                  </p:childTnLst>
+                                </p:cTn>
+                              </p:par>
+                              <p:par>
+                                <p:cTn id="31" presetID="10" presetClass="entr" presetSubtype="0" fill="hold" nodeType="withEffect">
+                                  <p:stCondLst>
+                                    <p:cond delay="0"/>
+                                  </p:stCondLst>
+                                  <p:childTnLst>
+                                    <p:set>
+                                      <p:cBhvr>
+                                        <p:cTn id="32" dur="1" fill="hold">
+                                          <p:stCondLst>
+                                            <p:cond delay="0"/>
+                                          </p:stCondLst>
+                                        </p:cTn>
+                                        <p:tgtEl>
+                                          <p:spTgt spid="3">
+                                            <p:txEl>
+                                              <p:pRg st="8" end="8"/>
+                                            </p:txEl>
+                                          </p:spTgt>
+                                        </p:tgtEl>
+                                        <p:attrNameLst>
+                                          <p:attrName>style.visibility</p:attrName>
+                                        </p:attrNameLst>
+                                      </p:cBhvr>
+                                      <p:to>
+                                        <p:strVal val="visible"/>
+                                      </p:to>
+                                    </p:set>
+                                    <p:animEffect transition="in" filter="fade">
+                                      <p:cBhvr>
+                                        <p:cTn id="33" dur="250"/>
+                                        <p:tgtEl>
+                                          <p:spTgt spid="3">
+                                            <p:txEl>
+                                              <p:pRg st="8" end="8"/>
+                                            </p:txEl>
+                                          </p:spTgt>
+                                        </p:tgtEl>
+                                      </p:cBhvr>
+                                    </p:animEffect>
+                                  </p:childTnLst>
+                                </p:cTn>
+                              </p:par>
+                            </p:childTnLst>
+                          </p:cTn>
+                        </p:par>
+                      </p:childTnLst>
+                    </p:cTn>
+                  </p:par>
+                  <p:par>
+                    <p:cTn id="34" fill="hold">
+                      <p:stCondLst>
+                        <p:cond delay="indefinite"/>
+                      </p:stCondLst>
+                      <p:childTnLst>
+                        <p:par>
+                          <p:cTn id="35" fill="hold">
+                            <p:stCondLst>
+                              <p:cond delay="0"/>
+                            </p:stCondLst>
+                            <p:childTnLst>
+                              <p:par>
+                                <p:cTn id="36" presetID="10" presetClass="entr" presetSubtype="0" fill="hold" nodeType="clickEffect">
+                                  <p:stCondLst>
+                                    <p:cond delay="0"/>
+                                  </p:stCondLst>
+                                  <p:childTnLst>
+                                    <p:set>
+                                      <p:cBhvr>
+                                        <p:cTn id="37" dur="1" fill="hold">
+                                          <p:stCondLst>
+                                            <p:cond delay="0"/>
+                                          </p:stCondLst>
+                                        </p:cTn>
+                                        <p:tgtEl>
+                                          <p:spTgt spid="3">
+                                            <p:txEl>
+                                              <p:pRg st="9" end="9"/>
+                                            </p:txEl>
+                                          </p:spTgt>
+                                        </p:tgtEl>
+                                        <p:attrNameLst>
+                                          <p:attrName>style.visibility</p:attrName>
+                                        </p:attrNameLst>
+                                      </p:cBhvr>
+                                      <p:to>
+                                        <p:strVal val="visible"/>
+                                      </p:to>
+                                    </p:set>
+                                    <p:animEffect transition="in" filter="fade">
+                                      <p:cBhvr>
+                                        <p:cTn id="38" dur="250"/>
+                                        <p:tgtEl>
+                                          <p:spTgt spid="3">
+                                            <p:txEl>
+                                              <p:pRg st="9" end="9"/>
+                                            </p:txEl>
+                                          </p:spTgt>
+                                        </p:tgtEl>
+                                      </p:cBhvr>
+                                    </p:animEffect>
+                                  </p:childTnLst>
+                                </p:cTn>
+                              </p:par>
+                              <p:par>
+                                <p:cTn id="39" presetID="10" presetClass="entr" presetSubtype="0" fill="hold" nodeType="withEffect">
+                                  <p:stCondLst>
+                                    <p:cond delay="0"/>
+                                  </p:stCondLst>
+                                  <p:childTnLst>
+                                    <p:set>
+                                      <p:cBhvr>
+                                        <p:cTn id="40" dur="1" fill="hold">
+                                          <p:stCondLst>
+                                            <p:cond delay="0"/>
+                                          </p:stCondLst>
+                                        </p:cTn>
+                                        <p:tgtEl>
+                                          <p:spTgt spid="3">
+                                            <p:txEl>
+                                              <p:pRg st="10" end="10"/>
+                                            </p:txEl>
+                                          </p:spTgt>
+                                        </p:tgtEl>
+                                        <p:attrNameLst>
+                                          <p:attrName>style.visibility</p:attrName>
+                                        </p:attrNameLst>
+                                      </p:cBhvr>
+                                      <p:to>
+                                        <p:strVal val="visible"/>
+                                      </p:to>
+                                    </p:set>
+                                    <p:animEffect transition="in" filter="fade">
+                                      <p:cBhvr>
+                                        <p:cTn id="41" dur="250"/>
+                                        <p:tgtEl>
+                                          <p:spTgt spid="3">
+                                            <p:txEl>
+                                              <p:pRg st="10" end="10"/>
+                                            </p:txEl>
+                                          </p:spTgt>
+                                        </p:tgtEl>
+                                      </p:cBhvr>
+                                    </p:animEffect>
+                                  </p:childTnLst>
+                                </p:cTn>
+                              </p:par>
+                            </p:childTnLst>
+                          </p:cTn>
+                        </p:par>
+                      </p:childTnLst>
+                    </p:cTn>
+                  </p:par>
+                </p:childTnLst>
+              </p:cTn>
+              <p:prevCondLst>
+                <p:cond evt="onPrev" delay="0">
+                  <p:tgtEl>
+                    <p:sldTgt/>
+                  </p:tgtEl>
+                </p:cond>
+              </p:prevCondLst>
+              <p:nextCondLst>
+                <p:cond evt="onNext" delay="0">
+                  <p:tgtEl>
+                    <p:sldTgt/>
+                  </p:tgtEl>
+                </p:cond>
+              </p:nextCondLst>
+            </p:seq>
+          </p:childTnLst>
+        </p:cTn>
+      </p:par>
+    </p:tnLst>
+  </p:timing>
 </p:sld>
 </file>
 

--- a/R_Presentation.pptx
+++ b/R_Presentation.pptx
@@ -5,10 +5,10 @@
     <p:sldMasterId id="2147483672" r:id="rId1"/>
   </p:sldMasterIdLst>
   <p:notesMasterIdLst>
-    <p:notesMasterId r:id="rId33"/>
+    <p:notesMasterId r:id="rId32"/>
   </p:notesMasterIdLst>
   <p:handoutMasterIdLst>
-    <p:handoutMasterId r:id="rId34"/>
+    <p:handoutMasterId r:id="rId33"/>
   </p:handoutMasterIdLst>
   <p:sldIdLst>
     <p:sldId id="295" r:id="rId2"/>
@@ -39,9 +39,8 @@
     <p:sldId id="469" r:id="rId27"/>
     <p:sldId id="458" r:id="rId28"/>
     <p:sldId id="457" r:id="rId29"/>
-    <p:sldId id="459" r:id="rId30"/>
-    <p:sldId id="460" r:id="rId31"/>
-    <p:sldId id="461" r:id="rId32"/>
+    <p:sldId id="473" r:id="rId30"/>
+    <p:sldId id="459" r:id="rId31"/>
   </p:sldIdLst>
   <p:sldSz cx="12192000" cy="6858000"/>
   <p:notesSz cx="6858000" cy="9144000"/>
@@ -3111,7 +3110,7 @@
           <a:p>
             <a:fld id="{6D1BE348-D926-4D03-B2E0-BDEC3D2EB9BC}" type="datetimeFigureOut">
               <a:rPr lang="zh-TW" altLang="en-US" smtClean="0"/>
-              <a:t>2021/08/15</a:t>
+              <a:t>2021/08/17</a:t>
             </a:fld>
             <a:endParaRPr lang="zh-TW" altLang="en-US"/>
           </a:p>
@@ -3276,7 +3275,7 @@
           <a:p>
             <a:fld id="{87265A3D-4D2E-4D39-BF1D-27D1F666250F}" type="datetimeFigureOut">
               <a:rPr lang="zh-TW" altLang="en-US" smtClean="0"/>
-              <a:t>2021/08/15</a:t>
+              <a:t>2021/08/17</a:t>
             </a:fld>
             <a:endParaRPr lang="zh-TW" altLang="en-US"/>
           </a:p>
@@ -5159,7 +5158,7 @@
           <a:p>
             <a:fld id="{C68C6DF0-5608-47A0-8CD4-A03454B05FE0}" type="datetime1">
               <a:rPr lang="zh-TW" altLang="en-US" smtClean="0"/>
-              <a:t>2021/08/15</a:t>
+              <a:t>2021/08/17</a:t>
             </a:fld>
             <a:endParaRPr lang="zh-TW" altLang="en-US"/>
           </a:p>
@@ -5329,7 +5328,7 @@
           <a:p>
             <a:fld id="{C64BF527-FB5D-413B-A717-B81CBF910C9C}" type="datetime1">
               <a:rPr lang="zh-TW" altLang="en-US" smtClean="0"/>
-              <a:t>2021/08/15</a:t>
+              <a:t>2021/08/17</a:t>
             </a:fld>
             <a:endParaRPr lang="zh-TW" altLang="en-US"/>
           </a:p>
@@ -5509,7 +5508,7 @@
           <a:p>
             <a:fld id="{2335ECC2-8EC0-47DB-987A-12E1FC9FF206}" type="datetime1">
               <a:rPr lang="zh-TW" altLang="en-US" smtClean="0"/>
-              <a:t>2021/08/15</a:t>
+              <a:t>2021/08/17</a:t>
             </a:fld>
             <a:endParaRPr lang="zh-TW" altLang="en-US"/>
           </a:p>
@@ -5692,7 +5691,7 @@
           <a:p>
             <a:fld id="{365A256B-9CA8-4446-BC99-6EC076175E43}" type="datetime1">
               <a:rPr lang="zh-TW" altLang="en-US" smtClean="0"/>
-              <a:t>2021/08/15</a:t>
+              <a:t>2021/08/17</a:t>
             </a:fld>
             <a:endParaRPr lang="zh-TW" altLang="en-US"/>
           </a:p>
@@ -5919,7 +5918,7 @@
           <a:p>
             <a:fld id="{087DD6A9-916A-4C18-A9A9-CC0EDF50809B}" type="datetime1">
               <a:rPr lang="zh-TW" altLang="en-US" smtClean="0"/>
-              <a:t>2021/08/15</a:t>
+              <a:t>2021/08/17</a:t>
             </a:fld>
             <a:endParaRPr lang="en-US" dirty="0"/>
           </a:p>
@@ -6317,7 +6316,7 @@
           <a:p>
             <a:fld id="{3B76A68D-F016-4FB6-B574-55E1018139A5}" type="datetime1">
               <a:rPr lang="zh-TW" altLang="en-US" smtClean="0"/>
-              <a:t>2021/08/15</a:t>
+              <a:t>2021/08/17</a:t>
             </a:fld>
             <a:endParaRPr lang="zh-TW" altLang="en-US"/>
           </a:p>
@@ -6508,7 +6507,7 @@
           <a:p>
             <a:fld id="{3A436D77-FCD7-47B0-A83B-8C0D33C7A660}" type="datetime1">
               <a:rPr lang="zh-TW" altLang="en-US" smtClean="0"/>
-              <a:t>2021/08/15</a:t>
+              <a:t>2021/08/17</a:t>
             </a:fld>
             <a:endParaRPr lang="zh-TW" altLang="en-US"/>
           </a:p>
@@ -6798,7 +6797,7 @@
           <a:p>
             <a:fld id="{784F50B4-1061-4951-A583-3590F36C07C8}" type="datetime1">
               <a:rPr lang="zh-TW" altLang="en-US" smtClean="0"/>
-              <a:t>2021/08/15</a:t>
+              <a:t>2021/08/17</a:t>
             </a:fld>
             <a:endParaRPr lang="zh-TW" altLang="en-US"/>
           </a:p>
@@ -7082,7 +7081,7 @@
           <a:p>
             <a:fld id="{28CA5130-F681-4645-B41A-BFA88C1559D7}" type="datetime1">
               <a:rPr lang="zh-TW" altLang="en-US" smtClean="0"/>
-              <a:t>2021/08/15</a:t>
+              <a:t>2021/08/17</a:t>
             </a:fld>
             <a:endParaRPr lang="zh-TW" altLang="en-US"/>
           </a:p>
@@ -7449,7 +7448,7 @@
           <a:p>
             <a:fld id="{628D3234-BEEA-4166-85B8-55A0CBDC80F5}" type="datetime1">
               <a:rPr lang="zh-TW" altLang="en-US" smtClean="0"/>
-              <a:t>2021/08/15</a:t>
+              <a:t>2021/08/17</a:t>
             </a:fld>
             <a:endParaRPr lang="zh-TW" altLang="en-US"/>
           </a:p>
@@ -7567,7 +7566,7 @@
           <a:p>
             <a:fld id="{1F75A323-362D-4881-8991-2374589DDBEA}" type="datetime1">
               <a:rPr lang="zh-TW" altLang="en-US" smtClean="0"/>
-              <a:t>2021/08/15</a:t>
+              <a:t>2021/08/17</a:t>
             </a:fld>
             <a:endParaRPr lang="zh-TW" altLang="en-US"/>
           </a:p>
@@ -7662,7 +7661,7 @@
           <a:p>
             <a:fld id="{82869F45-A14F-4B18-A47D-62968F2A6B94}" type="datetime1">
               <a:rPr lang="zh-TW" altLang="en-US" smtClean="0"/>
-              <a:t>2021/08/15</a:t>
+              <a:t>2021/08/17</a:t>
             </a:fld>
             <a:endParaRPr lang="zh-TW" altLang="en-US"/>
           </a:p>
@@ -7939,7 +7938,7 @@
           <a:p>
             <a:fld id="{D04F75C9-CBE3-4BA0-A4EF-E03B49DDE8F6}" type="datetime1">
               <a:rPr lang="zh-TW" altLang="en-US" smtClean="0"/>
-              <a:t>2021/08/15</a:t>
+              <a:t>2021/08/17</a:t>
             </a:fld>
             <a:endParaRPr lang="zh-TW" altLang="en-US"/>
           </a:p>
@@ -8152,7 +8151,7 @@
           <a:p>
             <a:fld id="{253A3E6B-5602-4460-BA40-5DAE1CB83E1F}" type="datetime1">
               <a:rPr lang="zh-TW" altLang="en-US" smtClean="0"/>
-              <a:t>2021/08/15</a:t>
+              <a:t>2021/08/17</a:t>
             </a:fld>
             <a:endParaRPr lang="zh-TW" altLang="en-US"/>
           </a:p>
@@ -10852,7 +10851,7 @@
             <a:pPr lvl="1"/>
             <a:r>
               <a:rPr lang="zh-TW" altLang="en-US" dirty="0"/>
-              <a:t>抽樣數</a:t>
+              <a:t>抽樣資料數</a:t>
             </a:r>
             <a:r>
               <a:rPr lang="en-US" altLang="zh-TW" dirty="0"/>
@@ -11065,6 +11064,18 @@
             <a:r>
               <a:rPr lang="zh-TW" altLang="en-US" dirty="0"/>
               <a:t>分群</a:t>
+            </a:r>
+            <a:endParaRPr lang="en-US" altLang="zh-TW" dirty="0"/>
+          </a:p>
+          <a:p>
+            <a:pPr>
+              <a:lnSpc>
+                <a:spcPct val="150000"/>
+              </a:lnSpc>
+            </a:pPr>
+            <a:r>
+              <a:rPr lang="zh-TW" altLang="en-US" dirty="0"/>
+              <a:t>課後心得</a:t>
             </a:r>
           </a:p>
         </p:txBody>
@@ -13093,10 +13104,10 @@
       </p:grpSpPr>
       <p:sp>
         <p:nvSpPr>
-          <p:cNvPr id="4" name="標題 3">
+          <p:cNvPr id="5" name="標題 4">
             <a:extLst>
               <a:ext uri="{FF2B5EF4-FFF2-40B4-BE49-F238E27FC236}">
-                <a16:creationId xmlns:a16="http://schemas.microsoft.com/office/drawing/2014/main" id="{8EBC9425-CFC0-4FC3-9107-5FE202888980}"/>
+                <a16:creationId xmlns:a16="http://schemas.microsoft.com/office/drawing/2014/main" id="{73829ED9-AD3C-43FB-A0DE-DF7A669558F8}"/>
               </a:ext>
             </a:extLst>
           </p:cNvPr>
@@ -13112,16 +13123,19 @@
           <a:bodyPr/>
           <a:lstStyle/>
           <a:p>
-            <a:endParaRPr lang="zh-TW" altLang="en-US"/>
-          </a:p>
-        </p:txBody>
-      </p:sp>
-      <p:sp>
-        <p:nvSpPr>
-          <p:cNvPr id="5" name="內容版面配置區 4">
+            <a:r>
+              <a:rPr lang="zh-TW" altLang="en-US" dirty="0"/>
+              <a:t>課後心得</a:t>
+            </a:r>
+          </a:p>
+        </p:txBody>
+      </p:sp>
+      <p:sp>
+        <p:nvSpPr>
+          <p:cNvPr id="6" name="文字版面配置區 5">
             <a:extLst>
               <a:ext uri="{FF2B5EF4-FFF2-40B4-BE49-F238E27FC236}">
-                <a16:creationId xmlns:a16="http://schemas.microsoft.com/office/drawing/2014/main" id="{35F0BE09-9033-4369-8CBC-41F8131E11A6}"/>
+                <a16:creationId xmlns:a16="http://schemas.microsoft.com/office/drawing/2014/main" id="{D9EDD6AE-9199-499B-8D7F-6D93FB0AD946}"/>
               </a:ext>
             </a:extLst>
           </p:cNvPr>
@@ -13129,7 +13143,7 @@
             <a:spLocks noGrp="1"/>
           </p:cNvSpPr>
           <p:nvPr>
-            <p:ph idx="1"/>
+            <p:ph type="body" idx="1"/>
           </p:nvPr>
         </p:nvSpPr>
         <p:spPr/>
@@ -13143,10 +13157,10 @@
       </p:sp>
       <p:sp>
         <p:nvSpPr>
-          <p:cNvPr id="3" name="投影片編號版面配置區 2">
+          <p:cNvPr id="4" name="投影片編號版面配置區 3">
             <a:extLst>
               <a:ext uri="{FF2B5EF4-FFF2-40B4-BE49-F238E27FC236}">
-                <a16:creationId xmlns:a16="http://schemas.microsoft.com/office/drawing/2014/main" id="{AB64ABD3-83C3-42CC-9281-E1FDCB978147}"/>
+                <a16:creationId xmlns:a16="http://schemas.microsoft.com/office/drawing/2014/main" id="{E150A48A-C57D-45FD-A8E0-C118B59D1FCD}"/>
               </a:ext>
             </a:extLst>
           </p:cNvPr>
@@ -13174,7 +13188,7 @@
     </p:spTree>
     <p:extLst>
       <p:ext uri="{BB962C8B-B14F-4D97-AF65-F5344CB8AC3E}">
-        <p14:creationId xmlns:p14="http://schemas.microsoft.com/office/powerpoint/2010/main" val="524460523"/>
+        <p14:creationId xmlns:p14="http://schemas.microsoft.com/office/powerpoint/2010/main" val="3581294150"/>
       </p:ext>
     </p:extLst>
   </p:cSld>
@@ -13335,7 +13349,10 @@
           <a:bodyPr/>
           <a:lstStyle/>
           <a:p>
-            <a:endParaRPr lang="zh-TW" altLang="en-US"/>
+            <a:r>
+              <a:rPr lang="zh-TW" altLang="en-US" dirty="0"/>
+              <a:t>課後心得</a:t>
+            </a:r>
           </a:p>
         </p:txBody>
       </p:sp>
@@ -13355,12 +13372,148 @@
             <p:ph idx="1"/>
           </p:nvPr>
         </p:nvSpPr>
-        <p:spPr/>
+        <p:spPr>
+          <a:xfrm>
+            <a:off x="838200" y="1036318"/>
+            <a:ext cx="10515600" cy="5513338"/>
+          </a:xfrm>
+        </p:spPr>
         <p:txBody>
           <a:bodyPr/>
           <a:lstStyle/>
           <a:p>
-            <a:endParaRPr lang="zh-TW" altLang="en-US"/>
+            <a:r>
+              <a:rPr lang="zh-TW" altLang="en-US" dirty="0"/>
+              <a:t>比較多著重於講授基礎統計的概念（內容屬於初學者的程度）</a:t>
+            </a:r>
+            <a:endParaRPr lang="en-US" altLang="zh-TW" dirty="0"/>
+          </a:p>
+          <a:p>
+            <a:pPr lvl="1"/>
+            <a:r>
+              <a:rPr lang="zh-TW" altLang="en-US" dirty="0"/>
+              <a:t>解釋統計學的專有名詞（</a:t>
+            </a:r>
+            <a:r>
+              <a:rPr lang="en-US" altLang="zh-TW" dirty="0"/>
+              <a:t>Ex.</a:t>
+            </a:r>
+            <a:r>
+              <a:rPr lang="zh-TW" altLang="en-US" dirty="0"/>
+              <a:t>平均數、中位數、標準差、母體及樣本、假設檢定等）</a:t>
+            </a:r>
+            <a:endParaRPr lang="en-US" altLang="zh-TW" dirty="0"/>
+          </a:p>
+          <a:p>
+            <a:pPr lvl="1"/>
+            <a:r>
+              <a:rPr lang="zh-TW" altLang="en-US" dirty="0"/>
+              <a:t>一些初步的機器學習的概念（</a:t>
+            </a:r>
+            <a:r>
+              <a:rPr lang="en-US" altLang="zh-TW" dirty="0"/>
+              <a:t>Ex.</a:t>
+            </a:r>
+            <a:r>
+              <a:rPr lang="zh-TW" altLang="en-US" dirty="0"/>
+              <a:t>監督式學習：迴歸、分類；非監督式學習：分群）</a:t>
+            </a:r>
+            <a:endParaRPr lang="en-US" altLang="zh-TW" dirty="0"/>
+          </a:p>
+          <a:p>
+            <a:pPr lvl="1"/>
+            <a:r>
+              <a:rPr lang="zh-TW" altLang="en-US" dirty="0"/>
+              <a:t>幾個常見統計圖表（</a:t>
+            </a:r>
+            <a:r>
+              <a:rPr lang="en-US" altLang="zh-TW" dirty="0"/>
+              <a:t>Ex.</a:t>
+            </a:r>
+            <a:r>
+              <a:rPr lang="zh-TW" altLang="en-US" dirty="0"/>
+              <a:t>長條圖、直方圖、圓餅圖等）</a:t>
+            </a:r>
+            <a:endParaRPr lang="en-US" altLang="zh-TW" dirty="0"/>
+          </a:p>
+          <a:p>
+            <a:r>
+              <a:rPr lang="zh-TW" altLang="en-US" dirty="0"/>
+              <a:t>有額外補充</a:t>
+            </a:r>
+            <a:r>
+              <a:rPr lang="en-US" altLang="zh-TW" dirty="0"/>
+              <a:t>Azure Machine Learning</a:t>
+            </a:r>
+            <a:r>
+              <a:rPr lang="zh-TW" altLang="en-US" dirty="0"/>
+              <a:t>工具</a:t>
+            </a:r>
+            <a:endParaRPr lang="en-US" altLang="zh-TW" dirty="0"/>
+          </a:p>
+          <a:p>
+            <a:pPr lvl="1"/>
+            <a:r>
+              <a:rPr lang="zh-TW" altLang="en-US" dirty="0"/>
+              <a:t>微軟的這套工具經由透過圖形介面化的方式，讓每個人都能夠簡單操作就能做機器學習的數據分析</a:t>
+            </a:r>
+            <a:endParaRPr lang="en-US" altLang="zh-TW" dirty="0"/>
+          </a:p>
+          <a:p>
+            <a:pPr lvl="1"/>
+            <a:r>
+              <a:rPr lang="zh-TW" altLang="en-US" dirty="0"/>
+              <a:t>有很多</a:t>
+            </a:r>
+            <a:r>
+              <a:rPr lang="en-US" altLang="zh-TW" dirty="0"/>
+              <a:t>ML</a:t>
+            </a:r>
+            <a:r>
+              <a:rPr lang="zh-TW" altLang="en-US" dirty="0"/>
+              <a:t>的模型都可以用</a:t>
+            </a:r>
+            <a:endParaRPr lang="en-US" altLang="zh-TW" dirty="0"/>
+          </a:p>
+          <a:p>
+            <a:pPr lvl="1"/>
+            <a:r>
+              <a:rPr lang="zh-TW" altLang="en-US" dirty="0"/>
+              <a:t>前提是資料必須是要完美處理過才可做（有明確的</a:t>
+            </a:r>
+            <a:r>
+              <a:rPr lang="en-US" altLang="zh-TW" dirty="0"/>
+              <a:t>X</a:t>
+            </a:r>
+            <a:r>
+              <a:rPr lang="zh-TW" altLang="en-US" dirty="0"/>
+              <a:t>、</a:t>
+            </a:r>
+            <a:r>
+              <a:rPr lang="en-US" altLang="zh-TW" dirty="0"/>
+              <a:t>Y</a:t>
+            </a:r>
+            <a:r>
+              <a:rPr lang="zh-TW" altLang="en-US" dirty="0"/>
+              <a:t>欄位）</a:t>
+            </a:r>
+            <a:endParaRPr lang="en-US" altLang="zh-TW" dirty="0"/>
+          </a:p>
+          <a:p>
+            <a:pPr lvl="1"/>
+            <a:r>
+              <a:rPr lang="zh-TW" altLang="en-US" dirty="0"/>
+              <a:t>假如資料是未完美處理的，這工具也是無用武之地</a:t>
+            </a:r>
+            <a:endParaRPr lang="en-US" altLang="zh-TW" dirty="0"/>
+          </a:p>
+          <a:p>
+            <a:pPr lvl="1"/>
+            <a:r>
+              <a:rPr lang="zh-TW" altLang="en-US" dirty="0"/>
+              <a:t>這工具是付費軟體</a:t>
+            </a:r>
+            <a:endParaRPr lang="en-US" altLang="zh-TW" dirty="0"/>
           </a:p>
         </p:txBody>
       </p:sp>
@@ -13397,117 +13550,7 @@
     </p:spTree>
     <p:extLst>
       <p:ext uri="{BB962C8B-B14F-4D97-AF65-F5344CB8AC3E}">
-        <p14:creationId xmlns:p14="http://schemas.microsoft.com/office/powerpoint/2010/main" val="1069901247"/>
-      </p:ext>
-    </p:extLst>
-  </p:cSld>
-  <p:clrMapOvr>
-    <a:masterClrMapping/>
-  </p:clrMapOvr>
-</p:sld>
-</file>
-
-<file path=ppt/slides/slide31.xml><?xml version="1.0" encoding="utf-8"?>
-<p:sld xmlns:a="http://schemas.openxmlformats.org/drawingml/2006/main" xmlns:r="http://schemas.openxmlformats.org/officeDocument/2006/relationships" xmlns:p="http://schemas.openxmlformats.org/presentationml/2006/main">
-  <p:cSld>
-    <p:spTree>
-      <p:nvGrpSpPr>
-        <p:cNvPr id="1" name=""/>
-        <p:cNvGrpSpPr/>
-        <p:nvPr/>
-      </p:nvGrpSpPr>
-      <p:grpSpPr>
-        <a:xfrm>
-          <a:off x="0" y="0"/>
-          <a:ext cx="0" cy="0"/>
-          <a:chOff x="0" y="0"/>
-          <a:chExt cx="0" cy="0"/>
-        </a:xfrm>
-      </p:grpSpPr>
-      <p:sp>
-        <p:nvSpPr>
-          <p:cNvPr id="4" name="標題 3">
-            <a:extLst>
-              <a:ext uri="{FF2B5EF4-FFF2-40B4-BE49-F238E27FC236}">
-                <a16:creationId xmlns:a16="http://schemas.microsoft.com/office/drawing/2014/main" id="{8EBC9425-CFC0-4FC3-9107-5FE202888980}"/>
-              </a:ext>
-            </a:extLst>
-          </p:cNvPr>
-          <p:cNvSpPr>
-            <a:spLocks noGrp="1"/>
-          </p:cNvSpPr>
-          <p:nvPr>
-            <p:ph type="title"/>
-          </p:nvPr>
-        </p:nvSpPr>
-        <p:spPr/>
-        <p:txBody>
-          <a:bodyPr/>
-          <a:lstStyle/>
-          <a:p>
-            <a:endParaRPr lang="zh-TW" altLang="en-US"/>
-          </a:p>
-        </p:txBody>
-      </p:sp>
-      <p:sp>
-        <p:nvSpPr>
-          <p:cNvPr id="5" name="內容版面配置區 4">
-            <a:extLst>
-              <a:ext uri="{FF2B5EF4-FFF2-40B4-BE49-F238E27FC236}">
-                <a16:creationId xmlns:a16="http://schemas.microsoft.com/office/drawing/2014/main" id="{35F0BE09-9033-4369-8CBC-41F8131E11A6}"/>
-              </a:ext>
-            </a:extLst>
-          </p:cNvPr>
-          <p:cNvSpPr>
-            <a:spLocks noGrp="1"/>
-          </p:cNvSpPr>
-          <p:nvPr>
-            <p:ph idx="1"/>
-          </p:nvPr>
-        </p:nvSpPr>
-        <p:spPr/>
-        <p:txBody>
-          <a:bodyPr/>
-          <a:lstStyle/>
-          <a:p>
-            <a:endParaRPr lang="zh-TW" altLang="en-US"/>
-          </a:p>
-        </p:txBody>
-      </p:sp>
-      <p:sp>
-        <p:nvSpPr>
-          <p:cNvPr id="3" name="投影片編號版面配置區 2">
-            <a:extLst>
-              <a:ext uri="{FF2B5EF4-FFF2-40B4-BE49-F238E27FC236}">
-                <a16:creationId xmlns:a16="http://schemas.microsoft.com/office/drawing/2014/main" id="{AB64ABD3-83C3-42CC-9281-E1FDCB978147}"/>
-              </a:ext>
-            </a:extLst>
-          </p:cNvPr>
-          <p:cNvSpPr>
-            <a:spLocks noGrp="1"/>
-          </p:cNvSpPr>
-          <p:nvPr>
-            <p:ph type="sldNum" sz="quarter" idx="12"/>
-          </p:nvPr>
-        </p:nvSpPr>
-        <p:spPr/>
-        <p:txBody>
-          <a:bodyPr/>
-          <a:lstStyle/>
-          <a:p>
-            <a:fld id="{0318AE31-7D37-4562-A6C9-6CAC1CEA6FBB}" type="slidenum">
-              <a:rPr lang="zh-TW" altLang="en-US" smtClean="0"/>
-              <a:pPr/>
-              <a:t>31</a:t>
-            </a:fld>
-            <a:endParaRPr lang="zh-TW" altLang="en-US"/>
-          </a:p>
-        </p:txBody>
-      </p:sp>
-    </p:spTree>
-    <p:extLst>
-      <p:ext uri="{BB962C8B-B14F-4D97-AF65-F5344CB8AC3E}">
-        <p14:creationId xmlns:p14="http://schemas.microsoft.com/office/powerpoint/2010/main" val="503361357"/>
+        <p14:creationId xmlns:p14="http://schemas.microsoft.com/office/powerpoint/2010/main" val="524460523"/>
       </p:ext>
     </p:extLst>
   </p:cSld>

--- a/R_Presentation.pptx
+++ b/R_Presentation.pptx
@@ -3850,87 +3850,7 @@
           <a:p>
             <a:r>
               <a:rPr lang="en-US" altLang="zh-TW" dirty="0"/>
-              <a:t>#</a:t>
-            </a:r>
-            <a:r>
-              <a:rPr lang="zh-TW" altLang="en-US" dirty="0"/>
-              <a:t>錯誤：</a:t>
-            </a:r>
-          </a:p>
-          <a:p>
-            <a:r>
-              <a:rPr lang="en-US" altLang="zh-TW" dirty="0"/>
-              <a:t>#(1) Type 1 Error(</a:t>
-            </a:r>
-            <a:r>
-              <a:rPr lang="zh-TW" altLang="en-US" dirty="0"/>
-              <a:t>誤殺</a:t>
-            </a:r>
-            <a:r>
-              <a:rPr lang="en-US" altLang="zh-TW" dirty="0"/>
-              <a:t>)</a:t>
-            </a:r>
-            <a:r>
-              <a:rPr lang="zh-TW" altLang="en-US" dirty="0"/>
-              <a:t>：把好品檢驗成壞品的風險</a:t>
-            </a:r>
-            <a:r>
-              <a:rPr lang="en-US" altLang="zh-TW" dirty="0"/>
-              <a:t>(</a:t>
-            </a:r>
-            <a:r>
-              <a:rPr lang="el-GR" altLang="zh-TW" dirty="0"/>
-              <a:t>α</a:t>
-            </a:r>
-            <a:r>
-              <a:rPr lang="en-US" altLang="zh-TW" dirty="0"/>
-              <a:t>=0.05)(</a:t>
-            </a:r>
-            <a:r>
-              <a:rPr lang="zh-TW" altLang="en-US" dirty="0"/>
-              <a:t>加班再生產</a:t>
-            </a:r>
-            <a:r>
-              <a:rPr lang="en-US" altLang="zh-TW" dirty="0"/>
-              <a:t>)</a:t>
-            </a:r>
-          </a:p>
-          <a:p>
-            <a:r>
-              <a:rPr lang="en-US" altLang="zh-TW" dirty="0"/>
-              <a:t>#(2) Type 2 Error(</a:t>
-            </a:r>
-            <a:r>
-              <a:rPr lang="zh-TW" altLang="en-US" dirty="0"/>
-              <a:t>露放</a:t>
-            </a:r>
-            <a:r>
-              <a:rPr lang="en-US" altLang="zh-TW" dirty="0"/>
-              <a:t>)</a:t>
-            </a:r>
-            <a:r>
-              <a:rPr lang="zh-TW" altLang="en-US" dirty="0"/>
-              <a:t>：把壞品檢驗成好品的風險</a:t>
-            </a:r>
-            <a:r>
-              <a:rPr lang="en-US" altLang="zh-TW" dirty="0"/>
-              <a:t>(</a:t>
-            </a:r>
-            <a:r>
-              <a:rPr lang="el-GR" altLang="zh-TW" dirty="0"/>
-              <a:t>β</a:t>
-            </a:r>
-            <a:r>
-              <a:rPr lang="en-US" altLang="zh-TW" dirty="0"/>
-              <a:t>=0.20)(</a:t>
-            </a:r>
-            <a:r>
-              <a:rPr lang="zh-TW" altLang="en-US" dirty="0"/>
-              <a:t>客訴的來源</a:t>
-            </a:r>
-            <a:r>
-              <a:rPr lang="en-US" altLang="zh-TW" dirty="0"/>
-              <a:t>)</a:t>
+              <a:t>ff</a:t>
             </a:r>
             <a:endParaRPr lang="zh-TW" altLang="en-US" dirty="0"/>
           </a:p>
@@ -3953,7 +3873,7 @@
           <a:p>
             <a:fld id="{EB84BAFE-DFB0-4DB6-B5BA-50FBF1975C47}" type="slidenum">
               <a:rPr lang="zh-TW" altLang="en-US" smtClean="0"/>
-              <a:t>18</a:t>
+              <a:t>13</a:t>
             </a:fld>
             <a:endParaRPr lang="zh-TW" altLang="en-US"/>
           </a:p>
@@ -3962,7 +3882,7 @@
     </p:spTree>
     <p:extLst>
       <p:ext uri="{BB962C8B-B14F-4D97-AF65-F5344CB8AC3E}">
-        <p14:creationId xmlns:p14="http://schemas.microsoft.com/office/powerpoint/2010/main" val="2853187273"/>
+        <p14:creationId xmlns:p14="http://schemas.microsoft.com/office/powerpoint/2010/main" val="1682903016"/>
       </p:ext>
     </p:extLst>
   </p:cSld>
@@ -4016,277 +3936,89 @@
           <a:bodyPr/>
           <a:lstStyle/>
           <a:p>
-            <a:pPr marL="228600" indent="-228600">
-              <a:buAutoNum type="arabicParenR"/>
-            </a:pPr>
-            <a:r>
-              <a:rPr lang="zh-TW" altLang="en-US" sz="1200" kern="1200" dirty="0">
-                <a:solidFill>
-                  <a:schemeClr val="tx1"/>
-                </a:solidFill>
-                <a:effectLst/>
-                <a:latin typeface="+mn-lt"/>
-                <a:ea typeface="+mn-ea"/>
-                <a:cs typeface="+mn-cs"/>
-              </a:rPr>
-              <a:t>𝐇𝟎</a:t>
-            </a:r>
-            <a:r>
-              <a:rPr lang="en-US" altLang="zh-TW" sz="1200" kern="1200" dirty="0">
-                <a:solidFill>
-                  <a:schemeClr val="tx1"/>
-                </a:solidFill>
-                <a:effectLst/>
-                <a:latin typeface="+mn-lt"/>
-                <a:ea typeface="+mn-ea"/>
-                <a:cs typeface="+mn-cs"/>
-              </a:rPr>
-              <a:t>: </a:t>
-            </a:r>
-            <a:r>
-              <a:rPr lang="zh-TW" altLang="en-US" sz="1200" kern="1200" dirty="0">
-                <a:solidFill>
-                  <a:schemeClr val="tx1"/>
-                </a:solidFill>
-                <a:effectLst/>
-                <a:latin typeface="+mn-lt"/>
-                <a:ea typeface="+mn-ea"/>
-                <a:cs typeface="+mn-cs"/>
-              </a:rPr>
-              <a:t>𝜷𝟏</a:t>
-            </a:r>
-            <a:r>
-              <a:rPr lang="en-US" altLang="zh-TW" sz="1200" kern="1200" dirty="0">
-                <a:solidFill>
-                  <a:schemeClr val="tx1"/>
-                </a:solidFill>
-                <a:effectLst/>
-                <a:latin typeface="+mn-lt"/>
-                <a:ea typeface="+mn-ea"/>
-                <a:cs typeface="+mn-cs"/>
-              </a:rPr>
-              <a:t>=0 (X</a:t>
-            </a:r>
-            <a:r>
-              <a:rPr lang="zh-TW" altLang="en-US" sz="1200" kern="1200" dirty="0">
-                <a:solidFill>
-                  <a:schemeClr val="tx1"/>
-                </a:solidFill>
-                <a:effectLst/>
-                <a:latin typeface="+mn-lt"/>
-                <a:ea typeface="+mn-ea"/>
-                <a:cs typeface="+mn-cs"/>
-              </a:rPr>
-              <a:t>與</a:t>
-            </a:r>
-            <a:r>
-              <a:rPr lang="en-US" altLang="zh-TW" sz="1200" kern="1200" dirty="0">
-                <a:solidFill>
-                  <a:schemeClr val="tx1"/>
-                </a:solidFill>
-                <a:effectLst/>
-                <a:latin typeface="+mn-lt"/>
-                <a:ea typeface="+mn-ea"/>
-                <a:cs typeface="+mn-cs"/>
-              </a:rPr>
-              <a:t>Y</a:t>
-            </a:r>
-            <a:r>
-              <a:rPr lang="zh-TW" altLang="en-US" sz="1200" kern="1200" dirty="0">
-                <a:solidFill>
-                  <a:schemeClr val="tx1"/>
-                </a:solidFill>
-                <a:effectLst/>
-                <a:latin typeface="+mn-lt"/>
-                <a:ea typeface="+mn-ea"/>
-                <a:cs typeface="+mn-cs"/>
-              </a:rPr>
-              <a:t>之間沒有線性關係；或對預測</a:t>
-            </a:r>
-            <a:r>
-              <a:rPr lang="en-US" altLang="zh-TW" sz="1200" kern="1200" dirty="0">
-                <a:solidFill>
-                  <a:schemeClr val="tx1"/>
-                </a:solidFill>
-                <a:effectLst/>
-                <a:latin typeface="+mn-lt"/>
-                <a:ea typeface="+mn-ea"/>
-                <a:cs typeface="+mn-cs"/>
-              </a:rPr>
-              <a:t>Y</a:t>
-            </a:r>
-            <a:r>
-              <a:rPr lang="zh-TW" altLang="en-US" sz="1200" kern="1200" dirty="0">
-                <a:solidFill>
-                  <a:schemeClr val="tx1"/>
-                </a:solidFill>
-                <a:effectLst/>
-                <a:latin typeface="+mn-lt"/>
-                <a:ea typeface="+mn-ea"/>
-                <a:cs typeface="+mn-cs"/>
-              </a:rPr>
-              <a:t>而言，迴歸模式 無法提供有用之資訊</a:t>
-            </a:r>
-            <a:r>
-              <a:rPr lang="en-US" altLang="zh-TW" sz="1200" kern="1200" dirty="0">
-                <a:solidFill>
-                  <a:schemeClr val="tx1"/>
-                </a:solidFill>
-                <a:effectLst/>
-                <a:latin typeface="+mn-lt"/>
-                <a:ea typeface="+mn-ea"/>
-                <a:cs typeface="+mn-cs"/>
-              </a:rPr>
-              <a:t>) </a:t>
-            </a:r>
-          </a:p>
-          <a:p>
-            <a:pPr marL="228600" indent="-228600">
-              <a:buAutoNum type="arabicParenR"/>
-            </a:pPr>
-            <a:r>
-              <a:rPr lang="zh-TW" altLang="en-US" sz="1200" kern="1200" dirty="0">
-                <a:solidFill>
-                  <a:schemeClr val="tx1"/>
-                </a:solidFill>
-                <a:effectLst/>
-                <a:latin typeface="+mn-lt"/>
-                <a:ea typeface="+mn-ea"/>
-                <a:cs typeface="+mn-cs"/>
-              </a:rPr>
-              <a:t>𝐇𝟏</a:t>
-            </a:r>
-            <a:r>
-              <a:rPr lang="en-US" altLang="zh-TW" sz="1200" kern="1200" dirty="0">
-                <a:solidFill>
-                  <a:schemeClr val="tx1"/>
-                </a:solidFill>
-                <a:effectLst/>
-                <a:latin typeface="+mn-lt"/>
-                <a:ea typeface="+mn-ea"/>
-                <a:cs typeface="+mn-cs"/>
-              </a:rPr>
-              <a:t>: </a:t>
-            </a:r>
-            <a:r>
-              <a:rPr lang="zh-TW" altLang="en-US" sz="1200" kern="1200" dirty="0">
-                <a:solidFill>
-                  <a:schemeClr val="tx1"/>
-                </a:solidFill>
-                <a:effectLst/>
-                <a:latin typeface="+mn-lt"/>
-                <a:ea typeface="+mn-ea"/>
-                <a:cs typeface="+mn-cs"/>
-              </a:rPr>
-              <a:t>𝜷𝟏≠</a:t>
-            </a:r>
-            <a:r>
-              <a:rPr lang="en-US" altLang="zh-TW" sz="1200" kern="1200" dirty="0">
-                <a:solidFill>
-                  <a:schemeClr val="tx1"/>
-                </a:solidFill>
-                <a:effectLst/>
-                <a:latin typeface="+mn-lt"/>
-                <a:ea typeface="+mn-ea"/>
-                <a:cs typeface="+mn-cs"/>
-              </a:rPr>
-              <a:t>0 (X</a:t>
-            </a:r>
-            <a:r>
-              <a:rPr lang="zh-TW" altLang="en-US" sz="1200" kern="1200" dirty="0">
-                <a:solidFill>
-                  <a:schemeClr val="tx1"/>
-                </a:solidFill>
-                <a:effectLst/>
-                <a:latin typeface="+mn-lt"/>
-                <a:ea typeface="+mn-ea"/>
-                <a:cs typeface="+mn-cs"/>
-              </a:rPr>
-              <a:t>與</a:t>
-            </a:r>
-            <a:r>
-              <a:rPr lang="en-US" altLang="zh-TW" sz="1200" kern="1200" dirty="0">
-                <a:solidFill>
-                  <a:schemeClr val="tx1"/>
-                </a:solidFill>
-                <a:effectLst/>
-                <a:latin typeface="+mn-lt"/>
-                <a:ea typeface="+mn-ea"/>
-                <a:cs typeface="+mn-cs"/>
-              </a:rPr>
-              <a:t>Y</a:t>
-            </a:r>
-            <a:r>
-              <a:rPr lang="zh-TW" altLang="en-US" sz="1200" kern="1200" dirty="0">
-                <a:solidFill>
-                  <a:schemeClr val="tx1"/>
-                </a:solidFill>
-                <a:effectLst/>
-                <a:latin typeface="+mn-lt"/>
-                <a:ea typeface="+mn-ea"/>
-                <a:cs typeface="+mn-cs"/>
-              </a:rPr>
-              <a:t>之間有線性關係，即斜率不為</a:t>
-            </a:r>
-            <a:r>
-              <a:rPr lang="en-US" altLang="zh-TW" sz="1200" kern="1200" dirty="0">
-                <a:solidFill>
-                  <a:schemeClr val="tx1"/>
-                </a:solidFill>
-                <a:effectLst/>
-                <a:latin typeface="+mn-lt"/>
-                <a:ea typeface="+mn-ea"/>
-                <a:cs typeface="+mn-cs"/>
-              </a:rPr>
-              <a:t>0</a:t>
-            </a:r>
-            <a:r>
-              <a:rPr lang="zh-TW" altLang="en-US" sz="1200" kern="1200" dirty="0">
-                <a:solidFill>
-                  <a:schemeClr val="tx1"/>
-                </a:solidFill>
-                <a:effectLst/>
-                <a:latin typeface="+mn-lt"/>
-                <a:ea typeface="+mn-ea"/>
-                <a:cs typeface="+mn-cs"/>
-              </a:rPr>
-              <a:t>；或在預測</a:t>
-            </a:r>
-            <a:r>
-              <a:rPr lang="en-US" altLang="zh-TW" sz="1200" kern="1200" dirty="0">
-                <a:solidFill>
-                  <a:schemeClr val="tx1"/>
-                </a:solidFill>
-                <a:effectLst/>
-                <a:latin typeface="+mn-lt"/>
-                <a:ea typeface="+mn-ea"/>
-                <a:cs typeface="+mn-cs"/>
-              </a:rPr>
-              <a:t>Y</a:t>
-            </a:r>
-            <a:r>
-              <a:rPr lang="zh-TW" altLang="en-US" sz="1200" kern="1200" dirty="0">
-                <a:solidFill>
-                  <a:schemeClr val="tx1"/>
-                </a:solidFill>
-                <a:effectLst/>
-                <a:latin typeface="+mn-lt"/>
-                <a:ea typeface="+mn-ea"/>
-                <a:cs typeface="+mn-cs"/>
-              </a:rPr>
-              <a:t>上， 迴歸模式有用</a:t>
-            </a:r>
-            <a:r>
-              <a:rPr lang="en-US" altLang="zh-TW" sz="1200" kern="1200" dirty="0">
-                <a:solidFill>
-                  <a:schemeClr val="tx1"/>
-                </a:solidFill>
-                <a:effectLst/>
-                <a:latin typeface="+mn-lt"/>
-                <a:ea typeface="+mn-ea"/>
-                <a:cs typeface="+mn-cs"/>
-              </a:rPr>
-              <a:t>) </a:t>
+            <a:r>
+              <a:rPr lang="en-US" altLang="zh-TW" dirty="0"/>
+              <a:t>#</a:t>
+            </a:r>
+            <a:r>
+              <a:rPr lang="zh-TW" altLang="en-US" dirty="0"/>
+              <a:t>錯誤：</a:t>
+            </a:r>
+          </a:p>
+          <a:p>
+            <a:r>
+              <a:rPr lang="en-US" altLang="zh-TW" dirty="0"/>
+              <a:t>#(1) Type 1 Error(</a:t>
+            </a:r>
+            <a:r>
+              <a:rPr lang="zh-TW" altLang="en-US" dirty="0"/>
+              <a:t>誤殺</a:t>
+            </a:r>
+            <a:r>
+              <a:rPr lang="en-US" altLang="zh-TW" dirty="0"/>
+              <a:t>)</a:t>
+            </a:r>
+            <a:r>
+              <a:rPr lang="zh-TW" altLang="en-US" dirty="0"/>
+              <a:t>：把好品檢驗成壞品的風險</a:t>
+            </a:r>
+            <a:r>
+              <a:rPr lang="en-US" altLang="zh-TW" dirty="0"/>
+              <a:t>(</a:t>
+            </a:r>
+            <a:r>
+              <a:rPr lang="el-GR" altLang="zh-TW" dirty="0"/>
+              <a:t>α</a:t>
+            </a:r>
+            <a:r>
+              <a:rPr lang="en-US" altLang="zh-TW" dirty="0"/>
+              <a:t>=0.05)(</a:t>
+            </a:r>
+            <a:r>
+              <a:rPr lang="zh-TW" altLang="en-US" dirty="0"/>
+              <a:t>加班再生產</a:t>
+            </a:r>
+            <a:r>
+              <a:rPr lang="en-US" altLang="zh-TW" dirty="0"/>
+              <a:t>)</a:t>
+            </a:r>
+          </a:p>
+          <a:p>
+            <a:r>
+              <a:rPr lang="en-US" altLang="zh-TW" dirty="0"/>
+              <a:t>#(2) Type 2 Error(</a:t>
+            </a:r>
+            <a:r>
+              <a:rPr lang="zh-TW" altLang="en-US" dirty="0"/>
+              <a:t>露放</a:t>
+            </a:r>
+            <a:r>
+              <a:rPr lang="en-US" altLang="zh-TW" dirty="0"/>
+              <a:t>)</a:t>
+            </a:r>
+            <a:r>
+              <a:rPr lang="zh-TW" altLang="en-US" dirty="0"/>
+              <a:t>：把壞品檢驗成好品的風險</a:t>
+            </a:r>
+            <a:r>
+              <a:rPr lang="en-US" altLang="zh-TW" dirty="0"/>
+              <a:t>(</a:t>
+            </a:r>
+            <a:r>
+              <a:rPr lang="el-GR" altLang="zh-TW" dirty="0"/>
+              <a:t>β</a:t>
+            </a:r>
+            <a:r>
+              <a:rPr lang="en-US" altLang="zh-TW" dirty="0"/>
+              <a:t>=0.20)(</a:t>
+            </a:r>
+            <a:r>
+              <a:rPr lang="zh-TW" altLang="en-US" dirty="0"/>
+              <a:t>客訴的來源</a:t>
+            </a:r>
+            <a:r>
+              <a:rPr lang="en-US" altLang="zh-TW" dirty="0"/>
+              <a:t>)</a:t>
             </a:r>
             <a:endParaRPr lang="zh-TW" altLang="en-US" dirty="0"/>
           </a:p>
@@ -4309,7 +4041,7 @@
           <a:p>
             <a:fld id="{EB84BAFE-DFB0-4DB6-B5BA-50FBF1975C47}" type="slidenum">
               <a:rPr lang="zh-TW" altLang="en-US" smtClean="0"/>
-              <a:t>24</a:t>
+              <a:t>18</a:t>
             </a:fld>
             <a:endParaRPr lang="zh-TW" altLang="en-US"/>
           </a:p>
@@ -4318,7 +4050,7 @@
     </p:spTree>
     <p:extLst>
       <p:ext uri="{BB962C8B-B14F-4D97-AF65-F5344CB8AC3E}">
-        <p14:creationId xmlns:p14="http://schemas.microsoft.com/office/powerpoint/2010/main" val="246753032"/>
+        <p14:creationId xmlns:p14="http://schemas.microsoft.com/office/powerpoint/2010/main" val="2853187273"/>
       </p:ext>
     </p:extLst>
   </p:cSld>
@@ -4372,6 +4104,362 @@
           <a:bodyPr/>
           <a:lstStyle/>
           <a:p>
+            <a:pPr marL="228600" indent="-228600">
+              <a:buAutoNum type="arabicParenR"/>
+            </a:pPr>
+            <a:r>
+              <a:rPr lang="zh-TW" altLang="en-US" sz="1200" kern="1200" dirty="0">
+                <a:solidFill>
+                  <a:schemeClr val="tx1"/>
+                </a:solidFill>
+                <a:effectLst/>
+                <a:latin typeface="+mn-lt"/>
+                <a:ea typeface="+mn-ea"/>
+                <a:cs typeface="+mn-cs"/>
+              </a:rPr>
+              <a:t>𝐇𝟎</a:t>
+            </a:r>
+            <a:r>
+              <a:rPr lang="en-US" altLang="zh-TW" sz="1200" kern="1200" dirty="0">
+                <a:solidFill>
+                  <a:schemeClr val="tx1"/>
+                </a:solidFill>
+                <a:effectLst/>
+                <a:latin typeface="+mn-lt"/>
+                <a:ea typeface="+mn-ea"/>
+                <a:cs typeface="+mn-cs"/>
+              </a:rPr>
+              <a:t>: </a:t>
+            </a:r>
+            <a:r>
+              <a:rPr lang="zh-TW" altLang="en-US" sz="1200" kern="1200" dirty="0">
+                <a:solidFill>
+                  <a:schemeClr val="tx1"/>
+                </a:solidFill>
+                <a:effectLst/>
+                <a:latin typeface="+mn-lt"/>
+                <a:ea typeface="+mn-ea"/>
+                <a:cs typeface="+mn-cs"/>
+              </a:rPr>
+              <a:t>𝜷𝟏</a:t>
+            </a:r>
+            <a:r>
+              <a:rPr lang="en-US" altLang="zh-TW" sz="1200" kern="1200" dirty="0">
+                <a:solidFill>
+                  <a:schemeClr val="tx1"/>
+                </a:solidFill>
+                <a:effectLst/>
+                <a:latin typeface="+mn-lt"/>
+                <a:ea typeface="+mn-ea"/>
+                <a:cs typeface="+mn-cs"/>
+              </a:rPr>
+              <a:t>=0 (X</a:t>
+            </a:r>
+            <a:r>
+              <a:rPr lang="zh-TW" altLang="en-US" sz="1200" kern="1200" dirty="0">
+                <a:solidFill>
+                  <a:schemeClr val="tx1"/>
+                </a:solidFill>
+                <a:effectLst/>
+                <a:latin typeface="+mn-lt"/>
+                <a:ea typeface="+mn-ea"/>
+                <a:cs typeface="+mn-cs"/>
+              </a:rPr>
+              <a:t>與</a:t>
+            </a:r>
+            <a:r>
+              <a:rPr lang="en-US" altLang="zh-TW" sz="1200" kern="1200" dirty="0">
+                <a:solidFill>
+                  <a:schemeClr val="tx1"/>
+                </a:solidFill>
+                <a:effectLst/>
+                <a:latin typeface="+mn-lt"/>
+                <a:ea typeface="+mn-ea"/>
+                <a:cs typeface="+mn-cs"/>
+              </a:rPr>
+              <a:t>Y</a:t>
+            </a:r>
+            <a:r>
+              <a:rPr lang="zh-TW" altLang="en-US" sz="1200" kern="1200" dirty="0">
+                <a:solidFill>
+                  <a:schemeClr val="tx1"/>
+                </a:solidFill>
+                <a:effectLst/>
+                <a:latin typeface="+mn-lt"/>
+                <a:ea typeface="+mn-ea"/>
+                <a:cs typeface="+mn-cs"/>
+              </a:rPr>
+              <a:t>之間沒有線性關係；或對預測</a:t>
+            </a:r>
+            <a:r>
+              <a:rPr lang="en-US" altLang="zh-TW" sz="1200" kern="1200" dirty="0">
+                <a:solidFill>
+                  <a:schemeClr val="tx1"/>
+                </a:solidFill>
+                <a:effectLst/>
+                <a:latin typeface="+mn-lt"/>
+                <a:ea typeface="+mn-ea"/>
+                <a:cs typeface="+mn-cs"/>
+              </a:rPr>
+              <a:t>Y</a:t>
+            </a:r>
+            <a:r>
+              <a:rPr lang="zh-TW" altLang="en-US" sz="1200" kern="1200" dirty="0">
+                <a:solidFill>
+                  <a:schemeClr val="tx1"/>
+                </a:solidFill>
+                <a:effectLst/>
+                <a:latin typeface="+mn-lt"/>
+                <a:ea typeface="+mn-ea"/>
+                <a:cs typeface="+mn-cs"/>
+              </a:rPr>
+              <a:t>而言，迴歸模式 無法提供有用之資訊</a:t>
+            </a:r>
+            <a:r>
+              <a:rPr lang="en-US" altLang="zh-TW" sz="1200" kern="1200" dirty="0">
+                <a:solidFill>
+                  <a:schemeClr val="tx1"/>
+                </a:solidFill>
+                <a:effectLst/>
+                <a:latin typeface="+mn-lt"/>
+                <a:ea typeface="+mn-ea"/>
+                <a:cs typeface="+mn-cs"/>
+              </a:rPr>
+              <a:t>) </a:t>
+            </a:r>
+          </a:p>
+          <a:p>
+            <a:pPr marL="228600" indent="-228600">
+              <a:buAutoNum type="arabicParenR"/>
+            </a:pPr>
+            <a:r>
+              <a:rPr lang="zh-TW" altLang="en-US" sz="1200" kern="1200" dirty="0">
+                <a:solidFill>
+                  <a:schemeClr val="tx1"/>
+                </a:solidFill>
+                <a:effectLst/>
+                <a:latin typeface="+mn-lt"/>
+                <a:ea typeface="+mn-ea"/>
+                <a:cs typeface="+mn-cs"/>
+              </a:rPr>
+              <a:t>𝐇𝟏</a:t>
+            </a:r>
+            <a:r>
+              <a:rPr lang="en-US" altLang="zh-TW" sz="1200" kern="1200" dirty="0">
+                <a:solidFill>
+                  <a:schemeClr val="tx1"/>
+                </a:solidFill>
+                <a:effectLst/>
+                <a:latin typeface="+mn-lt"/>
+                <a:ea typeface="+mn-ea"/>
+                <a:cs typeface="+mn-cs"/>
+              </a:rPr>
+              <a:t>: </a:t>
+            </a:r>
+            <a:r>
+              <a:rPr lang="zh-TW" altLang="en-US" sz="1200" kern="1200" dirty="0">
+                <a:solidFill>
+                  <a:schemeClr val="tx1"/>
+                </a:solidFill>
+                <a:effectLst/>
+                <a:latin typeface="+mn-lt"/>
+                <a:ea typeface="+mn-ea"/>
+                <a:cs typeface="+mn-cs"/>
+              </a:rPr>
+              <a:t>𝜷𝟏≠</a:t>
+            </a:r>
+            <a:r>
+              <a:rPr lang="en-US" altLang="zh-TW" sz="1200" kern="1200" dirty="0">
+                <a:solidFill>
+                  <a:schemeClr val="tx1"/>
+                </a:solidFill>
+                <a:effectLst/>
+                <a:latin typeface="+mn-lt"/>
+                <a:ea typeface="+mn-ea"/>
+                <a:cs typeface="+mn-cs"/>
+              </a:rPr>
+              <a:t>0 (X</a:t>
+            </a:r>
+            <a:r>
+              <a:rPr lang="zh-TW" altLang="en-US" sz="1200" kern="1200" dirty="0">
+                <a:solidFill>
+                  <a:schemeClr val="tx1"/>
+                </a:solidFill>
+                <a:effectLst/>
+                <a:latin typeface="+mn-lt"/>
+                <a:ea typeface="+mn-ea"/>
+                <a:cs typeface="+mn-cs"/>
+              </a:rPr>
+              <a:t>與</a:t>
+            </a:r>
+            <a:r>
+              <a:rPr lang="en-US" altLang="zh-TW" sz="1200" kern="1200" dirty="0">
+                <a:solidFill>
+                  <a:schemeClr val="tx1"/>
+                </a:solidFill>
+                <a:effectLst/>
+                <a:latin typeface="+mn-lt"/>
+                <a:ea typeface="+mn-ea"/>
+                <a:cs typeface="+mn-cs"/>
+              </a:rPr>
+              <a:t>Y</a:t>
+            </a:r>
+            <a:r>
+              <a:rPr lang="zh-TW" altLang="en-US" sz="1200" kern="1200" dirty="0">
+                <a:solidFill>
+                  <a:schemeClr val="tx1"/>
+                </a:solidFill>
+                <a:effectLst/>
+                <a:latin typeface="+mn-lt"/>
+                <a:ea typeface="+mn-ea"/>
+                <a:cs typeface="+mn-cs"/>
+              </a:rPr>
+              <a:t>之間有線性關係，即斜率不為</a:t>
+            </a:r>
+            <a:r>
+              <a:rPr lang="en-US" altLang="zh-TW" sz="1200" kern="1200" dirty="0">
+                <a:solidFill>
+                  <a:schemeClr val="tx1"/>
+                </a:solidFill>
+                <a:effectLst/>
+                <a:latin typeface="+mn-lt"/>
+                <a:ea typeface="+mn-ea"/>
+                <a:cs typeface="+mn-cs"/>
+              </a:rPr>
+              <a:t>0</a:t>
+            </a:r>
+            <a:r>
+              <a:rPr lang="zh-TW" altLang="en-US" sz="1200" kern="1200" dirty="0">
+                <a:solidFill>
+                  <a:schemeClr val="tx1"/>
+                </a:solidFill>
+                <a:effectLst/>
+                <a:latin typeface="+mn-lt"/>
+                <a:ea typeface="+mn-ea"/>
+                <a:cs typeface="+mn-cs"/>
+              </a:rPr>
+              <a:t>；或在預測</a:t>
+            </a:r>
+            <a:r>
+              <a:rPr lang="en-US" altLang="zh-TW" sz="1200" kern="1200" dirty="0">
+                <a:solidFill>
+                  <a:schemeClr val="tx1"/>
+                </a:solidFill>
+                <a:effectLst/>
+                <a:latin typeface="+mn-lt"/>
+                <a:ea typeface="+mn-ea"/>
+                <a:cs typeface="+mn-cs"/>
+              </a:rPr>
+              <a:t>Y</a:t>
+            </a:r>
+            <a:r>
+              <a:rPr lang="zh-TW" altLang="en-US" sz="1200" kern="1200" dirty="0">
+                <a:solidFill>
+                  <a:schemeClr val="tx1"/>
+                </a:solidFill>
+                <a:effectLst/>
+                <a:latin typeface="+mn-lt"/>
+                <a:ea typeface="+mn-ea"/>
+                <a:cs typeface="+mn-cs"/>
+              </a:rPr>
+              <a:t>上， 迴歸模式有用</a:t>
+            </a:r>
+            <a:r>
+              <a:rPr lang="en-US" altLang="zh-TW" sz="1200" kern="1200" dirty="0">
+                <a:solidFill>
+                  <a:schemeClr val="tx1"/>
+                </a:solidFill>
+                <a:effectLst/>
+                <a:latin typeface="+mn-lt"/>
+                <a:ea typeface="+mn-ea"/>
+                <a:cs typeface="+mn-cs"/>
+              </a:rPr>
+              <a:t>) </a:t>
+            </a:r>
+            <a:endParaRPr lang="zh-TW" altLang="en-US" dirty="0"/>
+          </a:p>
+        </p:txBody>
+      </p:sp>
+      <p:sp>
+        <p:nvSpPr>
+          <p:cNvPr id="4" name="投影片編號版面配置區 3"/>
+          <p:cNvSpPr>
+            <a:spLocks noGrp="1"/>
+          </p:cNvSpPr>
+          <p:nvPr>
+            <p:ph type="sldNum" sz="quarter" idx="5"/>
+          </p:nvPr>
+        </p:nvSpPr>
+        <p:spPr/>
+        <p:txBody>
+          <a:bodyPr/>
+          <a:lstStyle/>
+          <a:p>
+            <a:fld id="{EB84BAFE-DFB0-4DB6-B5BA-50FBF1975C47}" type="slidenum">
+              <a:rPr lang="zh-TW" altLang="en-US" smtClean="0"/>
+              <a:t>24</a:t>
+            </a:fld>
+            <a:endParaRPr lang="zh-TW" altLang="en-US"/>
+          </a:p>
+        </p:txBody>
+      </p:sp>
+    </p:spTree>
+    <p:extLst>
+      <p:ext uri="{BB962C8B-B14F-4D97-AF65-F5344CB8AC3E}">
+        <p14:creationId xmlns:p14="http://schemas.microsoft.com/office/powerpoint/2010/main" val="246753032"/>
+      </p:ext>
+    </p:extLst>
+  </p:cSld>
+  <p:clrMapOvr>
+    <a:masterClrMapping/>
+  </p:clrMapOvr>
+</p:notes>
+</file>
+
+<file path=ppt/notesSlides/notesSlide7.xml><?xml version="1.0" encoding="utf-8"?>
+<p:notes xmlns:a="http://schemas.openxmlformats.org/drawingml/2006/main" xmlns:r="http://schemas.openxmlformats.org/officeDocument/2006/relationships" xmlns:p="http://schemas.openxmlformats.org/presentationml/2006/main">
+  <p:cSld>
+    <p:spTree>
+      <p:nvGrpSpPr>
+        <p:cNvPr id="1" name=""/>
+        <p:cNvGrpSpPr/>
+        <p:nvPr/>
+      </p:nvGrpSpPr>
+      <p:grpSpPr>
+        <a:xfrm>
+          <a:off x="0" y="0"/>
+          <a:ext cx="0" cy="0"/>
+          <a:chOff x="0" y="0"/>
+          <a:chExt cx="0" cy="0"/>
+        </a:xfrm>
+      </p:grpSpPr>
+      <p:sp>
+        <p:nvSpPr>
+          <p:cNvPr id="2" name="投影片影像版面配置區 1"/>
+          <p:cNvSpPr>
+            <a:spLocks noGrp="1" noRot="1" noChangeAspect="1"/>
+          </p:cNvSpPr>
+          <p:nvPr>
+            <p:ph type="sldImg"/>
+          </p:nvPr>
+        </p:nvSpPr>
+        <p:spPr/>
+      </p:sp>
+      <p:sp>
+        <p:nvSpPr>
+          <p:cNvPr id="3" name="備忘稿版面配置區 2"/>
+          <p:cNvSpPr>
+            <a:spLocks noGrp="1"/>
+          </p:cNvSpPr>
+          <p:nvPr>
+            <p:ph type="body" idx="1"/>
+          </p:nvPr>
+        </p:nvSpPr>
+        <p:spPr/>
+        <p:txBody>
+          <a:bodyPr/>
+          <a:lstStyle/>
+          <a:p>
             <a:r>
               <a:rPr lang="en-US" altLang="zh-TW" dirty="0"/>
               <a:t>You need to take a look at </a:t>
@@ -4475,7 +4563,7 @@
 </p:notes>
 </file>
 
-<file path=ppt/notesSlides/notesSlide7.xml><?xml version="1.0" encoding="utf-8"?>
+<file path=ppt/notesSlides/notesSlide8.xml><?xml version="1.0" encoding="utf-8"?>
 <p:notes xmlns:a="http://schemas.openxmlformats.org/drawingml/2006/main" xmlns:r="http://schemas.openxmlformats.org/officeDocument/2006/relationships" xmlns:p="http://schemas.openxmlformats.org/presentationml/2006/main">
   <p:cSld>
     <p:spTree>
@@ -9172,7 +9260,7 @@
           <p:nvPr/>
         </p:nvPicPr>
         <p:blipFill>
-          <a:blip r:embed="rId2"/>
+          <a:blip r:embed="rId3"/>
           <a:stretch>
             <a:fillRect/>
           </a:stretch>
@@ -9187,6 +9275,191 @@
           </a:prstGeom>
         </p:spPr>
       </p:pic>
+      <p:sp>
+        <p:nvSpPr>
+          <p:cNvPr id="5" name="文字方塊 4">
+            <a:extLst>
+              <a:ext uri="{FF2B5EF4-FFF2-40B4-BE49-F238E27FC236}">
+                <a16:creationId xmlns:a16="http://schemas.microsoft.com/office/drawing/2014/main" id="{1BE31B0A-7A56-4E6C-B70E-CDDE530C2EEE}"/>
+              </a:ext>
+            </a:extLst>
+          </p:cNvPr>
+          <p:cNvSpPr txBox="1"/>
+          <p:nvPr/>
+        </p:nvSpPr>
+        <p:spPr>
+          <a:xfrm>
+            <a:off x="8039614" y="4020583"/>
+            <a:ext cx="1101436" cy="369332"/>
+          </a:xfrm>
+          <a:prstGeom prst="rect">
+            <a:avLst/>
+          </a:prstGeom>
+          <a:noFill/>
+        </p:spPr>
+        <p:txBody>
+          <a:bodyPr wrap="square" rtlCol="0">
+            <a:spAutoFit/>
+          </a:bodyPr>
+          <a:lstStyle/>
+          <a:p>
+            <a:pPr algn="ctr"/>
+            <a:r>
+              <a:rPr lang="en-US" altLang="zh-TW" b="1" dirty="0"/>
+              <a:t>Q1</a:t>
+            </a:r>
+            <a:endParaRPr lang="zh-TW" altLang="en-US" b="1" dirty="0"/>
+          </a:p>
+        </p:txBody>
+      </p:sp>
+      <p:sp>
+        <p:nvSpPr>
+          <p:cNvPr id="6" name="文字方塊 5">
+            <a:extLst>
+              <a:ext uri="{FF2B5EF4-FFF2-40B4-BE49-F238E27FC236}">
+                <a16:creationId xmlns:a16="http://schemas.microsoft.com/office/drawing/2014/main" id="{9C463F39-70F0-4276-9618-2BBEA8EDF661}"/>
+              </a:ext>
+            </a:extLst>
+          </p:cNvPr>
+          <p:cNvSpPr txBox="1"/>
+          <p:nvPr/>
+        </p:nvSpPr>
+        <p:spPr>
+          <a:xfrm>
+            <a:off x="7796935" y="3442905"/>
+            <a:ext cx="1586794" cy="369332"/>
+          </a:xfrm>
+          <a:prstGeom prst="rect">
+            <a:avLst/>
+          </a:prstGeom>
+          <a:noFill/>
+        </p:spPr>
+        <p:txBody>
+          <a:bodyPr wrap="square" rtlCol="0">
+            <a:spAutoFit/>
+          </a:bodyPr>
+          <a:lstStyle/>
+          <a:p>
+            <a:pPr algn="ctr"/>
+            <a:r>
+              <a:rPr lang="en-US" altLang="zh-TW" b="1" dirty="0"/>
+              <a:t>Median</a:t>
+            </a:r>
+            <a:endParaRPr lang="zh-TW" altLang="en-US" b="1" dirty="0"/>
+          </a:p>
+        </p:txBody>
+      </p:sp>
+      <p:sp>
+        <p:nvSpPr>
+          <p:cNvPr id="7" name="文字方塊 6">
+            <a:extLst>
+              <a:ext uri="{FF2B5EF4-FFF2-40B4-BE49-F238E27FC236}">
+                <a16:creationId xmlns:a16="http://schemas.microsoft.com/office/drawing/2014/main" id="{425E7CDD-EAF0-4AC9-A87C-FCA5C61FBF55}"/>
+              </a:ext>
+            </a:extLst>
+          </p:cNvPr>
+          <p:cNvSpPr txBox="1"/>
+          <p:nvPr/>
+        </p:nvSpPr>
+        <p:spPr>
+          <a:xfrm>
+            <a:off x="8039614" y="2969400"/>
+            <a:ext cx="1101436" cy="369332"/>
+          </a:xfrm>
+          <a:prstGeom prst="rect">
+            <a:avLst/>
+          </a:prstGeom>
+          <a:noFill/>
+        </p:spPr>
+        <p:txBody>
+          <a:bodyPr wrap="square" rtlCol="0">
+            <a:spAutoFit/>
+          </a:bodyPr>
+          <a:lstStyle/>
+          <a:p>
+            <a:pPr algn="ctr"/>
+            <a:r>
+              <a:rPr lang="en-US" altLang="zh-TW" b="1" dirty="0"/>
+              <a:t>Q3</a:t>
+            </a:r>
+            <a:endParaRPr lang="zh-TW" altLang="en-US" b="1" dirty="0"/>
+          </a:p>
+        </p:txBody>
+      </p:sp>
+      <p:sp>
+        <p:nvSpPr>
+          <p:cNvPr id="9" name="文字方塊 8">
+            <a:extLst>
+              <a:ext uri="{FF2B5EF4-FFF2-40B4-BE49-F238E27FC236}">
+                <a16:creationId xmlns:a16="http://schemas.microsoft.com/office/drawing/2014/main" id="{0598F3E2-1609-4220-85DE-E33351DFA9DC}"/>
+              </a:ext>
+            </a:extLst>
+          </p:cNvPr>
+          <p:cNvSpPr txBox="1"/>
+          <p:nvPr/>
+        </p:nvSpPr>
+        <p:spPr>
+          <a:xfrm>
+            <a:off x="7096859" y="2114099"/>
+            <a:ext cx="1717531" cy="369332"/>
+          </a:xfrm>
+          <a:prstGeom prst="rect">
+            <a:avLst/>
+          </a:prstGeom>
+          <a:noFill/>
+        </p:spPr>
+        <p:txBody>
+          <a:bodyPr wrap="square" rtlCol="0">
+            <a:spAutoFit/>
+          </a:bodyPr>
+          <a:lstStyle/>
+          <a:p>
+            <a:pPr algn="ctr"/>
+            <a:r>
+              <a:rPr lang="en-US" altLang="zh-TW" b="1" dirty="0"/>
+              <a:t>Q3+1.5*IQR</a:t>
+            </a:r>
+            <a:endParaRPr lang="zh-TW" altLang="en-US" b="1" dirty="0"/>
+          </a:p>
+        </p:txBody>
+      </p:sp>
+      <p:sp>
+        <p:nvSpPr>
+          <p:cNvPr id="10" name="文字方塊 9">
+            <a:extLst>
+              <a:ext uri="{FF2B5EF4-FFF2-40B4-BE49-F238E27FC236}">
+                <a16:creationId xmlns:a16="http://schemas.microsoft.com/office/drawing/2014/main" id="{838FE629-C85B-42FE-AB7F-F194DD7F1A76}"/>
+              </a:ext>
+            </a:extLst>
+          </p:cNvPr>
+          <p:cNvSpPr txBox="1"/>
+          <p:nvPr/>
+        </p:nvSpPr>
+        <p:spPr>
+          <a:xfrm>
+            <a:off x="7121394" y="4794590"/>
+            <a:ext cx="1717531" cy="369332"/>
+          </a:xfrm>
+          <a:prstGeom prst="rect">
+            <a:avLst/>
+          </a:prstGeom>
+          <a:noFill/>
+        </p:spPr>
+        <p:txBody>
+          <a:bodyPr wrap="square" rtlCol="0">
+            <a:spAutoFit/>
+          </a:bodyPr>
+          <a:lstStyle/>
+          <a:p>
+            <a:pPr algn="ctr"/>
+            <a:r>
+              <a:rPr lang="en-US" altLang="zh-TW" b="1" dirty="0"/>
+              <a:t>Q1-1.5*IQR</a:t>
+            </a:r>
+            <a:endParaRPr lang="zh-TW" altLang="en-US" b="1" dirty="0"/>
+          </a:p>
+        </p:txBody>
+      </p:sp>
     </p:spTree>
     <p:extLst>
       <p:ext uri="{BB962C8B-B14F-4D97-AF65-F5344CB8AC3E}">
@@ -13557,6 +13830,312 @@
   <p:clrMapOvr>
     <a:masterClrMapping/>
   </p:clrMapOvr>
+  <p:timing>
+    <p:tnLst>
+      <p:par>
+        <p:cTn id="1" dur="indefinite" restart="never" nodeType="tmRoot">
+          <p:childTnLst>
+            <p:seq concurrent="1" nextAc="seek">
+              <p:cTn id="2" dur="indefinite" nodeType="mainSeq">
+                <p:childTnLst>
+                  <p:par>
+                    <p:cTn id="3" fill="hold">
+                      <p:stCondLst>
+                        <p:cond delay="indefinite"/>
+                      </p:stCondLst>
+                      <p:childTnLst>
+                        <p:par>
+                          <p:cTn id="4" fill="hold">
+                            <p:stCondLst>
+                              <p:cond delay="0"/>
+                            </p:stCondLst>
+                            <p:childTnLst>
+                              <p:par>
+                                <p:cTn id="5" presetID="10" presetClass="entr" presetSubtype="0" fill="hold" nodeType="clickEffect">
+                                  <p:stCondLst>
+                                    <p:cond delay="0"/>
+                                  </p:stCondLst>
+                                  <p:childTnLst>
+                                    <p:set>
+                                      <p:cBhvr>
+                                        <p:cTn id="6" dur="1" fill="hold">
+                                          <p:stCondLst>
+                                            <p:cond delay="0"/>
+                                          </p:stCondLst>
+                                        </p:cTn>
+                                        <p:tgtEl>
+                                          <p:spTgt spid="5">
+                                            <p:txEl>
+                                              <p:pRg st="4" end="4"/>
+                                            </p:txEl>
+                                          </p:spTgt>
+                                        </p:tgtEl>
+                                        <p:attrNameLst>
+                                          <p:attrName>style.visibility</p:attrName>
+                                        </p:attrNameLst>
+                                      </p:cBhvr>
+                                      <p:to>
+                                        <p:strVal val="visible"/>
+                                      </p:to>
+                                    </p:set>
+                                    <p:animEffect transition="in" filter="fade">
+                                      <p:cBhvr>
+                                        <p:cTn id="7" dur="250"/>
+                                        <p:tgtEl>
+                                          <p:spTgt spid="5">
+                                            <p:txEl>
+                                              <p:pRg st="4" end="4"/>
+                                            </p:txEl>
+                                          </p:spTgt>
+                                        </p:tgtEl>
+                                      </p:cBhvr>
+                                    </p:animEffect>
+                                  </p:childTnLst>
+                                </p:cTn>
+                              </p:par>
+                              <p:par>
+                                <p:cTn id="8" presetID="10" presetClass="entr" presetSubtype="0" fill="hold" nodeType="withEffect">
+                                  <p:stCondLst>
+                                    <p:cond delay="0"/>
+                                  </p:stCondLst>
+                                  <p:childTnLst>
+                                    <p:set>
+                                      <p:cBhvr>
+                                        <p:cTn id="9" dur="1" fill="hold">
+                                          <p:stCondLst>
+                                            <p:cond delay="0"/>
+                                          </p:stCondLst>
+                                        </p:cTn>
+                                        <p:tgtEl>
+                                          <p:spTgt spid="5">
+                                            <p:txEl>
+                                              <p:pRg st="5" end="5"/>
+                                            </p:txEl>
+                                          </p:spTgt>
+                                        </p:tgtEl>
+                                        <p:attrNameLst>
+                                          <p:attrName>style.visibility</p:attrName>
+                                        </p:attrNameLst>
+                                      </p:cBhvr>
+                                      <p:to>
+                                        <p:strVal val="visible"/>
+                                      </p:to>
+                                    </p:set>
+                                    <p:animEffect transition="in" filter="fade">
+                                      <p:cBhvr>
+                                        <p:cTn id="10" dur="250"/>
+                                        <p:tgtEl>
+                                          <p:spTgt spid="5">
+                                            <p:txEl>
+                                              <p:pRg st="5" end="5"/>
+                                            </p:txEl>
+                                          </p:spTgt>
+                                        </p:tgtEl>
+                                      </p:cBhvr>
+                                    </p:animEffect>
+                                  </p:childTnLst>
+                                </p:cTn>
+                              </p:par>
+                              <p:par>
+                                <p:cTn id="11" presetID="10" presetClass="entr" presetSubtype="0" fill="hold" nodeType="withEffect">
+                                  <p:stCondLst>
+                                    <p:cond delay="0"/>
+                                  </p:stCondLst>
+                                  <p:childTnLst>
+                                    <p:set>
+                                      <p:cBhvr>
+                                        <p:cTn id="12" dur="1" fill="hold">
+                                          <p:stCondLst>
+                                            <p:cond delay="0"/>
+                                          </p:stCondLst>
+                                        </p:cTn>
+                                        <p:tgtEl>
+                                          <p:spTgt spid="5">
+                                            <p:txEl>
+                                              <p:pRg st="6" end="6"/>
+                                            </p:txEl>
+                                          </p:spTgt>
+                                        </p:tgtEl>
+                                        <p:attrNameLst>
+                                          <p:attrName>style.visibility</p:attrName>
+                                        </p:attrNameLst>
+                                      </p:cBhvr>
+                                      <p:to>
+                                        <p:strVal val="visible"/>
+                                      </p:to>
+                                    </p:set>
+                                    <p:animEffect transition="in" filter="fade">
+                                      <p:cBhvr>
+                                        <p:cTn id="13" dur="250"/>
+                                        <p:tgtEl>
+                                          <p:spTgt spid="5">
+                                            <p:txEl>
+                                              <p:pRg st="6" end="6"/>
+                                            </p:txEl>
+                                          </p:spTgt>
+                                        </p:tgtEl>
+                                      </p:cBhvr>
+                                    </p:animEffect>
+                                  </p:childTnLst>
+                                </p:cTn>
+                              </p:par>
+                              <p:par>
+                                <p:cTn id="14" presetID="10" presetClass="entr" presetSubtype="0" fill="hold" nodeType="withEffect">
+                                  <p:stCondLst>
+                                    <p:cond delay="0"/>
+                                  </p:stCondLst>
+                                  <p:childTnLst>
+                                    <p:set>
+                                      <p:cBhvr>
+                                        <p:cTn id="15" dur="1" fill="hold">
+                                          <p:stCondLst>
+                                            <p:cond delay="0"/>
+                                          </p:stCondLst>
+                                        </p:cTn>
+                                        <p:tgtEl>
+                                          <p:spTgt spid="5">
+                                            <p:txEl>
+                                              <p:pRg st="7" end="7"/>
+                                            </p:txEl>
+                                          </p:spTgt>
+                                        </p:tgtEl>
+                                        <p:attrNameLst>
+                                          <p:attrName>style.visibility</p:attrName>
+                                        </p:attrNameLst>
+                                      </p:cBhvr>
+                                      <p:to>
+                                        <p:strVal val="visible"/>
+                                      </p:to>
+                                    </p:set>
+                                    <p:animEffect transition="in" filter="fade">
+                                      <p:cBhvr>
+                                        <p:cTn id="16" dur="250"/>
+                                        <p:tgtEl>
+                                          <p:spTgt spid="5">
+                                            <p:txEl>
+                                              <p:pRg st="7" end="7"/>
+                                            </p:txEl>
+                                          </p:spTgt>
+                                        </p:tgtEl>
+                                      </p:cBhvr>
+                                    </p:animEffect>
+                                  </p:childTnLst>
+                                </p:cTn>
+                              </p:par>
+                              <p:par>
+                                <p:cTn id="17" presetID="10" presetClass="entr" presetSubtype="0" fill="hold" nodeType="withEffect">
+                                  <p:stCondLst>
+                                    <p:cond delay="0"/>
+                                  </p:stCondLst>
+                                  <p:childTnLst>
+                                    <p:set>
+                                      <p:cBhvr>
+                                        <p:cTn id="18" dur="1" fill="hold">
+                                          <p:stCondLst>
+                                            <p:cond delay="0"/>
+                                          </p:stCondLst>
+                                        </p:cTn>
+                                        <p:tgtEl>
+                                          <p:spTgt spid="5">
+                                            <p:txEl>
+                                              <p:pRg st="8" end="8"/>
+                                            </p:txEl>
+                                          </p:spTgt>
+                                        </p:tgtEl>
+                                        <p:attrNameLst>
+                                          <p:attrName>style.visibility</p:attrName>
+                                        </p:attrNameLst>
+                                      </p:cBhvr>
+                                      <p:to>
+                                        <p:strVal val="visible"/>
+                                      </p:to>
+                                    </p:set>
+                                    <p:animEffect transition="in" filter="fade">
+                                      <p:cBhvr>
+                                        <p:cTn id="19" dur="250"/>
+                                        <p:tgtEl>
+                                          <p:spTgt spid="5">
+                                            <p:txEl>
+                                              <p:pRg st="8" end="8"/>
+                                            </p:txEl>
+                                          </p:spTgt>
+                                        </p:tgtEl>
+                                      </p:cBhvr>
+                                    </p:animEffect>
+                                  </p:childTnLst>
+                                </p:cTn>
+                              </p:par>
+                              <p:par>
+                                <p:cTn id="20" presetID="10" presetClass="entr" presetSubtype="0" fill="hold" nodeType="withEffect">
+                                  <p:stCondLst>
+                                    <p:cond delay="0"/>
+                                  </p:stCondLst>
+                                  <p:childTnLst>
+                                    <p:set>
+                                      <p:cBhvr>
+                                        <p:cTn id="21" dur="1" fill="hold">
+                                          <p:stCondLst>
+                                            <p:cond delay="0"/>
+                                          </p:stCondLst>
+                                        </p:cTn>
+                                        <p:tgtEl>
+                                          <p:spTgt spid="5">
+                                            <p:txEl>
+                                              <p:pRg st="9" end="9"/>
+                                            </p:txEl>
+                                          </p:spTgt>
+                                        </p:tgtEl>
+                                        <p:attrNameLst>
+                                          <p:attrName>style.visibility</p:attrName>
+                                        </p:attrNameLst>
+                                      </p:cBhvr>
+                                      <p:to>
+                                        <p:strVal val="visible"/>
+                                      </p:to>
+                                    </p:set>
+                                    <p:animEffect transition="in" filter="fade">
+                                      <p:cBhvr>
+                                        <p:cTn id="22" dur="250"/>
+                                        <p:tgtEl>
+                                          <p:spTgt spid="5">
+                                            <p:txEl>
+                                              <p:pRg st="9" end="9"/>
+                                            </p:txEl>
+                                          </p:spTgt>
+                                        </p:tgtEl>
+                                      </p:cBhvr>
+                                    </p:animEffect>
+                                  </p:childTnLst>
+                                </p:cTn>
+                              </p:par>
+                            </p:childTnLst>
+                          </p:cTn>
+                        </p:par>
+                      </p:childTnLst>
+                    </p:cTn>
+                  </p:par>
+                </p:childTnLst>
+              </p:cTn>
+              <p:prevCondLst>
+                <p:cond evt="onPrev" delay="0">
+                  <p:tgtEl>
+                    <p:sldTgt/>
+                  </p:tgtEl>
+                </p:cond>
+              </p:prevCondLst>
+              <p:nextCondLst>
+                <p:cond evt="onNext" delay="0">
+                  <p:tgtEl>
+                    <p:sldTgt/>
+                  </p:tgtEl>
+                </p:cond>
+              </p:nextCondLst>
+            </p:seq>
+          </p:childTnLst>
+        </p:cTn>
+      </p:par>
+    </p:tnLst>
+  </p:timing>
 </p:sld>
 </file>
 
